--- a/Documents/Projektskizze/Projektskizze_Präsentation_v1.pptx
+++ b/Documents/Projektskizze/Projektskizze_Präsentation_v1.pptx
@@ -301,7 +301,7 @@
           <a:p>
             <a:fld id="{1BA50D42-C9CD-4801-B293-61D1F53EC57E}" type="datetimeFigureOut">
               <a:rPr lang="de-DE" smtClean="0"/>
-              <a:t>25.09.2014</a:t>
+              <a:t>25/09/14</a:t>
             </a:fld>
             <a:endParaRPr lang="de-DE"/>
           </a:p>
@@ -324,7 +324,7 @@
           <a:p>
             <a:fld id="{6C6AE60A-B69C-4790-82F7-3882EDF23186}" type="slidenum">
               <a:rPr lang="de-DE" smtClean="0"/>
-              <a:t>‹#›</a:t>
+              <a:t>‹Nr.›</a:t>
             </a:fld>
             <a:endParaRPr lang="de-DE"/>
           </a:p>
@@ -466,7 +466,7 @@
           <a:p>
             <a:fld id="{1BA50D42-C9CD-4801-B293-61D1F53EC57E}" type="datetimeFigureOut">
               <a:rPr lang="de-DE" smtClean="0"/>
-              <a:t>25.09.2014</a:t>
+              <a:t>25/09/14</a:t>
             </a:fld>
             <a:endParaRPr lang="de-DE"/>
           </a:p>
@@ -508,7 +508,7 @@
           <a:p>
             <a:fld id="{6C6AE60A-B69C-4790-82F7-3882EDF23186}" type="slidenum">
               <a:rPr lang="de-DE" smtClean="0"/>
-              <a:t>‹#›</a:t>
+              <a:t>‹Nr.›</a:t>
             </a:fld>
             <a:endParaRPr lang="de-DE"/>
           </a:p>
@@ -641,7 +641,7 @@
           <a:p>
             <a:fld id="{1BA50D42-C9CD-4801-B293-61D1F53EC57E}" type="datetimeFigureOut">
               <a:rPr lang="de-DE" smtClean="0"/>
-              <a:t>25.09.2014</a:t>
+              <a:t>25/09/14</a:t>
             </a:fld>
             <a:endParaRPr lang="de-DE"/>
           </a:p>
@@ -683,7 +683,7 @@
           <a:p>
             <a:fld id="{6C6AE60A-B69C-4790-82F7-3882EDF23186}" type="slidenum">
               <a:rPr lang="de-DE" smtClean="0"/>
-              <a:t>‹#›</a:t>
+              <a:t>‹Nr.›</a:t>
             </a:fld>
             <a:endParaRPr lang="de-DE"/>
           </a:p>
@@ -806,7 +806,7 @@
           <a:p>
             <a:fld id="{1BA50D42-C9CD-4801-B293-61D1F53EC57E}" type="datetimeFigureOut">
               <a:rPr lang="de-DE" smtClean="0"/>
-              <a:t>25.09.2014</a:t>
+              <a:t>25/09/14</a:t>
             </a:fld>
             <a:endParaRPr lang="de-DE"/>
           </a:p>
@@ -848,7 +848,7 @@
           <a:p>
             <a:fld id="{6C6AE60A-B69C-4790-82F7-3882EDF23186}" type="slidenum">
               <a:rPr lang="de-DE" smtClean="0"/>
-              <a:t>‹#›</a:t>
+              <a:t>‹Nr.›</a:t>
             </a:fld>
             <a:endParaRPr lang="de-DE"/>
           </a:p>
@@ -1045,7 +1045,7 @@
           <a:p>
             <a:fld id="{1BA50D42-C9CD-4801-B293-61D1F53EC57E}" type="datetimeFigureOut">
               <a:rPr lang="de-DE" smtClean="0"/>
-              <a:t>25.09.2014</a:t>
+              <a:t>25/09/14</a:t>
             </a:fld>
             <a:endParaRPr lang="de-DE"/>
           </a:p>
@@ -1087,7 +1087,7 @@
           <a:p>
             <a:fld id="{6C6AE60A-B69C-4790-82F7-3882EDF23186}" type="slidenum">
               <a:rPr lang="de-DE" smtClean="0"/>
-              <a:t>‹#›</a:t>
+              <a:t>‹Nr.›</a:t>
             </a:fld>
             <a:endParaRPr lang="de-DE"/>
           </a:p>
@@ -1135,7 +1135,7 @@
           <a:p>
             <a:fld id="{1BA50D42-C9CD-4801-B293-61D1F53EC57E}" type="datetimeFigureOut">
               <a:rPr lang="de-DE" smtClean="0"/>
-              <a:t>25.09.2014</a:t>
+              <a:t>25/09/14</a:t>
             </a:fld>
             <a:endParaRPr lang="de-DE"/>
           </a:p>
@@ -1177,7 +1177,7 @@
           <a:p>
             <a:fld id="{6C6AE60A-B69C-4790-82F7-3882EDF23186}" type="slidenum">
               <a:rPr lang="de-DE" smtClean="0"/>
-              <a:t>‹#›</a:t>
+              <a:t>‹Nr.›</a:t>
             </a:fld>
             <a:endParaRPr lang="de-DE"/>
           </a:p>
@@ -1509,7 +1509,7 @@
           <a:p>
             <a:fld id="{1BA50D42-C9CD-4801-B293-61D1F53EC57E}" type="datetimeFigureOut">
               <a:rPr lang="de-DE" smtClean="0"/>
-              <a:t>25.09.2014</a:t>
+              <a:t>25/09/14</a:t>
             </a:fld>
             <a:endParaRPr lang="de-DE"/>
           </a:p>
@@ -1551,7 +1551,7 @@
           <a:p>
             <a:fld id="{6C6AE60A-B69C-4790-82F7-3882EDF23186}" type="slidenum">
               <a:rPr lang="de-DE" smtClean="0"/>
-              <a:t>‹#›</a:t>
+              <a:t>‹Nr.›</a:t>
             </a:fld>
             <a:endParaRPr lang="de-DE"/>
           </a:p>
@@ -1764,7 +1764,7 @@
           <a:p>
             <a:fld id="{1BA50D42-C9CD-4801-B293-61D1F53EC57E}" type="datetimeFigureOut">
               <a:rPr lang="de-DE" smtClean="0"/>
-              <a:t>25.09.2014</a:t>
+              <a:t>25/09/14</a:t>
             </a:fld>
             <a:endParaRPr lang="de-DE"/>
           </a:p>
@@ -1806,7 +1806,7 @@
           <a:p>
             <a:fld id="{6C6AE60A-B69C-4790-82F7-3882EDF23186}" type="slidenum">
               <a:rPr lang="de-DE" smtClean="0"/>
-              <a:t>‹#›</a:t>
+              <a:t>‹Nr.›</a:t>
             </a:fld>
             <a:endParaRPr lang="de-DE"/>
           </a:p>
@@ -1854,7 +1854,7 @@
           <a:p>
             <a:fld id="{1BA50D42-C9CD-4801-B293-61D1F53EC57E}" type="datetimeFigureOut">
               <a:rPr lang="de-DE" smtClean="0"/>
-              <a:t>25.09.2014</a:t>
+              <a:t>25/09/14</a:t>
             </a:fld>
             <a:endParaRPr lang="de-DE"/>
           </a:p>
@@ -1896,7 +1896,7 @@
           <a:p>
             <a:fld id="{6C6AE60A-B69C-4790-82F7-3882EDF23186}" type="slidenum">
               <a:rPr lang="de-DE" smtClean="0"/>
-              <a:t>‹#›</a:t>
+              <a:t>‹Nr.›</a:t>
             </a:fld>
             <a:endParaRPr lang="de-DE"/>
           </a:p>
@@ -2128,7 +2128,7 @@
           <a:p>
             <a:fld id="{1BA50D42-C9CD-4801-B293-61D1F53EC57E}" type="datetimeFigureOut">
               <a:rPr lang="de-DE" smtClean="0"/>
-              <a:t>25.09.2014</a:t>
+              <a:t>25/09/14</a:t>
             </a:fld>
             <a:endParaRPr lang="de-DE"/>
           </a:p>
@@ -2170,7 +2170,7 @@
           <a:p>
             <a:fld id="{6C6AE60A-B69C-4790-82F7-3882EDF23186}" type="slidenum">
               <a:rPr lang="de-DE" smtClean="0"/>
-              <a:t>‹#›</a:t>
+              <a:t>‹Nr.›</a:t>
             </a:fld>
             <a:endParaRPr lang="de-DE"/>
           </a:p>
@@ -2400,7 +2400,7 @@
           <a:p>
             <a:fld id="{1BA50D42-C9CD-4801-B293-61D1F53EC57E}" type="datetimeFigureOut">
               <a:rPr lang="de-DE" smtClean="0"/>
-              <a:t>25.09.2014</a:t>
+              <a:t>25/09/14</a:t>
             </a:fld>
             <a:endParaRPr lang="de-DE"/>
           </a:p>
@@ -2442,7 +2442,7 @@
           <a:p>
             <a:fld id="{6C6AE60A-B69C-4790-82F7-3882EDF23186}" type="slidenum">
               <a:rPr lang="de-DE" smtClean="0"/>
-              <a:t>‹#›</a:t>
+              <a:t>‹Nr.›</a:t>
             </a:fld>
             <a:endParaRPr lang="de-DE"/>
           </a:p>
@@ -2700,7 +2700,7 @@
           <a:p>
             <a:fld id="{1BA50D42-C9CD-4801-B293-61D1F53EC57E}" type="datetimeFigureOut">
               <a:rPr lang="de-DE" smtClean="0"/>
-              <a:t>25.09.2014</a:t>
+              <a:t>25/09/14</a:t>
             </a:fld>
             <a:endParaRPr lang="de-DE"/>
           </a:p>
@@ -2739,7 +2739,7 @@
           <a:p>
             <a:fld id="{6C6AE60A-B69C-4790-82F7-3882EDF23186}" type="slidenum">
               <a:rPr lang="de-DE" smtClean="0"/>
-              <a:t>‹#›</a:t>
+              <a:t>‹Nr.›</a:t>
             </a:fld>
             <a:endParaRPr lang="de-DE"/>
           </a:p>
@@ -3227,7 +3227,7 @@
   <p:timing>
     <p:tnLst>
       <p:par>
-        <p:cTn id="1" dur="indefinite" restart="never" nodeType="tmRoot"/>
+        <p:cTn xmlns:p14="http://schemas.microsoft.com/office/powerpoint/2010/main" id="1" dur="indefinite" restart="never" nodeType="tmRoot"/>
       </p:par>
     </p:tnLst>
   </p:timing>
@@ -3301,7 +3301,27 @@
           <a:bodyPr/>
           <a:lstStyle/>
           <a:p>
-            <a:endParaRPr lang="de-CH" dirty="0"/>
+            <a:r>
+              <a:rPr lang="de-CH" dirty="0" smtClean="0"/>
+              <a:t>Mobile App</a:t>
+            </a:r>
+            <a:r>
+              <a:rPr lang="de-CH" dirty="0" smtClean="0"/>
+              <a:t>likation</a:t>
+            </a:r>
+          </a:p>
+          <a:p>
+            <a:r>
+              <a:rPr lang="de-CH" dirty="0" smtClean="0"/>
+              <a:t>Spiel</a:t>
+            </a:r>
+          </a:p>
+          <a:p>
+            <a:r>
+              <a:rPr lang="de-CH" dirty="0" smtClean="0"/>
+              <a:t>Docker</a:t>
+            </a:r>
+            <a:endParaRPr lang="de-CH" dirty="0" smtClean="0"/>
           </a:p>
         </p:txBody>
       </p:sp>
@@ -3318,7 +3338,7 @@
   <p:timing>
     <p:tnLst>
       <p:par>
-        <p:cTn id="1" dur="indefinite" restart="never" nodeType="tmRoot"/>
+        <p:cTn xmlns:p14="http://schemas.microsoft.com/office/powerpoint/2010/main" id="1" dur="indefinite" restart="never" nodeType="tmRoot"/>
       </p:par>
     </p:tnLst>
   </p:timing>
@@ -3392,6 +3412,22 @@
           <a:bodyPr/>
           <a:lstStyle/>
           <a:p>
+            <a:r>
+              <a:rPr lang="de-CH" dirty="0" smtClean="0"/>
+              <a:t>Ziel</a:t>
+            </a:r>
+          </a:p>
+          <a:p>
+            <a:r>
+              <a:rPr lang="de-CH" dirty="0" smtClean="0"/>
+              <a:t>Ablauf</a:t>
+            </a:r>
+          </a:p>
+          <a:p>
+            <a:r>
+              <a:rPr lang="de-CH" smtClean="0"/>
+              <a:t>Ende</a:t>
+            </a:r>
             <a:endParaRPr lang="de-CH" dirty="0"/>
           </a:p>
         </p:txBody>
@@ -3409,7 +3445,7 @@
   <p:timing>
     <p:tnLst>
       <p:par>
-        <p:cTn id="1" dur="indefinite" restart="never" nodeType="tmRoot"/>
+        <p:cTn xmlns:p14="http://schemas.microsoft.com/office/powerpoint/2010/main" id="1" dur="indefinite" restart="never" nodeType="tmRoot"/>
       </p:par>
     </p:tnLst>
   </p:timing>
@@ -3500,7 +3536,7 @@
   <p:timing>
     <p:tnLst>
       <p:par>
-        <p:cTn id="1" dur="indefinite" restart="never" nodeType="tmRoot"/>
+        <p:cTn xmlns:p14="http://schemas.microsoft.com/office/powerpoint/2010/main" id="1" dur="indefinite" restart="never" nodeType="tmRoot"/>
       </p:par>
     </p:tnLst>
   </p:timing>
@@ -3591,7 +3627,7 @@
   <p:timing>
     <p:tnLst>
       <p:par>
-        <p:cTn id="1" dur="indefinite" restart="never" nodeType="tmRoot"/>
+        <p:cTn xmlns:p14="http://schemas.microsoft.com/office/powerpoint/2010/main" id="1" dur="indefinite" restart="never" nodeType="tmRoot"/>
       </p:par>
     </p:tnLst>
   </p:timing>
@@ -3682,7 +3718,7 @@
   <p:timing>
     <p:tnLst>
       <p:par>
-        <p:cTn id="1" dur="indefinite" restart="never" nodeType="tmRoot"/>
+        <p:cTn xmlns:p14="http://schemas.microsoft.com/office/powerpoint/2010/main" id="1" dur="indefinite" restart="never" nodeType="tmRoot"/>
       </p:par>
     </p:tnLst>
   </p:timing>
@@ -3773,7 +3809,7 @@
   <p:timing>
     <p:tnLst>
       <p:par>
-        <p:cTn id="1" dur="indefinite" restart="never" nodeType="tmRoot"/>
+        <p:cTn xmlns:p14="http://schemas.microsoft.com/office/powerpoint/2010/main" id="1" dur="indefinite" restart="never" nodeType="tmRoot"/>
       </p:par>
     </p:tnLst>
   </p:timing>
@@ -3864,7 +3900,7 @@
   <p:timing>
     <p:tnLst>
       <p:par>
-        <p:cTn id="1" dur="indefinite" restart="never" nodeType="tmRoot"/>
+        <p:cTn xmlns:p14="http://schemas.microsoft.com/office/powerpoint/2010/main" id="1" dur="indefinite" restart="never" nodeType="tmRoot"/>
       </p:par>
     </p:tnLst>
   </p:timing>

--- a/Documents/Projektskizze/Projektskizze_Präsentation_v1.pptx
+++ b/Documents/Projektskizze/Projektskizze_Präsentation_v1.pptx
@@ -8,11 +8,12 @@
     <p:sldId id="256" r:id="rId2"/>
     <p:sldId id="257" r:id="rId3"/>
     <p:sldId id="258" r:id="rId4"/>
-    <p:sldId id="259" r:id="rId5"/>
-    <p:sldId id="260" r:id="rId6"/>
-    <p:sldId id="261" r:id="rId7"/>
-    <p:sldId id="262" r:id="rId8"/>
-    <p:sldId id="263" r:id="rId9"/>
+    <p:sldId id="264" r:id="rId5"/>
+    <p:sldId id="259" r:id="rId6"/>
+    <p:sldId id="260" r:id="rId7"/>
+    <p:sldId id="261" r:id="rId8"/>
+    <p:sldId id="262" r:id="rId9"/>
+    <p:sldId id="263" r:id="rId10"/>
   </p:sldIdLst>
   <p:sldSz cx="9144000" cy="6858000" type="screen4x3"/>
   <p:notesSz cx="6858000" cy="9144000"/>
@@ -111,6 +112,22 @@
       </a:defRPr>
     </a:lvl9pPr>
   </p:defaultTextStyle>
+  <p:extLst>
+    <p:ext uri="{EFAFB233-063F-42B5-8137-9DF3F51BA10A}">
+      <p15:sldGuideLst xmlns:p15="http://schemas.microsoft.com/office/powerpoint/2012/main">
+        <p15:guide id="1" orient="horz" pos="2160">
+          <p15:clr>
+            <a:srgbClr val="A4A3A4"/>
+          </p15:clr>
+        </p15:guide>
+        <p15:guide id="2" pos="2880">
+          <p15:clr>
+            <a:srgbClr val="A4A3A4"/>
+          </p15:clr>
+        </p15:guide>
+      </p15:sldGuideLst>
+    </p:ext>
+  </p:extLst>
 </p:presentation>
 </file>
 
@@ -294,14 +311,22 @@
             <p:ph type="dt" sz="half" idx="10"/>
           </p:nvPr>
         </p:nvSpPr>
-        <p:spPr/>
+        <p:spPr>
+          <a:xfrm>
+            <a:off x="6007690" y="548797"/>
+            <a:ext cx="1189132" cy="297918"/>
+          </a:xfrm>
+          <a:prstGeom prst="rect">
+            <a:avLst/>
+          </a:prstGeom>
+        </p:spPr>
         <p:txBody>
           <a:bodyPr/>
           <a:lstStyle/>
           <a:p>
             <a:fld id="{1BA50D42-C9CD-4801-B293-61D1F53EC57E}" type="datetimeFigureOut">
               <a:rPr lang="de-DE" smtClean="0"/>
-              <a:t>25/09/14</a:t>
+              <a:t>27.09.2014</a:t>
             </a:fld>
             <a:endParaRPr lang="de-DE"/>
           </a:p>
@@ -317,7 +342,15 @@
             <p:ph type="sldNum" sz="quarter" idx="11"/>
           </p:nvPr>
         </p:nvSpPr>
-        <p:spPr/>
+        <p:spPr>
+          <a:xfrm>
+            <a:off x="7314415" y="548797"/>
+            <a:ext cx="941203" cy="301752"/>
+          </a:xfrm>
+          <a:prstGeom prst="rect">
+            <a:avLst/>
+          </a:prstGeom>
+        </p:spPr>
         <p:txBody>
           <a:bodyPr/>
           <a:lstStyle/>
@@ -340,7 +373,15 @@
             <p:ph type="ftr" sz="quarter" idx="12"/>
           </p:nvPr>
         </p:nvSpPr>
-        <p:spPr/>
+        <p:spPr>
+          <a:xfrm>
+            <a:off x="6008688" y="855956"/>
+            <a:ext cx="2246489" cy="301227"/>
+          </a:xfrm>
+          <a:prstGeom prst="rect">
+            <a:avLst/>
+          </a:prstGeom>
+        </p:spPr>
         <p:txBody>
           <a:bodyPr/>
           <a:lstStyle/>
@@ -354,6 +395,13 @@
   <p:clrMapOvr>
     <a:masterClrMapping/>
   </p:clrMapOvr>
+  <p:timing>
+    <p:tnLst>
+      <p:par>
+        <p:cTn id="1" dur="indefinite" restart="never" nodeType="tmRoot"/>
+      </p:par>
+    </p:tnLst>
+  </p:timing>
 </p:sldLayout>
 </file>
 
@@ -459,14 +507,22 @@
             <p:ph type="dt" sz="half" idx="10"/>
           </p:nvPr>
         </p:nvSpPr>
-        <p:spPr/>
+        <p:spPr>
+          <a:xfrm>
+            <a:off x="6007690" y="548797"/>
+            <a:ext cx="1189132" cy="297918"/>
+          </a:xfrm>
+          <a:prstGeom prst="rect">
+            <a:avLst/>
+          </a:prstGeom>
+        </p:spPr>
         <p:txBody>
           <a:bodyPr/>
           <a:lstStyle/>
           <a:p>
             <a:fld id="{1BA50D42-C9CD-4801-B293-61D1F53EC57E}" type="datetimeFigureOut">
               <a:rPr lang="de-DE" smtClean="0"/>
-              <a:t>25/09/14</a:t>
+              <a:t>27.09.2014</a:t>
             </a:fld>
             <a:endParaRPr lang="de-DE"/>
           </a:p>
@@ -482,7 +538,15 @@
             <p:ph type="ftr" sz="quarter" idx="11"/>
           </p:nvPr>
         </p:nvSpPr>
-        <p:spPr/>
+        <p:spPr>
+          <a:xfrm>
+            <a:off x="6008688" y="855956"/>
+            <a:ext cx="2246489" cy="301227"/>
+          </a:xfrm>
+          <a:prstGeom prst="rect">
+            <a:avLst/>
+          </a:prstGeom>
+        </p:spPr>
         <p:txBody>
           <a:bodyPr/>
           <a:lstStyle/>
@@ -501,7 +565,15 @@
             <p:ph type="sldNum" sz="quarter" idx="12"/>
           </p:nvPr>
         </p:nvSpPr>
-        <p:spPr/>
+        <p:spPr>
+          <a:xfrm>
+            <a:off x="7314415" y="548797"/>
+            <a:ext cx="941203" cy="301752"/>
+          </a:xfrm>
+          <a:prstGeom prst="rect">
+            <a:avLst/>
+          </a:prstGeom>
+        </p:spPr>
         <p:txBody>
           <a:bodyPr/>
           <a:lstStyle/>
@@ -634,14 +706,22 @@
             <p:ph type="dt" sz="half" idx="10"/>
           </p:nvPr>
         </p:nvSpPr>
-        <p:spPr/>
+        <p:spPr>
+          <a:xfrm>
+            <a:off x="6007690" y="548797"/>
+            <a:ext cx="1189132" cy="297918"/>
+          </a:xfrm>
+          <a:prstGeom prst="rect">
+            <a:avLst/>
+          </a:prstGeom>
+        </p:spPr>
         <p:txBody>
           <a:bodyPr/>
           <a:lstStyle/>
           <a:p>
             <a:fld id="{1BA50D42-C9CD-4801-B293-61D1F53EC57E}" type="datetimeFigureOut">
               <a:rPr lang="de-DE" smtClean="0"/>
-              <a:t>25/09/14</a:t>
+              <a:t>27.09.2014</a:t>
             </a:fld>
             <a:endParaRPr lang="de-DE"/>
           </a:p>
@@ -657,7 +737,15 @@
             <p:ph type="ftr" sz="quarter" idx="11"/>
           </p:nvPr>
         </p:nvSpPr>
-        <p:spPr/>
+        <p:spPr>
+          <a:xfrm>
+            <a:off x="6008688" y="855956"/>
+            <a:ext cx="2246489" cy="301227"/>
+          </a:xfrm>
+          <a:prstGeom prst="rect">
+            <a:avLst/>
+          </a:prstGeom>
+        </p:spPr>
         <p:txBody>
           <a:bodyPr/>
           <a:lstStyle/>
@@ -676,7 +764,15 @@
             <p:ph type="sldNum" sz="quarter" idx="12"/>
           </p:nvPr>
         </p:nvSpPr>
-        <p:spPr/>
+        <p:spPr>
+          <a:xfrm>
+            <a:off x="7314415" y="548797"/>
+            <a:ext cx="941203" cy="301752"/>
+          </a:xfrm>
+          <a:prstGeom prst="rect">
+            <a:avLst/>
+          </a:prstGeom>
+        </p:spPr>
         <p:txBody>
           <a:bodyPr/>
           <a:lstStyle/>
@@ -724,34 +820,39 @@
             <p:ph type="title"/>
           </p:nvPr>
         </p:nvSpPr>
+        <p:spPr>
+          <a:xfrm>
+            <a:off x="538480" y="330687"/>
+            <a:ext cx="7691120" cy="1010081"/>
+          </a:xfrm>
+        </p:spPr>
+        <p:txBody>
+          <a:bodyPr/>
+          <a:lstStyle/>
+          <a:p>
+            <a:r>
+              <a:rPr lang="en-US" smtClean="0"/>
+              <a:t>Click to edit Master title style</a:t>
+            </a:r>
+            <a:endParaRPr lang="en-US"/>
+          </a:p>
+        </p:txBody>
+      </p:sp>
+      <p:sp>
+        <p:nvSpPr>
+          <p:cNvPr id="3" name="Content Placeholder 2"/>
+          <p:cNvSpPr>
+            <a:spLocks noGrp="1"/>
+          </p:cNvSpPr>
+          <p:nvPr>
+            <p:ph idx="1"/>
+          </p:nvPr>
+        </p:nvSpPr>
         <p:spPr/>
         <p:txBody>
           <a:bodyPr/>
           <a:lstStyle/>
           <a:p>
-            <a:r>
-              <a:rPr lang="en-US" smtClean="0"/>
-              <a:t>Click to edit Master title style</a:t>
-            </a:r>
-            <a:endParaRPr lang="en-US"/>
-          </a:p>
-        </p:txBody>
-      </p:sp>
-      <p:sp>
-        <p:nvSpPr>
-          <p:cNvPr id="3" name="Content Placeholder 2"/>
-          <p:cNvSpPr>
-            <a:spLocks noGrp="1"/>
-          </p:cNvSpPr>
-          <p:nvPr>
-            <p:ph idx="1"/>
-          </p:nvPr>
-        </p:nvSpPr>
-        <p:spPr/>
-        <p:txBody>
-          <a:bodyPr/>
-          <a:lstStyle/>
-          <a:p>
             <a:pPr lvl="0"/>
             <a:r>
               <a:rPr lang="en-US" smtClean="0"/>
@@ -799,16 +900,24 @@
             <p:ph type="dt" sz="half" idx="10"/>
           </p:nvPr>
         </p:nvSpPr>
-        <p:spPr/>
+        <p:spPr>
+          <a:xfrm>
+            <a:off x="6007690" y="548797"/>
+            <a:ext cx="1189132" cy="297918"/>
+          </a:xfrm>
+          <a:prstGeom prst="rect">
+            <a:avLst/>
+          </a:prstGeom>
+        </p:spPr>
         <p:txBody>
           <a:bodyPr/>
           <a:lstStyle/>
           <a:p>
             <a:fld id="{1BA50D42-C9CD-4801-B293-61D1F53EC57E}" type="datetimeFigureOut">
               <a:rPr lang="de-DE" smtClean="0"/>
-              <a:t>25/09/14</a:t>
+              <a:t>27.09.2014</a:t>
             </a:fld>
-            <a:endParaRPr lang="de-DE"/>
+            <a:endParaRPr lang="de-DE" dirty="0"/>
           </a:p>
         </p:txBody>
       </p:sp>
@@ -822,12 +931,20 @@
             <p:ph type="ftr" sz="quarter" idx="11"/>
           </p:nvPr>
         </p:nvSpPr>
-        <p:spPr/>
-        <p:txBody>
-          <a:bodyPr/>
-          <a:lstStyle/>
-          <a:p>
-            <a:endParaRPr lang="de-DE"/>
+        <p:spPr>
+          <a:xfrm>
+            <a:off x="6008688" y="855956"/>
+            <a:ext cx="2246489" cy="301227"/>
+          </a:xfrm>
+          <a:prstGeom prst="rect">
+            <a:avLst/>
+          </a:prstGeom>
+        </p:spPr>
+        <p:txBody>
+          <a:bodyPr/>
+          <a:lstStyle/>
+          <a:p>
+            <a:endParaRPr lang="de-DE" dirty="0"/>
           </a:p>
         </p:txBody>
       </p:sp>
@@ -841,7 +958,15 @@
             <p:ph type="sldNum" sz="quarter" idx="12"/>
           </p:nvPr>
         </p:nvSpPr>
-        <p:spPr/>
+        <p:spPr>
+          <a:xfrm>
+            <a:off x="7314415" y="548797"/>
+            <a:ext cx="941203" cy="301752"/>
+          </a:xfrm>
+          <a:prstGeom prst="rect">
+            <a:avLst/>
+          </a:prstGeom>
+        </p:spPr>
         <p:txBody>
           <a:bodyPr/>
           <a:lstStyle/>
@@ -859,6 +984,13 @@
   <p:clrMapOvr>
     <a:masterClrMapping/>
   </p:clrMapOvr>
+  <p:timing>
+    <p:tnLst>
+      <p:par>
+        <p:cTn id="1" dur="indefinite" restart="never" nodeType="tmRoot"/>
+      </p:par>
+    </p:tnLst>
+  </p:timing>
 </p:sldLayout>
 </file>
 
@@ -1038,14 +1170,22 @@
             <p:ph type="dt" sz="half" idx="10"/>
           </p:nvPr>
         </p:nvSpPr>
-        <p:spPr/>
+        <p:spPr>
+          <a:xfrm>
+            <a:off x="6007690" y="548797"/>
+            <a:ext cx="1189132" cy="297918"/>
+          </a:xfrm>
+          <a:prstGeom prst="rect">
+            <a:avLst/>
+          </a:prstGeom>
+        </p:spPr>
         <p:txBody>
           <a:bodyPr/>
           <a:lstStyle/>
           <a:p>
             <a:fld id="{1BA50D42-C9CD-4801-B293-61D1F53EC57E}" type="datetimeFigureOut">
               <a:rPr lang="de-DE" smtClean="0"/>
-              <a:t>25/09/14</a:t>
+              <a:t>27.09.2014</a:t>
             </a:fld>
             <a:endParaRPr lang="de-DE"/>
           </a:p>
@@ -1061,7 +1201,15 @@
             <p:ph type="ftr" sz="quarter" idx="11"/>
           </p:nvPr>
         </p:nvSpPr>
-        <p:spPr/>
+        <p:spPr>
+          <a:xfrm>
+            <a:off x="6008688" y="855956"/>
+            <a:ext cx="2246489" cy="301227"/>
+          </a:xfrm>
+          <a:prstGeom prst="rect">
+            <a:avLst/>
+          </a:prstGeom>
+        </p:spPr>
         <p:txBody>
           <a:bodyPr/>
           <a:lstStyle/>
@@ -1080,7 +1228,15 @@
             <p:ph type="sldNum" sz="quarter" idx="12"/>
           </p:nvPr>
         </p:nvSpPr>
-        <p:spPr/>
+        <p:spPr>
+          <a:xfrm>
+            <a:off x="7314415" y="548797"/>
+            <a:ext cx="941203" cy="301752"/>
+          </a:xfrm>
+          <a:prstGeom prst="rect">
+            <a:avLst/>
+          </a:prstGeom>
+        </p:spPr>
         <p:txBody>
           <a:bodyPr/>
           <a:lstStyle/>
@@ -1098,6 +1254,13 @@
   <p:clrMapOvr>
     <a:masterClrMapping/>
   </p:clrMapOvr>
+  <p:timing>
+    <p:tnLst>
+      <p:par>
+        <p:cTn id="1" dur="indefinite" restart="never" nodeType="tmRoot"/>
+      </p:par>
+    </p:tnLst>
+  </p:timing>
 </p:sldLayout>
 </file>
 
@@ -1128,14 +1291,22 @@
             <p:ph type="dt" sz="half" idx="10"/>
           </p:nvPr>
         </p:nvSpPr>
-        <p:spPr/>
+        <p:spPr>
+          <a:xfrm>
+            <a:off x="6007690" y="548797"/>
+            <a:ext cx="1189132" cy="297918"/>
+          </a:xfrm>
+          <a:prstGeom prst="rect">
+            <a:avLst/>
+          </a:prstGeom>
+        </p:spPr>
         <p:txBody>
           <a:bodyPr/>
           <a:lstStyle/>
           <a:p>
             <a:fld id="{1BA50D42-C9CD-4801-B293-61D1F53EC57E}" type="datetimeFigureOut">
               <a:rPr lang="de-DE" smtClean="0"/>
-              <a:t>25/09/14</a:t>
+              <a:t>27.09.2014</a:t>
             </a:fld>
             <a:endParaRPr lang="de-DE"/>
           </a:p>
@@ -1151,7 +1322,15 @@
             <p:ph type="ftr" sz="quarter" idx="11"/>
           </p:nvPr>
         </p:nvSpPr>
-        <p:spPr/>
+        <p:spPr>
+          <a:xfrm>
+            <a:off x="6008688" y="855956"/>
+            <a:ext cx="2246489" cy="301227"/>
+          </a:xfrm>
+          <a:prstGeom prst="rect">
+            <a:avLst/>
+          </a:prstGeom>
+        </p:spPr>
         <p:txBody>
           <a:bodyPr/>
           <a:lstStyle/>
@@ -1170,7 +1349,15 @@
             <p:ph type="sldNum" sz="quarter" idx="12"/>
           </p:nvPr>
         </p:nvSpPr>
-        <p:spPr/>
+        <p:spPr>
+          <a:xfrm>
+            <a:off x="7314415" y="548797"/>
+            <a:ext cx="941203" cy="301752"/>
+          </a:xfrm>
+          <a:prstGeom prst="rect">
+            <a:avLst/>
+          </a:prstGeom>
+        </p:spPr>
         <p:txBody>
           <a:bodyPr/>
           <a:lstStyle/>
@@ -1502,14 +1689,22 @@
             <p:ph type="dt" sz="half" idx="10"/>
           </p:nvPr>
         </p:nvSpPr>
-        <p:spPr/>
+        <p:spPr>
+          <a:xfrm>
+            <a:off x="6007690" y="548797"/>
+            <a:ext cx="1189132" cy="297918"/>
+          </a:xfrm>
+          <a:prstGeom prst="rect">
+            <a:avLst/>
+          </a:prstGeom>
+        </p:spPr>
         <p:txBody>
           <a:bodyPr/>
           <a:lstStyle/>
           <a:p>
             <a:fld id="{1BA50D42-C9CD-4801-B293-61D1F53EC57E}" type="datetimeFigureOut">
               <a:rPr lang="de-DE" smtClean="0"/>
-              <a:t>25/09/14</a:t>
+              <a:t>27.09.2014</a:t>
             </a:fld>
             <a:endParaRPr lang="de-DE"/>
           </a:p>
@@ -1525,7 +1720,15 @@
             <p:ph type="ftr" sz="quarter" idx="11"/>
           </p:nvPr>
         </p:nvSpPr>
-        <p:spPr/>
+        <p:spPr>
+          <a:xfrm>
+            <a:off x="6008688" y="855956"/>
+            <a:ext cx="2246489" cy="301227"/>
+          </a:xfrm>
+          <a:prstGeom prst="rect">
+            <a:avLst/>
+          </a:prstGeom>
+        </p:spPr>
         <p:txBody>
           <a:bodyPr/>
           <a:lstStyle/>
@@ -1544,7 +1747,15 @@
             <p:ph type="sldNum" sz="quarter" idx="12"/>
           </p:nvPr>
         </p:nvSpPr>
-        <p:spPr/>
+        <p:spPr>
+          <a:xfrm>
+            <a:off x="7314415" y="548797"/>
+            <a:ext cx="941203" cy="301752"/>
+          </a:xfrm>
+          <a:prstGeom prst="rect">
+            <a:avLst/>
+          </a:prstGeom>
+        </p:spPr>
         <p:txBody>
           <a:bodyPr/>
           <a:lstStyle/>
@@ -1757,14 +1968,22 @@
             <p:ph type="dt" sz="half" idx="10"/>
           </p:nvPr>
         </p:nvSpPr>
-        <p:spPr/>
+        <p:spPr>
+          <a:xfrm>
+            <a:off x="6007690" y="548797"/>
+            <a:ext cx="1189132" cy="297918"/>
+          </a:xfrm>
+          <a:prstGeom prst="rect">
+            <a:avLst/>
+          </a:prstGeom>
+        </p:spPr>
         <p:txBody>
           <a:bodyPr/>
           <a:lstStyle/>
           <a:p>
             <a:fld id="{1BA50D42-C9CD-4801-B293-61D1F53EC57E}" type="datetimeFigureOut">
               <a:rPr lang="de-DE" smtClean="0"/>
-              <a:t>25/09/14</a:t>
+              <a:t>27.09.2014</a:t>
             </a:fld>
             <a:endParaRPr lang="de-DE"/>
           </a:p>
@@ -1780,7 +1999,15 @@
             <p:ph type="ftr" sz="quarter" idx="11"/>
           </p:nvPr>
         </p:nvSpPr>
-        <p:spPr/>
+        <p:spPr>
+          <a:xfrm>
+            <a:off x="6008688" y="855956"/>
+            <a:ext cx="2246489" cy="301227"/>
+          </a:xfrm>
+          <a:prstGeom prst="rect">
+            <a:avLst/>
+          </a:prstGeom>
+        </p:spPr>
         <p:txBody>
           <a:bodyPr/>
           <a:lstStyle/>
@@ -1799,7 +2026,15 @@
             <p:ph type="sldNum" sz="quarter" idx="12"/>
           </p:nvPr>
         </p:nvSpPr>
-        <p:spPr/>
+        <p:spPr>
+          <a:xfrm>
+            <a:off x="7314415" y="548797"/>
+            <a:ext cx="941203" cy="301752"/>
+          </a:xfrm>
+          <a:prstGeom prst="rect">
+            <a:avLst/>
+          </a:prstGeom>
+        </p:spPr>
         <p:txBody>
           <a:bodyPr/>
           <a:lstStyle/>
@@ -1847,14 +2082,22 @@
             <p:ph type="dt" sz="half" idx="10"/>
           </p:nvPr>
         </p:nvSpPr>
-        <p:spPr/>
+        <p:spPr>
+          <a:xfrm>
+            <a:off x="6007690" y="548797"/>
+            <a:ext cx="1189132" cy="297918"/>
+          </a:xfrm>
+          <a:prstGeom prst="rect">
+            <a:avLst/>
+          </a:prstGeom>
+        </p:spPr>
         <p:txBody>
           <a:bodyPr/>
           <a:lstStyle/>
           <a:p>
             <a:fld id="{1BA50D42-C9CD-4801-B293-61D1F53EC57E}" type="datetimeFigureOut">
               <a:rPr lang="de-DE" smtClean="0"/>
-              <a:t>25/09/14</a:t>
+              <a:t>27.09.2014</a:t>
             </a:fld>
             <a:endParaRPr lang="de-DE"/>
           </a:p>
@@ -1870,7 +2113,15 @@
             <p:ph type="ftr" sz="quarter" idx="11"/>
           </p:nvPr>
         </p:nvSpPr>
-        <p:spPr/>
+        <p:spPr>
+          <a:xfrm>
+            <a:off x="6008688" y="855956"/>
+            <a:ext cx="2246489" cy="301227"/>
+          </a:xfrm>
+          <a:prstGeom prst="rect">
+            <a:avLst/>
+          </a:prstGeom>
+        </p:spPr>
         <p:txBody>
           <a:bodyPr/>
           <a:lstStyle/>
@@ -1889,7 +2140,15 @@
             <p:ph type="sldNum" sz="quarter" idx="12"/>
           </p:nvPr>
         </p:nvSpPr>
-        <p:spPr/>
+        <p:spPr>
+          <a:xfrm>
+            <a:off x="7314415" y="548797"/>
+            <a:ext cx="941203" cy="301752"/>
+          </a:xfrm>
+          <a:prstGeom prst="rect">
+            <a:avLst/>
+          </a:prstGeom>
+        </p:spPr>
         <p:txBody>
           <a:bodyPr/>
           <a:lstStyle/>
@@ -2121,14 +2380,22 @@
             <p:ph type="dt" sz="half" idx="10"/>
           </p:nvPr>
         </p:nvSpPr>
-        <p:spPr/>
+        <p:spPr>
+          <a:xfrm>
+            <a:off x="6007690" y="548797"/>
+            <a:ext cx="1189132" cy="297918"/>
+          </a:xfrm>
+          <a:prstGeom prst="rect">
+            <a:avLst/>
+          </a:prstGeom>
+        </p:spPr>
         <p:txBody>
           <a:bodyPr/>
           <a:lstStyle/>
           <a:p>
             <a:fld id="{1BA50D42-C9CD-4801-B293-61D1F53EC57E}" type="datetimeFigureOut">
               <a:rPr lang="de-DE" smtClean="0"/>
-              <a:t>25/09/14</a:t>
+              <a:t>27.09.2014</a:t>
             </a:fld>
             <a:endParaRPr lang="de-DE"/>
           </a:p>
@@ -2144,7 +2411,15 @@
             <p:ph type="ftr" sz="quarter" idx="11"/>
           </p:nvPr>
         </p:nvSpPr>
-        <p:spPr/>
+        <p:spPr>
+          <a:xfrm>
+            <a:off x="6008688" y="855956"/>
+            <a:ext cx="2246489" cy="301227"/>
+          </a:xfrm>
+          <a:prstGeom prst="rect">
+            <a:avLst/>
+          </a:prstGeom>
+        </p:spPr>
         <p:txBody>
           <a:bodyPr/>
           <a:lstStyle/>
@@ -2163,7 +2438,15 @@
             <p:ph type="sldNum" sz="quarter" idx="12"/>
           </p:nvPr>
         </p:nvSpPr>
-        <p:spPr/>
+        <p:spPr>
+          <a:xfrm>
+            <a:off x="7314415" y="548797"/>
+            <a:ext cx="941203" cy="301752"/>
+          </a:xfrm>
+          <a:prstGeom prst="rect">
+            <a:avLst/>
+          </a:prstGeom>
+        </p:spPr>
         <p:txBody>
           <a:bodyPr/>
           <a:lstStyle/>
@@ -2393,14 +2676,22 @@
             <p:ph type="dt" sz="half" idx="10"/>
           </p:nvPr>
         </p:nvSpPr>
-        <p:spPr/>
+        <p:spPr>
+          <a:xfrm>
+            <a:off x="6007690" y="548797"/>
+            <a:ext cx="1189132" cy="297918"/>
+          </a:xfrm>
+          <a:prstGeom prst="rect">
+            <a:avLst/>
+          </a:prstGeom>
+        </p:spPr>
         <p:txBody>
           <a:bodyPr/>
           <a:lstStyle/>
           <a:p>
             <a:fld id="{1BA50D42-C9CD-4801-B293-61D1F53EC57E}" type="datetimeFigureOut">
               <a:rPr lang="de-DE" smtClean="0"/>
-              <a:t>25/09/14</a:t>
+              <a:t>27.09.2014</a:t>
             </a:fld>
             <a:endParaRPr lang="de-DE"/>
           </a:p>
@@ -2416,7 +2707,15 @@
             <p:ph type="ftr" sz="quarter" idx="11"/>
           </p:nvPr>
         </p:nvSpPr>
-        <p:spPr/>
+        <p:spPr>
+          <a:xfrm>
+            <a:off x="6008688" y="855956"/>
+            <a:ext cx="2246489" cy="301227"/>
+          </a:xfrm>
+          <a:prstGeom prst="rect">
+            <a:avLst/>
+          </a:prstGeom>
+        </p:spPr>
         <p:txBody>
           <a:bodyPr/>
           <a:lstStyle/>
@@ -2435,7 +2734,15 @@
             <p:ph type="sldNum" sz="quarter" idx="12"/>
           </p:nvPr>
         </p:nvSpPr>
-        <p:spPr/>
+        <p:spPr>
+          <a:xfrm>
+            <a:off x="7314415" y="548797"/>
+            <a:ext cx="941203" cy="301752"/>
+          </a:xfrm>
+          <a:prstGeom prst="rect">
+            <a:avLst/>
+          </a:prstGeom>
+        </p:spPr>
         <p:txBody>
           <a:bodyPr/>
           <a:lstStyle/>
@@ -2482,7 +2789,7 @@
         <p:nvSpPr>
           <p:cNvPr id="10" name="Rectangle 9"/>
           <p:cNvSpPr/>
-          <p:nvPr/>
+          <p:nvPr userDrawn="1"/>
         </p:nvSpPr>
         <p:spPr>
           <a:xfrm>
@@ -2582,21 +2889,22 @@
         </p:nvSpPr>
         <p:spPr>
           <a:xfrm>
-            <a:off x="914400" y="1544715"/>
-            <a:ext cx="7315200" cy="1154097"/>
+            <a:off x="538480" y="114663"/>
+            <a:ext cx="7691120" cy="1154097"/>
           </a:xfrm>
           <a:prstGeom prst="rect">
             <a:avLst/>
           </a:prstGeom>
         </p:spPr>
         <p:txBody>
-          <a:bodyPr vert="horz" lIns="91440" tIns="45720" rIns="91440" bIns="45720" rtlCol="0" anchor="b">
+          <a:bodyPr vert="horz" lIns="91440" tIns="45720" rIns="91440" bIns="45720" rtlCol="0" anchor="t">
             <a:normAutofit/>
           </a:bodyPr>
           <a:lstStyle/>
           <a:p>
-            <a:r>
-              <a:rPr lang="en-US" smtClean="0"/>
+            <a:pPr lvl="0"/>
+            <a:r>
+              <a:rPr lang="en-US" dirty="0" smtClean="0"/>
               <a:t>Click to edit Master title style</a:t>
             </a:r>
             <a:endParaRPr lang="en-US" dirty="0"/>
@@ -2615,8 +2923,8 @@
         </p:nvSpPr>
         <p:spPr>
           <a:xfrm>
-            <a:off x="914400" y="2769833"/>
-            <a:ext cx="7315200" cy="3539527"/>
+            <a:off x="538480" y="1412776"/>
+            <a:ext cx="8067040" cy="4896585"/>
           </a:xfrm>
           <a:prstGeom prst="rect">
             <a:avLst/>
@@ -2662,121 +2970,6 @@
               <a:t>Fifth level</a:t>
             </a:r>
             <a:endParaRPr lang="en-US" dirty="0" smtClean="0"/>
-          </a:p>
-        </p:txBody>
-      </p:sp>
-      <p:sp>
-        <p:nvSpPr>
-          <p:cNvPr id="4" name="Date Placeholder 3"/>
-          <p:cNvSpPr>
-            <a:spLocks noGrp="1"/>
-          </p:cNvSpPr>
-          <p:nvPr>
-            <p:ph type="dt" sz="half" idx="2"/>
-          </p:nvPr>
-        </p:nvSpPr>
-        <p:spPr>
-          <a:xfrm>
-            <a:off x="6007690" y="548797"/>
-            <a:ext cx="1189132" cy="297918"/>
-          </a:xfrm>
-          <a:prstGeom prst="rect">
-            <a:avLst/>
-          </a:prstGeom>
-        </p:spPr>
-        <p:txBody>
-          <a:bodyPr vert="horz" lIns="91440" tIns="45720" rIns="91440" bIns="45720" rtlCol="0" anchor="ctr"/>
-          <a:lstStyle>
-            <a:lvl1pPr algn="l">
-              <a:defRPr sz="1200">
-                <a:solidFill>
-                  <a:schemeClr val="tx1">
-                    <a:alpha val="50000"/>
-                  </a:schemeClr>
-                </a:solidFill>
-              </a:defRPr>
-            </a:lvl1pPr>
-          </a:lstStyle>
-          <a:p>
-            <a:fld id="{1BA50D42-C9CD-4801-B293-61D1F53EC57E}" type="datetimeFigureOut">
-              <a:rPr lang="de-DE" smtClean="0"/>
-              <a:t>25/09/14</a:t>
-            </a:fld>
-            <a:endParaRPr lang="de-DE"/>
-          </a:p>
-        </p:txBody>
-      </p:sp>
-      <p:sp>
-        <p:nvSpPr>
-          <p:cNvPr id="6" name="Slide Number Placeholder 5"/>
-          <p:cNvSpPr>
-            <a:spLocks noGrp="1"/>
-          </p:cNvSpPr>
-          <p:nvPr>
-            <p:ph type="sldNum" sz="quarter" idx="4"/>
-          </p:nvPr>
-        </p:nvSpPr>
-        <p:spPr>
-          <a:xfrm>
-            <a:off x="7314415" y="548797"/>
-            <a:ext cx="941203" cy="301752"/>
-          </a:xfrm>
-          <a:prstGeom prst="rect">
-            <a:avLst/>
-          </a:prstGeom>
-        </p:spPr>
-        <p:txBody>
-          <a:bodyPr vert="horz" lIns="91440" tIns="45720" rIns="91440" bIns="45720" rtlCol="0" anchor="ctr"/>
-          <a:lstStyle>
-            <a:lvl1pPr algn="r">
-              <a:defRPr sz="1200">
-                <a:solidFill>
-                  <a:schemeClr val="tx1"/>
-                </a:solidFill>
-              </a:defRPr>
-            </a:lvl1pPr>
-          </a:lstStyle>
-          <a:p>
-            <a:fld id="{6C6AE60A-B69C-4790-82F7-3882EDF23186}" type="slidenum">
-              <a:rPr lang="de-DE" smtClean="0"/>
-              <a:t>‹Nr.›</a:t>
-            </a:fld>
-            <a:endParaRPr lang="de-DE"/>
-          </a:p>
-        </p:txBody>
-      </p:sp>
-      <p:sp>
-        <p:nvSpPr>
-          <p:cNvPr id="5" name="Footer Placeholder 4"/>
-          <p:cNvSpPr>
-            <a:spLocks noGrp="1"/>
-          </p:cNvSpPr>
-          <p:nvPr>
-            <p:ph type="ftr" sz="quarter" idx="3"/>
-          </p:nvPr>
-        </p:nvSpPr>
-        <p:spPr>
-          <a:xfrm>
-            <a:off x="6008688" y="855956"/>
-            <a:ext cx="2246489" cy="301227"/>
-          </a:xfrm>
-          <a:prstGeom prst="rect">
-            <a:avLst/>
-          </a:prstGeom>
-        </p:spPr>
-        <p:txBody>
-          <a:bodyPr vert="horz" lIns="91440" tIns="0" rIns="91440" bIns="45720" rtlCol="0" anchor="t"/>
-          <a:lstStyle>
-            <a:lvl1pPr algn="l">
-              <a:defRPr sz="1000">
-                <a:solidFill>
-                  <a:schemeClr val="tx1"/>
-                </a:solidFill>
-              </a:defRPr>
-            </a:lvl1pPr>
-          </a:lstStyle>
-          <a:p>
-            <a:endParaRPr lang="de-DE"/>
           </a:p>
         </p:txBody>
       </p:sp>
@@ -2796,6 +2989,13 @@
     <p:sldLayoutId id="2147483706" r:id="rId10"/>
     <p:sldLayoutId id="2147483707" r:id="rId11"/>
   </p:sldLayoutIdLst>
+  <p:timing>
+    <p:tnLst>
+      <p:par>
+        <p:cTn id="1" dur="indefinite" restart="never" nodeType="tmRoot"/>
+      </p:par>
+    </p:tnLst>
+  </p:timing>
   <p:txStyles>
     <p:titleStyle>
       <a:lvl1pPr algn="l" defTabSz="914400" rtl="0" eaLnBrk="1" latinLnBrk="0" hangingPunct="1">
@@ -2803,7 +3003,7 @@
           <a:spcPct val="0"/>
         </a:spcBef>
         <a:buNone/>
-        <a:defRPr sz="4000" kern="1200">
+        <a:defRPr lang="en-US" sz="6000" kern="1200" dirty="0">
           <a:solidFill>
             <a:schemeClr val="tx2"/>
           </a:solidFill>
@@ -3227,7 +3427,7 @@
   <p:timing>
     <p:tnLst>
       <p:par>
-        <p:cTn xmlns:p14="http://schemas.microsoft.com/office/powerpoint/2010/main" id="1" dur="indefinite" restart="never" nodeType="tmRoot"/>
+        <p:cTn id="1" dur="indefinite" restart="never" nodeType="tmRoot"/>
       </p:par>
     </p:tnLst>
   </p:timing>
@@ -3303,11 +3503,7 @@
           <a:p>
             <a:r>
               <a:rPr lang="de-CH" dirty="0" smtClean="0"/>
-              <a:t>Mobile App</a:t>
-            </a:r>
-            <a:r>
-              <a:rPr lang="de-CH" dirty="0" smtClean="0"/>
-              <a:t>likation</a:t>
+              <a:t>Mobile Applikation</a:t>
             </a:r>
           </a:p>
           <a:p>
@@ -3321,7 +3517,6 @@
               <a:rPr lang="de-CH" dirty="0" smtClean="0"/>
               <a:t>Docker</a:t>
             </a:r>
-            <a:endParaRPr lang="de-CH" dirty="0" smtClean="0"/>
           </a:p>
         </p:txBody>
       </p:sp>
@@ -3338,7 +3533,7 @@
   <p:timing>
     <p:tnLst>
       <p:par>
-        <p:cTn xmlns:p14="http://schemas.microsoft.com/office/powerpoint/2010/main" id="1" dur="indefinite" restart="never" nodeType="tmRoot"/>
+        <p:cTn id="1" dur="indefinite" restart="never" nodeType="tmRoot"/>
       </p:par>
     </p:tnLst>
   </p:timing>
@@ -3372,12 +3567,7 @@
             <p:ph type="title"/>
           </p:nvPr>
         </p:nvSpPr>
-        <p:spPr>
-          <a:xfrm>
-            <a:off x="899592" y="548680"/>
-            <a:ext cx="7315200" cy="1154097"/>
-          </a:xfrm>
-        </p:spPr>
+        <p:spPr/>
         <p:txBody>
           <a:bodyPr anchor="t">
             <a:normAutofit/>
@@ -3402,12 +3592,7 @@
             <p:ph idx="1"/>
           </p:nvPr>
         </p:nvSpPr>
-        <p:spPr>
-          <a:xfrm>
-            <a:off x="914400" y="1700809"/>
-            <a:ext cx="7315200" cy="4608552"/>
-          </a:xfrm>
-        </p:spPr>
+        <p:spPr/>
         <p:txBody>
           <a:bodyPr/>
           <a:lstStyle/>
@@ -3425,7 +3610,7 @@
           </a:p>
           <a:p>
             <a:r>
-              <a:rPr lang="de-CH" smtClean="0"/>
+              <a:rPr lang="de-CH" dirty="0" smtClean="0"/>
               <a:t>Ende</a:t>
             </a:r>
             <a:endParaRPr lang="de-CH" dirty="0"/>
@@ -3445,7 +3630,7 @@
   <p:timing>
     <p:tnLst>
       <p:par>
-        <p:cTn xmlns:p14="http://schemas.microsoft.com/office/powerpoint/2010/main" id="1" dur="indefinite" restart="never" nodeType="tmRoot"/>
+        <p:cTn id="1" dur="indefinite" restart="never" nodeType="tmRoot"/>
       </p:par>
     </p:tnLst>
   </p:timing>
@@ -3471,7 +3656,7 @@
       </p:grpSpPr>
       <p:sp>
         <p:nvSpPr>
-          <p:cNvPr id="2" name="Title 1"/>
+          <p:cNvPr id="2" name="Titel 1"/>
           <p:cNvSpPr>
             <a:spLocks noGrp="1"/>
           </p:cNvSpPr>
@@ -3479,29 +3664,22 @@
             <p:ph type="title"/>
           </p:nvPr>
         </p:nvSpPr>
-        <p:spPr>
-          <a:xfrm>
-            <a:off x="899592" y="548680"/>
-            <a:ext cx="7315200" cy="1154097"/>
-          </a:xfrm>
-        </p:spPr>
-        <p:txBody>
-          <a:bodyPr anchor="t">
-            <a:normAutofit/>
-          </a:bodyPr>
-          <a:lstStyle/>
-          <a:p>
-            <a:r>
-              <a:rPr lang="de-CH" sz="6000" dirty="0" smtClean="0"/>
-              <a:t>Ressourcen</a:t>
-            </a:r>
-            <a:endParaRPr lang="de-CH" sz="6000" dirty="0"/>
-          </a:p>
-        </p:txBody>
-      </p:sp>
-      <p:sp>
-        <p:nvSpPr>
-          <p:cNvPr id="3" name="Content Placeholder 2"/>
+        <p:spPr/>
+        <p:txBody>
+          <a:bodyPr/>
+          <a:lstStyle/>
+          <a:p>
+            <a:r>
+              <a:rPr lang="de-CH" dirty="0" smtClean="0"/>
+              <a:t>Anforderungen</a:t>
+            </a:r>
+            <a:endParaRPr lang="de-CH" dirty="0"/>
+          </a:p>
+        </p:txBody>
+      </p:sp>
+      <p:sp>
+        <p:nvSpPr>
+          <p:cNvPr id="3" name="Inhaltsplatzhalter 2"/>
           <p:cNvSpPr>
             <a:spLocks noGrp="1"/>
           </p:cNvSpPr>
@@ -3509,16 +3687,15 @@
             <p:ph idx="1"/>
           </p:nvPr>
         </p:nvSpPr>
-        <p:spPr>
-          <a:xfrm>
-            <a:off x="914400" y="1700809"/>
-            <a:ext cx="7315200" cy="4608552"/>
-          </a:xfrm>
-        </p:spPr>
-        <p:txBody>
-          <a:bodyPr/>
-          <a:lstStyle/>
-          <a:p>
+        <p:spPr/>
+        <p:txBody>
+          <a:bodyPr/>
+          <a:lstStyle/>
+          <a:p>
+            <a:r>
+              <a:rPr lang="de-CH" dirty="0" err="1" smtClean="0"/>
+              <a:t>my</a:t>
+            </a:r>
             <a:endParaRPr lang="de-CH" dirty="0"/>
           </a:p>
         </p:txBody>
@@ -3526,7 +3703,7 @@
     </p:spTree>
     <p:extLst>
       <p:ext uri="{BB962C8B-B14F-4D97-AF65-F5344CB8AC3E}">
-        <p14:creationId xmlns:p14="http://schemas.microsoft.com/office/powerpoint/2010/main" val="3178079573"/>
+        <p14:creationId xmlns:p14="http://schemas.microsoft.com/office/powerpoint/2010/main" val="591035820"/>
       </p:ext>
     </p:extLst>
   </p:cSld>
@@ -3536,7 +3713,7 @@
   <p:timing>
     <p:tnLst>
       <p:par>
-        <p:cTn xmlns:p14="http://schemas.microsoft.com/office/powerpoint/2010/main" id="1" dur="indefinite" restart="never" nodeType="tmRoot"/>
+        <p:cTn id="1" dur="indefinite" restart="never" nodeType="tmRoot"/>
       </p:par>
     </p:tnLst>
   </p:timing>
@@ -3570,12 +3747,7 @@
             <p:ph type="title"/>
           </p:nvPr>
         </p:nvSpPr>
-        <p:spPr>
-          <a:xfrm>
-            <a:off x="899592" y="548680"/>
-            <a:ext cx="7315200" cy="1154097"/>
-          </a:xfrm>
-        </p:spPr>
+        <p:spPr/>
         <p:txBody>
           <a:bodyPr anchor="t">
             <a:normAutofit/>
@@ -3584,7 +3756,7 @@
           <a:p>
             <a:r>
               <a:rPr lang="de-CH" sz="6000" dirty="0" smtClean="0"/>
-              <a:t>Projektablauf</a:t>
+              <a:t>Ressourcen</a:t>
             </a:r>
             <a:endParaRPr lang="de-CH" sz="6000" dirty="0"/>
           </a:p>
@@ -3592,7 +3764,7 @@
       </p:sp>
       <p:sp>
         <p:nvSpPr>
-          <p:cNvPr id="3" name="Content Placeholder 2"/>
+          <p:cNvPr id="4" name="Inhaltsplatzhalter 3"/>
           <p:cNvSpPr>
             <a:spLocks noGrp="1"/>
           </p:cNvSpPr>
@@ -3600,16 +3772,15 @@
             <p:ph idx="1"/>
           </p:nvPr>
         </p:nvSpPr>
-        <p:spPr>
-          <a:xfrm>
-            <a:off x="914400" y="1700809"/>
-            <a:ext cx="7315200" cy="4608552"/>
-          </a:xfrm>
-        </p:spPr>
-        <p:txBody>
-          <a:bodyPr/>
-          <a:lstStyle/>
-          <a:p>
+        <p:spPr/>
+        <p:txBody>
+          <a:bodyPr/>
+          <a:lstStyle/>
+          <a:p>
+            <a:r>
+              <a:rPr lang="de-CH" dirty="0" err="1" smtClean="0"/>
+              <a:t>my</a:t>
+            </a:r>
             <a:endParaRPr lang="de-CH" dirty="0"/>
           </a:p>
         </p:txBody>
@@ -3627,7 +3798,7 @@
   <p:timing>
     <p:tnLst>
       <p:par>
-        <p:cTn xmlns:p14="http://schemas.microsoft.com/office/powerpoint/2010/main" id="1" dur="indefinite" restart="never" nodeType="tmRoot"/>
+        <p:cTn id="1" dur="indefinite" restart="never" nodeType="tmRoot"/>
       </p:par>
     </p:tnLst>
   </p:timing>
@@ -3661,12 +3832,7 @@
             <p:ph type="title"/>
           </p:nvPr>
         </p:nvSpPr>
-        <p:spPr>
-          <a:xfrm>
-            <a:off x="899592" y="548680"/>
-            <a:ext cx="7315200" cy="1154097"/>
-          </a:xfrm>
-        </p:spPr>
+        <p:spPr/>
         <p:txBody>
           <a:bodyPr anchor="t">
             <a:normAutofit/>
@@ -3675,7 +3841,7 @@
           <a:p>
             <a:r>
               <a:rPr lang="de-CH" sz="6000" dirty="0" smtClean="0"/>
-              <a:t>Risiken</a:t>
+              <a:t>Projektablauf</a:t>
             </a:r>
             <a:endParaRPr lang="de-CH" sz="6000" dirty="0"/>
           </a:p>
@@ -3683,7 +3849,7 @@
       </p:sp>
       <p:sp>
         <p:nvSpPr>
-          <p:cNvPr id="3" name="Content Placeholder 2"/>
+          <p:cNvPr id="4" name="Inhaltsplatzhalter 3"/>
           <p:cNvSpPr>
             <a:spLocks noGrp="1"/>
           </p:cNvSpPr>
@@ -3691,17 +3857,12 @@
             <p:ph idx="1"/>
           </p:nvPr>
         </p:nvSpPr>
-        <p:spPr>
-          <a:xfrm>
-            <a:off x="914400" y="1700809"/>
-            <a:ext cx="7315200" cy="4608552"/>
-          </a:xfrm>
-        </p:spPr>
-        <p:txBody>
-          <a:bodyPr/>
-          <a:lstStyle/>
-          <a:p>
-            <a:endParaRPr lang="de-CH" dirty="0"/>
+        <p:spPr/>
+        <p:txBody>
+          <a:bodyPr/>
+          <a:lstStyle/>
+          <a:p>
+            <a:endParaRPr lang="de-CH"/>
           </a:p>
         </p:txBody>
       </p:sp>
@@ -3718,7 +3879,7 @@
   <p:timing>
     <p:tnLst>
       <p:par>
-        <p:cTn xmlns:p14="http://schemas.microsoft.com/office/powerpoint/2010/main" id="1" dur="indefinite" restart="never" nodeType="tmRoot"/>
+        <p:cTn id="1" dur="indefinite" restart="never" nodeType="tmRoot"/>
       </p:par>
     </p:tnLst>
   </p:timing>
@@ -3752,12 +3913,7 @@
             <p:ph type="title"/>
           </p:nvPr>
         </p:nvSpPr>
-        <p:spPr>
-          <a:xfrm>
-            <a:off x="899592" y="548680"/>
-            <a:ext cx="7315200" cy="1154097"/>
-          </a:xfrm>
-        </p:spPr>
+        <p:spPr/>
         <p:txBody>
           <a:bodyPr anchor="t">
             <a:normAutofit/>
@@ -3766,7 +3922,7 @@
           <a:p>
             <a:r>
               <a:rPr lang="de-CH" sz="6000" dirty="0" smtClean="0"/>
-              <a:t>Kundennutzung</a:t>
+              <a:t>Risiken</a:t>
             </a:r>
             <a:endParaRPr lang="de-CH" sz="6000" dirty="0"/>
           </a:p>
@@ -3774,7 +3930,7 @@
       </p:sp>
       <p:sp>
         <p:nvSpPr>
-          <p:cNvPr id="3" name="Content Placeholder 2"/>
+          <p:cNvPr id="4" name="Inhaltsplatzhalter 3"/>
           <p:cNvSpPr>
             <a:spLocks noGrp="1"/>
           </p:cNvSpPr>
@@ -3782,17 +3938,12 @@
             <p:ph idx="1"/>
           </p:nvPr>
         </p:nvSpPr>
-        <p:spPr>
-          <a:xfrm>
-            <a:off x="914400" y="1700809"/>
-            <a:ext cx="7315200" cy="4608552"/>
-          </a:xfrm>
-        </p:spPr>
-        <p:txBody>
-          <a:bodyPr/>
-          <a:lstStyle/>
-          <a:p>
-            <a:endParaRPr lang="de-CH" dirty="0"/>
+        <p:spPr/>
+        <p:txBody>
+          <a:bodyPr/>
+          <a:lstStyle/>
+          <a:p>
+            <a:endParaRPr lang="de-CH"/>
           </a:p>
         </p:txBody>
       </p:sp>
@@ -3809,7 +3960,7 @@
   <p:timing>
     <p:tnLst>
       <p:par>
-        <p:cTn xmlns:p14="http://schemas.microsoft.com/office/powerpoint/2010/main" id="1" dur="indefinite" restart="never" nodeType="tmRoot"/>
+        <p:cTn id="1" dur="indefinite" restart="never" nodeType="tmRoot"/>
       </p:par>
     </p:tnLst>
   </p:timing>
@@ -3843,12 +3994,7 @@
             <p:ph type="title"/>
           </p:nvPr>
         </p:nvSpPr>
-        <p:spPr>
-          <a:xfrm>
-            <a:off x="899592" y="548680"/>
-            <a:ext cx="7315200" cy="1154097"/>
-          </a:xfrm>
-        </p:spPr>
+        <p:spPr/>
         <p:txBody>
           <a:bodyPr anchor="t">
             <a:normAutofit/>
@@ -3857,7 +4003,7 @@
           <a:p>
             <a:r>
               <a:rPr lang="de-CH" sz="6000" dirty="0" smtClean="0"/>
-              <a:t>Wirtschaftlichkeit</a:t>
+              <a:t>Kundennutzung</a:t>
             </a:r>
             <a:endParaRPr lang="de-CH" sz="6000" dirty="0"/>
           </a:p>
@@ -3865,7 +4011,7 @@
       </p:sp>
       <p:sp>
         <p:nvSpPr>
-          <p:cNvPr id="3" name="Content Placeholder 2"/>
+          <p:cNvPr id="4" name="Inhaltsplatzhalter 3"/>
           <p:cNvSpPr>
             <a:spLocks noGrp="1"/>
           </p:cNvSpPr>
@@ -3873,17 +4019,12 @@
             <p:ph idx="1"/>
           </p:nvPr>
         </p:nvSpPr>
-        <p:spPr>
-          <a:xfrm>
-            <a:off x="914400" y="1700809"/>
-            <a:ext cx="7315200" cy="4608552"/>
-          </a:xfrm>
-        </p:spPr>
-        <p:txBody>
-          <a:bodyPr/>
-          <a:lstStyle/>
-          <a:p>
-            <a:endParaRPr lang="de-CH" dirty="0"/>
+        <p:spPr/>
+        <p:txBody>
+          <a:bodyPr/>
+          <a:lstStyle/>
+          <a:p>
+            <a:endParaRPr lang="de-CH"/>
           </a:p>
         </p:txBody>
       </p:sp>
@@ -3900,7 +4041,88 @@
   <p:timing>
     <p:tnLst>
       <p:par>
-        <p:cTn xmlns:p14="http://schemas.microsoft.com/office/powerpoint/2010/main" id="1" dur="indefinite" restart="never" nodeType="tmRoot"/>
+        <p:cTn id="1" dur="indefinite" restart="never" nodeType="tmRoot"/>
+      </p:par>
+    </p:tnLst>
+  </p:timing>
+</p:sld>
+</file>
+
+<file path=ppt/slides/slide9.xml><?xml version="1.0" encoding="utf-8"?>
+<p:sld xmlns:a="http://schemas.openxmlformats.org/drawingml/2006/main" xmlns:r="http://schemas.openxmlformats.org/officeDocument/2006/relationships" xmlns:p="http://schemas.openxmlformats.org/presentationml/2006/main">
+  <p:cSld>
+    <p:spTree>
+      <p:nvGrpSpPr>
+        <p:cNvPr id="1" name=""/>
+        <p:cNvGrpSpPr/>
+        <p:nvPr/>
+      </p:nvGrpSpPr>
+      <p:grpSpPr>
+        <a:xfrm>
+          <a:off x="0" y="0"/>
+          <a:ext cx="0" cy="0"/>
+          <a:chOff x="0" y="0"/>
+          <a:chExt cx="0" cy="0"/>
+        </a:xfrm>
+      </p:grpSpPr>
+      <p:sp>
+        <p:nvSpPr>
+          <p:cNvPr id="2" name="Title 1"/>
+          <p:cNvSpPr>
+            <a:spLocks noGrp="1"/>
+          </p:cNvSpPr>
+          <p:nvPr>
+            <p:ph type="title"/>
+          </p:nvPr>
+        </p:nvSpPr>
+        <p:spPr/>
+        <p:txBody>
+          <a:bodyPr anchor="t">
+            <a:normAutofit/>
+          </a:bodyPr>
+          <a:lstStyle/>
+          <a:p>
+            <a:r>
+              <a:rPr lang="de-CH" sz="6000" dirty="0" smtClean="0"/>
+              <a:t>Wirtschaftlichkeit</a:t>
+            </a:r>
+            <a:endParaRPr lang="de-CH" sz="6000" dirty="0"/>
+          </a:p>
+        </p:txBody>
+      </p:sp>
+      <p:sp>
+        <p:nvSpPr>
+          <p:cNvPr id="4" name="Inhaltsplatzhalter 3"/>
+          <p:cNvSpPr>
+            <a:spLocks noGrp="1"/>
+          </p:cNvSpPr>
+          <p:nvPr>
+            <p:ph idx="1"/>
+          </p:nvPr>
+        </p:nvSpPr>
+        <p:spPr/>
+        <p:txBody>
+          <a:bodyPr/>
+          <a:lstStyle/>
+          <a:p>
+            <a:endParaRPr lang="de-CH"/>
+          </a:p>
+        </p:txBody>
+      </p:sp>
+    </p:spTree>
+    <p:extLst>
+      <p:ext uri="{BB962C8B-B14F-4D97-AF65-F5344CB8AC3E}">
+        <p14:creationId xmlns:p14="http://schemas.microsoft.com/office/powerpoint/2010/main" val="3178079573"/>
+      </p:ext>
+    </p:extLst>
+  </p:cSld>
+  <p:clrMapOvr>
+    <a:masterClrMapping/>
+  </p:clrMapOvr>
+  <p:timing>
+    <p:tnLst>
+      <p:par>
+        <p:cTn id="1" dur="indefinite" restart="never" nodeType="tmRoot"/>
       </p:par>
     </p:tnLst>
   </p:timing>

--- a/Documents/Projektskizze/Projektskizze_Präsentation_v1.pptx
+++ b/Documents/Projektskizze/Projektskizze_Präsentation_v1.pptx
@@ -114,7 +114,7 @@
   </p:defaultTextStyle>
   <p:extLst>
     <p:ext uri="{EFAFB233-063F-42B5-8137-9DF3F51BA10A}">
-      <p15:sldGuideLst xmlns:p15="http://schemas.microsoft.com/office/powerpoint/2012/main">
+      <p15:sldGuideLst xmlns:p15="http://schemas.microsoft.com/office/powerpoint/2012/main" xmlns="">
         <p15:guide id="1" orient="horz" pos="2160">
           <p15:clr>
             <a:srgbClr val="A4A3A4"/>
@@ -326,7 +326,7 @@
           <a:p>
             <a:fld id="{1BA50D42-C9CD-4801-B293-61D1F53EC57E}" type="datetimeFigureOut">
               <a:rPr lang="de-DE" smtClean="0"/>
-              <a:t>27.09.2014</a:t>
+              <a:t>29.09.2014</a:t>
             </a:fld>
             <a:endParaRPr lang="de-DE"/>
           </a:p>
@@ -357,7 +357,7 @@
           <a:p>
             <a:fld id="{6C6AE60A-B69C-4790-82F7-3882EDF23186}" type="slidenum">
               <a:rPr lang="de-DE" smtClean="0"/>
-              <a:t>‹Nr.›</a:t>
+              <a:t>‹#›</a:t>
             </a:fld>
             <a:endParaRPr lang="de-DE"/>
           </a:p>
@@ -522,7 +522,7 @@
           <a:p>
             <a:fld id="{1BA50D42-C9CD-4801-B293-61D1F53EC57E}" type="datetimeFigureOut">
               <a:rPr lang="de-DE" smtClean="0"/>
-              <a:t>27.09.2014</a:t>
+              <a:t>29.09.2014</a:t>
             </a:fld>
             <a:endParaRPr lang="de-DE"/>
           </a:p>
@@ -580,7 +580,7 @@
           <a:p>
             <a:fld id="{6C6AE60A-B69C-4790-82F7-3882EDF23186}" type="slidenum">
               <a:rPr lang="de-DE" smtClean="0"/>
-              <a:t>‹Nr.›</a:t>
+              <a:t>‹#›</a:t>
             </a:fld>
             <a:endParaRPr lang="de-DE"/>
           </a:p>
@@ -721,7 +721,7 @@
           <a:p>
             <a:fld id="{1BA50D42-C9CD-4801-B293-61D1F53EC57E}" type="datetimeFigureOut">
               <a:rPr lang="de-DE" smtClean="0"/>
-              <a:t>27.09.2014</a:t>
+              <a:t>29.09.2014</a:t>
             </a:fld>
             <a:endParaRPr lang="de-DE"/>
           </a:p>
@@ -779,7 +779,7 @@
           <a:p>
             <a:fld id="{6C6AE60A-B69C-4790-82F7-3882EDF23186}" type="slidenum">
               <a:rPr lang="de-DE" smtClean="0"/>
-              <a:t>‹Nr.›</a:t>
+              <a:t>‹#›</a:t>
             </a:fld>
             <a:endParaRPr lang="de-DE"/>
           </a:p>
@@ -915,7 +915,7 @@
           <a:p>
             <a:fld id="{1BA50D42-C9CD-4801-B293-61D1F53EC57E}" type="datetimeFigureOut">
               <a:rPr lang="de-DE" smtClean="0"/>
-              <a:t>27.09.2014</a:t>
+              <a:t>29.09.2014</a:t>
             </a:fld>
             <a:endParaRPr lang="de-DE" dirty="0"/>
           </a:p>
@@ -973,7 +973,7 @@
           <a:p>
             <a:fld id="{6C6AE60A-B69C-4790-82F7-3882EDF23186}" type="slidenum">
               <a:rPr lang="de-DE" smtClean="0"/>
-              <a:t>‹Nr.›</a:t>
+              <a:t>‹#›</a:t>
             </a:fld>
             <a:endParaRPr lang="de-DE"/>
           </a:p>
@@ -1185,7 +1185,7 @@
           <a:p>
             <a:fld id="{1BA50D42-C9CD-4801-B293-61D1F53EC57E}" type="datetimeFigureOut">
               <a:rPr lang="de-DE" smtClean="0"/>
-              <a:t>27.09.2014</a:t>
+              <a:t>29.09.2014</a:t>
             </a:fld>
             <a:endParaRPr lang="de-DE"/>
           </a:p>
@@ -1243,7 +1243,7 @@
           <a:p>
             <a:fld id="{6C6AE60A-B69C-4790-82F7-3882EDF23186}" type="slidenum">
               <a:rPr lang="de-DE" smtClean="0"/>
-              <a:t>‹Nr.›</a:t>
+              <a:t>‹#›</a:t>
             </a:fld>
             <a:endParaRPr lang="de-DE"/>
           </a:p>
@@ -1306,7 +1306,7 @@
           <a:p>
             <a:fld id="{1BA50D42-C9CD-4801-B293-61D1F53EC57E}" type="datetimeFigureOut">
               <a:rPr lang="de-DE" smtClean="0"/>
-              <a:t>27.09.2014</a:t>
+              <a:t>29.09.2014</a:t>
             </a:fld>
             <a:endParaRPr lang="de-DE"/>
           </a:p>
@@ -1364,7 +1364,7 @@
           <a:p>
             <a:fld id="{6C6AE60A-B69C-4790-82F7-3882EDF23186}" type="slidenum">
               <a:rPr lang="de-DE" smtClean="0"/>
-              <a:t>‹Nr.›</a:t>
+              <a:t>‹#›</a:t>
             </a:fld>
             <a:endParaRPr lang="de-DE"/>
           </a:p>
@@ -1704,7 +1704,7 @@
           <a:p>
             <a:fld id="{1BA50D42-C9CD-4801-B293-61D1F53EC57E}" type="datetimeFigureOut">
               <a:rPr lang="de-DE" smtClean="0"/>
-              <a:t>27.09.2014</a:t>
+              <a:t>29.09.2014</a:t>
             </a:fld>
             <a:endParaRPr lang="de-DE"/>
           </a:p>
@@ -1762,7 +1762,7 @@
           <a:p>
             <a:fld id="{6C6AE60A-B69C-4790-82F7-3882EDF23186}" type="slidenum">
               <a:rPr lang="de-DE" smtClean="0"/>
-              <a:t>‹Nr.›</a:t>
+              <a:t>‹#›</a:t>
             </a:fld>
             <a:endParaRPr lang="de-DE"/>
           </a:p>
@@ -1983,7 +1983,7 @@
           <a:p>
             <a:fld id="{1BA50D42-C9CD-4801-B293-61D1F53EC57E}" type="datetimeFigureOut">
               <a:rPr lang="de-DE" smtClean="0"/>
-              <a:t>27.09.2014</a:t>
+              <a:t>29.09.2014</a:t>
             </a:fld>
             <a:endParaRPr lang="de-DE"/>
           </a:p>
@@ -2041,7 +2041,7 @@
           <a:p>
             <a:fld id="{6C6AE60A-B69C-4790-82F7-3882EDF23186}" type="slidenum">
               <a:rPr lang="de-DE" smtClean="0"/>
-              <a:t>‹Nr.›</a:t>
+              <a:t>‹#›</a:t>
             </a:fld>
             <a:endParaRPr lang="de-DE"/>
           </a:p>
@@ -2097,7 +2097,7 @@
           <a:p>
             <a:fld id="{1BA50D42-C9CD-4801-B293-61D1F53EC57E}" type="datetimeFigureOut">
               <a:rPr lang="de-DE" smtClean="0"/>
-              <a:t>27.09.2014</a:t>
+              <a:t>29.09.2014</a:t>
             </a:fld>
             <a:endParaRPr lang="de-DE"/>
           </a:p>
@@ -2155,7 +2155,7 @@
           <a:p>
             <a:fld id="{6C6AE60A-B69C-4790-82F7-3882EDF23186}" type="slidenum">
               <a:rPr lang="de-DE" smtClean="0"/>
-              <a:t>‹Nr.›</a:t>
+              <a:t>‹#›</a:t>
             </a:fld>
             <a:endParaRPr lang="de-DE"/>
           </a:p>
@@ -2395,7 +2395,7 @@
           <a:p>
             <a:fld id="{1BA50D42-C9CD-4801-B293-61D1F53EC57E}" type="datetimeFigureOut">
               <a:rPr lang="de-DE" smtClean="0"/>
-              <a:t>27.09.2014</a:t>
+              <a:t>29.09.2014</a:t>
             </a:fld>
             <a:endParaRPr lang="de-DE"/>
           </a:p>
@@ -2453,7 +2453,7 @@
           <a:p>
             <a:fld id="{6C6AE60A-B69C-4790-82F7-3882EDF23186}" type="slidenum">
               <a:rPr lang="de-DE" smtClean="0"/>
-              <a:t>‹Nr.›</a:t>
+              <a:t>‹#›</a:t>
             </a:fld>
             <a:endParaRPr lang="de-DE"/>
           </a:p>
@@ -2691,7 +2691,7 @@
           <a:p>
             <a:fld id="{1BA50D42-C9CD-4801-B293-61D1F53EC57E}" type="datetimeFigureOut">
               <a:rPr lang="de-DE" smtClean="0"/>
-              <a:t>27.09.2014</a:t>
+              <a:t>29.09.2014</a:t>
             </a:fld>
             <a:endParaRPr lang="de-DE"/>
           </a:p>
@@ -2749,7 +2749,7 @@
           <a:p>
             <a:fld id="{6C6AE60A-B69C-4790-82F7-3882EDF23186}" type="slidenum">
               <a:rPr lang="de-DE" smtClean="0"/>
-              <a:t>‹Nr.›</a:t>
+              <a:t>‹#›</a:t>
             </a:fld>
             <a:endParaRPr lang="de-DE"/>
           </a:p>
@@ -3862,7 +3862,11 @@
           <a:bodyPr/>
           <a:lstStyle/>
           <a:p>
-            <a:endParaRPr lang="de-CH"/>
+            <a:r>
+              <a:rPr lang="de-CH" dirty="0" smtClean="0"/>
+              <a:t>rh</a:t>
+            </a:r>
+            <a:endParaRPr lang="de-CH" dirty="0"/>
           </a:p>
         </p:txBody>
       </p:sp>
@@ -3943,7 +3947,11 @@
           <a:bodyPr/>
           <a:lstStyle/>
           <a:p>
-            <a:endParaRPr lang="de-CH"/>
+            <a:r>
+              <a:rPr lang="de-CH" dirty="0" smtClean="0"/>
+              <a:t>rh</a:t>
+            </a:r>
+            <a:endParaRPr lang="de-CH" dirty="0"/>
           </a:p>
         </p:txBody>
       </p:sp>
@@ -4024,7 +4032,7 @@
           <a:bodyPr/>
           <a:lstStyle/>
           <a:p>
-            <a:endParaRPr lang="de-CH"/>
+            <a:endParaRPr lang="de-CH" dirty="0"/>
           </a:p>
         </p:txBody>
       </p:sp>

--- a/Documents/Projektskizze/Projektskizze_Präsentation_v1.pptx
+++ b/Documents/Projektskizze/Projektskizze_Präsentation_v1.pptx
@@ -4,6 +4,9 @@
   <p:sldMasterIdLst>
     <p:sldMasterId id="2147483696" r:id="rId1"/>
   </p:sldMasterIdLst>
+  <p:notesMasterIdLst>
+    <p:notesMasterId r:id="rId14"/>
+  </p:notesMasterIdLst>
   <p:sldIdLst>
     <p:sldId id="256" r:id="rId2"/>
     <p:sldId id="257" r:id="rId3"/>
@@ -11,9 +14,12 @@
     <p:sldId id="264" r:id="rId5"/>
     <p:sldId id="259" r:id="rId6"/>
     <p:sldId id="260" r:id="rId7"/>
-    <p:sldId id="261" r:id="rId8"/>
-    <p:sldId id="262" r:id="rId9"/>
-    <p:sldId id="263" r:id="rId10"/>
+    <p:sldId id="265" r:id="rId8"/>
+    <p:sldId id="261" r:id="rId9"/>
+    <p:sldId id="266" r:id="rId10"/>
+    <p:sldId id="267" r:id="rId11"/>
+    <p:sldId id="262" r:id="rId12"/>
+    <p:sldId id="263" r:id="rId13"/>
   </p:sldIdLst>
   <p:sldSz cx="9144000" cy="6858000" type="screen4x3"/>
   <p:notesSz cx="6858000" cy="9144000"/>
@@ -114,7 +120,7 @@
   </p:defaultTextStyle>
   <p:extLst>
     <p:ext uri="{EFAFB233-063F-42B5-8137-9DF3F51BA10A}">
-      <p15:sldGuideLst xmlns:p15="http://schemas.microsoft.com/office/powerpoint/2012/main" xmlns="">
+      <p15:sldGuideLst xmlns="" xmlns:p15="http://schemas.microsoft.com/office/powerpoint/2012/main">
         <p15:guide id="1" orient="horz" pos="2160">
           <p15:clr>
             <a:srgbClr val="A4A3A4"/>
@@ -129,6 +135,1990 @@
     </p:ext>
   </p:extLst>
 </p:presentation>
+</file>
+
+<file path=ppt/notesMasters/notesMaster1.xml><?xml version="1.0" encoding="utf-8"?>
+<p:notesMaster xmlns:a="http://schemas.openxmlformats.org/drawingml/2006/main" xmlns:r="http://schemas.openxmlformats.org/officeDocument/2006/relationships" xmlns:p="http://schemas.openxmlformats.org/presentationml/2006/main">
+  <p:cSld>
+    <p:bg>
+      <p:bgRef idx="1001">
+        <a:schemeClr val="bg1"/>
+      </p:bgRef>
+    </p:bg>
+    <p:spTree>
+      <p:nvGrpSpPr>
+        <p:cNvPr id="1" name=""/>
+        <p:cNvGrpSpPr/>
+        <p:nvPr/>
+      </p:nvGrpSpPr>
+      <p:grpSpPr>
+        <a:xfrm>
+          <a:off x="0" y="0"/>
+          <a:ext cx="0" cy="0"/>
+          <a:chOff x="0" y="0"/>
+          <a:chExt cx="0" cy="0"/>
+        </a:xfrm>
+      </p:grpSpPr>
+      <p:sp>
+        <p:nvSpPr>
+          <p:cNvPr id="2" name="Header Placeholder 1"/>
+          <p:cNvSpPr>
+            <a:spLocks noGrp="1"/>
+          </p:cNvSpPr>
+          <p:nvPr>
+            <p:ph type="hdr" sz="quarter"/>
+          </p:nvPr>
+        </p:nvSpPr>
+        <p:spPr>
+          <a:xfrm>
+            <a:off x="0" y="0"/>
+            <a:ext cx="2971800" cy="457200"/>
+          </a:xfrm>
+          <a:prstGeom prst="rect">
+            <a:avLst/>
+          </a:prstGeom>
+        </p:spPr>
+        <p:txBody>
+          <a:bodyPr vert="horz" lIns="91440" tIns="45720" rIns="91440" bIns="45720" rtlCol="0"/>
+          <a:lstStyle>
+            <a:lvl1pPr algn="l">
+              <a:defRPr sz="1200"/>
+            </a:lvl1pPr>
+          </a:lstStyle>
+          <a:p>
+            <a:endParaRPr lang="de-CH"/>
+          </a:p>
+        </p:txBody>
+      </p:sp>
+      <p:sp>
+        <p:nvSpPr>
+          <p:cNvPr id="3" name="Date Placeholder 2"/>
+          <p:cNvSpPr>
+            <a:spLocks noGrp="1"/>
+          </p:cNvSpPr>
+          <p:nvPr>
+            <p:ph type="dt" idx="1"/>
+          </p:nvPr>
+        </p:nvSpPr>
+        <p:spPr>
+          <a:xfrm>
+            <a:off x="3884613" y="0"/>
+            <a:ext cx="2971800" cy="457200"/>
+          </a:xfrm>
+          <a:prstGeom prst="rect">
+            <a:avLst/>
+          </a:prstGeom>
+        </p:spPr>
+        <p:txBody>
+          <a:bodyPr vert="horz" lIns="91440" tIns="45720" rIns="91440" bIns="45720" rtlCol="0"/>
+          <a:lstStyle>
+            <a:lvl1pPr algn="r">
+              <a:defRPr sz="1200"/>
+            </a:lvl1pPr>
+          </a:lstStyle>
+          <a:p>
+            <a:fld id="{F2686799-5163-409F-B733-C9681AE00980}" type="datetimeFigureOut">
+              <a:rPr lang="de-CH" smtClean="0"/>
+              <a:t>29.09.2014</a:t>
+            </a:fld>
+            <a:endParaRPr lang="de-CH"/>
+          </a:p>
+        </p:txBody>
+      </p:sp>
+      <p:sp>
+        <p:nvSpPr>
+          <p:cNvPr id="4" name="Slide Image Placeholder 3"/>
+          <p:cNvSpPr>
+            <a:spLocks noGrp="1" noRot="1" noChangeAspect="1"/>
+          </p:cNvSpPr>
+          <p:nvPr>
+            <p:ph type="sldImg" idx="2"/>
+          </p:nvPr>
+        </p:nvSpPr>
+        <p:spPr>
+          <a:xfrm>
+            <a:off x="1143000" y="685800"/>
+            <a:ext cx="4572000" cy="3429000"/>
+          </a:xfrm>
+          <a:prstGeom prst="rect">
+            <a:avLst/>
+          </a:prstGeom>
+          <a:noFill/>
+          <a:ln w="12700">
+            <a:solidFill>
+              <a:prstClr val="black"/>
+            </a:solidFill>
+          </a:ln>
+        </p:spPr>
+        <p:txBody>
+          <a:bodyPr vert="horz" lIns="91440" tIns="45720" rIns="91440" bIns="45720" rtlCol="0" anchor="ctr"/>
+          <a:lstStyle/>
+          <a:p>
+            <a:endParaRPr lang="de-CH"/>
+          </a:p>
+        </p:txBody>
+      </p:sp>
+      <p:sp>
+        <p:nvSpPr>
+          <p:cNvPr id="5" name="Notes Placeholder 4"/>
+          <p:cNvSpPr>
+            <a:spLocks noGrp="1"/>
+          </p:cNvSpPr>
+          <p:nvPr>
+            <p:ph type="body" sz="quarter" idx="3"/>
+          </p:nvPr>
+        </p:nvSpPr>
+        <p:spPr>
+          <a:xfrm>
+            <a:off x="685800" y="4343400"/>
+            <a:ext cx="5486400" cy="4114800"/>
+          </a:xfrm>
+          <a:prstGeom prst="rect">
+            <a:avLst/>
+          </a:prstGeom>
+        </p:spPr>
+        <p:txBody>
+          <a:bodyPr vert="horz" lIns="91440" tIns="45720" rIns="91440" bIns="45720" rtlCol="0"/>
+          <a:lstStyle/>
+          <a:p>
+            <a:pPr lvl="0"/>
+            <a:r>
+              <a:rPr lang="en-US" smtClean="0"/>
+              <a:t>Click to edit Master text styles</a:t>
+            </a:r>
+          </a:p>
+          <a:p>
+            <a:pPr lvl="1"/>
+            <a:r>
+              <a:rPr lang="en-US" smtClean="0"/>
+              <a:t>Second level</a:t>
+            </a:r>
+          </a:p>
+          <a:p>
+            <a:pPr lvl="2"/>
+            <a:r>
+              <a:rPr lang="en-US" smtClean="0"/>
+              <a:t>Third level</a:t>
+            </a:r>
+          </a:p>
+          <a:p>
+            <a:pPr lvl="3"/>
+            <a:r>
+              <a:rPr lang="en-US" smtClean="0"/>
+              <a:t>Fourth level</a:t>
+            </a:r>
+          </a:p>
+          <a:p>
+            <a:pPr lvl="4"/>
+            <a:r>
+              <a:rPr lang="en-US" smtClean="0"/>
+              <a:t>Fifth level</a:t>
+            </a:r>
+            <a:endParaRPr lang="de-CH"/>
+          </a:p>
+        </p:txBody>
+      </p:sp>
+      <p:sp>
+        <p:nvSpPr>
+          <p:cNvPr id="6" name="Footer Placeholder 5"/>
+          <p:cNvSpPr>
+            <a:spLocks noGrp="1"/>
+          </p:cNvSpPr>
+          <p:nvPr>
+            <p:ph type="ftr" sz="quarter" idx="4"/>
+          </p:nvPr>
+        </p:nvSpPr>
+        <p:spPr>
+          <a:xfrm>
+            <a:off x="0" y="8685213"/>
+            <a:ext cx="2971800" cy="457200"/>
+          </a:xfrm>
+          <a:prstGeom prst="rect">
+            <a:avLst/>
+          </a:prstGeom>
+        </p:spPr>
+        <p:txBody>
+          <a:bodyPr vert="horz" lIns="91440" tIns="45720" rIns="91440" bIns="45720" rtlCol="0" anchor="b"/>
+          <a:lstStyle>
+            <a:lvl1pPr algn="l">
+              <a:defRPr sz="1200"/>
+            </a:lvl1pPr>
+          </a:lstStyle>
+          <a:p>
+            <a:endParaRPr lang="de-CH"/>
+          </a:p>
+        </p:txBody>
+      </p:sp>
+      <p:sp>
+        <p:nvSpPr>
+          <p:cNvPr id="7" name="Slide Number Placeholder 6"/>
+          <p:cNvSpPr>
+            <a:spLocks noGrp="1"/>
+          </p:cNvSpPr>
+          <p:nvPr>
+            <p:ph type="sldNum" sz="quarter" idx="5"/>
+          </p:nvPr>
+        </p:nvSpPr>
+        <p:spPr>
+          <a:xfrm>
+            <a:off x="3884613" y="8685213"/>
+            <a:ext cx="2971800" cy="457200"/>
+          </a:xfrm>
+          <a:prstGeom prst="rect">
+            <a:avLst/>
+          </a:prstGeom>
+        </p:spPr>
+        <p:txBody>
+          <a:bodyPr vert="horz" lIns="91440" tIns="45720" rIns="91440" bIns="45720" rtlCol="0" anchor="b"/>
+          <a:lstStyle>
+            <a:lvl1pPr algn="r">
+              <a:defRPr sz="1200"/>
+            </a:lvl1pPr>
+          </a:lstStyle>
+          <a:p>
+            <a:fld id="{539D6FB8-A289-4D31-AE1B-368BC10F6FE7}" type="slidenum">
+              <a:rPr lang="de-CH" smtClean="0"/>
+              <a:t>‹#›</a:t>
+            </a:fld>
+            <a:endParaRPr lang="de-CH"/>
+          </a:p>
+        </p:txBody>
+      </p:sp>
+    </p:spTree>
+    <p:extLst>
+      <p:ext uri="{BB962C8B-B14F-4D97-AF65-F5344CB8AC3E}">
+        <p14:creationId xmlns:p14="http://schemas.microsoft.com/office/powerpoint/2010/main" val="1083952489"/>
+      </p:ext>
+    </p:extLst>
+  </p:cSld>
+  <p:clrMap bg1="lt1" tx1="dk1" bg2="lt2" tx2="dk2" accent1="accent1" accent2="accent2" accent3="accent3" accent4="accent4" accent5="accent5" accent6="accent6" hlink="hlink" folHlink="folHlink"/>
+  <p:notesStyle>
+    <a:lvl1pPr marL="0" algn="l" defTabSz="914400" rtl="0" eaLnBrk="1" latinLnBrk="0" hangingPunct="1">
+      <a:defRPr sz="1200" kern="1200">
+        <a:solidFill>
+          <a:schemeClr val="tx1"/>
+        </a:solidFill>
+        <a:latin typeface="+mn-lt"/>
+        <a:ea typeface="+mn-ea"/>
+        <a:cs typeface="+mn-cs"/>
+      </a:defRPr>
+    </a:lvl1pPr>
+    <a:lvl2pPr marL="457200" algn="l" defTabSz="914400" rtl="0" eaLnBrk="1" latinLnBrk="0" hangingPunct="1">
+      <a:defRPr sz="1200" kern="1200">
+        <a:solidFill>
+          <a:schemeClr val="tx1"/>
+        </a:solidFill>
+        <a:latin typeface="+mn-lt"/>
+        <a:ea typeface="+mn-ea"/>
+        <a:cs typeface="+mn-cs"/>
+      </a:defRPr>
+    </a:lvl2pPr>
+    <a:lvl3pPr marL="914400" algn="l" defTabSz="914400" rtl="0" eaLnBrk="1" latinLnBrk="0" hangingPunct="1">
+      <a:defRPr sz="1200" kern="1200">
+        <a:solidFill>
+          <a:schemeClr val="tx1"/>
+        </a:solidFill>
+        <a:latin typeface="+mn-lt"/>
+        <a:ea typeface="+mn-ea"/>
+        <a:cs typeface="+mn-cs"/>
+      </a:defRPr>
+    </a:lvl3pPr>
+    <a:lvl4pPr marL="1371600" algn="l" defTabSz="914400" rtl="0" eaLnBrk="1" latinLnBrk="0" hangingPunct="1">
+      <a:defRPr sz="1200" kern="1200">
+        <a:solidFill>
+          <a:schemeClr val="tx1"/>
+        </a:solidFill>
+        <a:latin typeface="+mn-lt"/>
+        <a:ea typeface="+mn-ea"/>
+        <a:cs typeface="+mn-cs"/>
+      </a:defRPr>
+    </a:lvl4pPr>
+    <a:lvl5pPr marL="1828800" algn="l" defTabSz="914400" rtl="0" eaLnBrk="1" latinLnBrk="0" hangingPunct="1">
+      <a:defRPr sz="1200" kern="1200">
+        <a:solidFill>
+          <a:schemeClr val="tx1"/>
+        </a:solidFill>
+        <a:latin typeface="+mn-lt"/>
+        <a:ea typeface="+mn-ea"/>
+        <a:cs typeface="+mn-cs"/>
+      </a:defRPr>
+    </a:lvl5pPr>
+    <a:lvl6pPr marL="2286000" algn="l" defTabSz="914400" rtl="0" eaLnBrk="1" latinLnBrk="0" hangingPunct="1">
+      <a:defRPr sz="1200" kern="1200">
+        <a:solidFill>
+          <a:schemeClr val="tx1"/>
+        </a:solidFill>
+        <a:latin typeface="+mn-lt"/>
+        <a:ea typeface="+mn-ea"/>
+        <a:cs typeface="+mn-cs"/>
+      </a:defRPr>
+    </a:lvl6pPr>
+    <a:lvl7pPr marL="2743200" algn="l" defTabSz="914400" rtl="0" eaLnBrk="1" latinLnBrk="0" hangingPunct="1">
+      <a:defRPr sz="1200" kern="1200">
+        <a:solidFill>
+          <a:schemeClr val="tx1"/>
+        </a:solidFill>
+        <a:latin typeface="+mn-lt"/>
+        <a:ea typeface="+mn-ea"/>
+        <a:cs typeface="+mn-cs"/>
+      </a:defRPr>
+    </a:lvl7pPr>
+    <a:lvl8pPr marL="3200400" algn="l" defTabSz="914400" rtl="0" eaLnBrk="1" latinLnBrk="0" hangingPunct="1">
+      <a:defRPr sz="1200" kern="1200">
+        <a:solidFill>
+          <a:schemeClr val="tx1"/>
+        </a:solidFill>
+        <a:latin typeface="+mn-lt"/>
+        <a:ea typeface="+mn-ea"/>
+        <a:cs typeface="+mn-cs"/>
+      </a:defRPr>
+    </a:lvl8pPr>
+    <a:lvl9pPr marL="3657600" algn="l" defTabSz="914400" rtl="0" eaLnBrk="1" latinLnBrk="0" hangingPunct="1">
+      <a:defRPr sz="1200" kern="1200">
+        <a:solidFill>
+          <a:schemeClr val="tx1"/>
+        </a:solidFill>
+        <a:latin typeface="+mn-lt"/>
+        <a:ea typeface="+mn-ea"/>
+        <a:cs typeface="+mn-cs"/>
+      </a:defRPr>
+    </a:lvl9pPr>
+  </p:notesStyle>
+</p:notesMaster>
+</file>
+
+<file path=ppt/notesSlides/notesSlide1.xml><?xml version="1.0" encoding="utf-8"?>
+<p:notes xmlns:a="http://schemas.openxmlformats.org/drawingml/2006/main" xmlns:r="http://schemas.openxmlformats.org/officeDocument/2006/relationships" xmlns:p="http://schemas.openxmlformats.org/presentationml/2006/main">
+  <p:cSld>
+    <p:spTree>
+      <p:nvGrpSpPr>
+        <p:cNvPr id="1" name=""/>
+        <p:cNvGrpSpPr/>
+        <p:nvPr/>
+      </p:nvGrpSpPr>
+      <p:grpSpPr>
+        <a:xfrm>
+          <a:off x="0" y="0"/>
+          <a:ext cx="0" cy="0"/>
+          <a:chOff x="0" y="0"/>
+          <a:chExt cx="0" cy="0"/>
+        </a:xfrm>
+      </p:grpSpPr>
+      <p:sp>
+        <p:nvSpPr>
+          <p:cNvPr id="2" name="Slide Image Placeholder 1"/>
+          <p:cNvSpPr>
+            <a:spLocks noGrp="1" noRot="1" noChangeAspect="1"/>
+          </p:cNvSpPr>
+          <p:nvPr>
+            <p:ph type="sldImg"/>
+          </p:nvPr>
+        </p:nvSpPr>
+        <p:spPr/>
+      </p:sp>
+      <p:sp>
+        <p:nvSpPr>
+          <p:cNvPr id="3" name="Notes Placeholder 2"/>
+          <p:cNvSpPr>
+            <a:spLocks noGrp="1"/>
+          </p:cNvSpPr>
+          <p:nvPr>
+            <p:ph type="body" idx="1"/>
+          </p:nvPr>
+        </p:nvSpPr>
+        <p:spPr/>
+        <p:txBody>
+          <a:bodyPr/>
+          <a:lstStyle/>
+          <a:p>
+            <a:r>
+              <a:rPr lang="de-CH" dirty="0" err="1" smtClean="0"/>
+              <a:t>Inception</a:t>
+            </a:r>
+            <a:endParaRPr lang="de-CH" dirty="0" smtClean="0"/>
+          </a:p>
+          <a:p>
+            <a:endParaRPr lang="de-CH" dirty="0" smtClean="0"/>
+          </a:p>
+          <a:p>
+            <a:r>
+              <a:rPr lang="de-CH" dirty="0" smtClean="0"/>
+              <a:t>Elaboration</a:t>
+            </a:r>
+          </a:p>
+          <a:p>
+            <a:endParaRPr lang="de-CH" dirty="0" smtClean="0"/>
+          </a:p>
+          <a:p>
+            <a:r>
+              <a:rPr lang="de-CH" dirty="0" err="1" smtClean="0"/>
+              <a:t>Construction</a:t>
+            </a:r>
+            <a:endParaRPr lang="de-CH" dirty="0" smtClean="0"/>
+          </a:p>
+          <a:p>
+            <a:endParaRPr lang="de-CH" dirty="0" smtClean="0"/>
+          </a:p>
+          <a:p>
+            <a:r>
+              <a:rPr lang="de-CH" dirty="0" smtClean="0"/>
+              <a:t>Transition</a:t>
+            </a:r>
+            <a:endParaRPr lang="de-CH" dirty="0"/>
+          </a:p>
+        </p:txBody>
+      </p:sp>
+      <p:sp>
+        <p:nvSpPr>
+          <p:cNvPr id="4" name="Slide Number Placeholder 3"/>
+          <p:cNvSpPr>
+            <a:spLocks noGrp="1"/>
+          </p:cNvSpPr>
+          <p:nvPr>
+            <p:ph type="sldNum" sz="quarter" idx="10"/>
+          </p:nvPr>
+        </p:nvSpPr>
+        <p:spPr/>
+        <p:txBody>
+          <a:bodyPr/>
+          <a:lstStyle/>
+          <a:p>
+            <a:fld id="{539D6FB8-A289-4D31-AE1B-368BC10F6FE7}" type="slidenum">
+              <a:rPr lang="de-CH" smtClean="0"/>
+              <a:t>6</a:t>
+            </a:fld>
+            <a:endParaRPr lang="de-CH"/>
+          </a:p>
+        </p:txBody>
+      </p:sp>
+    </p:spTree>
+    <p:extLst>
+      <p:ext uri="{BB962C8B-B14F-4D97-AF65-F5344CB8AC3E}">
+        <p14:creationId xmlns:p14="http://schemas.microsoft.com/office/powerpoint/2010/main" val="672498572"/>
+      </p:ext>
+    </p:extLst>
+  </p:cSld>
+  <p:clrMapOvr>
+    <a:masterClrMapping/>
+  </p:clrMapOvr>
+</p:notes>
+</file>
+
+<file path=ppt/notesSlides/notesSlide2.xml><?xml version="1.0" encoding="utf-8"?>
+<p:notes xmlns:a="http://schemas.openxmlformats.org/drawingml/2006/main" xmlns:r="http://schemas.openxmlformats.org/officeDocument/2006/relationships" xmlns:p="http://schemas.openxmlformats.org/presentationml/2006/main">
+  <p:cSld>
+    <p:spTree>
+      <p:nvGrpSpPr>
+        <p:cNvPr id="1" name=""/>
+        <p:cNvGrpSpPr/>
+        <p:nvPr/>
+      </p:nvGrpSpPr>
+      <p:grpSpPr>
+        <a:xfrm>
+          <a:off x="0" y="0"/>
+          <a:ext cx="0" cy="0"/>
+          <a:chOff x="0" y="0"/>
+          <a:chExt cx="0" cy="0"/>
+        </a:xfrm>
+      </p:grpSpPr>
+      <p:sp>
+        <p:nvSpPr>
+          <p:cNvPr id="2" name="Slide Image Placeholder 1"/>
+          <p:cNvSpPr>
+            <a:spLocks noGrp="1" noRot="1" noChangeAspect="1"/>
+          </p:cNvSpPr>
+          <p:nvPr>
+            <p:ph type="sldImg"/>
+          </p:nvPr>
+        </p:nvSpPr>
+        <p:spPr/>
+      </p:sp>
+      <p:sp>
+        <p:nvSpPr>
+          <p:cNvPr id="3" name="Notes Placeholder 2"/>
+          <p:cNvSpPr>
+            <a:spLocks noGrp="1"/>
+          </p:cNvSpPr>
+          <p:nvPr>
+            <p:ph type="body" idx="1"/>
+          </p:nvPr>
+        </p:nvSpPr>
+        <p:spPr/>
+        <p:txBody>
+          <a:bodyPr/>
+          <a:lstStyle/>
+          <a:p>
+            <a:r>
+              <a:rPr lang="de-CH" dirty="0" smtClean="0"/>
+              <a:t>1, ZHAW</a:t>
+            </a:r>
+            <a:r>
+              <a:rPr lang="de-CH" baseline="0" dirty="0" smtClean="0"/>
+              <a:t> Netzwerk</a:t>
+            </a:r>
+          </a:p>
+          <a:p>
+            <a:pPr marL="0" marR="0" indent="0" algn="l" defTabSz="914400" rtl="0" eaLnBrk="1" fontAlgn="auto" latinLnBrk="0" hangingPunct="1">
+              <a:lnSpc>
+                <a:spcPct val="100000"/>
+              </a:lnSpc>
+              <a:spcBef>
+                <a:spcPts val="0"/>
+              </a:spcBef>
+              <a:spcAft>
+                <a:spcPts val="0"/>
+              </a:spcAft>
+              <a:buClrTx/>
+              <a:buSzTx/>
+              <a:buFontTx/>
+              <a:buNone/>
+              <a:tabLst/>
+              <a:defRPr/>
+            </a:pPr>
+            <a:r>
+              <a:rPr lang="de-CH" sz="1200" dirty="0" smtClean="0">
+                <a:effectLst/>
+              </a:rPr>
+              <a:t>ZHAW Server sind aufgrund eines Wartungsfensters oder Ausfalls nicht erreichbar</a:t>
+            </a:r>
+            <a:endParaRPr lang="de-CH" sz="1200" dirty="0" smtClean="0">
+              <a:effectLst/>
+              <a:latin typeface="+mn-lt"/>
+              <a:ea typeface="Calibri"/>
+              <a:cs typeface="Times New Roman"/>
+            </a:endParaRPr>
+          </a:p>
+          <a:p>
+            <a:endParaRPr lang="de-CH" dirty="0" smtClean="0"/>
+          </a:p>
+          <a:p>
+            <a:pPr marL="0" marR="0" indent="0" algn="l" defTabSz="914400" rtl="0" eaLnBrk="1" fontAlgn="auto" latinLnBrk="0" hangingPunct="1">
+              <a:lnSpc>
+                <a:spcPct val="100000"/>
+              </a:lnSpc>
+              <a:spcBef>
+                <a:spcPts val="0"/>
+              </a:spcBef>
+              <a:spcAft>
+                <a:spcPts val="0"/>
+              </a:spcAft>
+              <a:buClrTx/>
+              <a:buSzTx/>
+              <a:buFontTx/>
+              <a:buNone/>
+              <a:tabLst/>
+              <a:defRPr/>
+            </a:pPr>
+            <a:r>
+              <a:rPr lang="de-CH" sz="1200" dirty="0" err="1" smtClean="0">
+                <a:effectLst/>
+              </a:rPr>
+              <a:t>Git</a:t>
+            </a:r>
+            <a:r>
+              <a:rPr lang="de-CH" sz="1200" dirty="0" smtClean="0">
+                <a:effectLst/>
+              </a:rPr>
+              <a:t> benutzen</a:t>
+            </a:r>
+            <a:endParaRPr lang="de-CH" sz="1200" dirty="0" smtClean="0">
+              <a:effectLst/>
+              <a:latin typeface="+mn-lt"/>
+              <a:ea typeface="Calibri"/>
+              <a:cs typeface="Times New Roman"/>
+            </a:endParaRPr>
+          </a:p>
+          <a:p>
+            <a:endParaRPr lang="de-CH" dirty="0" smtClean="0"/>
+          </a:p>
+          <a:p>
+            <a:endParaRPr lang="de-CH" dirty="0" smtClean="0"/>
+          </a:p>
+          <a:p>
+            <a:r>
+              <a:rPr lang="de-CH" dirty="0" smtClean="0"/>
+              <a:t>2, Motivation</a:t>
+            </a:r>
+          </a:p>
+          <a:p>
+            <a:pPr marL="0" marR="0" indent="0" algn="l" defTabSz="914400" rtl="0" eaLnBrk="1" fontAlgn="auto" latinLnBrk="0" hangingPunct="1">
+              <a:lnSpc>
+                <a:spcPct val="100000"/>
+              </a:lnSpc>
+              <a:spcBef>
+                <a:spcPts val="0"/>
+              </a:spcBef>
+              <a:spcAft>
+                <a:spcPts val="0"/>
+              </a:spcAft>
+              <a:buClrTx/>
+              <a:buSzTx/>
+              <a:buFontTx/>
+              <a:buNone/>
+              <a:tabLst/>
+              <a:defRPr/>
+            </a:pPr>
+            <a:r>
+              <a:rPr lang="de-CH" sz="1200" dirty="0" smtClean="0">
+                <a:effectLst/>
+              </a:rPr>
+              <a:t>Motivation während des Semesters lässt nach</a:t>
+            </a:r>
+            <a:endParaRPr lang="de-CH" sz="1200" dirty="0" smtClean="0">
+              <a:effectLst/>
+              <a:latin typeface="+mn-lt"/>
+              <a:ea typeface="Calibri"/>
+              <a:cs typeface="Times New Roman"/>
+            </a:endParaRPr>
+          </a:p>
+          <a:p>
+            <a:pPr marL="0" marR="0" indent="0" algn="l" defTabSz="914400" rtl="0" eaLnBrk="1" fontAlgn="auto" latinLnBrk="0" hangingPunct="1">
+              <a:lnSpc>
+                <a:spcPct val="100000"/>
+              </a:lnSpc>
+              <a:spcBef>
+                <a:spcPts val="0"/>
+              </a:spcBef>
+              <a:spcAft>
+                <a:spcPts val="0"/>
+              </a:spcAft>
+              <a:buClrTx/>
+              <a:buSzTx/>
+              <a:buFontTx/>
+              <a:buNone/>
+              <a:tabLst/>
+              <a:defRPr/>
+            </a:pPr>
+            <a:endParaRPr lang="de-CH" sz="1200" dirty="0" smtClean="0">
+              <a:effectLst/>
+            </a:endParaRPr>
+          </a:p>
+          <a:p>
+            <a:pPr marL="0" marR="0" indent="0" algn="l" defTabSz="914400" rtl="0" eaLnBrk="1" fontAlgn="auto" latinLnBrk="0" hangingPunct="1">
+              <a:lnSpc>
+                <a:spcPct val="100000"/>
+              </a:lnSpc>
+              <a:spcBef>
+                <a:spcPts val="0"/>
+              </a:spcBef>
+              <a:spcAft>
+                <a:spcPts val="0"/>
+              </a:spcAft>
+              <a:buClrTx/>
+              <a:buSzTx/>
+              <a:buFontTx/>
+              <a:buNone/>
+              <a:tabLst/>
+              <a:defRPr/>
+            </a:pPr>
+            <a:r>
+              <a:rPr lang="de-CH" sz="1200" dirty="0" smtClean="0">
+                <a:effectLst/>
+              </a:rPr>
+              <a:t>Arbeiten gerecht verteilen. Teamgeist pflegen und klare gemeinsame Ziele definieren</a:t>
+            </a:r>
+            <a:endParaRPr lang="de-CH" sz="1200" dirty="0" smtClean="0">
+              <a:effectLst/>
+              <a:latin typeface="+mn-lt"/>
+              <a:ea typeface="Calibri"/>
+              <a:cs typeface="Times New Roman"/>
+            </a:endParaRPr>
+          </a:p>
+          <a:p>
+            <a:endParaRPr lang="de-CH" dirty="0" smtClean="0"/>
+          </a:p>
+          <a:p>
+            <a:endParaRPr lang="de-CH" dirty="0" smtClean="0"/>
+          </a:p>
+          <a:p>
+            <a:r>
+              <a:rPr lang="de-CH" dirty="0" smtClean="0"/>
+              <a:t>3, Probleme</a:t>
+            </a:r>
+            <a:r>
+              <a:rPr lang="de-CH" baseline="0" dirty="0" smtClean="0"/>
+              <a:t> mit Entwicklungsumgebung</a:t>
+            </a:r>
+          </a:p>
+          <a:p>
+            <a:pPr marL="0" marR="0" indent="0" algn="l" defTabSz="914400" rtl="0" eaLnBrk="1" fontAlgn="auto" latinLnBrk="0" hangingPunct="1">
+              <a:lnSpc>
+                <a:spcPct val="100000"/>
+              </a:lnSpc>
+              <a:spcBef>
+                <a:spcPts val="0"/>
+              </a:spcBef>
+              <a:spcAft>
+                <a:spcPts val="0"/>
+              </a:spcAft>
+              <a:buClrTx/>
+              <a:buSzTx/>
+              <a:buFontTx/>
+              <a:buNone/>
+              <a:tabLst/>
+              <a:defRPr/>
+            </a:pPr>
+            <a:r>
+              <a:rPr lang="de-CH" sz="1200" dirty="0" smtClean="0">
+                <a:effectLst/>
+              </a:rPr>
+              <a:t>Probleme mit Framework oder Android SDK</a:t>
+            </a:r>
+            <a:endParaRPr lang="de-CH" sz="1200" dirty="0" smtClean="0">
+              <a:effectLst/>
+              <a:latin typeface="+mn-lt"/>
+              <a:ea typeface="Calibri"/>
+              <a:cs typeface="Times New Roman"/>
+            </a:endParaRPr>
+          </a:p>
+          <a:p>
+            <a:endParaRPr lang="de-CH" dirty="0" smtClean="0"/>
+          </a:p>
+          <a:p>
+            <a:pPr marL="0" marR="0" indent="0" algn="l" defTabSz="914400" rtl="0" eaLnBrk="1" fontAlgn="auto" latinLnBrk="0" hangingPunct="1">
+              <a:lnSpc>
+                <a:spcPct val="100000"/>
+              </a:lnSpc>
+              <a:spcBef>
+                <a:spcPts val="0"/>
+              </a:spcBef>
+              <a:spcAft>
+                <a:spcPts val="0"/>
+              </a:spcAft>
+              <a:buClrTx/>
+              <a:buSzTx/>
+              <a:buFontTx/>
+              <a:buNone/>
+              <a:tabLst/>
+              <a:defRPr/>
+            </a:pPr>
+            <a:r>
+              <a:rPr lang="de-CH" sz="1200" dirty="0" smtClean="0">
+                <a:effectLst/>
+              </a:rPr>
+              <a:t>Gemeinsames Einrichten der Entwicklungsumgebungen und gegenseitige Unterstützung bei Problemen</a:t>
+            </a:r>
+            <a:endParaRPr lang="de-CH" sz="1200" dirty="0" smtClean="0">
+              <a:effectLst/>
+              <a:latin typeface="+mn-lt"/>
+              <a:ea typeface="Calibri"/>
+              <a:cs typeface="Times New Roman"/>
+            </a:endParaRPr>
+          </a:p>
+          <a:p>
+            <a:endParaRPr lang="de-CH" dirty="0" smtClean="0"/>
+          </a:p>
+          <a:p>
+            <a:endParaRPr lang="de-CH" dirty="0" smtClean="0"/>
+          </a:p>
+          <a:p>
+            <a:r>
+              <a:rPr lang="de-CH" dirty="0" smtClean="0"/>
+              <a:t>4, Hardware</a:t>
+            </a:r>
+          </a:p>
+          <a:p>
+            <a:r>
+              <a:rPr lang="de-CH" dirty="0" smtClean="0"/>
+              <a:t>Ein Handy oder Notebook fällt aus</a:t>
+            </a:r>
+          </a:p>
+          <a:p>
+            <a:endParaRPr lang="de-CH" dirty="0" smtClean="0"/>
+          </a:p>
+          <a:p>
+            <a:pPr marL="0" marR="0" indent="0" algn="l" defTabSz="914400" rtl="0" eaLnBrk="1" fontAlgn="auto" latinLnBrk="0" hangingPunct="1">
+              <a:lnSpc>
+                <a:spcPct val="100000"/>
+              </a:lnSpc>
+              <a:spcBef>
+                <a:spcPts val="0"/>
+              </a:spcBef>
+              <a:spcAft>
+                <a:spcPts val="0"/>
+              </a:spcAft>
+              <a:buClrTx/>
+              <a:buSzTx/>
+              <a:buFontTx/>
+              <a:buNone/>
+              <a:tabLst/>
+              <a:defRPr/>
+            </a:pPr>
+            <a:r>
+              <a:rPr lang="de-CH" sz="1200" dirty="0" smtClean="0">
+                <a:effectLst/>
+              </a:rPr>
+              <a:t>Material sorgfältig behandeln und bei einem Ausfall zeitig für Ersatz sorgen</a:t>
+            </a:r>
+            <a:endParaRPr lang="de-CH" sz="1200" dirty="0" smtClean="0">
+              <a:effectLst/>
+              <a:latin typeface="+mn-lt"/>
+              <a:ea typeface="Calibri"/>
+              <a:cs typeface="Times New Roman"/>
+            </a:endParaRPr>
+          </a:p>
+        </p:txBody>
+      </p:sp>
+      <p:sp>
+        <p:nvSpPr>
+          <p:cNvPr id="4" name="Slide Number Placeholder 3"/>
+          <p:cNvSpPr>
+            <a:spLocks noGrp="1"/>
+          </p:cNvSpPr>
+          <p:nvPr>
+            <p:ph type="sldNum" sz="quarter" idx="10"/>
+          </p:nvPr>
+        </p:nvSpPr>
+        <p:spPr/>
+        <p:txBody>
+          <a:bodyPr/>
+          <a:lstStyle/>
+          <a:p>
+            <a:fld id="{539D6FB8-A289-4D31-AE1B-368BC10F6FE7}" type="slidenum">
+              <a:rPr lang="de-CH" smtClean="0"/>
+              <a:t>8</a:t>
+            </a:fld>
+            <a:endParaRPr lang="de-CH"/>
+          </a:p>
+        </p:txBody>
+      </p:sp>
+    </p:spTree>
+    <p:extLst>
+      <p:ext uri="{BB962C8B-B14F-4D97-AF65-F5344CB8AC3E}">
+        <p14:creationId xmlns:p14="http://schemas.microsoft.com/office/powerpoint/2010/main" val="2000506139"/>
+      </p:ext>
+    </p:extLst>
+  </p:cSld>
+  <p:clrMapOvr>
+    <a:masterClrMapping/>
+  </p:clrMapOvr>
+</p:notes>
+</file>
+
+<file path=ppt/notesSlides/notesSlide3.xml><?xml version="1.0" encoding="utf-8"?>
+<p:notes xmlns:a="http://schemas.openxmlformats.org/drawingml/2006/main" xmlns:r="http://schemas.openxmlformats.org/officeDocument/2006/relationships" xmlns:p="http://schemas.openxmlformats.org/presentationml/2006/main">
+  <p:cSld>
+    <p:spTree>
+      <p:nvGrpSpPr>
+        <p:cNvPr id="1" name=""/>
+        <p:cNvGrpSpPr/>
+        <p:nvPr/>
+      </p:nvGrpSpPr>
+      <p:grpSpPr>
+        <a:xfrm>
+          <a:off x="0" y="0"/>
+          <a:ext cx="0" cy="0"/>
+          <a:chOff x="0" y="0"/>
+          <a:chExt cx="0" cy="0"/>
+        </a:xfrm>
+      </p:grpSpPr>
+      <p:sp>
+        <p:nvSpPr>
+          <p:cNvPr id="2" name="Slide Image Placeholder 1"/>
+          <p:cNvSpPr>
+            <a:spLocks noGrp="1" noRot="1" noChangeAspect="1"/>
+          </p:cNvSpPr>
+          <p:nvPr>
+            <p:ph type="sldImg"/>
+          </p:nvPr>
+        </p:nvSpPr>
+        <p:spPr/>
+      </p:sp>
+      <p:sp>
+        <p:nvSpPr>
+          <p:cNvPr id="3" name="Notes Placeholder 2"/>
+          <p:cNvSpPr>
+            <a:spLocks noGrp="1"/>
+          </p:cNvSpPr>
+          <p:nvPr>
+            <p:ph type="body" idx="1"/>
+          </p:nvPr>
+        </p:nvSpPr>
+        <p:spPr/>
+        <p:txBody>
+          <a:bodyPr/>
+          <a:lstStyle/>
+          <a:p>
+            <a:r>
+              <a:rPr lang="de-CH" dirty="0" smtClean="0"/>
+              <a:t>5, Sound &amp; Grafik</a:t>
+            </a:r>
+          </a:p>
+          <a:p>
+            <a:pPr marL="0" marR="0" indent="0" algn="l" defTabSz="914400" rtl="0" eaLnBrk="1" fontAlgn="auto" latinLnBrk="0" hangingPunct="1">
+              <a:lnSpc>
+                <a:spcPct val="100000"/>
+              </a:lnSpc>
+              <a:spcBef>
+                <a:spcPts val="0"/>
+              </a:spcBef>
+              <a:spcAft>
+                <a:spcPts val="0"/>
+              </a:spcAft>
+              <a:buClrTx/>
+              <a:buSzTx/>
+              <a:buFontTx/>
+              <a:buNone/>
+              <a:tabLst/>
+              <a:defRPr/>
+            </a:pPr>
+            <a:r>
+              <a:rPr lang="de-CH" sz="1200" dirty="0" smtClean="0">
+                <a:effectLst/>
+              </a:rPr>
+              <a:t>Zeit für die Implementation wird knapp, Mittel für die Realisierung reichen nicht aus</a:t>
+            </a:r>
+            <a:endParaRPr lang="de-CH" sz="1200" dirty="0" smtClean="0">
+              <a:effectLst/>
+              <a:latin typeface="+mn-lt"/>
+              <a:ea typeface="Calibri"/>
+              <a:cs typeface="Times New Roman"/>
+            </a:endParaRPr>
+          </a:p>
+          <a:p>
+            <a:endParaRPr lang="de-CH" dirty="0" smtClean="0"/>
+          </a:p>
+          <a:p>
+            <a:pPr marL="0" marR="0" indent="0" algn="l" defTabSz="914400" rtl="0" eaLnBrk="1" fontAlgn="auto" latinLnBrk="0" hangingPunct="1">
+              <a:lnSpc>
+                <a:spcPct val="100000"/>
+              </a:lnSpc>
+              <a:spcBef>
+                <a:spcPts val="0"/>
+              </a:spcBef>
+              <a:spcAft>
+                <a:spcPts val="0"/>
+              </a:spcAft>
+              <a:buClrTx/>
+              <a:buSzTx/>
+              <a:buFontTx/>
+              <a:buNone/>
+              <a:tabLst/>
+              <a:defRPr/>
+            </a:pPr>
+            <a:r>
+              <a:rPr lang="de-CH" sz="1200" dirty="0" smtClean="0">
+                <a:effectLst/>
+              </a:rPr>
+              <a:t>Sound weglassen und/oder Grafik vereinfachen</a:t>
+            </a:r>
+            <a:endParaRPr lang="de-CH" sz="1200" dirty="0" smtClean="0">
+              <a:effectLst/>
+              <a:latin typeface="+mn-lt"/>
+              <a:ea typeface="Calibri"/>
+              <a:cs typeface="Times New Roman"/>
+            </a:endParaRPr>
+          </a:p>
+          <a:p>
+            <a:endParaRPr lang="de-CH" dirty="0" smtClean="0"/>
+          </a:p>
+          <a:p>
+            <a:endParaRPr lang="de-CH" dirty="0" smtClean="0"/>
+          </a:p>
+          <a:p>
+            <a:r>
+              <a:rPr lang="de-CH" dirty="0" smtClean="0"/>
+              <a:t>6, Personaldefizit</a:t>
+            </a:r>
+          </a:p>
+          <a:p>
+            <a:pPr marL="0" marR="0" indent="0" algn="l" defTabSz="914400" rtl="0" eaLnBrk="1" fontAlgn="auto" latinLnBrk="0" hangingPunct="1">
+              <a:lnSpc>
+                <a:spcPct val="100000"/>
+              </a:lnSpc>
+              <a:spcBef>
+                <a:spcPts val="0"/>
+              </a:spcBef>
+              <a:spcAft>
+                <a:spcPts val="0"/>
+              </a:spcAft>
+              <a:buClrTx/>
+              <a:buSzTx/>
+              <a:buFontTx/>
+              <a:buNone/>
+              <a:tabLst/>
+              <a:defRPr/>
+            </a:pPr>
+            <a:r>
+              <a:rPr lang="de-CH" sz="1200" dirty="0" smtClean="0">
+                <a:effectLst/>
+              </a:rPr>
+              <a:t>Ausfälle durch Krankheit oder Unfall, viel zu tun bei der Arbeit</a:t>
+            </a:r>
+            <a:endParaRPr lang="de-CH" sz="1200" dirty="0" smtClean="0">
+              <a:effectLst/>
+              <a:latin typeface="+mn-lt"/>
+              <a:ea typeface="Calibri"/>
+              <a:cs typeface="Times New Roman"/>
+            </a:endParaRPr>
+          </a:p>
+          <a:p>
+            <a:endParaRPr lang="de-CH" dirty="0" smtClean="0"/>
+          </a:p>
+          <a:p>
+            <a:pPr marL="0" marR="0" indent="0" algn="l" defTabSz="914400" rtl="0" eaLnBrk="1" fontAlgn="auto" latinLnBrk="0" hangingPunct="1">
+              <a:lnSpc>
+                <a:spcPct val="100000"/>
+              </a:lnSpc>
+              <a:spcBef>
+                <a:spcPts val="0"/>
+              </a:spcBef>
+              <a:spcAft>
+                <a:spcPts val="0"/>
+              </a:spcAft>
+              <a:buClrTx/>
+              <a:buSzTx/>
+              <a:buFontTx/>
+              <a:buNone/>
+              <a:tabLst/>
+              <a:defRPr/>
+            </a:pPr>
+            <a:r>
+              <a:rPr lang="de-CH" sz="1200" dirty="0" smtClean="0">
+                <a:effectLst/>
+              </a:rPr>
+              <a:t>Velo Helm aufsetzen, Rechtsvortritt beachten und jeden Tag ein Glas </a:t>
+            </a:r>
+            <a:r>
+              <a:rPr lang="de-CH" sz="1200" dirty="0" err="1" smtClean="0">
+                <a:effectLst/>
+              </a:rPr>
+              <a:t>O'saft</a:t>
+            </a:r>
+            <a:r>
+              <a:rPr lang="de-CH" sz="1200" dirty="0" smtClean="0">
+                <a:effectLst/>
+              </a:rPr>
+              <a:t> trinken. Viel Wissenstransfer</a:t>
+            </a:r>
+            <a:endParaRPr lang="de-CH" sz="1200" dirty="0" smtClean="0">
+              <a:effectLst/>
+              <a:latin typeface="+mn-lt"/>
+              <a:ea typeface="Calibri"/>
+              <a:cs typeface="Times New Roman"/>
+            </a:endParaRPr>
+          </a:p>
+          <a:p>
+            <a:endParaRPr lang="de-CH" dirty="0" smtClean="0"/>
+          </a:p>
+          <a:p>
+            <a:endParaRPr lang="de-CH" dirty="0" smtClean="0"/>
+          </a:p>
+          <a:p>
+            <a:r>
+              <a:rPr lang="de-CH" dirty="0" smtClean="0"/>
+              <a:t>7, Schlechtes Zeitmanagement</a:t>
+            </a:r>
+          </a:p>
+          <a:p>
+            <a:pPr marL="0" marR="0" indent="0" algn="l" defTabSz="914400" rtl="0" eaLnBrk="1" fontAlgn="auto" latinLnBrk="0" hangingPunct="1">
+              <a:lnSpc>
+                <a:spcPct val="100000"/>
+              </a:lnSpc>
+              <a:spcBef>
+                <a:spcPts val="0"/>
+              </a:spcBef>
+              <a:spcAft>
+                <a:spcPts val="0"/>
+              </a:spcAft>
+              <a:buClrTx/>
+              <a:buSzTx/>
+              <a:buFontTx/>
+              <a:buNone/>
+              <a:tabLst/>
+              <a:defRPr/>
+            </a:pPr>
+            <a:r>
+              <a:rPr lang="de-CH" sz="1200" dirty="0" smtClean="0">
+                <a:effectLst/>
+              </a:rPr>
+              <a:t>Fehleinschätzung, Zeitmangel auf Grund von Teilzeit Pensum</a:t>
+            </a:r>
+            <a:endParaRPr lang="de-CH" sz="1200" dirty="0" smtClean="0">
+              <a:effectLst/>
+              <a:latin typeface="+mn-lt"/>
+              <a:ea typeface="Calibri"/>
+              <a:cs typeface="Times New Roman"/>
+            </a:endParaRPr>
+          </a:p>
+          <a:p>
+            <a:endParaRPr lang="de-CH" dirty="0" smtClean="0"/>
+          </a:p>
+          <a:p>
+            <a:pPr marL="0" marR="0" indent="0" algn="l" defTabSz="914400" rtl="0" eaLnBrk="1" fontAlgn="auto" latinLnBrk="0" hangingPunct="1">
+              <a:lnSpc>
+                <a:spcPct val="100000"/>
+              </a:lnSpc>
+              <a:spcBef>
+                <a:spcPts val="0"/>
+              </a:spcBef>
+              <a:spcAft>
+                <a:spcPts val="0"/>
+              </a:spcAft>
+              <a:buClrTx/>
+              <a:buSzTx/>
+              <a:buFontTx/>
+              <a:buNone/>
+              <a:tabLst/>
+              <a:defRPr/>
+            </a:pPr>
+            <a:r>
+              <a:rPr lang="de-CH" sz="1200" dirty="0" smtClean="0">
+                <a:effectLst/>
+              </a:rPr>
+              <a:t>Realistischen Zeitplan erstellen. Verzögerungen frühzeitig erkennen und aufholen</a:t>
+            </a:r>
+            <a:endParaRPr lang="de-CH" sz="1200" dirty="0" smtClean="0">
+              <a:effectLst/>
+              <a:latin typeface="+mn-lt"/>
+              <a:ea typeface="Calibri"/>
+              <a:cs typeface="Times New Roman"/>
+            </a:endParaRPr>
+          </a:p>
+          <a:p>
+            <a:endParaRPr lang="de-CH" dirty="0" smtClean="0"/>
+          </a:p>
+          <a:p>
+            <a:endParaRPr lang="de-CH" dirty="0" smtClean="0"/>
+          </a:p>
+          <a:p>
+            <a:r>
+              <a:rPr lang="de-CH" dirty="0" smtClean="0"/>
+              <a:t>8, Know</a:t>
+            </a:r>
+            <a:r>
+              <a:rPr lang="de-CH" baseline="0" dirty="0" smtClean="0"/>
+              <a:t>-how Defizit</a:t>
+            </a:r>
+          </a:p>
+          <a:p>
+            <a:pPr marL="0" marR="0" indent="0" algn="l" defTabSz="914400" rtl="0" eaLnBrk="1" fontAlgn="auto" latinLnBrk="0" hangingPunct="1">
+              <a:lnSpc>
+                <a:spcPct val="100000"/>
+              </a:lnSpc>
+              <a:spcBef>
+                <a:spcPts val="0"/>
+              </a:spcBef>
+              <a:spcAft>
+                <a:spcPts val="0"/>
+              </a:spcAft>
+              <a:buClrTx/>
+              <a:buSzTx/>
+              <a:buFontTx/>
+              <a:buNone/>
+              <a:tabLst/>
+              <a:defRPr/>
+            </a:pPr>
+            <a:r>
+              <a:rPr lang="de-CH" sz="1200" dirty="0" smtClean="0">
+                <a:effectLst/>
+              </a:rPr>
+              <a:t>Das Know-how im Team oder bei einzelnen Mitgliedern führt zu Verzögerungen</a:t>
+            </a:r>
+            <a:endParaRPr lang="de-CH" sz="1200" dirty="0" smtClean="0">
+              <a:effectLst/>
+              <a:latin typeface="+mn-lt"/>
+              <a:ea typeface="Calibri"/>
+              <a:cs typeface="Times New Roman"/>
+            </a:endParaRPr>
+          </a:p>
+          <a:p>
+            <a:endParaRPr lang="de-CH" baseline="0" dirty="0" smtClean="0"/>
+          </a:p>
+          <a:p>
+            <a:pPr marL="0" marR="0" indent="0" algn="l" defTabSz="914400" rtl="0" eaLnBrk="1" fontAlgn="auto" latinLnBrk="0" hangingPunct="1">
+              <a:lnSpc>
+                <a:spcPct val="100000"/>
+              </a:lnSpc>
+              <a:spcBef>
+                <a:spcPts val="0"/>
+              </a:spcBef>
+              <a:spcAft>
+                <a:spcPts val="0"/>
+              </a:spcAft>
+              <a:buClrTx/>
+              <a:buSzTx/>
+              <a:buFontTx/>
+              <a:buNone/>
+              <a:tabLst/>
+              <a:defRPr/>
+            </a:pPr>
+            <a:r>
+              <a:rPr lang="de-CH" sz="1200" dirty="0" smtClean="0">
+                <a:effectLst/>
+              </a:rPr>
+              <a:t>So viel Wissenstransfer  betreiben wie möglich</a:t>
+            </a:r>
+            <a:endParaRPr lang="de-CH" sz="1200" dirty="0" smtClean="0">
+              <a:effectLst/>
+              <a:latin typeface="+mn-lt"/>
+              <a:ea typeface="Calibri"/>
+              <a:cs typeface="Times New Roman"/>
+            </a:endParaRPr>
+          </a:p>
+          <a:p>
+            <a:endParaRPr lang="de-CH" dirty="0" smtClean="0"/>
+          </a:p>
+          <a:p>
+            <a:endParaRPr lang="de-CH" dirty="0"/>
+          </a:p>
+        </p:txBody>
+      </p:sp>
+      <p:sp>
+        <p:nvSpPr>
+          <p:cNvPr id="4" name="Slide Number Placeholder 3"/>
+          <p:cNvSpPr>
+            <a:spLocks noGrp="1"/>
+          </p:cNvSpPr>
+          <p:nvPr>
+            <p:ph type="sldNum" sz="quarter" idx="10"/>
+          </p:nvPr>
+        </p:nvSpPr>
+        <p:spPr/>
+        <p:txBody>
+          <a:bodyPr/>
+          <a:lstStyle/>
+          <a:p>
+            <a:fld id="{539D6FB8-A289-4D31-AE1B-368BC10F6FE7}" type="slidenum">
+              <a:rPr lang="de-CH" smtClean="0"/>
+              <a:t>9</a:t>
+            </a:fld>
+            <a:endParaRPr lang="de-CH"/>
+          </a:p>
+        </p:txBody>
+      </p:sp>
+    </p:spTree>
+    <p:extLst>
+      <p:ext uri="{BB962C8B-B14F-4D97-AF65-F5344CB8AC3E}">
+        <p14:creationId xmlns:p14="http://schemas.microsoft.com/office/powerpoint/2010/main" val="2000506139"/>
+      </p:ext>
+    </p:extLst>
+  </p:cSld>
+  <p:clrMapOvr>
+    <a:masterClrMapping/>
+  </p:clrMapOvr>
+</p:notes>
+</file>
+
+<file path=ppt/notesSlides/notesSlide4.xml><?xml version="1.0" encoding="utf-8"?>
+<p:notes xmlns:a="http://schemas.openxmlformats.org/drawingml/2006/main" xmlns:r="http://schemas.openxmlformats.org/officeDocument/2006/relationships" xmlns:p="http://schemas.openxmlformats.org/presentationml/2006/main">
+  <p:cSld>
+    <p:spTree>
+      <p:nvGrpSpPr>
+        <p:cNvPr id="1" name=""/>
+        <p:cNvGrpSpPr/>
+        <p:nvPr/>
+      </p:nvGrpSpPr>
+      <p:grpSpPr>
+        <a:xfrm>
+          <a:off x="0" y="0"/>
+          <a:ext cx="0" cy="0"/>
+          <a:chOff x="0" y="0"/>
+          <a:chExt cx="0" cy="0"/>
+        </a:xfrm>
+      </p:grpSpPr>
+      <p:sp>
+        <p:nvSpPr>
+          <p:cNvPr id="2" name="Slide Image Placeholder 1"/>
+          <p:cNvSpPr>
+            <a:spLocks noGrp="1" noRot="1" noChangeAspect="1"/>
+          </p:cNvSpPr>
+          <p:nvPr>
+            <p:ph type="sldImg"/>
+          </p:nvPr>
+        </p:nvSpPr>
+        <p:spPr/>
+      </p:sp>
+      <p:sp>
+        <p:nvSpPr>
+          <p:cNvPr id="3" name="Notes Placeholder 2"/>
+          <p:cNvSpPr>
+            <a:spLocks noGrp="1"/>
+          </p:cNvSpPr>
+          <p:nvPr>
+            <p:ph type="body" idx="1"/>
+          </p:nvPr>
+        </p:nvSpPr>
+        <p:spPr/>
+        <p:txBody>
+          <a:bodyPr/>
+          <a:lstStyle/>
+          <a:p>
+            <a:r>
+              <a:rPr lang="de-CH" dirty="0" smtClean="0"/>
+              <a:t>ZHAW</a:t>
+            </a:r>
+            <a:r>
+              <a:rPr lang="de-CH" baseline="0" dirty="0" smtClean="0"/>
+              <a:t> Netzwerk</a:t>
+            </a:r>
+          </a:p>
+          <a:p>
+            <a:pPr marL="0" marR="0" indent="0" algn="l" defTabSz="914400" rtl="0" eaLnBrk="1" fontAlgn="auto" latinLnBrk="0" hangingPunct="1">
+              <a:lnSpc>
+                <a:spcPct val="100000"/>
+              </a:lnSpc>
+              <a:spcBef>
+                <a:spcPts val="0"/>
+              </a:spcBef>
+              <a:spcAft>
+                <a:spcPts val="0"/>
+              </a:spcAft>
+              <a:buClrTx/>
+              <a:buSzTx/>
+              <a:buFontTx/>
+              <a:buNone/>
+              <a:tabLst/>
+              <a:defRPr/>
+            </a:pPr>
+            <a:r>
+              <a:rPr lang="de-CH" sz="1200" dirty="0" smtClean="0">
+                <a:effectLst/>
+              </a:rPr>
+              <a:t>ZHAW Server sind aufgrund eines Wartungsfensters oder Ausfalls nicht erreichbar</a:t>
+            </a:r>
+            <a:endParaRPr lang="de-CH" sz="1200" dirty="0" smtClean="0">
+              <a:effectLst/>
+              <a:latin typeface="+mn-lt"/>
+              <a:ea typeface="Calibri"/>
+              <a:cs typeface="Times New Roman"/>
+            </a:endParaRPr>
+          </a:p>
+          <a:p>
+            <a:endParaRPr lang="de-CH" dirty="0" smtClean="0"/>
+          </a:p>
+          <a:p>
+            <a:pPr marL="0" marR="0" indent="0" algn="l" defTabSz="914400" rtl="0" eaLnBrk="1" fontAlgn="auto" latinLnBrk="0" hangingPunct="1">
+              <a:lnSpc>
+                <a:spcPct val="100000"/>
+              </a:lnSpc>
+              <a:spcBef>
+                <a:spcPts val="0"/>
+              </a:spcBef>
+              <a:spcAft>
+                <a:spcPts val="0"/>
+              </a:spcAft>
+              <a:buClrTx/>
+              <a:buSzTx/>
+              <a:buFontTx/>
+              <a:buNone/>
+              <a:tabLst/>
+              <a:defRPr/>
+            </a:pPr>
+            <a:r>
+              <a:rPr lang="de-CH" sz="1200" dirty="0" err="1" smtClean="0">
+                <a:effectLst/>
+              </a:rPr>
+              <a:t>Git</a:t>
+            </a:r>
+            <a:r>
+              <a:rPr lang="de-CH" sz="1200" dirty="0" smtClean="0">
+                <a:effectLst/>
+              </a:rPr>
+              <a:t> benutzen</a:t>
+            </a:r>
+            <a:endParaRPr lang="de-CH" sz="1200" dirty="0" smtClean="0">
+              <a:effectLst/>
+              <a:latin typeface="+mn-lt"/>
+              <a:ea typeface="Calibri"/>
+              <a:cs typeface="Times New Roman"/>
+            </a:endParaRPr>
+          </a:p>
+          <a:p>
+            <a:endParaRPr lang="de-CH" dirty="0" smtClean="0"/>
+          </a:p>
+          <a:p>
+            <a:endParaRPr lang="de-CH" dirty="0" smtClean="0"/>
+          </a:p>
+          <a:p>
+            <a:r>
+              <a:rPr lang="de-CH" dirty="0" smtClean="0"/>
+              <a:t>Motivation</a:t>
+            </a:r>
+          </a:p>
+          <a:p>
+            <a:pPr marL="0" marR="0" indent="0" algn="l" defTabSz="914400" rtl="0" eaLnBrk="1" fontAlgn="auto" latinLnBrk="0" hangingPunct="1">
+              <a:lnSpc>
+                <a:spcPct val="100000"/>
+              </a:lnSpc>
+              <a:spcBef>
+                <a:spcPts val="0"/>
+              </a:spcBef>
+              <a:spcAft>
+                <a:spcPts val="0"/>
+              </a:spcAft>
+              <a:buClrTx/>
+              <a:buSzTx/>
+              <a:buFontTx/>
+              <a:buNone/>
+              <a:tabLst/>
+              <a:defRPr/>
+            </a:pPr>
+            <a:r>
+              <a:rPr lang="de-CH" sz="1200" dirty="0" smtClean="0">
+                <a:effectLst/>
+              </a:rPr>
+              <a:t>Motivation während des Semesters lässt nach</a:t>
+            </a:r>
+            <a:endParaRPr lang="de-CH" sz="1200" dirty="0" smtClean="0">
+              <a:effectLst/>
+              <a:latin typeface="+mn-lt"/>
+              <a:ea typeface="Calibri"/>
+              <a:cs typeface="Times New Roman"/>
+            </a:endParaRPr>
+          </a:p>
+          <a:p>
+            <a:pPr marL="0" marR="0" indent="0" algn="l" defTabSz="914400" rtl="0" eaLnBrk="1" fontAlgn="auto" latinLnBrk="0" hangingPunct="1">
+              <a:lnSpc>
+                <a:spcPct val="100000"/>
+              </a:lnSpc>
+              <a:spcBef>
+                <a:spcPts val="0"/>
+              </a:spcBef>
+              <a:spcAft>
+                <a:spcPts val="0"/>
+              </a:spcAft>
+              <a:buClrTx/>
+              <a:buSzTx/>
+              <a:buFontTx/>
+              <a:buNone/>
+              <a:tabLst/>
+              <a:defRPr/>
+            </a:pPr>
+            <a:endParaRPr lang="de-CH" sz="1200" dirty="0" smtClean="0">
+              <a:effectLst/>
+            </a:endParaRPr>
+          </a:p>
+          <a:p>
+            <a:pPr marL="0" marR="0" indent="0" algn="l" defTabSz="914400" rtl="0" eaLnBrk="1" fontAlgn="auto" latinLnBrk="0" hangingPunct="1">
+              <a:lnSpc>
+                <a:spcPct val="100000"/>
+              </a:lnSpc>
+              <a:spcBef>
+                <a:spcPts val="0"/>
+              </a:spcBef>
+              <a:spcAft>
+                <a:spcPts val="0"/>
+              </a:spcAft>
+              <a:buClrTx/>
+              <a:buSzTx/>
+              <a:buFontTx/>
+              <a:buNone/>
+              <a:tabLst/>
+              <a:defRPr/>
+            </a:pPr>
+            <a:r>
+              <a:rPr lang="de-CH" sz="1200" dirty="0" smtClean="0">
+                <a:effectLst/>
+              </a:rPr>
+              <a:t>Arbeiten gerecht verteilen. Teamgeist pflegen und klare gemeinsame Ziele definieren</a:t>
+            </a:r>
+            <a:endParaRPr lang="de-CH" sz="1200" dirty="0" smtClean="0">
+              <a:effectLst/>
+              <a:latin typeface="+mn-lt"/>
+              <a:ea typeface="Calibri"/>
+              <a:cs typeface="Times New Roman"/>
+            </a:endParaRPr>
+          </a:p>
+          <a:p>
+            <a:endParaRPr lang="de-CH" dirty="0" smtClean="0"/>
+          </a:p>
+          <a:p>
+            <a:endParaRPr lang="de-CH" dirty="0" smtClean="0"/>
+          </a:p>
+          <a:p>
+            <a:r>
+              <a:rPr lang="de-CH" dirty="0" smtClean="0"/>
+              <a:t>Probleme</a:t>
+            </a:r>
+            <a:r>
+              <a:rPr lang="de-CH" baseline="0" dirty="0" smtClean="0"/>
+              <a:t> mit Entwicklungsumgebung</a:t>
+            </a:r>
+          </a:p>
+          <a:p>
+            <a:pPr marL="0" marR="0" indent="0" algn="l" defTabSz="914400" rtl="0" eaLnBrk="1" fontAlgn="auto" latinLnBrk="0" hangingPunct="1">
+              <a:lnSpc>
+                <a:spcPct val="100000"/>
+              </a:lnSpc>
+              <a:spcBef>
+                <a:spcPts val="0"/>
+              </a:spcBef>
+              <a:spcAft>
+                <a:spcPts val="0"/>
+              </a:spcAft>
+              <a:buClrTx/>
+              <a:buSzTx/>
+              <a:buFontTx/>
+              <a:buNone/>
+              <a:tabLst/>
+              <a:defRPr/>
+            </a:pPr>
+            <a:r>
+              <a:rPr lang="de-CH" sz="1200" dirty="0" smtClean="0">
+                <a:effectLst/>
+              </a:rPr>
+              <a:t>Probleme mit Framework oder Android SDK</a:t>
+            </a:r>
+            <a:endParaRPr lang="de-CH" sz="1200" dirty="0" smtClean="0">
+              <a:effectLst/>
+              <a:latin typeface="+mn-lt"/>
+              <a:ea typeface="Calibri"/>
+              <a:cs typeface="Times New Roman"/>
+            </a:endParaRPr>
+          </a:p>
+          <a:p>
+            <a:endParaRPr lang="de-CH" dirty="0" smtClean="0"/>
+          </a:p>
+          <a:p>
+            <a:pPr marL="0" marR="0" indent="0" algn="l" defTabSz="914400" rtl="0" eaLnBrk="1" fontAlgn="auto" latinLnBrk="0" hangingPunct="1">
+              <a:lnSpc>
+                <a:spcPct val="100000"/>
+              </a:lnSpc>
+              <a:spcBef>
+                <a:spcPts val="0"/>
+              </a:spcBef>
+              <a:spcAft>
+                <a:spcPts val="0"/>
+              </a:spcAft>
+              <a:buClrTx/>
+              <a:buSzTx/>
+              <a:buFontTx/>
+              <a:buNone/>
+              <a:tabLst/>
+              <a:defRPr/>
+            </a:pPr>
+            <a:r>
+              <a:rPr lang="de-CH" sz="1200" dirty="0" smtClean="0">
+                <a:effectLst/>
+              </a:rPr>
+              <a:t>Gemeinsames Einrichten der Entwicklungsumgebungen und gegenseitige Unterstützung bei Problemen</a:t>
+            </a:r>
+            <a:endParaRPr lang="de-CH" sz="1200" dirty="0" smtClean="0">
+              <a:effectLst/>
+              <a:latin typeface="+mn-lt"/>
+              <a:ea typeface="Calibri"/>
+              <a:cs typeface="Times New Roman"/>
+            </a:endParaRPr>
+          </a:p>
+          <a:p>
+            <a:endParaRPr lang="de-CH" dirty="0" smtClean="0"/>
+          </a:p>
+          <a:p>
+            <a:endParaRPr lang="de-CH" dirty="0" smtClean="0"/>
+          </a:p>
+          <a:p>
+            <a:r>
+              <a:rPr lang="de-CH" dirty="0" smtClean="0"/>
+              <a:t>Hardware</a:t>
+            </a:r>
+          </a:p>
+          <a:p>
+            <a:r>
+              <a:rPr lang="de-CH" dirty="0" smtClean="0"/>
+              <a:t>Ein Handy oder Notebook fällt aus</a:t>
+            </a:r>
+          </a:p>
+          <a:p>
+            <a:endParaRPr lang="de-CH" dirty="0" smtClean="0"/>
+          </a:p>
+          <a:p>
+            <a:pPr marL="0" marR="0" indent="0" algn="l" defTabSz="914400" rtl="0" eaLnBrk="1" fontAlgn="auto" latinLnBrk="0" hangingPunct="1">
+              <a:lnSpc>
+                <a:spcPct val="100000"/>
+              </a:lnSpc>
+              <a:spcBef>
+                <a:spcPts val="0"/>
+              </a:spcBef>
+              <a:spcAft>
+                <a:spcPts val="0"/>
+              </a:spcAft>
+              <a:buClrTx/>
+              <a:buSzTx/>
+              <a:buFontTx/>
+              <a:buNone/>
+              <a:tabLst/>
+              <a:defRPr/>
+            </a:pPr>
+            <a:r>
+              <a:rPr lang="de-CH" sz="1200" dirty="0" smtClean="0">
+                <a:effectLst/>
+              </a:rPr>
+              <a:t>Material sorgfältig behandeln und bei einem Ausfall zeitig für Ersatz sorgen</a:t>
+            </a:r>
+            <a:endParaRPr lang="de-CH" sz="1200" dirty="0" smtClean="0">
+              <a:effectLst/>
+              <a:latin typeface="+mn-lt"/>
+              <a:ea typeface="Calibri"/>
+              <a:cs typeface="Times New Roman"/>
+            </a:endParaRPr>
+          </a:p>
+          <a:p>
+            <a:endParaRPr lang="de-CH" dirty="0" smtClean="0"/>
+          </a:p>
+          <a:p>
+            <a:endParaRPr lang="de-CH" dirty="0" smtClean="0"/>
+          </a:p>
+          <a:p>
+            <a:r>
+              <a:rPr lang="de-CH" dirty="0" smtClean="0"/>
+              <a:t>Sound &amp; Grafik</a:t>
+            </a:r>
+          </a:p>
+          <a:p>
+            <a:pPr marL="0" marR="0" indent="0" algn="l" defTabSz="914400" rtl="0" eaLnBrk="1" fontAlgn="auto" latinLnBrk="0" hangingPunct="1">
+              <a:lnSpc>
+                <a:spcPct val="100000"/>
+              </a:lnSpc>
+              <a:spcBef>
+                <a:spcPts val="0"/>
+              </a:spcBef>
+              <a:spcAft>
+                <a:spcPts val="0"/>
+              </a:spcAft>
+              <a:buClrTx/>
+              <a:buSzTx/>
+              <a:buFontTx/>
+              <a:buNone/>
+              <a:tabLst/>
+              <a:defRPr/>
+            </a:pPr>
+            <a:r>
+              <a:rPr lang="de-CH" sz="1200" dirty="0" smtClean="0">
+                <a:effectLst/>
+              </a:rPr>
+              <a:t>Zeit für die Implementation wird knapp, Mittel für die Realisierung reichen nicht aus</a:t>
+            </a:r>
+            <a:endParaRPr lang="de-CH" sz="1200" dirty="0" smtClean="0">
+              <a:effectLst/>
+              <a:latin typeface="+mn-lt"/>
+              <a:ea typeface="Calibri"/>
+              <a:cs typeface="Times New Roman"/>
+            </a:endParaRPr>
+          </a:p>
+          <a:p>
+            <a:endParaRPr lang="de-CH" dirty="0" smtClean="0"/>
+          </a:p>
+          <a:p>
+            <a:pPr marL="0" marR="0" indent="0" algn="l" defTabSz="914400" rtl="0" eaLnBrk="1" fontAlgn="auto" latinLnBrk="0" hangingPunct="1">
+              <a:lnSpc>
+                <a:spcPct val="100000"/>
+              </a:lnSpc>
+              <a:spcBef>
+                <a:spcPts val="0"/>
+              </a:spcBef>
+              <a:spcAft>
+                <a:spcPts val="0"/>
+              </a:spcAft>
+              <a:buClrTx/>
+              <a:buSzTx/>
+              <a:buFontTx/>
+              <a:buNone/>
+              <a:tabLst/>
+              <a:defRPr/>
+            </a:pPr>
+            <a:r>
+              <a:rPr lang="de-CH" sz="1200" dirty="0" smtClean="0">
+                <a:effectLst/>
+              </a:rPr>
+              <a:t>Sound weglassen und/oder Grafik vereinfachen</a:t>
+            </a:r>
+            <a:endParaRPr lang="de-CH" sz="1200" dirty="0" smtClean="0">
+              <a:effectLst/>
+              <a:latin typeface="+mn-lt"/>
+              <a:ea typeface="Calibri"/>
+              <a:cs typeface="Times New Roman"/>
+            </a:endParaRPr>
+          </a:p>
+          <a:p>
+            <a:endParaRPr lang="de-CH" dirty="0" smtClean="0"/>
+          </a:p>
+          <a:p>
+            <a:endParaRPr lang="de-CH" dirty="0" smtClean="0"/>
+          </a:p>
+          <a:p>
+            <a:r>
+              <a:rPr lang="de-CH" dirty="0" smtClean="0"/>
+              <a:t>Personaldefizit</a:t>
+            </a:r>
+          </a:p>
+          <a:p>
+            <a:pPr marL="0" marR="0" indent="0" algn="l" defTabSz="914400" rtl="0" eaLnBrk="1" fontAlgn="auto" latinLnBrk="0" hangingPunct="1">
+              <a:lnSpc>
+                <a:spcPct val="100000"/>
+              </a:lnSpc>
+              <a:spcBef>
+                <a:spcPts val="0"/>
+              </a:spcBef>
+              <a:spcAft>
+                <a:spcPts val="0"/>
+              </a:spcAft>
+              <a:buClrTx/>
+              <a:buSzTx/>
+              <a:buFontTx/>
+              <a:buNone/>
+              <a:tabLst/>
+              <a:defRPr/>
+            </a:pPr>
+            <a:r>
+              <a:rPr lang="de-CH" sz="1200" dirty="0" smtClean="0">
+                <a:effectLst/>
+              </a:rPr>
+              <a:t>Ausfälle durch Krankheit oder Unfall, viel zu tun bei der Arbeit</a:t>
+            </a:r>
+            <a:endParaRPr lang="de-CH" sz="1200" dirty="0" smtClean="0">
+              <a:effectLst/>
+              <a:latin typeface="+mn-lt"/>
+              <a:ea typeface="Calibri"/>
+              <a:cs typeface="Times New Roman"/>
+            </a:endParaRPr>
+          </a:p>
+          <a:p>
+            <a:endParaRPr lang="de-CH" dirty="0" smtClean="0"/>
+          </a:p>
+          <a:p>
+            <a:pPr marL="0" marR="0" indent="0" algn="l" defTabSz="914400" rtl="0" eaLnBrk="1" fontAlgn="auto" latinLnBrk="0" hangingPunct="1">
+              <a:lnSpc>
+                <a:spcPct val="100000"/>
+              </a:lnSpc>
+              <a:spcBef>
+                <a:spcPts val="0"/>
+              </a:spcBef>
+              <a:spcAft>
+                <a:spcPts val="0"/>
+              </a:spcAft>
+              <a:buClrTx/>
+              <a:buSzTx/>
+              <a:buFontTx/>
+              <a:buNone/>
+              <a:tabLst/>
+              <a:defRPr/>
+            </a:pPr>
+            <a:r>
+              <a:rPr lang="de-CH" sz="1200" dirty="0" smtClean="0">
+                <a:effectLst/>
+              </a:rPr>
+              <a:t>Velo Helm aufsetzen, Rechtsvortritt beachten und jeden Tag ein Glas </a:t>
+            </a:r>
+            <a:r>
+              <a:rPr lang="de-CH" sz="1200" dirty="0" err="1" smtClean="0">
+                <a:effectLst/>
+              </a:rPr>
+              <a:t>O'saft</a:t>
+            </a:r>
+            <a:r>
+              <a:rPr lang="de-CH" sz="1200" dirty="0" smtClean="0">
+                <a:effectLst/>
+              </a:rPr>
+              <a:t> trinken. Viel Wissenstransfer</a:t>
+            </a:r>
+            <a:endParaRPr lang="de-CH" sz="1200" dirty="0" smtClean="0">
+              <a:effectLst/>
+              <a:latin typeface="+mn-lt"/>
+              <a:ea typeface="Calibri"/>
+              <a:cs typeface="Times New Roman"/>
+            </a:endParaRPr>
+          </a:p>
+          <a:p>
+            <a:endParaRPr lang="de-CH" dirty="0" smtClean="0"/>
+          </a:p>
+          <a:p>
+            <a:endParaRPr lang="de-CH" dirty="0" smtClean="0"/>
+          </a:p>
+          <a:p>
+            <a:r>
+              <a:rPr lang="de-CH" dirty="0" smtClean="0"/>
+              <a:t>Schlechtes Zeitmanagement</a:t>
+            </a:r>
+          </a:p>
+          <a:p>
+            <a:pPr marL="0" marR="0" indent="0" algn="l" defTabSz="914400" rtl="0" eaLnBrk="1" fontAlgn="auto" latinLnBrk="0" hangingPunct="1">
+              <a:lnSpc>
+                <a:spcPct val="100000"/>
+              </a:lnSpc>
+              <a:spcBef>
+                <a:spcPts val="0"/>
+              </a:spcBef>
+              <a:spcAft>
+                <a:spcPts val="0"/>
+              </a:spcAft>
+              <a:buClrTx/>
+              <a:buSzTx/>
+              <a:buFontTx/>
+              <a:buNone/>
+              <a:tabLst/>
+              <a:defRPr/>
+            </a:pPr>
+            <a:r>
+              <a:rPr lang="de-CH" sz="1200" dirty="0" smtClean="0">
+                <a:effectLst/>
+              </a:rPr>
+              <a:t>Fehleinschätzung, Zeitmangel auf Grund von Teilzeit Pensum</a:t>
+            </a:r>
+            <a:endParaRPr lang="de-CH" sz="1200" dirty="0" smtClean="0">
+              <a:effectLst/>
+              <a:latin typeface="+mn-lt"/>
+              <a:ea typeface="Calibri"/>
+              <a:cs typeface="Times New Roman"/>
+            </a:endParaRPr>
+          </a:p>
+          <a:p>
+            <a:endParaRPr lang="de-CH" dirty="0" smtClean="0"/>
+          </a:p>
+          <a:p>
+            <a:pPr marL="0" marR="0" indent="0" algn="l" defTabSz="914400" rtl="0" eaLnBrk="1" fontAlgn="auto" latinLnBrk="0" hangingPunct="1">
+              <a:lnSpc>
+                <a:spcPct val="100000"/>
+              </a:lnSpc>
+              <a:spcBef>
+                <a:spcPts val="0"/>
+              </a:spcBef>
+              <a:spcAft>
+                <a:spcPts val="0"/>
+              </a:spcAft>
+              <a:buClrTx/>
+              <a:buSzTx/>
+              <a:buFontTx/>
+              <a:buNone/>
+              <a:tabLst/>
+              <a:defRPr/>
+            </a:pPr>
+            <a:r>
+              <a:rPr lang="de-CH" sz="1200" dirty="0" smtClean="0">
+                <a:effectLst/>
+              </a:rPr>
+              <a:t>Realistischen Zeitplan erstellen. Verzögerungen frühzeitig erkennen und aufholen</a:t>
+            </a:r>
+            <a:endParaRPr lang="de-CH" sz="1200" dirty="0" smtClean="0">
+              <a:effectLst/>
+              <a:latin typeface="+mn-lt"/>
+              <a:ea typeface="Calibri"/>
+              <a:cs typeface="Times New Roman"/>
+            </a:endParaRPr>
+          </a:p>
+          <a:p>
+            <a:endParaRPr lang="de-CH" dirty="0" smtClean="0"/>
+          </a:p>
+          <a:p>
+            <a:endParaRPr lang="de-CH" dirty="0" smtClean="0"/>
+          </a:p>
+          <a:p>
+            <a:r>
+              <a:rPr lang="de-CH" dirty="0" smtClean="0"/>
+              <a:t>Know</a:t>
+            </a:r>
+            <a:r>
+              <a:rPr lang="de-CH" baseline="0" dirty="0" smtClean="0"/>
+              <a:t>-how Defizit</a:t>
+            </a:r>
+          </a:p>
+          <a:p>
+            <a:pPr marL="0" marR="0" indent="0" algn="l" defTabSz="914400" rtl="0" eaLnBrk="1" fontAlgn="auto" latinLnBrk="0" hangingPunct="1">
+              <a:lnSpc>
+                <a:spcPct val="100000"/>
+              </a:lnSpc>
+              <a:spcBef>
+                <a:spcPts val="0"/>
+              </a:spcBef>
+              <a:spcAft>
+                <a:spcPts val="0"/>
+              </a:spcAft>
+              <a:buClrTx/>
+              <a:buSzTx/>
+              <a:buFontTx/>
+              <a:buNone/>
+              <a:tabLst/>
+              <a:defRPr/>
+            </a:pPr>
+            <a:r>
+              <a:rPr lang="de-CH" sz="1200" dirty="0" smtClean="0">
+                <a:effectLst/>
+              </a:rPr>
+              <a:t>Das Know-how im Team oder bei einzelnen Mitgliedern führt zu Verzögerungen</a:t>
+            </a:r>
+            <a:endParaRPr lang="de-CH" sz="1200" dirty="0" smtClean="0">
+              <a:effectLst/>
+              <a:latin typeface="+mn-lt"/>
+              <a:ea typeface="Calibri"/>
+              <a:cs typeface="Times New Roman"/>
+            </a:endParaRPr>
+          </a:p>
+          <a:p>
+            <a:endParaRPr lang="de-CH" baseline="0" dirty="0" smtClean="0"/>
+          </a:p>
+          <a:p>
+            <a:pPr marL="0" marR="0" indent="0" algn="l" defTabSz="914400" rtl="0" eaLnBrk="1" fontAlgn="auto" latinLnBrk="0" hangingPunct="1">
+              <a:lnSpc>
+                <a:spcPct val="100000"/>
+              </a:lnSpc>
+              <a:spcBef>
+                <a:spcPts val="0"/>
+              </a:spcBef>
+              <a:spcAft>
+                <a:spcPts val="0"/>
+              </a:spcAft>
+              <a:buClrTx/>
+              <a:buSzTx/>
+              <a:buFontTx/>
+              <a:buNone/>
+              <a:tabLst/>
+              <a:defRPr/>
+            </a:pPr>
+            <a:r>
+              <a:rPr lang="de-CH" sz="1200" smtClean="0">
+                <a:effectLst/>
+              </a:rPr>
+              <a:t>So viel Wissenstransfer  betreiben wie möglich</a:t>
+            </a:r>
+            <a:endParaRPr lang="de-CH" sz="1200" smtClean="0">
+              <a:effectLst/>
+              <a:latin typeface="+mn-lt"/>
+              <a:ea typeface="Calibri"/>
+              <a:cs typeface="Times New Roman"/>
+            </a:endParaRPr>
+          </a:p>
+          <a:p>
+            <a:endParaRPr lang="de-CH" dirty="0" smtClean="0"/>
+          </a:p>
+          <a:p>
+            <a:endParaRPr lang="de-CH" dirty="0"/>
+          </a:p>
+        </p:txBody>
+      </p:sp>
+      <p:sp>
+        <p:nvSpPr>
+          <p:cNvPr id="4" name="Slide Number Placeholder 3"/>
+          <p:cNvSpPr>
+            <a:spLocks noGrp="1"/>
+          </p:cNvSpPr>
+          <p:nvPr>
+            <p:ph type="sldNum" sz="quarter" idx="10"/>
+          </p:nvPr>
+        </p:nvSpPr>
+        <p:spPr/>
+        <p:txBody>
+          <a:bodyPr/>
+          <a:lstStyle/>
+          <a:p>
+            <a:fld id="{539D6FB8-A289-4D31-AE1B-368BC10F6FE7}" type="slidenum">
+              <a:rPr lang="de-CH" smtClean="0"/>
+              <a:t>10</a:t>
+            </a:fld>
+            <a:endParaRPr lang="de-CH"/>
+          </a:p>
+        </p:txBody>
+      </p:sp>
+    </p:spTree>
+    <p:extLst>
+      <p:ext uri="{BB962C8B-B14F-4D97-AF65-F5344CB8AC3E}">
+        <p14:creationId xmlns:p14="http://schemas.microsoft.com/office/powerpoint/2010/main" val="2000506139"/>
+      </p:ext>
+    </p:extLst>
+  </p:cSld>
+  <p:clrMapOvr>
+    <a:masterClrMapping/>
+  </p:clrMapOvr>
+</p:notes>
 </file>
 
 <file path=ppt/slideLayouts/slideLayout1.xml><?xml version="1.0" encoding="utf-8"?>
@@ -3434,6 +5424,1955 @@
 </p:sld>
 </file>
 
+<file path=ppt/slides/slide10.xml><?xml version="1.0" encoding="utf-8"?>
+<p:sld xmlns:a="http://schemas.openxmlformats.org/drawingml/2006/main" xmlns:r="http://schemas.openxmlformats.org/officeDocument/2006/relationships" xmlns:p="http://schemas.openxmlformats.org/presentationml/2006/main">
+  <p:cSld>
+    <p:spTree>
+      <p:nvGrpSpPr>
+        <p:cNvPr id="1" name=""/>
+        <p:cNvGrpSpPr/>
+        <p:nvPr/>
+      </p:nvGrpSpPr>
+      <p:grpSpPr>
+        <a:xfrm>
+          <a:off x="0" y="0"/>
+          <a:ext cx="0" cy="0"/>
+          <a:chOff x="0" y="0"/>
+          <a:chExt cx="0" cy="0"/>
+        </a:xfrm>
+      </p:grpSpPr>
+      <p:sp>
+        <p:nvSpPr>
+          <p:cNvPr id="2" name="Title 1"/>
+          <p:cNvSpPr>
+            <a:spLocks noGrp="1"/>
+          </p:cNvSpPr>
+          <p:nvPr>
+            <p:ph type="title"/>
+          </p:nvPr>
+        </p:nvSpPr>
+        <p:spPr/>
+        <p:txBody>
+          <a:bodyPr anchor="t">
+            <a:normAutofit/>
+          </a:bodyPr>
+          <a:lstStyle/>
+          <a:p>
+            <a:r>
+              <a:rPr lang="de-CH" sz="6000" dirty="0" smtClean="0"/>
+              <a:t>Risiken</a:t>
+            </a:r>
+            <a:endParaRPr lang="de-CH" sz="6000" dirty="0"/>
+          </a:p>
+        </p:txBody>
+      </p:sp>
+      <p:graphicFrame>
+        <p:nvGraphicFramePr>
+          <p:cNvPr id="5" name="Content Placeholder 4"/>
+          <p:cNvGraphicFramePr>
+            <a:graphicFrameLocks noGrp="1"/>
+          </p:cNvGraphicFramePr>
+          <p:nvPr>
+            <p:ph idx="1"/>
+            <p:extLst>
+              <p:ext uri="{D42A27DB-BD31-4B8C-83A1-F6EECF244321}">
+                <p14:modId xmlns:p14="http://schemas.microsoft.com/office/powerpoint/2010/main" val="3836281581"/>
+              </p:ext>
+            </p:extLst>
+          </p:nvPr>
+        </p:nvGraphicFramePr>
+        <p:xfrm>
+          <a:off x="4572000" y="1628800"/>
+          <a:ext cx="3960440" cy="4661696"/>
+        </p:xfrm>
+        <a:graphic>
+          <a:graphicData uri="http://schemas.openxmlformats.org/drawingml/2006/table">
+            <a:tbl>
+              <a:tblPr firstCol="1" lastRow="1">
+                <a:tableStyleId>{0E3FDE45-AF77-4B5C-9715-49D594BDF05E}</a:tableStyleId>
+              </a:tblPr>
+              <a:tblGrid>
+                <a:gridCol w="360040"/>
+                <a:gridCol w="576064"/>
+                <a:gridCol w="1008112"/>
+                <a:gridCol w="1008112"/>
+                <a:gridCol w="1008112"/>
+              </a:tblGrid>
+              <a:tr h="1017270">
+                <a:tc rowSpan="4">
+                  <a:txBody>
+                    <a:bodyPr/>
+                    <a:lstStyle/>
+                    <a:p>
+                      <a:pPr algn="ctr">
+                        <a:lnSpc>
+                          <a:spcPct val="115000"/>
+                        </a:lnSpc>
+                        <a:spcAft>
+                          <a:spcPts val="0"/>
+                        </a:spcAft>
+                      </a:pPr>
+                      <a:r>
+                        <a:rPr lang="de-CH" sz="2000" dirty="0">
+                          <a:effectLst/>
+                        </a:rPr>
+                        <a:t>Eintretens Wahrscheinlichkeit →</a:t>
+                      </a:r>
+                      <a:endParaRPr lang="de-CH" sz="2000" dirty="0">
+                        <a:effectLst/>
+                        <a:latin typeface="Calibri"/>
+                        <a:ea typeface="Calibri"/>
+                        <a:cs typeface="Times New Roman"/>
+                      </a:endParaRPr>
+                    </a:p>
+                  </a:txBody>
+                  <a:tcPr marL="44450" marR="44450" marT="0" marB="0" vert="vert270" anchor="ctr">
+                    <a:lnL w="12700" cap="flat" cmpd="sng" algn="ctr">
+                      <a:solidFill>
+                        <a:schemeClr val="tx2"/>
+                      </a:solidFill>
+                      <a:prstDash val="solid"/>
+                      <a:round/>
+                      <a:headEnd type="none" w="med" len="med"/>
+                      <a:tailEnd type="none" w="med" len="med"/>
+                    </a:lnL>
+                    <a:lnR w="12700" cap="flat" cmpd="sng" algn="ctr">
+                      <a:solidFill>
+                        <a:schemeClr val="tx2"/>
+                      </a:solidFill>
+                      <a:prstDash val="solid"/>
+                      <a:round/>
+                      <a:headEnd type="none" w="med" len="med"/>
+                      <a:tailEnd type="none" w="med" len="med"/>
+                    </a:lnR>
+                    <a:lnT w="12700" cap="flat" cmpd="sng" algn="ctr">
+                      <a:solidFill>
+                        <a:schemeClr val="tx2"/>
+                      </a:solidFill>
+                      <a:prstDash val="solid"/>
+                      <a:round/>
+                      <a:headEnd type="none" w="med" len="med"/>
+                      <a:tailEnd type="none" w="med" len="med"/>
+                    </a:lnT>
+                  </a:tcPr>
+                </a:tc>
+                <a:tc>
+                  <a:txBody>
+                    <a:bodyPr/>
+                    <a:lstStyle/>
+                    <a:p>
+                      <a:pPr algn="ctr">
+                        <a:lnSpc>
+                          <a:spcPct val="115000"/>
+                        </a:lnSpc>
+                        <a:spcAft>
+                          <a:spcPts val="0"/>
+                        </a:spcAft>
+                      </a:pPr>
+                      <a:r>
+                        <a:rPr lang="de-CH" sz="2000" dirty="0" smtClean="0">
+                          <a:effectLst/>
+                        </a:rPr>
+                        <a:t>4</a:t>
+                      </a:r>
+                      <a:endParaRPr lang="de-CH" sz="2000" dirty="0">
+                        <a:effectLst/>
+                        <a:latin typeface="Calibri"/>
+                        <a:ea typeface="Calibri"/>
+                        <a:cs typeface="Times New Roman"/>
+                      </a:endParaRPr>
+                    </a:p>
+                  </a:txBody>
+                  <a:tcPr marL="44450" marR="44450" marT="0" marB="0" vert="vert270" anchor="ctr">
+                    <a:lnL w="12700" cap="flat" cmpd="sng" algn="ctr">
+                      <a:solidFill>
+                        <a:schemeClr val="tx2"/>
+                      </a:solidFill>
+                      <a:prstDash val="solid"/>
+                      <a:round/>
+                      <a:headEnd type="none" w="med" len="med"/>
+                      <a:tailEnd type="none" w="med" len="med"/>
+                    </a:lnL>
+                    <a:lnR w="12700" cap="flat" cmpd="sng" algn="ctr">
+                      <a:solidFill>
+                        <a:schemeClr val="tx2"/>
+                      </a:solidFill>
+                      <a:prstDash val="solid"/>
+                      <a:round/>
+                      <a:headEnd type="none" w="med" len="med"/>
+                      <a:tailEnd type="none" w="med" len="med"/>
+                    </a:lnR>
+                    <a:lnT w="12700" cap="flat" cmpd="sng" algn="ctr">
+                      <a:solidFill>
+                        <a:schemeClr val="tx2"/>
+                      </a:solidFill>
+                      <a:prstDash val="solid"/>
+                      <a:round/>
+                      <a:headEnd type="none" w="med" len="med"/>
+                      <a:tailEnd type="none" w="med" len="med"/>
+                    </a:lnT>
+                  </a:tcPr>
+                </a:tc>
+                <a:tc>
+                  <a:txBody>
+                    <a:bodyPr/>
+                    <a:lstStyle/>
+                    <a:p>
+                      <a:pPr algn="ctr">
+                        <a:lnSpc>
+                          <a:spcPct val="115000"/>
+                        </a:lnSpc>
+                        <a:spcAft>
+                          <a:spcPts val="0"/>
+                        </a:spcAft>
+                      </a:pPr>
+                      <a:r>
+                        <a:rPr lang="de-CH" sz="2000" dirty="0">
+                          <a:solidFill>
+                            <a:schemeClr val="bg1"/>
+                          </a:solidFill>
+                          <a:effectLst/>
+                        </a:rPr>
+                        <a:t>1</a:t>
+                      </a:r>
+                      <a:endParaRPr lang="de-CH" sz="1100" dirty="0">
+                        <a:solidFill>
+                          <a:schemeClr val="bg1"/>
+                        </a:solidFill>
+                        <a:effectLst/>
+                        <a:latin typeface="Calibri"/>
+                        <a:ea typeface="Calibri"/>
+                        <a:cs typeface="Times New Roman"/>
+                      </a:endParaRPr>
+                    </a:p>
+                  </a:txBody>
+                  <a:tcPr marL="44450" marR="44450" marT="0" marB="0" anchor="ctr">
+                    <a:lnL w="12700" cap="flat" cmpd="sng" algn="ctr">
+                      <a:solidFill>
+                        <a:schemeClr val="tx2"/>
+                      </a:solidFill>
+                      <a:prstDash val="solid"/>
+                      <a:round/>
+                      <a:headEnd type="none" w="med" len="med"/>
+                      <a:tailEnd type="none" w="med" len="med"/>
+                    </a:lnL>
+                    <a:lnT w="12700" cap="flat" cmpd="sng" algn="ctr">
+                      <a:solidFill>
+                        <a:schemeClr val="tx2"/>
+                      </a:solidFill>
+                      <a:prstDash val="solid"/>
+                      <a:round/>
+                      <a:headEnd type="none" w="med" len="med"/>
+                      <a:tailEnd type="none" w="med" len="med"/>
+                    </a:lnT>
+                    <a:solidFill>
+                      <a:srgbClr val="FF9933"/>
+                    </a:solidFill>
+                  </a:tcPr>
+                </a:tc>
+                <a:tc>
+                  <a:txBody>
+                    <a:bodyPr/>
+                    <a:lstStyle/>
+                    <a:p>
+                      <a:pPr>
+                        <a:lnSpc>
+                          <a:spcPct val="115000"/>
+                        </a:lnSpc>
+                        <a:spcAft>
+                          <a:spcPts val="0"/>
+                        </a:spcAft>
+                      </a:pPr>
+                      <a:r>
+                        <a:rPr lang="de-CH" sz="1100" dirty="0">
+                          <a:solidFill>
+                            <a:schemeClr val="bg1"/>
+                          </a:solidFill>
+                          <a:effectLst/>
+                        </a:rPr>
+                        <a:t> </a:t>
+                      </a:r>
+                      <a:endParaRPr lang="de-CH" sz="1100" dirty="0">
+                        <a:solidFill>
+                          <a:schemeClr val="bg1"/>
+                        </a:solidFill>
+                        <a:effectLst/>
+                        <a:latin typeface="Calibri"/>
+                        <a:ea typeface="Calibri"/>
+                        <a:cs typeface="Times New Roman"/>
+                      </a:endParaRPr>
+                    </a:p>
+                  </a:txBody>
+                  <a:tcPr marL="44450" marR="44450" marT="0" marB="0" anchor="b">
+                    <a:lnT w="12700" cap="flat" cmpd="sng" algn="ctr">
+                      <a:solidFill>
+                        <a:schemeClr val="tx2"/>
+                      </a:solidFill>
+                      <a:prstDash val="solid"/>
+                      <a:round/>
+                      <a:headEnd type="none" w="med" len="med"/>
+                      <a:tailEnd type="none" w="med" len="med"/>
+                    </a:lnT>
+                    <a:solidFill>
+                      <a:srgbClr val="FF6600"/>
+                    </a:solidFill>
+                  </a:tcPr>
+                </a:tc>
+                <a:tc>
+                  <a:txBody>
+                    <a:bodyPr/>
+                    <a:lstStyle/>
+                    <a:p>
+                      <a:pPr>
+                        <a:lnSpc>
+                          <a:spcPct val="115000"/>
+                        </a:lnSpc>
+                        <a:spcAft>
+                          <a:spcPts val="0"/>
+                        </a:spcAft>
+                      </a:pPr>
+                      <a:r>
+                        <a:rPr lang="de-CH" sz="1100" dirty="0">
+                          <a:solidFill>
+                            <a:schemeClr val="bg1"/>
+                          </a:solidFill>
+                          <a:effectLst/>
+                        </a:rPr>
+                        <a:t> </a:t>
+                      </a:r>
+                      <a:endParaRPr lang="de-CH" sz="1100" dirty="0">
+                        <a:solidFill>
+                          <a:schemeClr val="bg1"/>
+                        </a:solidFill>
+                        <a:effectLst/>
+                        <a:latin typeface="Calibri"/>
+                        <a:ea typeface="Calibri"/>
+                        <a:cs typeface="Times New Roman"/>
+                      </a:endParaRPr>
+                    </a:p>
+                  </a:txBody>
+                  <a:tcPr marL="44450" marR="44450" marT="0" marB="0" anchor="b">
+                    <a:lnR w="12700" cap="flat" cmpd="sng" algn="ctr">
+                      <a:solidFill>
+                        <a:schemeClr val="tx2"/>
+                      </a:solidFill>
+                      <a:prstDash val="solid"/>
+                      <a:round/>
+                      <a:headEnd type="none" w="med" len="med"/>
+                      <a:tailEnd type="none" w="med" len="med"/>
+                    </a:lnR>
+                    <a:lnT w="12700" cap="flat" cmpd="sng" algn="ctr">
+                      <a:solidFill>
+                        <a:schemeClr val="tx2"/>
+                      </a:solidFill>
+                      <a:prstDash val="solid"/>
+                      <a:round/>
+                      <a:headEnd type="none" w="med" len="med"/>
+                      <a:tailEnd type="none" w="med" len="med"/>
+                    </a:lnT>
+                    <a:solidFill>
+                      <a:srgbClr val="C00000"/>
+                    </a:solidFill>
+                  </a:tcPr>
+                </a:tc>
+              </a:tr>
+              <a:tr h="1017270">
+                <a:tc vMerge="1">
+                  <a:txBody>
+                    <a:bodyPr/>
+                    <a:lstStyle/>
+                    <a:p>
+                      <a:endParaRPr lang="de-CH"/>
+                    </a:p>
+                  </a:txBody>
+                  <a:tcPr/>
+                </a:tc>
+                <a:tc>
+                  <a:txBody>
+                    <a:bodyPr/>
+                    <a:lstStyle/>
+                    <a:p>
+                      <a:pPr algn="ctr">
+                        <a:lnSpc>
+                          <a:spcPct val="115000"/>
+                        </a:lnSpc>
+                        <a:spcAft>
+                          <a:spcPts val="0"/>
+                        </a:spcAft>
+                      </a:pPr>
+                      <a:r>
+                        <a:rPr lang="de-CH" sz="2000" dirty="0" smtClean="0">
+                          <a:effectLst/>
+                        </a:rPr>
+                        <a:t>3</a:t>
+                      </a:r>
+                      <a:endParaRPr lang="de-CH" sz="2000" dirty="0">
+                        <a:effectLst/>
+                        <a:latin typeface="Calibri"/>
+                        <a:ea typeface="Calibri"/>
+                        <a:cs typeface="Times New Roman"/>
+                      </a:endParaRPr>
+                    </a:p>
+                  </a:txBody>
+                  <a:tcPr marL="44450" marR="44450" marT="0" marB="0" vert="vert270" anchor="ctr">
+                    <a:lnL w="12700" cap="flat" cmpd="sng" algn="ctr">
+                      <a:solidFill>
+                        <a:schemeClr val="tx2"/>
+                      </a:solidFill>
+                      <a:prstDash val="solid"/>
+                      <a:round/>
+                      <a:headEnd type="none" w="med" len="med"/>
+                      <a:tailEnd type="none" w="med" len="med"/>
+                    </a:lnL>
+                    <a:lnR w="12700" cap="flat" cmpd="sng" algn="ctr">
+                      <a:solidFill>
+                        <a:schemeClr val="tx2"/>
+                      </a:solidFill>
+                      <a:prstDash val="solid"/>
+                      <a:round/>
+                      <a:headEnd type="none" w="med" len="med"/>
+                      <a:tailEnd type="none" w="med" len="med"/>
+                    </a:lnR>
+                  </a:tcPr>
+                </a:tc>
+                <a:tc>
+                  <a:txBody>
+                    <a:bodyPr/>
+                    <a:lstStyle/>
+                    <a:p>
+                      <a:pPr>
+                        <a:lnSpc>
+                          <a:spcPct val="115000"/>
+                        </a:lnSpc>
+                        <a:spcAft>
+                          <a:spcPts val="0"/>
+                        </a:spcAft>
+                      </a:pPr>
+                      <a:r>
+                        <a:rPr lang="de-CH" sz="1100" dirty="0">
+                          <a:solidFill>
+                            <a:schemeClr val="bg1"/>
+                          </a:solidFill>
+                          <a:effectLst/>
+                        </a:rPr>
+                        <a:t> </a:t>
+                      </a:r>
+                      <a:endParaRPr lang="de-CH" sz="1100" dirty="0">
+                        <a:solidFill>
+                          <a:schemeClr val="bg1"/>
+                        </a:solidFill>
+                        <a:effectLst/>
+                        <a:latin typeface="Calibri"/>
+                        <a:ea typeface="Calibri"/>
+                        <a:cs typeface="Times New Roman"/>
+                      </a:endParaRPr>
+                    </a:p>
+                  </a:txBody>
+                  <a:tcPr marL="44450" marR="44450" marT="0" marB="0" anchor="b">
+                    <a:lnL w="12700" cap="flat" cmpd="sng" algn="ctr">
+                      <a:solidFill>
+                        <a:schemeClr val="tx2"/>
+                      </a:solidFill>
+                      <a:prstDash val="solid"/>
+                      <a:round/>
+                      <a:headEnd type="none" w="med" len="med"/>
+                      <a:tailEnd type="none" w="med" len="med"/>
+                    </a:lnL>
+                    <a:solidFill>
+                      <a:srgbClr val="FFCC66"/>
+                    </a:solidFill>
+                  </a:tcPr>
+                </a:tc>
+                <a:tc>
+                  <a:txBody>
+                    <a:bodyPr/>
+                    <a:lstStyle/>
+                    <a:p>
+                      <a:pPr algn="ctr">
+                        <a:lnSpc>
+                          <a:spcPct val="115000"/>
+                        </a:lnSpc>
+                        <a:spcAft>
+                          <a:spcPts val="0"/>
+                        </a:spcAft>
+                      </a:pPr>
+                      <a:r>
+                        <a:rPr lang="de-CH" sz="2000" dirty="0">
+                          <a:solidFill>
+                            <a:schemeClr val="bg1"/>
+                          </a:solidFill>
+                          <a:effectLst/>
+                        </a:rPr>
+                        <a:t>2</a:t>
+                      </a:r>
+                      <a:endParaRPr lang="de-CH" sz="1100" dirty="0">
+                        <a:solidFill>
+                          <a:schemeClr val="bg1"/>
+                        </a:solidFill>
+                        <a:effectLst/>
+                        <a:latin typeface="Calibri"/>
+                        <a:ea typeface="Calibri"/>
+                        <a:cs typeface="Times New Roman"/>
+                      </a:endParaRPr>
+                    </a:p>
+                  </a:txBody>
+                  <a:tcPr marL="44450" marR="44450" marT="0" marB="0" anchor="ctr">
+                    <a:solidFill>
+                      <a:srgbClr val="FF9933"/>
+                    </a:solidFill>
+                  </a:tcPr>
+                </a:tc>
+                <a:tc>
+                  <a:txBody>
+                    <a:bodyPr/>
+                    <a:lstStyle/>
+                    <a:p>
+                      <a:pPr>
+                        <a:lnSpc>
+                          <a:spcPct val="115000"/>
+                        </a:lnSpc>
+                        <a:spcAft>
+                          <a:spcPts val="0"/>
+                        </a:spcAft>
+                      </a:pPr>
+                      <a:r>
+                        <a:rPr lang="de-CH" sz="1100" dirty="0">
+                          <a:solidFill>
+                            <a:schemeClr val="bg1"/>
+                          </a:solidFill>
+                          <a:effectLst/>
+                        </a:rPr>
+                        <a:t> </a:t>
+                      </a:r>
+                      <a:endParaRPr lang="de-CH" sz="1100" dirty="0">
+                        <a:solidFill>
+                          <a:schemeClr val="bg1"/>
+                        </a:solidFill>
+                        <a:effectLst/>
+                        <a:latin typeface="Calibri"/>
+                        <a:ea typeface="Calibri"/>
+                        <a:cs typeface="Times New Roman"/>
+                      </a:endParaRPr>
+                    </a:p>
+                  </a:txBody>
+                  <a:tcPr marL="44450" marR="44450" marT="0" marB="0" anchor="b">
+                    <a:lnR w="12700" cap="flat" cmpd="sng" algn="ctr">
+                      <a:solidFill>
+                        <a:schemeClr val="tx2"/>
+                      </a:solidFill>
+                      <a:prstDash val="solid"/>
+                      <a:round/>
+                      <a:headEnd type="none" w="med" len="med"/>
+                      <a:tailEnd type="none" w="med" len="med"/>
+                    </a:lnR>
+                    <a:solidFill>
+                      <a:srgbClr val="FF6600"/>
+                    </a:solidFill>
+                  </a:tcPr>
+                </a:tc>
+              </a:tr>
+              <a:tr h="1017270">
+                <a:tc vMerge="1">
+                  <a:txBody>
+                    <a:bodyPr/>
+                    <a:lstStyle/>
+                    <a:p>
+                      <a:endParaRPr lang="de-CH"/>
+                    </a:p>
+                  </a:txBody>
+                  <a:tcPr/>
+                </a:tc>
+                <a:tc>
+                  <a:txBody>
+                    <a:bodyPr/>
+                    <a:lstStyle/>
+                    <a:p>
+                      <a:pPr algn="ctr">
+                        <a:lnSpc>
+                          <a:spcPct val="115000"/>
+                        </a:lnSpc>
+                        <a:spcAft>
+                          <a:spcPts val="0"/>
+                        </a:spcAft>
+                      </a:pPr>
+                      <a:r>
+                        <a:rPr lang="de-CH" sz="2000" dirty="0" smtClean="0">
+                          <a:effectLst/>
+                        </a:rPr>
+                        <a:t>2</a:t>
+                      </a:r>
+                      <a:endParaRPr lang="de-CH" sz="2000" dirty="0">
+                        <a:effectLst/>
+                        <a:latin typeface="Calibri"/>
+                        <a:ea typeface="Calibri"/>
+                        <a:cs typeface="Times New Roman"/>
+                      </a:endParaRPr>
+                    </a:p>
+                  </a:txBody>
+                  <a:tcPr marL="44450" marR="44450" marT="0" marB="0" vert="vert270" anchor="ctr">
+                    <a:lnL w="12700" cap="flat" cmpd="sng" algn="ctr">
+                      <a:solidFill>
+                        <a:schemeClr val="tx2"/>
+                      </a:solidFill>
+                      <a:prstDash val="solid"/>
+                      <a:round/>
+                      <a:headEnd type="none" w="med" len="med"/>
+                      <a:tailEnd type="none" w="med" len="med"/>
+                    </a:lnL>
+                    <a:lnR w="12700" cap="flat" cmpd="sng" algn="ctr">
+                      <a:solidFill>
+                        <a:schemeClr val="tx2"/>
+                      </a:solidFill>
+                      <a:prstDash val="solid"/>
+                      <a:round/>
+                      <a:headEnd type="none" w="med" len="med"/>
+                      <a:tailEnd type="none" w="med" len="med"/>
+                    </a:lnR>
+                  </a:tcPr>
+                </a:tc>
+                <a:tc>
+                  <a:txBody>
+                    <a:bodyPr/>
+                    <a:lstStyle/>
+                    <a:p>
+                      <a:pPr algn="ctr">
+                        <a:lnSpc>
+                          <a:spcPct val="115000"/>
+                        </a:lnSpc>
+                        <a:spcAft>
+                          <a:spcPts val="0"/>
+                        </a:spcAft>
+                      </a:pPr>
+                      <a:r>
+                        <a:rPr lang="de-CH" sz="2000" dirty="0">
+                          <a:solidFill>
+                            <a:schemeClr val="bg1"/>
+                          </a:solidFill>
+                          <a:effectLst/>
+                        </a:rPr>
+                        <a:t>8</a:t>
+                      </a:r>
+                      <a:endParaRPr lang="de-CH" sz="1100" dirty="0">
+                        <a:solidFill>
+                          <a:schemeClr val="bg1"/>
+                        </a:solidFill>
+                        <a:effectLst/>
+                        <a:latin typeface="Calibri"/>
+                        <a:ea typeface="Calibri"/>
+                        <a:cs typeface="Times New Roman"/>
+                      </a:endParaRPr>
+                    </a:p>
+                  </a:txBody>
+                  <a:tcPr marL="44450" marR="44450" marT="0" marB="0" anchor="ctr">
+                    <a:lnL w="12700" cap="flat" cmpd="sng" algn="ctr">
+                      <a:solidFill>
+                        <a:schemeClr val="tx2"/>
+                      </a:solidFill>
+                      <a:prstDash val="solid"/>
+                      <a:round/>
+                      <a:headEnd type="none" w="med" len="med"/>
+                      <a:tailEnd type="none" w="med" len="med"/>
+                    </a:lnL>
+                    <a:solidFill>
+                      <a:srgbClr val="669900"/>
+                    </a:solidFill>
+                  </a:tcPr>
+                </a:tc>
+                <a:tc>
+                  <a:txBody>
+                    <a:bodyPr/>
+                    <a:lstStyle/>
+                    <a:p>
+                      <a:pPr algn="ctr">
+                        <a:lnSpc>
+                          <a:spcPct val="115000"/>
+                        </a:lnSpc>
+                        <a:spcAft>
+                          <a:spcPts val="0"/>
+                        </a:spcAft>
+                      </a:pPr>
+                      <a:r>
+                        <a:rPr lang="de-CH" sz="2000" dirty="0">
+                          <a:solidFill>
+                            <a:schemeClr val="bg1"/>
+                          </a:solidFill>
+                          <a:effectLst/>
+                        </a:rPr>
+                        <a:t>6</a:t>
+                      </a:r>
+                      <a:endParaRPr lang="de-CH" sz="1100" dirty="0">
+                        <a:solidFill>
+                          <a:schemeClr val="bg1"/>
+                        </a:solidFill>
+                        <a:effectLst/>
+                        <a:latin typeface="Calibri"/>
+                        <a:ea typeface="Calibri"/>
+                        <a:cs typeface="Times New Roman"/>
+                      </a:endParaRPr>
+                    </a:p>
+                  </a:txBody>
+                  <a:tcPr marL="44450" marR="44450" marT="0" marB="0" anchor="ctr">
+                    <a:solidFill>
+                      <a:srgbClr val="FFCC66"/>
+                    </a:solidFill>
+                  </a:tcPr>
+                </a:tc>
+                <a:tc>
+                  <a:txBody>
+                    <a:bodyPr/>
+                    <a:lstStyle/>
+                    <a:p>
+                      <a:pPr algn="ctr">
+                        <a:lnSpc>
+                          <a:spcPct val="115000"/>
+                        </a:lnSpc>
+                        <a:spcAft>
+                          <a:spcPts val="0"/>
+                        </a:spcAft>
+                      </a:pPr>
+                      <a:r>
+                        <a:rPr lang="de-CH" sz="2000" dirty="0">
+                          <a:solidFill>
+                            <a:schemeClr val="bg1"/>
+                          </a:solidFill>
+                          <a:effectLst/>
+                        </a:rPr>
+                        <a:t>3, 4, 5</a:t>
+                      </a:r>
+                      <a:endParaRPr lang="de-CH" sz="1100" dirty="0">
+                        <a:solidFill>
+                          <a:schemeClr val="bg1"/>
+                        </a:solidFill>
+                        <a:effectLst/>
+                        <a:latin typeface="Calibri"/>
+                        <a:ea typeface="Calibri"/>
+                        <a:cs typeface="Times New Roman"/>
+                      </a:endParaRPr>
+                    </a:p>
+                  </a:txBody>
+                  <a:tcPr marL="44450" marR="44450" marT="0" marB="0" anchor="ctr">
+                    <a:lnR w="12700" cap="flat" cmpd="sng" algn="ctr">
+                      <a:solidFill>
+                        <a:schemeClr val="tx2"/>
+                      </a:solidFill>
+                      <a:prstDash val="solid"/>
+                      <a:round/>
+                      <a:headEnd type="none" w="med" len="med"/>
+                      <a:tailEnd type="none" w="med" len="med"/>
+                    </a:lnR>
+                    <a:solidFill>
+                      <a:srgbClr val="FF9933"/>
+                    </a:solidFill>
+                  </a:tcPr>
+                </a:tc>
+              </a:tr>
+              <a:tr h="908846">
+                <a:tc vMerge="1">
+                  <a:txBody>
+                    <a:bodyPr/>
+                    <a:lstStyle/>
+                    <a:p>
+                      <a:endParaRPr lang="de-CH"/>
+                    </a:p>
+                  </a:txBody>
+                  <a:tcPr/>
+                </a:tc>
+                <a:tc>
+                  <a:txBody>
+                    <a:bodyPr/>
+                    <a:lstStyle/>
+                    <a:p>
+                      <a:pPr algn="ctr">
+                        <a:lnSpc>
+                          <a:spcPct val="115000"/>
+                        </a:lnSpc>
+                        <a:spcAft>
+                          <a:spcPts val="0"/>
+                        </a:spcAft>
+                      </a:pPr>
+                      <a:r>
+                        <a:rPr lang="de-CH" sz="2000" dirty="0" smtClean="0">
+                          <a:effectLst/>
+                          <a:latin typeface="Calibri"/>
+                          <a:ea typeface="Calibri"/>
+                          <a:cs typeface="Times New Roman"/>
+                        </a:rPr>
+                        <a:t>1</a:t>
+                      </a:r>
+                      <a:endParaRPr lang="de-CH" sz="2000" dirty="0">
+                        <a:effectLst/>
+                        <a:latin typeface="Calibri"/>
+                        <a:ea typeface="Calibri"/>
+                        <a:cs typeface="Times New Roman"/>
+                      </a:endParaRPr>
+                    </a:p>
+                  </a:txBody>
+                  <a:tcPr marL="44450" marR="44450" marT="0" marB="0" vert="vert270" anchor="ctr">
+                    <a:lnL w="12700" cap="flat" cmpd="sng" algn="ctr">
+                      <a:solidFill>
+                        <a:schemeClr val="tx2"/>
+                      </a:solidFill>
+                      <a:prstDash val="solid"/>
+                      <a:round/>
+                      <a:headEnd type="none" w="med" len="med"/>
+                      <a:tailEnd type="none" w="med" len="med"/>
+                    </a:lnL>
+                    <a:lnR w="12700" cap="flat" cmpd="sng" algn="ctr">
+                      <a:solidFill>
+                        <a:schemeClr val="tx2"/>
+                      </a:solidFill>
+                      <a:prstDash val="solid"/>
+                      <a:round/>
+                      <a:headEnd type="none" w="med" len="med"/>
+                      <a:tailEnd type="none" w="med" len="med"/>
+                    </a:lnR>
+                    <a:lnB w="12700" cap="flat" cmpd="sng" algn="ctr">
+                      <a:solidFill>
+                        <a:schemeClr val="tx2"/>
+                      </a:solidFill>
+                      <a:prstDash val="solid"/>
+                      <a:round/>
+                      <a:headEnd type="none" w="med" len="med"/>
+                      <a:tailEnd type="none" w="med" len="med"/>
+                    </a:lnB>
+                  </a:tcPr>
+                </a:tc>
+                <a:tc>
+                  <a:txBody>
+                    <a:bodyPr/>
+                    <a:lstStyle/>
+                    <a:p>
+                      <a:pPr>
+                        <a:lnSpc>
+                          <a:spcPct val="115000"/>
+                        </a:lnSpc>
+                        <a:spcAft>
+                          <a:spcPts val="0"/>
+                        </a:spcAft>
+                      </a:pPr>
+                      <a:r>
+                        <a:rPr lang="de-CH" sz="1100" dirty="0">
+                          <a:solidFill>
+                            <a:schemeClr val="bg1"/>
+                          </a:solidFill>
+                          <a:effectLst/>
+                        </a:rPr>
+                        <a:t> </a:t>
+                      </a:r>
+                      <a:endParaRPr lang="de-CH" sz="1100" dirty="0">
+                        <a:solidFill>
+                          <a:schemeClr val="bg1"/>
+                        </a:solidFill>
+                        <a:effectLst/>
+                        <a:latin typeface="Calibri"/>
+                        <a:ea typeface="Calibri"/>
+                        <a:cs typeface="Times New Roman"/>
+                      </a:endParaRPr>
+                    </a:p>
+                  </a:txBody>
+                  <a:tcPr marL="44450" marR="44450" marT="0" marB="0" anchor="b">
+                    <a:lnL w="12700" cap="flat" cmpd="sng" algn="ctr">
+                      <a:solidFill>
+                        <a:schemeClr val="tx2"/>
+                      </a:solidFill>
+                      <a:prstDash val="solid"/>
+                      <a:round/>
+                      <a:headEnd type="none" w="med" len="med"/>
+                      <a:tailEnd type="none" w="med" len="med"/>
+                    </a:lnL>
+                    <a:lnB w="12700" cap="flat" cmpd="sng" algn="ctr">
+                      <a:solidFill>
+                        <a:schemeClr val="tx2"/>
+                      </a:solidFill>
+                      <a:prstDash val="solid"/>
+                      <a:round/>
+                      <a:headEnd type="none" w="med" len="med"/>
+                      <a:tailEnd type="none" w="med" len="med"/>
+                    </a:lnB>
+                    <a:solidFill>
+                      <a:srgbClr val="008000"/>
+                    </a:solidFill>
+                  </a:tcPr>
+                </a:tc>
+                <a:tc>
+                  <a:txBody>
+                    <a:bodyPr/>
+                    <a:lstStyle/>
+                    <a:p>
+                      <a:pPr>
+                        <a:lnSpc>
+                          <a:spcPct val="115000"/>
+                        </a:lnSpc>
+                        <a:spcAft>
+                          <a:spcPts val="0"/>
+                        </a:spcAft>
+                      </a:pPr>
+                      <a:r>
+                        <a:rPr lang="de-CH" sz="1100" dirty="0">
+                          <a:solidFill>
+                            <a:schemeClr val="bg1"/>
+                          </a:solidFill>
+                          <a:effectLst/>
+                        </a:rPr>
+                        <a:t> </a:t>
+                      </a:r>
+                      <a:endParaRPr lang="de-CH" sz="1100" dirty="0">
+                        <a:solidFill>
+                          <a:schemeClr val="bg1"/>
+                        </a:solidFill>
+                        <a:effectLst/>
+                        <a:latin typeface="Calibri"/>
+                        <a:ea typeface="Calibri"/>
+                        <a:cs typeface="Times New Roman"/>
+                      </a:endParaRPr>
+                    </a:p>
+                  </a:txBody>
+                  <a:tcPr marL="44450" marR="44450" marT="0" marB="0" anchor="b">
+                    <a:lnB w="12700" cap="flat" cmpd="sng" algn="ctr">
+                      <a:solidFill>
+                        <a:schemeClr val="tx2"/>
+                      </a:solidFill>
+                      <a:prstDash val="solid"/>
+                      <a:round/>
+                      <a:headEnd type="none" w="med" len="med"/>
+                      <a:tailEnd type="none" w="med" len="med"/>
+                    </a:lnB>
+                    <a:solidFill>
+                      <a:srgbClr val="669900"/>
+                    </a:solidFill>
+                  </a:tcPr>
+                </a:tc>
+                <a:tc>
+                  <a:txBody>
+                    <a:bodyPr/>
+                    <a:lstStyle/>
+                    <a:p>
+                      <a:pPr algn="ctr">
+                        <a:lnSpc>
+                          <a:spcPct val="115000"/>
+                        </a:lnSpc>
+                        <a:spcAft>
+                          <a:spcPts val="0"/>
+                        </a:spcAft>
+                      </a:pPr>
+                      <a:r>
+                        <a:rPr lang="de-CH" sz="2000" dirty="0">
+                          <a:solidFill>
+                            <a:schemeClr val="bg1"/>
+                          </a:solidFill>
+                          <a:effectLst/>
+                        </a:rPr>
+                        <a:t>7</a:t>
+                      </a:r>
+                      <a:endParaRPr lang="de-CH" sz="1100" dirty="0">
+                        <a:solidFill>
+                          <a:schemeClr val="bg1"/>
+                        </a:solidFill>
+                        <a:effectLst/>
+                        <a:latin typeface="Calibri"/>
+                        <a:ea typeface="Calibri"/>
+                        <a:cs typeface="Times New Roman"/>
+                      </a:endParaRPr>
+                    </a:p>
+                  </a:txBody>
+                  <a:tcPr marL="44450" marR="44450" marT="0" marB="0" anchor="ctr">
+                    <a:lnR w="12700" cap="flat" cmpd="sng" algn="ctr">
+                      <a:solidFill>
+                        <a:schemeClr val="tx2"/>
+                      </a:solidFill>
+                      <a:prstDash val="solid"/>
+                      <a:round/>
+                      <a:headEnd type="none" w="med" len="med"/>
+                      <a:tailEnd type="none" w="med" len="med"/>
+                    </a:lnR>
+                    <a:lnB w="12700" cap="flat" cmpd="sng" algn="ctr">
+                      <a:solidFill>
+                        <a:schemeClr val="tx2"/>
+                      </a:solidFill>
+                      <a:prstDash val="solid"/>
+                      <a:round/>
+                      <a:headEnd type="none" w="med" len="med"/>
+                      <a:tailEnd type="none" w="med" len="med"/>
+                    </a:lnB>
+                    <a:solidFill>
+                      <a:srgbClr val="FFCC66"/>
+                    </a:solidFill>
+                  </a:tcPr>
+                </a:tc>
+              </a:tr>
+              <a:tr h="202565">
+                <a:tc>
+                  <a:txBody>
+                    <a:bodyPr/>
+                    <a:lstStyle/>
+                    <a:p>
+                      <a:pPr>
+                        <a:lnSpc>
+                          <a:spcPct val="115000"/>
+                        </a:lnSpc>
+                      </a:pPr>
+                      <a:endParaRPr lang="de-CH" sz="1100" dirty="0">
+                        <a:effectLst/>
+                        <a:latin typeface="Calibri"/>
+                      </a:endParaRPr>
+                    </a:p>
+                  </a:txBody>
+                  <a:tcPr marL="44450" marR="44450" marT="0" marB="0" anchor="b">
+                    <a:lnL w="12700" cap="flat" cmpd="sng" algn="ctr">
+                      <a:solidFill>
+                        <a:schemeClr val="tx2"/>
+                      </a:solidFill>
+                      <a:prstDash val="solid"/>
+                      <a:round/>
+                      <a:headEnd type="none" w="med" len="med"/>
+                      <a:tailEnd type="none" w="med" len="med"/>
+                    </a:lnL>
+                    <a:lnR w="12700" cap="flat" cmpd="sng" algn="ctr">
+                      <a:solidFill>
+                        <a:schemeClr val="tx2"/>
+                      </a:solidFill>
+                      <a:prstDash val="solid"/>
+                      <a:round/>
+                      <a:headEnd type="none" w="med" len="med"/>
+                      <a:tailEnd type="none" w="med" len="med"/>
+                    </a:lnR>
+                    <a:lnB w="12700" cap="flat" cmpd="sng" algn="ctr">
+                      <a:solidFill>
+                        <a:schemeClr val="tx2"/>
+                      </a:solidFill>
+                      <a:prstDash val="solid"/>
+                      <a:round/>
+                      <a:headEnd type="none" w="med" len="med"/>
+                      <a:tailEnd type="none" w="med" len="med"/>
+                    </a:lnB>
+                  </a:tcPr>
+                </a:tc>
+                <a:tc>
+                  <a:txBody>
+                    <a:bodyPr/>
+                    <a:lstStyle/>
+                    <a:p>
+                      <a:pPr>
+                        <a:lnSpc>
+                          <a:spcPct val="115000"/>
+                        </a:lnSpc>
+                      </a:pPr>
+                      <a:endParaRPr lang="de-CH" sz="1100" dirty="0">
+                        <a:effectLst/>
+                        <a:latin typeface="Calibri"/>
+                      </a:endParaRPr>
+                    </a:p>
+                  </a:txBody>
+                  <a:tcPr marL="44450" marR="44450" marT="0" marB="0" anchor="b">
+                    <a:lnL w="12700" cap="flat" cmpd="sng" algn="ctr">
+                      <a:solidFill>
+                        <a:schemeClr val="tx2"/>
+                      </a:solidFill>
+                      <a:prstDash val="solid"/>
+                      <a:round/>
+                      <a:headEnd type="none" w="med" len="med"/>
+                      <a:tailEnd type="none" w="med" len="med"/>
+                    </a:lnL>
+                    <a:lnR w="12700" cap="flat" cmpd="sng" algn="ctr">
+                      <a:solidFill>
+                        <a:schemeClr val="tx2"/>
+                      </a:solidFill>
+                      <a:prstDash val="solid"/>
+                      <a:round/>
+                      <a:headEnd type="none" w="med" len="med"/>
+                      <a:tailEnd type="none" w="med" len="med"/>
+                    </a:lnR>
+                    <a:lnT w="12700" cap="flat" cmpd="sng" algn="ctr">
+                      <a:solidFill>
+                        <a:schemeClr val="tx2"/>
+                      </a:solidFill>
+                      <a:prstDash val="solid"/>
+                      <a:round/>
+                      <a:headEnd type="none" w="med" len="med"/>
+                      <a:tailEnd type="none" w="med" len="med"/>
+                    </a:lnT>
+                    <a:lnB w="12700" cap="flat" cmpd="sng" algn="ctr">
+                      <a:solidFill>
+                        <a:schemeClr val="tx2"/>
+                      </a:solidFill>
+                      <a:prstDash val="solid"/>
+                      <a:round/>
+                      <a:headEnd type="none" w="med" len="med"/>
+                      <a:tailEnd type="none" w="med" len="med"/>
+                    </a:lnB>
+                  </a:tcPr>
+                </a:tc>
+                <a:tc>
+                  <a:txBody>
+                    <a:bodyPr/>
+                    <a:lstStyle/>
+                    <a:p>
+                      <a:pPr algn="ctr">
+                        <a:lnSpc>
+                          <a:spcPct val="115000"/>
+                        </a:lnSpc>
+                        <a:spcAft>
+                          <a:spcPts val="0"/>
+                        </a:spcAft>
+                      </a:pPr>
+                      <a:r>
+                        <a:rPr lang="de-CH" sz="2000" dirty="0">
+                          <a:effectLst/>
+                        </a:rPr>
+                        <a:t>Niedrig</a:t>
+                      </a:r>
+                      <a:endParaRPr lang="de-CH" sz="2000" dirty="0">
+                        <a:effectLst/>
+                        <a:latin typeface="Calibri"/>
+                        <a:ea typeface="Calibri"/>
+                        <a:cs typeface="Times New Roman"/>
+                      </a:endParaRPr>
+                    </a:p>
+                  </a:txBody>
+                  <a:tcPr marL="44450" marR="44450" marT="0" marB="0" anchor="ctr">
+                    <a:lnL w="12700" cap="flat" cmpd="sng" algn="ctr">
+                      <a:solidFill>
+                        <a:schemeClr val="tx2"/>
+                      </a:solidFill>
+                      <a:prstDash val="solid"/>
+                      <a:round/>
+                      <a:headEnd type="none" w="med" len="med"/>
+                      <a:tailEnd type="none" w="med" len="med"/>
+                    </a:lnL>
+                    <a:lnT w="12700" cap="flat" cmpd="sng" algn="ctr">
+                      <a:solidFill>
+                        <a:schemeClr val="tx2"/>
+                      </a:solidFill>
+                      <a:prstDash val="solid"/>
+                      <a:round/>
+                      <a:headEnd type="none" w="med" len="med"/>
+                      <a:tailEnd type="none" w="med" len="med"/>
+                    </a:lnT>
+                    <a:lnB w="12700" cap="flat" cmpd="sng" algn="ctr">
+                      <a:solidFill>
+                        <a:schemeClr val="tx2"/>
+                      </a:solidFill>
+                      <a:prstDash val="solid"/>
+                      <a:round/>
+                      <a:headEnd type="none" w="med" len="med"/>
+                      <a:tailEnd type="none" w="med" len="med"/>
+                    </a:lnB>
+                  </a:tcPr>
+                </a:tc>
+                <a:tc>
+                  <a:txBody>
+                    <a:bodyPr/>
+                    <a:lstStyle/>
+                    <a:p>
+                      <a:pPr algn="ctr">
+                        <a:lnSpc>
+                          <a:spcPct val="115000"/>
+                        </a:lnSpc>
+                        <a:spcAft>
+                          <a:spcPts val="0"/>
+                        </a:spcAft>
+                      </a:pPr>
+                      <a:r>
+                        <a:rPr lang="de-CH" sz="2000" dirty="0">
+                          <a:effectLst/>
+                        </a:rPr>
+                        <a:t>Mittel</a:t>
+                      </a:r>
+                      <a:endParaRPr lang="de-CH" sz="2000" dirty="0">
+                        <a:effectLst/>
+                        <a:latin typeface="Calibri"/>
+                        <a:ea typeface="Calibri"/>
+                        <a:cs typeface="Times New Roman"/>
+                      </a:endParaRPr>
+                    </a:p>
+                  </a:txBody>
+                  <a:tcPr marL="44450" marR="44450" marT="0" marB="0" anchor="ctr">
+                    <a:lnT w="12700" cap="flat" cmpd="sng" algn="ctr">
+                      <a:solidFill>
+                        <a:schemeClr val="tx2"/>
+                      </a:solidFill>
+                      <a:prstDash val="solid"/>
+                      <a:round/>
+                      <a:headEnd type="none" w="med" len="med"/>
+                      <a:tailEnd type="none" w="med" len="med"/>
+                    </a:lnT>
+                    <a:lnB w="12700" cap="flat" cmpd="sng" algn="ctr">
+                      <a:solidFill>
+                        <a:schemeClr val="tx2"/>
+                      </a:solidFill>
+                      <a:prstDash val="solid"/>
+                      <a:round/>
+                      <a:headEnd type="none" w="med" len="med"/>
+                      <a:tailEnd type="none" w="med" len="med"/>
+                    </a:lnB>
+                  </a:tcPr>
+                </a:tc>
+                <a:tc>
+                  <a:txBody>
+                    <a:bodyPr/>
+                    <a:lstStyle/>
+                    <a:p>
+                      <a:pPr algn="ctr">
+                        <a:lnSpc>
+                          <a:spcPct val="115000"/>
+                        </a:lnSpc>
+                        <a:spcAft>
+                          <a:spcPts val="0"/>
+                        </a:spcAft>
+                      </a:pPr>
+                      <a:r>
+                        <a:rPr lang="de-CH" sz="2000" dirty="0">
+                          <a:effectLst/>
+                        </a:rPr>
+                        <a:t>Hoch</a:t>
+                      </a:r>
+                      <a:endParaRPr lang="de-CH" sz="2000" dirty="0">
+                        <a:effectLst/>
+                        <a:latin typeface="Calibri"/>
+                        <a:ea typeface="Calibri"/>
+                        <a:cs typeface="Times New Roman"/>
+                      </a:endParaRPr>
+                    </a:p>
+                  </a:txBody>
+                  <a:tcPr marL="44450" marR="44450" marT="0" marB="0" anchor="ctr">
+                    <a:lnR w="12700" cap="flat" cmpd="sng" algn="ctr">
+                      <a:solidFill>
+                        <a:schemeClr val="tx2"/>
+                      </a:solidFill>
+                      <a:prstDash val="solid"/>
+                      <a:round/>
+                      <a:headEnd type="none" w="med" len="med"/>
+                      <a:tailEnd type="none" w="med" len="med"/>
+                    </a:lnR>
+                    <a:lnT w="12700" cap="flat" cmpd="sng" algn="ctr">
+                      <a:solidFill>
+                        <a:schemeClr val="tx2"/>
+                      </a:solidFill>
+                      <a:prstDash val="solid"/>
+                      <a:round/>
+                      <a:headEnd type="none" w="med" len="med"/>
+                      <a:tailEnd type="none" w="med" len="med"/>
+                    </a:lnT>
+                    <a:lnB w="12700" cap="flat" cmpd="sng" algn="ctr">
+                      <a:solidFill>
+                        <a:schemeClr val="tx2"/>
+                      </a:solidFill>
+                      <a:prstDash val="solid"/>
+                      <a:round/>
+                      <a:headEnd type="none" w="med" len="med"/>
+                      <a:tailEnd type="none" w="med" len="med"/>
+                    </a:lnB>
+                  </a:tcPr>
+                </a:tc>
+              </a:tr>
+              <a:tr h="190500">
+                <a:tc>
+                  <a:txBody>
+                    <a:bodyPr/>
+                    <a:lstStyle/>
+                    <a:p>
+                      <a:pPr>
+                        <a:lnSpc>
+                          <a:spcPct val="115000"/>
+                        </a:lnSpc>
+                      </a:pPr>
+                      <a:endParaRPr lang="de-CH" sz="2000" dirty="0">
+                        <a:effectLst/>
+                        <a:latin typeface="Calibri"/>
+                      </a:endParaRPr>
+                    </a:p>
+                  </a:txBody>
+                  <a:tcPr marL="44450" marR="44450" marT="0" marB="0" anchor="b">
+                    <a:lnL w="12700" cap="flat" cmpd="sng" algn="ctr">
+                      <a:solidFill>
+                        <a:schemeClr val="tx2"/>
+                      </a:solidFill>
+                      <a:prstDash val="solid"/>
+                      <a:round/>
+                      <a:headEnd type="none" w="med" len="med"/>
+                      <a:tailEnd type="none" w="med" len="med"/>
+                    </a:lnL>
+                    <a:lnR w="12700" cap="flat" cmpd="sng" algn="ctr">
+                      <a:solidFill>
+                        <a:schemeClr val="tx2"/>
+                      </a:solidFill>
+                      <a:prstDash val="solid"/>
+                      <a:round/>
+                      <a:headEnd type="none" w="med" len="med"/>
+                      <a:tailEnd type="none" w="med" len="med"/>
+                    </a:lnR>
+                    <a:lnT w="12700" cap="flat" cmpd="sng" algn="ctr">
+                      <a:solidFill>
+                        <a:schemeClr val="tx2"/>
+                      </a:solidFill>
+                      <a:prstDash val="solid"/>
+                      <a:round/>
+                      <a:headEnd type="none" w="med" len="med"/>
+                      <a:tailEnd type="none" w="med" len="med"/>
+                    </a:lnT>
+                    <a:lnB w="12700" cap="flat" cmpd="sng" algn="ctr">
+                      <a:solidFill>
+                        <a:schemeClr val="tx2"/>
+                      </a:solidFill>
+                      <a:prstDash val="solid"/>
+                      <a:round/>
+                      <a:headEnd type="none" w="med" len="med"/>
+                      <a:tailEnd type="none" w="med" len="med"/>
+                    </a:lnB>
+                  </a:tcPr>
+                </a:tc>
+                <a:tc>
+                  <a:txBody>
+                    <a:bodyPr/>
+                    <a:lstStyle/>
+                    <a:p>
+                      <a:pPr>
+                        <a:lnSpc>
+                          <a:spcPct val="115000"/>
+                        </a:lnSpc>
+                      </a:pPr>
+                      <a:endParaRPr lang="de-CH" sz="2000" dirty="0">
+                        <a:effectLst/>
+                        <a:latin typeface="Calibri"/>
+                      </a:endParaRPr>
+                    </a:p>
+                  </a:txBody>
+                  <a:tcPr marL="44450" marR="44450" marT="0" marB="0" anchor="b">
+                    <a:lnL w="12700" cap="flat" cmpd="sng" algn="ctr">
+                      <a:solidFill>
+                        <a:schemeClr val="tx2"/>
+                      </a:solidFill>
+                      <a:prstDash val="solid"/>
+                      <a:round/>
+                      <a:headEnd type="none" w="med" len="med"/>
+                      <a:tailEnd type="none" w="med" len="med"/>
+                    </a:lnL>
+                    <a:lnT w="12700" cap="flat" cmpd="sng" algn="ctr">
+                      <a:solidFill>
+                        <a:schemeClr val="tx2"/>
+                      </a:solidFill>
+                      <a:prstDash val="solid"/>
+                      <a:round/>
+                      <a:headEnd type="none" w="med" len="med"/>
+                      <a:tailEnd type="none" w="med" len="med"/>
+                    </a:lnT>
+                    <a:lnB w="12700" cap="flat" cmpd="sng" algn="ctr">
+                      <a:solidFill>
+                        <a:schemeClr val="tx2"/>
+                      </a:solidFill>
+                      <a:prstDash val="solid"/>
+                      <a:round/>
+                      <a:headEnd type="none" w="med" len="med"/>
+                      <a:tailEnd type="none" w="med" len="med"/>
+                    </a:lnB>
+                  </a:tcPr>
+                </a:tc>
+                <a:tc gridSpan="3">
+                  <a:txBody>
+                    <a:bodyPr/>
+                    <a:lstStyle/>
+                    <a:p>
+                      <a:pPr algn="ctr">
+                        <a:lnSpc>
+                          <a:spcPct val="115000"/>
+                        </a:lnSpc>
+                        <a:spcAft>
+                          <a:spcPts val="0"/>
+                        </a:spcAft>
+                      </a:pPr>
+                      <a:r>
+                        <a:rPr lang="de-CH" sz="2000" dirty="0">
+                          <a:effectLst/>
+                        </a:rPr>
+                        <a:t>Auswirkung →</a:t>
+                      </a:r>
+                      <a:endParaRPr lang="de-CH" sz="2000" dirty="0">
+                        <a:effectLst/>
+                        <a:latin typeface="Calibri"/>
+                        <a:ea typeface="Calibri"/>
+                        <a:cs typeface="Times New Roman"/>
+                      </a:endParaRPr>
+                    </a:p>
+                  </a:txBody>
+                  <a:tcPr marL="44450" marR="44450" marT="0" marB="0" anchor="ctr">
+                    <a:lnR w="12700" cap="flat" cmpd="sng" algn="ctr">
+                      <a:solidFill>
+                        <a:schemeClr val="tx2"/>
+                      </a:solidFill>
+                      <a:prstDash val="solid"/>
+                      <a:round/>
+                      <a:headEnd type="none" w="med" len="med"/>
+                      <a:tailEnd type="none" w="med" len="med"/>
+                    </a:lnR>
+                    <a:lnT w="12700" cap="flat" cmpd="sng" algn="ctr">
+                      <a:solidFill>
+                        <a:schemeClr val="tx2"/>
+                      </a:solidFill>
+                      <a:prstDash val="solid"/>
+                      <a:round/>
+                      <a:headEnd type="none" w="med" len="med"/>
+                      <a:tailEnd type="none" w="med" len="med"/>
+                    </a:lnT>
+                    <a:lnB w="12700" cap="flat" cmpd="sng" algn="ctr">
+                      <a:solidFill>
+                        <a:schemeClr val="tx2"/>
+                      </a:solidFill>
+                      <a:prstDash val="solid"/>
+                      <a:round/>
+                      <a:headEnd type="none" w="med" len="med"/>
+                      <a:tailEnd type="none" w="med" len="med"/>
+                    </a:lnB>
+                  </a:tcPr>
+                </a:tc>
+                <a:tc hMerge="1">
+                  <a:txBody>
+                    <a:bodyPr/>
+                    <a:lstStyle/>
+                    <a:p>
+                      <a:endParaRPr lang="de-CH"/>
+                    </a:p>
+                  </a:txBody>
+                  <a:tcPr/>
+                </a:tc>
+                <a:tc hMerge="1">
+                  <a:txBody>
+                    <a:bodyPr/>
+                    <a:lstStyle/>
+                    <a:p>
+                      <a:endParaRPr lang="de-CH"/>
+                    </a:p>
+                  </a:txBody>
+                  <a:tcPr/>
+                </a:tc>
+              </a:tr>
+            </a:tbl>
+          </a:graphicData>
+        </a:graphic>
+      </p:graphicFrame>
+      <p:sp>
+        <p:nvSpPr>
+          <p:cNvPr id="6" name="Content Placeholder 2"/>
+          <p:cNvSpPr txBox="1">
+            <a:spLocks/>
+          </p:cNvSpPr>
+          <p:nvPr/>
+        </p:nvSpPr>
+        <p:spPr>
+          <a:xfrm>
+            <a:off x="538480" y="1556792"/>
+            <a:ext cx="3961512" cy="4896585"/>
+          </a:xfrm>
+          <a:prstGeom prst="rect">
+            <a:avLst/>
+          </a:prstGeom>
+        </p:spPr>
+        <p:txBody>
+          <a:bodyPr vert="horz" lIns="91440" tIns="45720" rIns="91440" bIns="45720" rtlCol="0">
+            <a:normAutofit/>
+          </a:bodyPr>
+          <a:lstStyle>
+            <a:lvl1pPr marL="228600" indent="-182880" algn="l" defTabSz="914400" rtl="0" eaLnBrk="1" latinLnBrk="0" hangingPunct="1">
+              <a:spcBef>
+                <a:spcPct val="20000"/>
+              </a:spcBef>
+              <a:buClr>
+                <a:schemeClr val="tx2"/>
+              </a:buClr>
+              <a:buFont typeface="Wingdings" charset="2"/>
+              <a:buChar char="§"/>
+              <a:defRPr sz="2000" kern="1200">
+                <a:solidFill>
+                  <a:schemeClr val="tx1"/>
+                </a:solidFill>
+                <a:latin typeface="+mn-lt"/>
+                <a:ea typeface="+mn-ea"/>
+                <a:cs typeface="+mn-cs"/>
+              </a:defRPr>
+            </a:lvl1pPr>
+            <a:lvl2pPr marL="502920" indent="-182880" algn="l" defTabSz="914400" rtl="0" eaLnBrk="1" latinLnBrk="0" hangingPunct="1">
+              <a:spcBef>
+                <a:spcPct val="20000"/>
+              </a:spcBef>
+              <a:buClr>
+                <a:schemeClr val="tx2"/>
+              </a:buClr>
+              <a:buFont typeface="Wingdings" charset="2"/>
+              <a:buChar char="§"/>
+              <a:defRPr sz="1800" kern="1200">
+                <a:solidFill>
+                  <a:schemeClr val="tx1"/>
+                </a:solidFill>
+                <a:latin typeface="+mn-lt"/>
+                <a:ea typeface="+mn-ea"/>
+                <a:cs typeface="+mn-cs"/>
+              </a:defRPr>
+            </a:lvl2pPr>
+            <a:lvl3pPr marL="685800" indent="-182880" algn="l" defTabSz="914400" rtl="0" eaLnBrk="1" latinLnBrk="0" hangingPunct="1">
+              <a:spcBef>
+                <a:spcPct val="20000"/>
+              </a:spcBef>
+              <a:buClr>
+                <a:schemeClr val="tx2"/>
+              </a:buClr>
+              <a:buFont typeface="Wingdings" charset="2"/>
+              <a:buChar char="§"/>
+              <a:defRPr sz="1600" kern="1200">
+                <a:solidFill>
+                  <a:schemeClr val="tx1"/>
+                </a:solidFill>
+                <a:latin typeface="+mn-lt"/>
+                <a:ea typeface="+mn-ea"/>
+                <a:cs typeface="+mn-cs"/>
+              </a:defRPr>
+            </a:lvl3pPr>
+            <a:lvl4pPr marL="914400" indent="-182880" algn="l" defTabSz="914400" rtl="0" eaLnBrk="1" latinLnBrk="0" hangingPunct="1">
+              <a:spcBef>
+                <a:spcPct val="20000"/>
+              </a:spcBef>
+              <a:buClr>
+                <a:schemeClr val="tx2"/>
+              </a:buClr>
+              <a:buFont typeface="Wingdings" charset="2"/>
+              <a:buChar char="§"/>
+              <a:defRPr sz="1400" kern="1200">
+                <a:solidFill>
+                  <a:schemeClr val="tx1"/>
+                </a:solidFill>
+                <a:latin typeface="+mn-lt"/>
+                <a:ea typeface="+mn-ea"/>
+                <a:cs typeface="+mn-cs"/>
+              </a:defRPr>
+            </a:lvl4pPr>
+            <a:lvl5pPr marL="1143000" indent="-182880" algn="l" defTabSz="914400" rtl="0" eaLnBrk="1" latinLnBrk="0" hangingPunct="1">
+              <a:spcBef>
+                <a:spcPct val="20000"/>
+              </a:spcBef>
+              <a:buClr>
+                <a:schemeClr val="tx2"/>
+              </a:buClr>
+              <a:buFont typeface="Wingdings" charset="2"/>
+              <a:buChar char="§"/>
+              <a:defRPr sz="1400" kern="1200">
+                <a:solidFill>
+                  <a:schemeClr val="tx1"/>
+                </a:solidFill>
+                <a:latin typeface="+mn-lt"/>
+                <a:ea typeface="+mn-ea"/>
+                <a:cs typeface="+mn-cs"/>
+              </a:defRPr>
+            </a:lvl5pPr>
+            <a:lvl6pPr marL="1371600" indent="-182880" algn="l" defTabSz="914400" rtl="0" eaLnBrk="1" latinLnBrk="0" hangingPunct="1">
+              <a:spcBef>
+                <a:spcPct val="20000"/>
+              </a:spcBef>
+              <a:buClr>
+                <a:schemeClr val="tx2"/>
+              </a:buClr>
+              <a:buFont typeface="Wingdings" pitchFamily="2" charset="2"/>
+              <a:buChar char="§"/>
+              <a:defRPr sz="1400" kern="1200">
+                <a:solidFill>
+                  <a:schemeClr val="tx1"/>
+                </a:solidFill>
+                <a:latin typeface="+mn-lt"/>
+                <a:ea typeface="+mn-ea"/>
+                <a:cs typeface="+mn-cs"/>
+              </a:defRPr>
+            </a:lvl6pPr>
+            <a:lvl7pPr marL="1600200" indent="-182880" algn="l" defTabSz="914400" rtl="0" eaLnBrk="1" latinLnBrk="0" hangingPunct="1">
+              <a:spcBef>
+                <a:spcPct val="20000"/>
+              </a:spcBef>
+              <a:buClr>
+                <a:schemeClr val="tx2"/>
+              </a:buClr>
+              <a:buFont typeface="Wingdings" pitchFamily="2" charset="2"/>
+              <a:buChar char="§"/>
+              <a:defRPr sz="1400" kern="1200">
+                <a:solidFill>
+                  <a:schemeClr val="tx1"/>
+                </a:solidFill>
+                <a:latin typeface="+mn-lt"/>
+                <a:ea typeface="+mn-ea"/>
+                <a:cs typeface="+mn-cs"/>
+              </a:defRPr>
+            </a:lvl7pPr>
+            <a:lvl8pPr marL="1828800" indent="-182880" algn="l" defTabSz="914400" rtl="0" eaLnBrk="1" latinLnBrk="0" hangingPunct="1">
+              <a:spcBef>
+                <a:spcPct val="20000"/>
+              </a:spcBef>
+              <a:buClr>
+                <a:schemeClr val="tx2"/>
+              </a:buClr>
+              <a:buFont typeface="Wingdings" pitchFamily="2" charset="2"/>
+              <a:buChar char="§"/>
+              <a:defRPr sz="1400" kern="1200">
+                <a:solidFill>
+                  <a:schemeClr val="tx1"/>
+                </a:solidFill>
+                <a:latin typeface="+mn-lt"/>
+                <a:ea typeface="+mn-ea"/>
+                <a:cs typeface="+mn-cs"/>
+              </a:defRPr>
+            </a:lvl8pPr>
+            <a:lvl9pPr marL="2057400" indent="-182880" algn="l" defTabSz="914400" rtl="0" eaLnBrk="1" latinLnBrk="0" hangingPunct="1">
+              <a:spcBef>
+                <a:spcPct val="20000"/>
+              </a:spcBef>
+              <a:buClr>
+                <a:schemeClr val="tx2"/>
+              </a:buClr>
+              <a:buFont typeface="Wingdings" pitchFamily="2" charset="2"/>
+              <a:buChar char="§"/>
+              <a:defRPr sz="1400" kern="1200">
+                <a:solidFill>
+                  <a:schemeClr val="tx1"/>
+                </a:solidFill>
+                <a:latin typeface="+mn-lt"/>
+                <a:ea typeface="+mn-ea"/>
+                <a:cs typeface="+mn-cs"/>
+              </a:defRPr>
+            </a:lvl9pPr>
+          </a:lstStyle>
+          <a:p>
+            <a:pPr marL="502920" indent="-457200">
+              <a:buFont typeface="+mj-lt"/>
+              <a:buAutoNum type="arabicPeriod"/>
+            </a:pPr>
+            <a:r>
+              <a:rPr lang="de-CH" sz="2800" dirty="0" smtClean="0"/>
+              <a:t>ZHAW Netzwerk</a:t>
+            </a:r>
+          </a:p>
+          <a:p>
+            <a:pPr marL="502920" indent="-457200">
+              <a:buFont typeface="+mj-lt"/>
+              <a:buAutoNum type="arabicPeriod"/>
+            </a:pPr>
+            <a:r>
+              <a:rPr lang="de-CH" sz="2800" dirty="0" smtClean="0"/>
+              <a:t>Motivation</a:t>
+            </a:r>
+          </a:p>
+          <a:p>
+            <a:pPr marL="502920" indent="-457200">
+              <a:buFont typeface="+mj-lt"/>
+              <a:buAutoNum type="arabicPeriod"/>
+            </a:pPr>
+            <a:r>
+              <a:rPr lang="de-CH" sz="2800" dirty="0" smtClean="0"/>
+              <a:t>Probleme mit IDE</a:t>
+            </a:r>
+          </a:p>
+          <a:p>
+            <a:pPr marL="502920" indent="-457200">
+              <a:buFont typeface="+mj-lt"/>
+              <a:buAutoNum type="arabicPeriod"/>
+            </a:pPr>
+            <a:r>
+              <a:rPr lang="de-CH" sz="2800" dirty="0" smtClean="0"/>
+              <a:t>Hardware</a:t>
+            </a:r>
+          </a:p>
+          <a:p>
+            <a:pPr marL="502920" indent="-457200">
+              <a:buFont typeface="+mj-lt"/>
+              <a:buAutoNum type="arabicPeriod"/>
+            </a:pPr>
+            <a:r>
+              <a:rPr lang="de-CH" sz="2800" dirty="0" smtClean="0"/>
+              <a:t>Sound &amp; Grafik</a:t>
+            </a:r>
+          </a:p>
+          <a:p>
+            <a:pPr marL="502920" indent="-457200">
+              <a:buFont typeface="+mj-lt"/>
+              <a:buAutoNum type="arabicPeriod"/>
+            </a:pPr>
+            <a:r>
+              <a:rPr lang="de-CH" sz="2800" dirty="0" smtClean="0"/>
+              <a:t>Personaldefizit</a:t>
+            </a:r>
+          </a:p>
+          <a:p>
+            <a:pPr marL="502920" indent="-457200">
+              <a:buFont typeface="+mj-lt"/>
+              <a:buAutoNum type="arabicPeriod"/>
+            </a:pPr>
+            <a:r>
+              <a:rPr lang="de-CH" sz="2800" dirty="0" smtClean="0"/>
+              <a:t>Schlechtes Zeit Management</a:t>
+            </a:r>
+          </a:p>
+          <a:p>
+            <a:pPr marL="502920" indent="-457200">
+              <a:buFont typeface="+mj-lt"/>
+              <a:buAutoNum type="arabicPeriod"/>
+            </a:pPr>
+            <a:r>
+              <a:rPr lang="de-CH" sz="2800" dirty="0" smtClean="0"/>
+              <a:t>Know-how Defizit</a:t>
+            </a:r>
+          </a:p>
+          <a:p>
+            <a:pPr marL="502920" indent="-457200">
+              <a:buFont typeface="+mj-lt"/>
+              <a:buAutoNum type="arabicPeriod"/>
+            </a:pPr>
+            <a:endParaRPr lang="de-CH" dirty="0"/>
+          </a:p>
+        </p:txBody>
+      </p:sp>
+    </p:spTree>
+    <p:extLst>
+      <p:ext uri="{BB962C8B-B14F-4D97-AF65-F5344CB8AC3E}">
+        <p14:creationId xmlns:p14="http://schemas.microsoft.com/office/powerpoint/2010/main" val="1966898874"/>
+      </p:ext>
+    </p:extLst>
+  </p:cSld>
+  <p:clrMapOvr>
+    <a:masterClrMapping/>
+  </p:clrMapOvr>
+  <p:timing>
+    <p:tnLst>
+      <p:par>
+        <p:cTn id="1" dur="indefinite" restart="never" nodeType="tmRoot">
+          <p:childTnLst>
+            <p:seq concurrent="1" nextAc="seek">
+              <p:cTn id="2" dur="indefinite" nodeType="mainSeq">
+                <p:childTnLst>
+                  <p:par>
+                    <p:cTn id="3" fill="hold">
+                      <p:stCondLst>
+                        <p:cond delay="indefinite"/>
+                      </p:stCondLst>
+                      <p:childTnLst>
+                        <p:par>
+                          <p:cTn id="4" fill="hold">
+                            <p:stCondLst>
+                              <p:cond delay="0"/>
+                            </p:stCondLst>
+                            <p:childTnLst>
+                              <p:par>
+                                <p:cTn id="5" presetID="1" presetClass="entr" presetSubtype="0" fill="hold" nodeType="clickEffect">
+                                  <p:stCondLst>
+                                    <p:cond delay="0"/>
+                                  </p:stCondLst>
+                                  <p:childTnLst>
+                                    <p:set>
+                                      <p:cBhvr>
+                                        <p:cTn id="6" dur="1" fill="hold">
+                                          <p:stCondLst>
+                                            <p:cond delay="0"/>
+                                          </p:stCondLst>
+                                        </p:cTn>
+                                        <p:tgtEl>
+                                          <p:spTgt spid="5"/>
+                                        </p:tgtEl>
+                                        <p:attrNameLst>
+                                          <p:attrName>style.visibility</p:attrName>
+                                        </p:attrNameLst>
+                                      </p:cBhvr>
+                                      <p:to>
+                                        <p:strVal val="visible"/>
+                                      </p:to>
+                                    </p:set>
+                                  </p:childTnLst>
+                                </p:cTn>
+                              </p:par>
+                            </p:childTnLst>
+                          </p:cTn>
+                        </p:par>
+                      </p:childTnLst>
+                    </p:cTn>
+                  </p:par>
+                </p:childTnLst>
+              </p:cTn>
+              <p:prevCondLst>
+                <p:cond evt="onPrev" delay="0">
+                  <p:tgtEl>
+                    <p:sldTgt/>
+                  </p:tgtEl>
+                </p:cond>
+              </p:prevCondLst>
+              <p:nextCondLst>
+                <p:cond evt="onNext" delay="0">
+                  <p:tgtEl>
+                    <p:sldTgt/>
+                  </p:tgtEl>
+                </p:cond>
+              </p:nextCondLst>
+            </p:seq>
+          </p:childTnLst>
+        </p:cTn>
+      </p:par>
+    </p:tnLst>
+  </p:timing>
+</p:sld>
+</file>
+
+<file path=ppt/slides/slide11.xml><?xml version="1.0" encoding="utf-8"?>
+<p:sld xmlns:a="http://schemas.openxmlformats.org/drawingml/2006/main" xmlns:r="http://schemas.openxmlformats.org/officeDocument/2006/relationships" xmlns:p="http://schemas.openxmlformats.org/presentationml/2006/main">
+  <p:cSld>
+    <p:spTree>
+      <p:nvGrpSpPr>
+        <p:cNvPr id="1" name=""/>
+        <p:cNvGrpSpPr/>
+        <p:nvPr/>
+      </p:nvGrpSpPr>
+      <p:grpSpPr>
+        <a:xfrm>
+          <a:off x="0" y="0"/>
+          <a:ext cx="0" cy="0"/>
+          <a:chOff x="0" y="0"/>
+          <a:chExt cx="0" cy="0"/>
+        </a:xfrm>
+      </p:grpSpPr>
+      <p:sp>
+        <p:nvSpPr>
+          <p:cNvPr id="2" name="Title 1"/>
+          <p:cNvSpPr>
+            <a:spLocks noGrp="1"/>
+          </p:cNvSpPr>
+          <p:nvPr>
+            <p:ph type="title"/>
+          </p:nvPr>
+        </p:nvSpPr>
+        <p:spPr/>
+        <p:txBody>
+          <a:bodyPr anchor="t">
+            <a:normAutofit/>
+          </a:bodyPr>
+          <a:lstStyle/>
+          <a:p>
+            <a:r>
+              <a:rPr lang="de-CH" sz="6000" dirty="0" smtClean="0"/>
+              <a:t>Kundennutzung</a:t>
+            </a:r>
+            <a:endParaRPr lang="de-CH" sz="6000" dirty="0"/>
+          </a:p>
+        </p:txBody>
+      </p:sp>
+      <p:sp>
+        <p:nvSpPr>
+          <p:cNvPr id="4" name="Inhaltsplatzhalter 3"/>
+          <p:cNvSpPr>
+            <a:spLocks noGrp="1"/>
+          </p:cNvSpPr>
+          <p:nvPr>
+            <p:ph idx="1"/>
+          </p:nvPr>
+        </p:nvSpPr>
+        <p:spPr/>
+        <p:txBody>
+          <a:bodyPr/>
+          <a:lstStyle/>
+          <a:p>
+            <a:endParaRPr lang="de-CH" dirty="0"/>
+          </a:p>
+        </p:txBody>
+      </p:sp>
+    </p:spTree>
+    <p:extLst>
+      <p:ext uri="{BB962C8B-B14F-4D97-AF65-F5344CB8AC3E}">
+        <p14:creationId xmlns:p14="http://schemas.microsoft.com/office/powerpoint/2010/main" val="3178079573"/>
+      </p:ext>
+    </p:extLst>
+  </p:cSld>
+  <p:clrMapOvr>
+    <a:masterClrMapping/>
+  </p:clrMapOvr>
+  <p:timing>
+    <p:tnLst>
+      <p:par>
+        <p:cTn id="1" dur="indefinite" restart="never" nodeType="tmRoot"/>
+      </p:par>
+    </p:tnLst>
+  </p:timing>
+</p:sld>
+</file>
+
+<file path=ppt/slides/slide12.xml><?xml version="1.0" encoding="utf-8"?>
+<p:sld xmlns:a="http://schemas.openxmlformats.org/drawingml/2006/main" xmlns:r="http://schemas.openxmlformats.org/officeDocument/2006/relationships" xmlns:p="http://schemas.openxmlformats.org/presentationml/2006/main">
+  <p:cSld>
+    <p:spTree>
+      <p:nvGrpSpPr>
+        <p:cNvPr id="1" name=""/>
+        <p:cNvGrpSpPr/>
+        <p:nvPr/>
+      </p:nvGrpSpPr>
+      <p:grpSpPr>
+        <a:xfrm>
+          <a:off x="0" y="0"/>
+          <a:ext cx="0" cy="0"/>
+          <a:chOff x="0" y="0"/>
+          <a:chExt cx="0" cy="0"/>
+        </a:xfrm>
+      </p:grpSpPr>
+      <p:sp>
+        <p:nvSpPr>
+          <p:cNvPr id="2" name="Title 1"/>
+          <p:cNvSpPr>
+            <a:spLocks noGrp="1"/>
+          </p:cNvSpPr>
+          <p:nvPr>
+            <p:ph type="title"/>
+          </p:nvPr>
+        </p:nvSpPr>
+        <p:spPr/>
+        <p:txBody>
+          <a:bodyPr anchor="t">
+            <a:normAutofit/>
+          </a:bodyPr>
+          <a:lstStyle/>
+          <a:p>
+            <a:r>
+              <a:rPr lang="de-CH" sz="6000" dirty="0" smtClean="0"/>
+              <a:t>Wirtschaftlichkeit</a:t>
+            </a:r>
+            <a:endParaRPr lang="de-CH" sz="6000" dirty="0"/>
+          </a:p>
+        </p:txBody>
+      </p:sp>
+      <p:sp>
+        <p:nvSpPr>
+          <p:cNvPr id="4" name="Inhaltsplatzhalter 3"/>
+          <p:cNvSpPr>
+            <a:spLocks noGrp="1"/>
+          </p:cNvSpPr>
+          <p:nvPr>
+            <p:ph idx="1"/>
+          </p:nvPr>
+        </p:nvSpPr>
+        <p:spPr/>
+        <p:txBody>
+          <a:bodyPr/>
+          <a:lstStyle/>
+          <a:p>
+            <a:endParaRPr lang="de-CH"/>
+          </a:p>
+        </p:txBody>
+      </p:sp>
+    </p:spTree>
+    <p:extLst>
+      <p:ext uri="{BB962C8B-B14F-4D97-AF65-F5344CB8AC3E}">
+        <p14:creationId xmlns:p14="http://schemas.microsoft.com/office/powerpoint/2010/main" val="3178079573"/>
+      </p:ext>
+    </p:extLst>
+  </p:cSld>
+  <p:clrMapOvr>
+    <a:masterClrMapping/>
+  </p:clrMapOvr>
+  <p:timing>
+    <p:tnLst>
+      <p:par>
+        <p:cTn id="1" dur="indefinite" restart="never" nodeType="tmRoot"/>
+      </p:par>
+    </p:tnLst>
+  </p:timing>
+</p:sld>
+</file>
+
 <file path=ppt/slides/slide2.xml><?xml version="1.0" encoding="utf-8"?>
 <p:sld xmlns:a="http://schemas.openxmlformats.org/drawingml/2006/main" xmlns:r="http://schemas.openxmlformats.org/officeDocument/2006/relationships" xmlns:p="http://schemas.openxmlformats.org/presentationml/2006/main">
   <p:cSld>
@@ -3863,13 +7802,1702 @@
           <a:lstStyle/>
           <a:p>
             <a:r>
-              <a:rPr lang="de-CH" dirty="0" smtClean="0"/>
-              <a:t>rh</a:t>
-            </a:r>
-            <a:endParaRPr lang="de-CH" dirty="0"/>
+              <a:rPr lang="de-CH" sz="2400" dirty="0" smtClean="0"/>
+              <a:t>Meilensteine</a:t>
+            </a:r>
+            <a:endParaRPr lang="de-CH" sz="2400" dirty="0"/>
+          </a:p>
+          <a:p>
+            <a:pPr lvl="1"/>
+            <a:r>
+              <a:rPr lang="de-CH" sz="2400" dirty="0" smtClean="0"/>
+              <a:t>30.09.2014 </a:t>
+            </a:r>
+            <a:r>
+              <a:rPr lang="de-CH" sz="2400" dirty="0"/>
+              <a:t>	</a:t>
+            </a:r>
+            <a:r>
+              <a:rPr lang="de-CH" sz="2400" dirty="0" smtClean="0"/>
+              <a:t>M1 Präsentation </a:t>
+            </a:r>
+            <a:r>
+              <a:rPr lang="de-CH" sz="2400" dirty="0"/>
+              <a:t>Projektskizze 	</a:t>
+            </a:r>
+          </a:p>
+          <a:p>
+            <a:pPr lvl="1"/>
+            <a:r>
+              <a:rPr lang="de-CH" sz="2400" dirty="0"/>
+              <a:t>21.10.2014 	</a:t>
+            </a:r>
+            <a:r>
+              <a:rPr lang="de-CH" sz="2400" dirty="0" smtClean="0"/>
+              <a:t>M2 Präsentation </a:t>
+            </a:r>
+            <a:r>
+              <a:rPr lang="de-CH" sz="2400" dirty="0"/>
+              <a:t>Anforderungen 	</a:t>
+            </a:r>
+          </a:p>
+          <a:p>
+            <a:pPr lvl="1"/>
+            <a:r>
+              <a:rPr lang="de-CH" sz="2400" dirty="0"/>
+              <a:t>18.11.2014 	</a:t>
+            </a:r>
+            <a:r>
+              <a:rPr lang="de-CH" sz="2400" dirty="0" smtClean="0"/>
+              <a:t>M3 Präsentationen </a:t>
+            </a:r>
+            <a:r>
+              <a:rPr lang="de-CH" sz="2400" dirty="0"/>
+              <a:t>Design 	</a:t>
+            </a:r>
+          </a:p>
+          <a:p>
+            <a:pPr lvl="1"/>
+            <a:r>
+              <a:rPr lang="de-CH" sz="2400" dirty="0"/>
+              <a:t>09.12.2014 	</a:t>
+            </a:r>
+            <a:r>
+              <a:rPr lang="de-CH" sz="2400" dirty="0" smtClean="0"/>
+              <a:t>M4 Schlusspräsentationen </a:t>
+            </a:r>
+            <a:r>
+              <a:rPr lang="de-CH" dirty="0"/>
+              <a:t>	</a:t>
+            </a:r>
+          </a:p>
+          <a:p>
+            <a:pPr lvl="1"/>
+            <a:endParaRPr lang="de-CH" dirty="0" smtClean="0"/>
           </a:p>
         </p:txBody>
       </p:sp>
+      <p:graphicFrame>
+        <p:nvGraphicFramePr>
+          <p:cNvPr id="3" name="Table 2"/>
+          <p:cNvGraphicFramePr>
+            <a:graphicFrameLocks noGrp="1"/>
+          </p:cNvGraphicFramePr>
+          <p:nvPr>
+            <p:extLst>
+              <p:ext uri="{D42A27DB-BD31-4B8C-83A1-F6EECF244321}">
+                <p14:modId xmlns:p14="http://schemas.microsoft.com/office/powerpoint/2010/main" val="2737012913"/>
+              </p:ext>
+            </p:extLst>
+          </p:nvPr>
+        </p:nvGraphicFramePr>
+        <p:xfrm>
+          <a:off x="899593" y="3717032"/>
+          <a:ext cx="6192685" cy="1008111"/>
+        </p:xfrm>
+        <a:graphic>
+          <a:graphicData uri="http://schemas.openxmlformats.org/drawingml/2006/table">
+            <a:tbl>
+              <a:tblPr>
+                <a:tableStyleId>{0E3FDE45-AF77-4B5C-9715-49D594BDF05E}</a:tableStyleId>
+              </a:tblPr>
+              <a:tblGrid>
+                <a:gridCol w="1238537"/>
+                <a:gridCol w="1238537"/>
+                <a:gridCol w="1238537"/>
+                <a:gridCol w="1238537"/>
+                <a:gridCol w="1238537"/>
+              </a:tblGrid>
+              <a:tr h="336037">
+                <a:tc>
+                  <a:txBody>
+                    <a:bodyPr/>
+                    <a:lstStyle/>
+                    <a:p>
+                      <a:pPr algn="ctr" fontAlgn="b"/>
+                      <a:r>
+                        <a:rPr lang="de-CH" sz="2000" u="none" strike="noStrike" dirty="0">
+                          <a:effectLst/>
+                        </a:rPr>
+                        <a:t>23. Sep</a:t>
+                      </a:r>
+                      <a:endParaRPr lang="de-CH" sz="2000" b="0" i="0" u="none" strike="noStrike" dirty="0">
+                        <a:solidFill>
+                          <a:srgbClr val="000000"/>
+                        </a:solidFill>
+                        <a:effectLst/>
+                        <a:latin typeface="Calibri"/>
+                      </a:endParaRPr>
+                    </a:p>
+                  </a:txBody>
+                  <a:tcPr marL="9525" marR="9525" marT="9525" marB="0" anchor="b">
+                    <a:lnL>
+                      <a:noFill/>
+                    </a:lnL>
+                    <a:lnR>
+                      <a:noFill/>
+                    </a:lnR>
+                    <a:lnT w="12700" cap="flat" cmpd="sng" algn="ctr">
+                      <a:solidFill>
+                        <a:schemeClr val="tx2"/>
+                      </a:solidFill>
+                      <a:prstDash val="solid"/>
+                      <a:round/>
+                      <a:headEnd type="none" w="med" len="med"/>
+                      <a:tailEnd type="none" w="med" len="med"/>
+                    </a:lnT>
+                    <a:lnB w="12700" cap="flat" cmpd="sng" algn="ctr">
+                      <a:solidFill>
+                        <a:schemeClr val="tx2"/>
+                      </a:solidFill>
+                      <a:prstDash val="solid"/>
+                      <a:round/>
+                      <a:headEnd type="none" w="med" len="med"/>
+                      <a:tailEnd type="none" w="med" len="med"/>
+                    </a:lnB>
+                    <a:lnTlToBr w="12700" cmpd="sng">
+                      <a:noFill/>
+                      <a:prstDash val="solid"/>
+                    </a:lnTlToBr>
+                    <a:lnBlToTr w="12700" cmpd="sng">
+                      <a:noFill/>
+                      <a:prstDash val="solid"/>
+                    </a:lnBlToTr>
+                  </a:tcPr>
+                </a:tc>
+                <a:tc>
+                  <a:txBody>
+                    <a:bodyPr/>
+                    <a:lstStyle/>
+                    <a:p>
+                      <a:pPr algn="ctr" fontAlgn="b"/>
+                      <a:r>
+                        <a:rPr lang="de-CH" sz="2000" u="none" strike="noStrike" dirty="0">
+                          <a:effectLst/>
+                        </a:rPr>
+                        <a:t>30. Sep</a:t>
+                      </a:r>
+                      <a:endParaRPr lang="de-CH" sz="2000" b="1" i="0" u="none" strike="noStrike" dirty="0">
+                        <a:solidFill>
+                          <a:srgbClr val="000000"/>
+                        </a:solidFill>
+                        <a:effectLst/>
+                        <a:latin typeface="Calibri"/>
+                      </a:endParaRPr>
+                    </a:p>
+                  </a:txBody>
+                  <a:tcPr marL="9525" marR="9525" marT="9525" marB="0" anchor="b">
+                    <a:lnL>
+                      <a:noFill/>
+                    </a:lnL>
+                    <a:lnR w="28575" cap="flat" cmpd="sng" algn="ctr">
+                      <a:solidFill>
+                        <a:schemeClr val="tx2"/>
+                      </a:solidFill>
+                      <a:prstDash val="solid"/>
+                      <a:round/>
+                      <a:headEnd type="none" w="med" len="med"/>
+                      <a:tailEnd type="none" w="med" len="med"/>
+                    </a:lnR>
+                    <a:lnT w="12700" cap="flat" cmpd="sng" algn="ctr">
+                      <a:solidFill>
+                        <a:schemeClr val="tx2"/>
+                      </a:solidFill>
+                      <a:prstDash val="solid"/>
+                      <a:round/>
+                      <a:headEnd type="none" w="med" len="med"/>
+                      <a:tailEnd type="none" w="med" len="med"/>
+                    </a:lnT>
+                    <a:lnB w="12700" cap="flat" cmpd="sng" algn="ctr">
+                      <a:solidFill>
+                        <a:schemeClr val="tx2"/>
+                      </a:solidFill>
+                      <a:prstDash val="solid"/>
+                      <a:round/>
+                      <a:headEnd type="none" w="med" len="med"/>
+                      <a:tailEnd type="none" w="med" len="med"/>
+                    </a:lnB>
+                    <a:lnTlToBr w="12700" cmpd="sng">
+                      <a:noFill/>
+                      <a:prstDash val="solid"/>
+                    </a:lnTlToBr>
+                    <a:lnBlToTr w="12700" cmpd="sng">
+                      <a:noFill/>
+                      <a:prstDash val="solid"/>
+                    </a:lnBlToTr>
+                  </a:tcPr>
+                </a:tc>
+                <a:tc>
+                  <a:txBody>
+                    <a:bodyPr/>
+                    <a:lstStyle/>
+                    <a:p>
+                      <a:pPr algn="ctr" fontAlgn="b"/>
+                      <a:r>
+                        <a:rPr lang="de-CH" sz="2000" u="none" strike="noStrike" dirty="0">
+                          <a:effectLst/>
+                        </a:rPr>
+                        <a:t>07. Okt</a:t>
+                      </a:r>
+                      <a:endParaRPr lang="de-CH" sz="2000" b="0" i="0" u="none" strike="noStrike" dirty="0">
+                        <a:solidFill>
+                          <a:srgbClr val="000000"/>
+                        </a:solidFill>
+                        <a:effectLst/>
+                        <a:latin typeface="Calibri"/>
+                      </a:endParaRPr>
+                    </a:p>
+                  </a:txBody>
+                  <a:tcPr marL="9525" marR="9525" marT="9525" marB="0" anchor="b">
+                    <a:lnL w="28575" cap="flat" cmpd="sng" algn="ctr">
+                      <a:solidFill>
+                        <a:schemeClr val="tx2"/>
+                      </a:solidFill>
+                      <a:prstDash val="solid"/>
+                      <a:round/>
+                      <a:headEnd type="none" w="med" len="med"/>
+                      <a:tailEnd type="none" w="med" len="med"/>
+                    </a:lnL>
+                    <a:lnT w="12700" cap="flat" cmpd="sng" algn="ctr">
+                      <a:solidFill>
+                        <a:schemeClr val="tx2"/>
+                      </a:solidFill>
+                      <a:prstDash val="solid"/>
+                      <a:round/>
+                      <a:headEnd type="none" w="med" len="med"/>
+                      <a:tailEnd type="none" w="med" len="med"/>
+                    </a:lnT>
+                    <a:lnB w="12700" cap="flat" cmpd="sng" algn="ctr">
+                      <a:solidFill>
+                        <a:schemeClr val="tx2"/>
+                      </a:solidFill>
+                      <a:prstDash val="solid"/>
+                      <a:round/>
+                      <a:headEnd type="none" w="med" len="med"/>
+                      <a:tailEnd type="none" w="med" len="med"/>
+                    </a:lnB>
+                  </a:tcPr>
+                </a:tc>
+                <a:tc>
+                  <a:txBody>
+                    <a:bodyPr/>
+                    <a:lstStyle/>
+                    <a:p>
+                      <a:pPr algn="ctr" fontAlgn="b"/>
+                      <a:r>
+                        <a:rPr lang="de-CH" sz="2000" u="none" strike="noStrike">
+                          <a:effectLst/>
+                        </a:rPr>
+                        <a:t>14. Okt</a:t>
+                      </a:r>
+                      <a:endParaRPr lang="de-CH" sz="2000" b="0" i="0" u="none" strike="noStrike">
+                        <a:solidFill>
+                          <a:srgbClr val="000000"/>
+                        </a:solidFill>
+                        <a:effectLst/>
+                        <a:latin typeface="Calibri"/>
+                      </a:endParaRPr>
+                    </a:p>
+                  </a:txBody>
+                  <a:tcPr marL="9525" marR="9525" marT="9525" marB="0" anchor="b">
+                    <a:lnT w="12700" cap="flat" cmpd="sng" algn="ctr">
+                      <a:solidFill>
+                        <a:schemeClr val="tx2"/>
+                      </a:solidFill>
+                      <a:prstDash val="solid"/>
+                      <a:round/>
+                      <a:headEnd type="none" w="med" len="med"/>
+                      <a:tailEnd type="none" w="med" len="med"/>
+                    </a:lnT>
+                    <a:lnB w="12700" cap="flat" cmpd="sng" algn="ctr">
+                      <a:solidFill>
+                        <a:schemeClr val="tx2"/>
+                      </a:solidFill>
+                      <a:prstDash val="solid"/>
+                      <a:round/>
+                      <a:headEnd type="none" w="med" len="med"/>
+                      <a:tailEnd type="none" w="med" len="med"/>
+                    </a:lnB>
+                  </a:tcPr>
+                </a:tc>
+                <a:tc>
+                  <a:txBody>
+                    <a:bodyPr/>
+                    <a:lstStyle/>
+                    <a:p>
+                      <a:pPr algn="ctr" fontAlgn="b"/>
+                      <a:r>
+                        <a:rPr lang="de-CH" sz="2000" u="none" strike="noStrike" dirty="0">
+                          <a:effectLst/>
+                        </a:rPr>
+                        <a:t>21. Okt</a:t>
+                      </a:r>
+                      <a:endParaRPr lang="de-CH" sz="2000" b="1" i="0" u="none" strike="noStrike" dirty="0">
+                        <a:solidFill>
+                          <a:srgbClr val="000000"/>
+                        </a:solidFill>
+                        <a:effectLst/>
+                        <a:latin typeface="Calibri"/>
+                      </a:endParaRPr>
+                    </a:p>
+                  </a:txBody>
+                  <a:tcPr marL="9525" marR="9525" marT="9525" marB="0" anchor="b">
+                    <a:lnR w="28575" cap="flat" cmpd="sng" algn="ctr">
+                      <a:solidFill>
+                        <a:schemeClr val="tx2"/>
+                      </a:solidFill>
+                      <a:prstDash val="solid"/>
+                      <a:round/>
+                      <a:headEnd type="none" w="med" len="med"/>
+                      <a:tailEnd type="none" w="med" len="med"/>
+                    </a:lnR>
+                    <a:lnT w="12700" cap="flat" cmpd="sng" algn="ctr">
+                      <a:solidFill>
+                        <a:schemeClr val="tx2"/>
+                      </a:solidFill>
+                      <a:prstDash val="solid"/>
+                      <a:round/>
+                      <a:headEnd type="none" w="med" len="med"/>
+                      <a:tailEnd type="none" w="med" len="med"/>
+                    </a:lnT>
+                    <a:lnB w="12700" cap="flat" cmpd="sng" algn="ctr">
+                      <a:solidFill>
+                        <a:schemeClr val="tx2"/>
+                      </a:solidFill>
+                      <a:prstDash val="solid"/>
+                      <a:round/>
+                      <a:headEnd type="none" w="med" len="med"/>
+                      <a:tailEnd type="none" w="med" len="med"/>
+                    </a:lnB>
+                  </a:tcPr>
+                </a:tc>
+              </a:tr>
+              <a:tr h="336037">
+                <a:tc gridSpan="2">
+                  <a:txBody>
+                    <a:bodyPr/>
+                    <a:lstStyle/>
+                    <a:p>
+                      <a:pPr algn="ctr" fontAlgn="b"/>
+                      <a:r>
+                        <a:rPr lang="de-CH" sz="2000" u="none" strike="noStrike" dirty="0" smtClean="0">
+                          <a:effectLst/>
+                        </a:rPr>
+                        <a:t>I1</a:t>
+                      </a:r>
+                      <a:endParaRPr lang="de-CH" sz="2000" b="1" i="0" u="none" strike="noStrike" dirty="0">
+                        <a:solidFill>
+                          <a:srgbClr val="000000"/>
+                        </a:solidFill>
+                        <a:effectLst/>
+                        <a:latin typeface="Calibri"/>
+                      </a:endParaRPr>
+                    </a:p>
+                  </a:txBody>
+                  <a:tcPr marL="9525" marR="9525" marT="9525" marB="0" anchor="b">
+                    <a:lnL>
+                      <a:noFill/>
+                    </a:lnL>
+                    <a:lnR w="28575" cap="flat" cmpd="sng" algn="ctr">
+                      <a:solidFill>
+                        <a:schemeClr val="tx2"/>
+                      </a:solidFill>
+                      <a:prstDash val="solid"/>
+                      <a:round/>
+                      <a:headEnd type="none" w="med" len="med"/>
+                      <a:tailEnd type="none" w="med" len="med"/>
+                    </a:lnR>
+                    <a:lnT w="12700" cap="flat" cmpd="sng" algn="ctr">
+                      <a:solidFill>
+                        <a:schemeClr val="tx2"/>
+                      </a:solidFill>
+                      <a:prstDash val="solid"/>
+                      <a:round/>
+                      <a:headEnd type="none" w="med" len="med"/>
+                      <a:tailEnd type="none" w="med" len="med"/>
+                    </a:lnT>
+                    <a:lnB w="12700" cap="flat" cmpd="sng" algn="ctr">
+                      <a:solidFill>
+                        <a:schemeClr val="tx2"/>
+                      </a:solidFill>
+                      <a:prstDash val="solid"/>
+                      <a:round/>
+                      <a:headEnd type="none" w="med" len="med"/>
+                      <a:tailEnd type="none" w="med" len="med"/>
+                    </a:lnB>
+                    <a:lnTlToBr w="12700" cmpd="sng">
+                      <a:noFill/>
+                      <a:prstDash val="solid"/>
+                    </a:lnTlToBr>
+                    <a:lnBlToTr w="12700" cmpd="sng">
+                      <a:noFill/>
+                      <a:prstDash val="solid"/>
+                    </a:lnBlToTr>
+                    <a:noFill/>
+                  </a:tcPr>
+                </a:tc>
+                <a:tc hMerge="1">
+                  <a:txBody>
+                    <a:bodyPr/>
+                    <a:lstStyle/>
+                    <a:p>
+                      <a:endParaRPr lang="de-CH"/>
+                    </a:p>
+                  </a:txBody>
+                  <a:tcPr/>
+                </a:tc>
+                <a:tc gridSpan="3">
+                  <a:txBody>
+                    <a:bodyPr/>
+                    <a:lstStyle/>
+                    <a:p>
+                      <a:pPr algn="ctr" fontAlgn="b"/>
+                      <a:r>
+                        <a:rPr lang="de-CH" sz="2000" u="none" strike="noStrike" dirty="0" smtClean="0">
+                          <a:effectLst/>
+                        </a:rPr>
+                        <a:t>E1</a:t>
+                      </a:r>
+                      <a:endParaRPr lang="de-CH" sz="2000" b="1" i="0" u="none" strike="noStrike" dirty="0">
+                        <a:solidFill>
+                          <a:srgbClr val="000000"/>
+                        </a:solidFill>
+                        <a:effectLst/>
+                        <a:latin typeface="Calibri"/>
+                      </a:endParaRPr>
+                    </a:p>
+                  </a:txBody>
+                  <a:tcPr marL="9525" marR="9525" marT="9525" marB="0" anchor="b">
+                    <a:lnL w="28575" cap="flat" cmpd="sng" algn="ctr">
+                      <a:solidFill>
+                        <a:schemeClr val="tx2"/>
+                      </a:solidFill>
+                      <a:prstDash val="solid"/>
+                      <a:round/>
+                      <a:headEnd type="none" w="med" len="med"/>
+                      <a:tailEnd type="none" w="med" len="med"/>
+                    </a:lnL>
+                    <a:lnR w="28575" cap="flat" cmpd="sng" algn="ctr">
+                      <a:solidFill>
+                        <a:schemeClr val="tx2"/>
+                      </a:solidFill>
+                      <a:prstDash val="solid"/>
+                      <a:round/>
+                      <a:headEnd type="none" w="med" len="med"/>
+                      <a:tailEnd type="none" w="med" len="med"/>
+                    </a:lnR>
+                    <a:lnT w="12700" cap="flat" cmpd="sng" algn="ctr">
+                      <a:solidFill>
+                        <a:schemeClr val="tx2"/>
+                      </a:solidFill>
+                      <a:prstDash val="solid"/>
+                      <a:round/>
+                      <a:headEnd type="none" w="med" len="med"/>
+                      <a:tailEnd type="none" w="med" len="med"/>
+                    </a:lnT>
+                    <a:lnB w="12700" cap="flat" cmpd="sng" algn="ctr">
+                      <a:solidFill>
+                        <a:schemeClr val="tx2"/>
+                      </a:solidFill>
+                      <a:prstDash val="solid"/>
+                      <a:round/>
+                      <a:headEnd type="none" w="med" len="med"/>
+                      <a:tailEnd type="none" w="med" len="med"/>
+                    </a:lnB>
+                    <a:noFill/>
+                  </a:tcPr>
+                </a:tc>
+                <a:tc hMerge="1">
+                  <a:txBody>
+                    <a:bodyPr/>
+                    <a:lstStyle/>
+                    <a:p>
+                      <a:endParaRPr lang="de-CH"/>
+                    </a:p>
+                  </a:txBody>
+                  <a:tcPr/>
+                </a:tc>
+                <a:tc hMerge="1">
+                  <a:txBody>
+                    <a:bodyPr/>
+                    <a:lstStyle/>
+                    <a:p>
+                      <a:endParaRPr lang="de-CH"/>
+                    </a:p>
+                  </a:txBody>
+                  <a:tcPr/>
+                </a:tc>
+              </a:tr>
+              <a:tr h="336037">
+                <a:tc>
+                  <a:txBody>
+                    <a:bodyPr/>
+                    <a:lstStyle/>
+                    <a:p>
+                      <a:pPr algn="l" fontAlgn="b"/>
+                      <a:endParaRPr lang="de-CH" sz="2000" b="0" i="0" u="none" strike="noStrike">
+                        <a:solidFill>
+                          <a:srgbClr val="000000"/>
+                        </a:solidFill>
+                        <a:effectLst/>
+                        <a:latin typeface="Calibri"/>
+                      </a:endParaRPr>
+                    </a:p>
+                  </a:txBody>
+                  <a:tcPr marL="9525" marR="9525" marT="9525" marB="0" anchor="b">
+                    <a:lnL>
+                      <a:noFill/>
+                    </a:lnL>
+                    <a:lnR>
+                      <a:noFill/>
+                    </a:lnR>
+                    <a:lnT w="12700" cap="flat" cmpd="sng" algn="ctr">
+                      <a:solidFill>
+                        <a:schemeClr val="tx2"/>
+                      </a:solidFill>
+                      <a:prstDash val="solid"/>
+                      <a:round/>
+                      <a:headEnd type="none" w="med" len="med"/>
+                      <a:tailEnd type="none" w="med" len="med"/>
+                    </a:lnT>
+                    <a:lnB w="12700" cap="flat" cmpd="sng" algn="ctr">
+                      <a:solidFill>
+                        <a:schemeClr val="tx2"/>
+                      </a:solidFill>
+                      <a:prstDash val="solid"/>
+                      <a:round/>
+                      <a:headEnd type="none" w="med" len="med"/>
+                      <a:tailEnd type="none" w="med" len="med"/>
+                    </a:lnB>
+                    <a:lnTlToBr w="12700" cmpd="sng">
+                      <a:noFill/>
+                      <a:prstDash val="solid"/>
+                    </a:lnTlToBr>
+                    <a:lnBlToTr w="12700" cmpd="sng">
+                      <a:noFill/>
+                      <a:prstDash val="solid"/>
+                    </a:lnBlToTr>
+                  </a:tcPr>
+                </a:tc>
+                <a:tc>
+                  <a:txBody>
+                    <a:bodyPr/>
+                    <a:lstStyle/>
+                    <a:p>
+                      <a:pPr algn="r" fontAlgn="b"/>
+                      <a:r>
+                        <a:rPr lang="de-CH" sz="2000" b="1" u="none" strike="noStrike" dirty="0">
+                          <a:effectLst/>
+                        </a:rPr>
+                        <a:t>M1</a:t>
+                      </a:r>
+                      <a:endParaRPr lang="de-CH" sz="2000" b="1" i="0" u="none" strike="noStrike" dirty="0">
+                        <a:solidFill>
+                          <a:srgbClr val="000000"/>
+                        </a:solidFill>
+                        <a:effectLst/>
+                        <a:latin typeface="Calibri"/>
+                      </a:endParaRPr>
+                    </a:p>
+                  </a:txBody>
+                  <a:tcPr marL="9525" marR="9525" marT="9525" marB="0" anchor="b">
+                    <a:lnL>
+                      <a:noFill/>
+                    </a:lnL>
+                    <a:lnR w="28575" cap="flat" cmpd="sng" algn="ctr">
+                      <a:solidFill>
+                        <a:schemeClr val="tx2"/>
+                      </a:solidFill>
+                      <a:prstDash val="solid"/>
+                      <a:round/>
+                      <a:headEnd type="none" w="med" len="med"/>
+                      <a:tailEnd type="none" w="med" len="med"/>
+                    </a:lnR>
+                    <a:lnT w="12700" cap="flat" cmpd="sng" algn="ctr">
+                      <a:solidFill>
+                        <a:schemeClr val="tx2"/>
+                      </a:solidFill>
+                      <a:prstDash val="solid"/>
+                      <a:round/>
+                      <a:headEnd type="none" w="med" len="med"/>
+                      <a:tailEnd type="none" w="med" len="med"/>
+                    </a:lnT>
+                    <a:lnB w="12700" cap="flat" cmpd="sng" algn="ctr">
+                      <a:solidFill>
+                        <a:schemeClr val="tx2"/>
+                      </a:solidFill>
+                      <a:prstDash val="solid"/>
+                      <a:round/>
+                      <a:headEnd type="none" w="med" len="med"/>
+                      <a:tailEnd type="none" w="med" len="med"/>
+                    </a:lnB>
+                    <a:lnTlToBr w="12700" cmpd="sng">
+                      <a:noFill/>
+                      <a:prstDash val="solid"/>
+                    </a:lnTlToBr>
+                    <a:lnBlToTr w="12700" cmpd="sng">
+                      <a:noFill/>
+                      <a:prstDash val="solid"/>
+                    </a:lnBlToTr>
+                  </a:tcPr>
+                </a:tc>
+                <a:tc>
+                  <a:txBody>
+                    <a:bodyPr/>
+                    <a:lstStyle/>
+                    <a:p>
+                      <a:pPr algn="r" fontAlgn="b"/>
+                      <a:r>
+                        <a:rPr lang="de-CH" sz="2000" u="none" strike="noStrike" dirty="0">
+                          <a:effectLst/>
+                        </a:rPr>
+                        <a:t> </a:t>
+                      </a:r>
+                      <a:endParaRPr lang="de-CH" sz="2000" b="0" i="0" u="none" strike="noStrike" dirty="0">
+                        <a:solidFill>
+                          <a:srgbClr val="000000"/>
+                        </a:solidFill>
+                        <a:effectLst/>
+                        <a:latin typeface="Calibri"/>
+                      </a:endParaRPr>
+                    </a:p>
+                  </a:txBody>
+                  <a:tcPr marL="9525" marR="9525" marT="9525" marB="0" anchor="b">
+                    <a:lnL w="28575" cap="flat" cmpd="sng" algn="ctr">
+                      <a:solidFill>
+                        <a:schemeClr val="tx2"/>
+                      </a:solidFill>
+                      <a:prstDash val="solid"/>
+                      <a:round/>
+                      <a:headEnd type="none" w="med" len="med"/>
+                      <a:tailEnd type="none" w="med" len="med"/>
+                    </a:lnL>
+                    <a:lnT w="12700" cap="flat" cmpd="sng" algn="ctr">
+                      <a:solidFill>
+                        <a:schemeClr val="tx2"/>
+                      </a:solidFill>
+                      <a:prstDash val="solid"/>
+                      <a:round/>
+                      <a:headEnd type="none" w="med" len="med"/>
+                      <a:tailEnd type="none" w="med" len="med"/>
+                    </a:lnT>
+                    <a:lnB w="12700" cap="flat" cmpd="sng" algn="ctr">
+                      <a:solidFill>
+                        <a:schemeClr val="tx2"/>
+                      </a:solidFill>
+                      <a:prstDash val="solid"/>
+                      <a:round/>
+                      <a:headEnd type="none" w="med" len="med"/>
+                      <a:tailEnd type="none" w="med" len="med"/>
+                    </a:lnB>
+                  </a:tcPr>
+                </a:tc>
+                <a:tc>
+                  <a:txBody>
+                    <a:bodyPr/>
+                    <a:lstStyle/>
+                    <a:p>
+                      <a:pPr algn="r" fontAlgn="b"/>
+                      <a:endParaRPr lang="de-CH" sz="2000" b="0" i="0" u="none" strike="noStrike" dirty="0">
+                        <a:solidFill>
+                          <a:srgbClr val="000000"/>
+                        </a:solidFill>
+                        <a:effectLst/>
+                        <a:latin typeface="Calibri"/>
+                      </a:endParaRPr>
+                    </a:p>
+                  </a:txBody>
+                  <a:tcPr marL="9525" marR="9525" marT="9525" marB="0" anchor="b">
+                    <a:lnT w="12700" cap="flat" cmpd="sng" algn="ctr">
+                      <a:solidFill>
+                        <a:schemeClr val="tx2"/>
+                      </a:solidFill>
+                      <a:prstDash val="solid"/>
+                      <a:round/>
+                      <a:headEnd type="none" w="med" len="med"/>
+                      <a:tailEnd type="none" w="med" len="med"/>
+                    </a:lnT>
+                    <a:lnB w="12700" cap="flat" cmpd="sng" algn="ctr">
+                      <a:solidFill>
+                        <a:schemeClr val="tx2"/>
+                      </a:solidFill>
+                      <a:prstDash val="solid"/>
+                      <a:round/>
+                      <a:headEnd type="none" w="med" len="med"/>
+                      <a:tailEnd type="none" w="med" len="med"/>
+                    </a:lnB>
+                  </a:tcPr>
+                </a:tc>
+                <a:tc>
+                  <a:txBody>
+                    <a:bodyPr/>
+                    <a:lstStyle/>
+                    <a:p>
+                      <a:pPr algn="r" fontAlgn="b"/>
+                      <a:r>
+                        <a:rPr lang="de-CH" sz="2000" b="1" u="none" strike="noStrike" dirty="0">
+                          <a:effectLst/>
+                        </a:rPr>
+                        <a:t>M2</a:t>
+                      </a:r>
+                      <a:endParaRPr lang="de-CH" sz="2000" b="1" i="0" u="none" strike="noStrike" dirty="0">
+                        <a:solidFill>
+                          <a:srgbClr val="000000"/>
+                        </a:solidFill>
+                        <a:effectLst/>
+                        <a:latin typeface="Calibri"/>
+                      </a:endParaRPr>
+                    </a:p>
+                  </a:txBody>
+                  <a:tcPr marL="9525" marR="9525" marT="9525" marB="0" anchor="b">
+                    <a:lnR w="28575" cap="flat" cmpd="sng" algn="ctr">
+                      <a:solidFill>
+                        <a:schemeClr val="tx2"/>
+                      </a:solidFill>
+                      <a:prstDash val="solid"/>
+                      <a:round/>
+                      <a:headEnd type="none" w="med" len="med"/>
+                      <a:tailEnd type="none" w="med" len="med"/>
+                    </a:lnR>
+                    <a:lnT w="12700" cap="flat" cmpd="sng" algn="ctr">
+                      <a:solidFill>
+                        <a:schemeClr val="tx2"/>
+                      </a:solidFill>
+                      <a:prstDash val="solid"/>
+                      <a:round/>
+                      <a:headEnd type="none" w="med" len="med"/>
+                      <a:tailEnd type="none" w="med" len="med"/>
+                    </a:lnT>
+                    <a:lnB w="12700" cap="flat" cmpd="sng" algn="ctr">
+                      <a:solidFill>
+                        <a:schemeClr val="tx2"/>
+                      </a:solidFill>
+                      <a:prstDash val="solid"/>
+                      <a:round/>
+                      <a:headEnd type="none" w="med" len="med"/>
+                      <a:tailEnd type="none" w="med" len="med"/>
+                    </a:lnB>
+                  </a:tcPr>
+                </a:tc>
+              </a:tr>
+            </a:tbl>
+          </a:graphicData>
+        </a:graphic>
+      </p:graphicFrame>
+      <p:graphicFrame>
+        <p:nvGraphicFramePr>
+          <p:cNvPr id="5" name="Table 4"/>
+          <p:cNvGraphicFramePr>
+            <a:graphicFrameLocks noGrp="1"/>
+          </p:cNvGraphicFramePr>
+          <p:nvPr>
+            <p:extLst>
+              <p:ext uri="{D42A27DB-BD31-4B8C-83A1-F6EECF244321}">
+                <p14:modId xmlns:p14="http://schemas.microsoft.com/office/powerpoint/2010/main" val="3784461851"/>
+              </p:ext>
+            </p:extLst>
+          </p:nvPr>
+        </p:nvGraphicFramePr>
+        <p:xfrm>
+          <a:off x="899592" y="5013176"/>
+          <a:ext cx="6912766" cy="1152129"/>
+        </p:xfrm>
+        <a:graphic>
+          <a:graphicData uri="http://schemas.openxmlformats.org/drawingml/2006/table">
+            <a:tbl>
+              <a:tblPr>
+                <a:tableStyleId>{0E3FDE45-AF77-4B5C-9715-49D594BDF05E}</a:tableStyleId>
+              </a:tblPr>
+              <a:tblGrid>
+                <a:gridCol w="987538"/>
+                <a:gridCol w="987538"/>
+                <a:gridCol w="987538"/>
+                <a:gridCol w="987538"/>
+                <a:gridCol w="987538"/>
+                <a:gridCol w="987538"/>
+                <a:gridCol w="987538"/>
+              </a:tblGrid>
+              <a:tr h="384043">
+                <a:tc>
+                  <a:txBody>
+                    <a:bodyPr/>
+                    <a:lstStyle/>
+                    <a:p>
+                      <a:pPr algn="ctr" fontAlgn="b"/>
+                      <a:r>
+                        <a:rPr lang="de-CH" sz="2000" u="none" strike="noStrike" dirty="0" smtClean="0">
+                          <a:effectLst/>
+                        </a:rPr>
+                        <a:t>28. Okt</a:t>
+                      </a:r>
+                      <a:endParaRPr lang="de-CH" sz="2000" b="0" i="0" u="none" strike="noStrike" dirty="0">
+                        <a:solidFill>
+                          <a:srgbClr val="000000"/>
+                        </a:solidFill>
+                        <a:effectLst/>
+                        <a:latin typeface="Calibri"/>
+                      </a:endParaRPr>
+                    </a:p>
+                  </a:txBody>
+                  <a:tcPr marL="9525" marR="9525" marT="9525" marB="0" anchor="b">
+                    <a:lnT w="12700" cap="flat" cmpd="sng" algn="ctr">
+                      <a:solidFill>
+                        <a:schemeClr val="tx2"/>
+                      </a:solidFill>
+                      <a:prstDash val="solid"/>
+                      <a:round/>
+                      <a:headEnd type="none" w="med" len="med"/>
+                      <a:tailEnd type="none" w="med" len="med"/>
+                    </a:lnT>
+                    <a:lnB w="12700" cap="flat" cmpd="sng" algn="ctr">
+                      <a:solidFill>
+                        <a:schemeClr val="tx2"/>
+                      </a:solidFill>
+                      <a:prstDash val="solid"/>
+                      <a:round/>
+                      <a:headEnd type="none" w="med" len="med"/>
+                      <a:tailEnd type="none" w="med" len="med"/>
+                    </a:lnB>
+                  </a:tcPr>
+                </a:tc>
+                <a:tc>
+                  <a:txBody>
+                    <a:bodyPr/>
+                    <a:lstStyle/>
+                    <a:p>
+                      <a:pPr algn="ctr" fontAlgn="b"/>
+                      <a:r>
+                        <a:rPr lang="de-CH" sz="2000" u="none" strike="noStrike" dirty="0">
+                          <a:effectLst/>
+                        </a:rPr>
+                        <a:t>04. Nov</a:t>
+                      </a:r>
+                      <a:endParaRPr lang="de-CH" sz="2000" b="0" i="0" u="none" strike="noStrike" dirty="0">
+                        <a:solidFill>
+                          <a:srgbClr val="000000"/>
+                        </a:solidFill>
+                        <a:effectLst/>
+                        <a:latin typeface="Calibri"/>
+                      </a:endParaRPr>
+                    </a:p>
+                  </a:txBody>
+                  <a:tcPr marL="9525" marR="9525" marT="9525" marB="0" anchor="b">
+                    <a:lnR w="12700" cap="flat" cmpd="sng" algn="ctr">
+                      <a:solidFill>
+                        <a:schemeClr val="tx2"/>
+                      </a:solidFill>
+                      <a:prstDash val="solid"/>
+                      <a:round/>
+                      <a:headEnd type="none" w="med" len="med"/>
+                      <a:tailEnd type="none" w="med" len="med"/>
+                    </a:lnR>
+                    <a:lnT w="12700" cap="flat" cmpd="sng" algn="ctr">
+                      <a:solidFill>
+                        <a:schemeClr val="tx2"/>
+                      </a:solidFill>
+                      <a:prstDash val="solid"/>
+                      <a:round/>
+                      <a:headEnd type="none" w="med" len="med"/>
+                      <a:tailEnd type="none" w="med" len="med"/>
+                    </a:lnT>
+                    <a:lnB w="12700" cap="flat" cmpd="sng" algn="ctr">
+                      <a:solidFill>
+                        <a:schemeClr val="tx2"/>
+                      </a:solidFill>
+                      <a:prstDash val="solid"/>
+                      <a:round/>
+                      <a:headEnd type="none" w="med" len="med"/>
+                      <a:tailEnd type="none" w="med" len="med"/>
+                    </a:lnB>
+                  </a:tcPr>
+                </a:tc>
+                <a:tc>
+                  <a:txBody>
+                    <a:bodyPr/>
+                    <a:lstStyle/>
+                    <a:p>
+                      <a:pPr algn="ctr" fontAlgn="b"/>
+                      <a:r>
+                        <a:rPr lang="de-CH" sz="2000" u="none" strike="noStrike" dirty="0">
+                          <a:effectLst/>
+                        </a:rPr>
+                        <a:t>11. Nov</a:t>
+                      </a:r>
+                      <a:endParaRPr lang="de-CH" sz="2000" b="0" i="0" u="none" strike="noStrike" dirty="0">
+                        <a:solidFill>
+                          <a:srgbClr val="000000"/>
+                        </a:solidFill>
+                        <a:effectLst/>
+                        <a:latin typeface="Calibri"/>
+                      </a:endParaRPr>
+                    </a:p>
+                  </a:txBody>
+                  <a:tcPr marL="9525" marR="9525" marT="9525" marB="0" anchor="b">
+                    <a:lnL w="12700" cap="flat" cmpd="sng" algn="ctr">
+                      <a:solidFill>
+                        <a:schemeClr val="tx2"/>
+                      </a:solidFill>
+                      <a:prstDash val="solid"/>
+                      <a:round/>
+                      <a:headEnd type="none" w="med" len="med"/>
+                      <a:tailEnd type="none" w="med" len="med"/>
+                    </a:lnL>
+                    <a:lnT w="12700" cap="flat" cmpd="sng" algn="ctr">
+                      <a:solidFill>
+                        <a:schemeClr val="tx2"/>
+                      </a:solidFill>
+                      <a:prstDash val="solid"/>
+                      <a:round/>
+                      <a:headEnd type="none" w="med" len="med"/>
+                      <a:tailEnd type="none" w="med" len="med"/>
+                    </a:lnT>
+                    <a:lnB w="12700" cap="flat" cmpd="sng" algn="ctr">
+                      <a:solidFill>
+                        <a:schemeClr val="tx2"/>
+                      </a:solidFill>
+                      <a:prstDash val="solid"/>
+                      <a:round/>
+                      <a:headEnd type="none" w="med" len="med"/>
+                      <a:tailEnd type="none" w="med" len="med"/>
+                    </a:lnB>
+                  </a:tcPr>
+                </a:tc>
+                <a:tc>
+                  <a:txBody>
+                    <a:bodyPr/>
+                    <a:lstStyle/>
+                    <a:p>
+                      <a:pPr algn="ctr" fontAlgn="b"/>
+                      <a:r>
+                        <a:rPr lang="de-CH" sz="2000" u="none" strike="noStrike" dirty="0">
+                          <a:effectLst/>
+                        </a:rPr>
+                        <a:t>18. Nov</a:t>
+                      </a:r>
+                      <a:endParaRPr lang="de-CH" sz="2000" b="1" i="0" u="none" strike="noStrike" dirty="0">
+                        <a:solidFill>
+                          <a:srgbClr val="000000"/>
+                        </a:solidFill>
+                        <a:effectLst/>
+                        <a:latin typeface="Calibri"/>
+                      </a:endParaRPr>
+                    </a:p>
+                  </a:txBody>
+                  <a:tcPr marL="9525" marR="9525" marT="9525" marB="0" anchor="b">
+                    <a:lnR w="28575" cap="flat" cmpd="sng" algn="ctr">
+                      <a:solidFill>
+                        <a:schemeClr val="tx2"/>
+                      </a:solidFill>
+                      <a:prstDash val="solid"/>
+                      <a:round/>
+                      <a:headEnd type="none" w="med" len="med"/>
+                      <a:tailEnd type="none" w="med" len="med"/>
+                    </a:lnR>
+                    <a:lnT w="12700" cap="flat" cmpd="sng" algn="ctr">
+                      <a:solidFill>
+                        <a:schemeClr val="tx2"/>
+                      </a:solidFill>
+                      <a:prstDash val="solid"/>
+                      <a:round/>
+                      <a:headEnd type="none" w="med" len="med"/>
+                      <a:tailEnd type="none" w="med" len="med"/>
+                    </a:lnT>
+                    <a:lnB w="12700" cap="flat" cmpd="sng" algn="ctr">
+                      <a:solidFill>
+                        <a:schemeClr val="tx2"/>
+                      </a:solidFill>
+                      <a:prstDash val="solid"/>
+                      <a:round/>
+                      <a:headEnd type="none" w="med" len="med"/>
+                      <a:tailEnd type="none" w="med" len="med"/>
+                    </a:lnB>
+                  </a:tcPr>
+                </a:tc>
+                <a:tc>
+                  <a:txBody>
+                    <a:bodyPr/>
+                    <a:lstStyle/>
+                    <a:p>
+                      <a:pPr algn="ctr" fontAlgn="b"/>
+                      <a:r>
+                        <a:rPr lang="de-CH" sz="2000" u="none" strike="noStrike" dirty="0">
+                          <a:effectLst/>
+                        </a:rPr>
+                        <a:t>25. Nov</a:t>
+                      </a:r>
+                      <a:endParaRPr lang="de-CH" sz="2000" b="0" i="0" u="none" strike="noStrike" dirty="0">
+                        <a:solidFill>
+                          <a:srgbClr val="000000"/>
+                        </a:solidFill>
+                        <a:effectLst/>
+                        <a:latin typeface="Calibri"/>
+                      </a:endParaRPr>
+                    </a:p>
+                  </a:txBody>
+                  <a:tcPr marL="9525" marR="9525" marT="9525" marB="0" anchor="b">
+                    <a:lnL w="28575" cap="flat" cmpd="sng" algn="ctr">
+                      <a:solidFill>
+                        <a:schemeClr val="tx2"/>
+                      </a:solidFill>
+                      <a:prstDash val="solid"/>
+                      <a:round/>
+                      <a:headEnd type="none" w="med" len="med"/>
+                      <a:tailEnd type="none" w="med" len="med"/>
+                    </a:lnL>
+                    <a:lnT w="12700" cap="flat" cmpd="sng" algn="ctr">
+                      <a:solidFill>
+                        <a:schemeClr val="tx2"/>
+                      </a:solidFill>
+                      <a:prstDash val="solid"/>
+                      <a:round/>
+                      <a:headEnd type="none" w="med" len="med"/>
+                      <a:tailEnd type="none" w="med" len="med"/>
+                    </a:lnT>
+                    <a:lnB w="12700" cap="flat" cmpd="sng" algn="ctr">
+                      <a:solidFill>
+                        <a:schemeClr val="tx2"/>
+                      </a:solidFill>
+                      <a:prstDash val="solid"/>
+                      <a:round/>
+                      <a:headEnd type="none" w="med" len="med"/>
+                      <a:tailEnd type="none" w="med" len="med"/>
+                    </a:lnB>
+                  </a:tcPr>
+                </a:tc>
+                <a:tc>
+                  <a:txBody>
+                    <a:bodyPr/>
+                    <a:lstStyle/>
+                    <a:p>
+                      <a:pPr algn="ctr" fontAlgn="b"/>
+                      <a:r>
+                        <a:rPr lang="de-CH" sz="2000" u="none" strike="noStrike">
+                          <a:effectLst/>
+                        </a:rPr>
+                        <a:t>02. Dez</a:t>
+                      </a:r>
+                      <a:endParaRPr lang="de-CH" sz="2000" b="0" i="0" u="none" strike="noStrike">
+                        <a:solidFill>
+                          <a:srgbClr val="000000"/>
+                        </a:solidFill>
+                        <a:effectLst/>
+                        <a:latin typeface="Calibri"/>
+                      </a:endParaRPr>
+                    </a:p>
+                  </a:txBody>
+                  <a:tcPr marL="9525" marR="9525" marT="9525" marB="0" anchor="b">
+                    <a:lnT w="12700" cap="flat" cmpd="sng" algn="ctr">
+                      <a:solidFill>
+                        <a:schemeClr val="tx2"/>
+                      </a:solidFill>
+                      <a:prstDash val="solid"/>
+                      <a:round/>
+                      <a:headEnd type="none" w="med" len="med"/>
+                      <a:tailEnd type="none" w="med" len="med"/>
+                    </a:lnT>
+                    <a:lnB w="12700" cap="flat" cmpd="sng" algn="ctr">
+                      <a:solidFill>
+                        <a:schemeClr val="tx2"/>
+                      </a:solidFill>
+                      <a:prstDash val="solid"/>
+                      <a:round/>
+                      <a:headEnd type="none" w="med" len="med"/>
+                      <a:tailEnd type="none" w="med" len="med"/>
+                    </a:lnB>
+                  </a:tcPr>
+                </a:tc>
+                <a:tc>
+                  <a:txBody>
+                    <a:bodyPr/>
+                    <a:lstStyle/>
+                    <a:p>
+                      <a:pPr algn="ctr" fontAlgn="b"/>
+                      <a:r>
+                        <a:rPr lang="de-CH" sz="2000" u="none" strike="noStrike">
+                          <a:effectLst/>
+                        </a:rPr>
+                        <a:t>09. Dez</a:t>
+                      </a:r>
+                      <a:endParaRPr lang="de-CH" sz="2000" b="1" i="0" u="none" strike="noStrike">
+                        <a:solidFill>
+                          <a:srgbClr val="000000"/>
+                        </a:solidFill>
+                        <a:effectLst/>
+                        <a:latin typeface="Calibri"/>
+                      </a:endParaRPr>
+                    </a:p>
+                  </a:txBody>
+                  <a:tcPr marL="9525" marR="9525" marT="9525" marB="0" anchor="b">
+                    <a:lnR w="28575" cap="flat" cmpd="sng" algn="ctr">
+                      <a:solidFill>
+                        <a:schemeClr val="tx2"/>
+                      </a:solidFill>
+                      <a:prstDash val="solid"/>
+                      <a:round/>
+                      <a:headEnd type="none" w="med" len="med"/>
+                      <a:tailEnd type="none" w="med" len="med"/>
+                    </a:lnR>
+                    <a:lnT w="12700" cap="flat" cmpd="sng" algn="ctr">
+                      <a:solidFill>
+                        <a:schemeClr val="tx2"/>
+                      </a:solidFill>
+                      <a:prstDash val="solid"/>
+                      <a:round/>
+                      <a:headEnd type="none" w="med" len="med"/>
+                      <a:tailEnd type="none" w="med" len="med"/>
+                    </a:lnT>
+                    <a:lnB w="12700" cap="flat" cmpd="sng" algn="ctr">
+                      <a:solidFill>
+                        <a:schemeClr val="tx2"/>
+                      </a:solidFill>
+                      <a:prstDash val="solid"/>
+                      <a:round/>
+                      <a:headEnd type="none" w="med" len="med"/>
+                      <a:tailEnd type="none" w="med" len="med"/>
+                    </a:lnB>
+                  </a:tcPr>
+                </a:tc>
+              </a:tr>
+              <a:tr h="384043">
+                <a:tc gridSpan="2">
+                  <a:txBody>
+                    <a:bodyPr/>
+                    <a:lstStyle/>
+                    <a:p>
+                      <a:pPr algn="ctr" fontAlgn="b"/>
+                      <a:r>
+                        <a:rPr lang="de-CH" sz="2000" u="none" strike="noStrike" dirty="0" smtClean="0">
+                          <a:effectLst/>
+                        </a:rPr>
+                        <a:t>C1</a:t>
+                      </a:r>
+                      <a:endParaRPr lang="de-CH" sz="2000" b="1" i="0" u="none" strike="noStrike" dirty="0">
+                        <a:solidFill>
+                          <a:srgbClr val="000000"/>
+                        </a:solidFill>
+                        <a:effectLst/>
+                        <a:latin typeface="Calibri"/>
+                      </a:endParaRPr>
+                    </a:p>
+                  </a:txBody>
+                  <a:tcPr marL="9525" marR="9525" marT="9525" marB="0" anchor="b">
+                    <a:lnR w="12700" cap="flat" cmpd="sng" algn="ctr">
+                      <a:solidFill>
+                        <a:schemeClr val="tx2"/>
+                      </a:solidFill>
+                      <a:prstDash val="solid"/>
+                      <a:round/>
+                      <a:headEnd type="none" w="med" len="med"/>
+                      <a:tailEnd type="none" w="med" len="med"/>
+                    </a:lnR>
+                    <a:lnT w="12700" cap="flat" cmpd="sng" algn="ctr">
+                      <a:solidFill>
+                        <a:schemeClr val="tx2"/>
+                      </a:solidFill>
+                      <a:prstDash val="solid"/>
+                      <a:round/>
+                      <a:headEnd type="none" w="med" len="med"/>
+                      <a:tailEnd type="none" w="med" len="med"/>
+                    </a:lnT>
+                    <a:lnB w="12700" cap="flat" cmpd="sng" algn="ctr">
+                      <a:solidFill>
+                        <a:schemeClr val="tx2"/>
+                      </a:solidFill>
+                      <a:prstDash val="solid"/>
+                      <a:round/>
+                      <a:headEnd type="none" w="med" len="med"/>
+                      <a:tailEnd type="none" w="med" len="med"/>
+                    </a:lnB>
+                  </a:tcPr>
+                </a:tc>
+                <a:tc hMerge="1">
+                  <a:txBody>
+                    <a:bodyPr/>
+                    <a:lstStyle/>
+                    <a:p>
+                      <a:endParaRPr lang="de-CH"/>
+                    </a:p>
+                  </a:txBody>
+                  <a:tcPr/>
+                </a:tc>
+                <a:tc gridSpan="2">
+                  <a:txBody>
+                    <a:bodyPr/>
+                    <a:lstStyle/>
+                    <a:p>
+                      <a:pPr algn="ctr" fontAlgn="b"/>
+                      <a:r>
+                        <a:rPr lang="de-CH" sz="2000" u="none" strike="noStrike" dirty="0" smtClean="0">
+                          <a:effectLst/>
+                        </a:rPr>
+                        <a:t>C2</a:t>
+                      </a:r>
+                      <a:endParaRPr lang="de-CH" sz="2000" b="1" i="0" u="none" strike="noStrike" dirty="0">
+                        <a:solidFill>
+                          <a:srgbClr val="000000"/>
+                        </a:solidFill>
+                        <a:effectLst/>
+                        <a:latin typeface="Calibri"/>
+                      </a:endParaRPr>
+                    </a:p>
+                  </a:txBody>
+                  <a:tcPr marL="9525" marR="9525" marT="9525" marB="0" anchor="b">
+                    <a:lnL w="12700" cap="flat" cmpd="sng" algn="ctr">
+                      <a:solidFill>
+                        <a:schemeClr val="tx2"/>
+                      </a:solidFill>
+                      <a:prstDash val="solid"/>
+                      <a:round/>
+                      <a:headEnd type="none" w="med" len="med"/>
+                      <a:tailEnd type="none" w="med" len="med"/>
+                    </a:lnL>
+                    <a:lnR w="28575" cap="flat" cmpd="sng" algn="ctr">
+                      <a:solidFill>
+                        <a:schemeClr val="tx2"/>
+                      </a:solidFill>
+                      <a:prstDash val="solid"/>
+                      <a:round/>
+                      <a:headEnd type="none" w="med" len="med"/>
+                      <a:tailEnd type="none" w="med" len="med"/>
+                    </a:lnR>
+                    <a:lnT w="12700" cap="flat" cmpd="sng" algn="ctr">
+                      <a:solidFill>
+                        <a:schemeClr val="tx2"/>
+                      </a:solidFill>
+                      <a:prstDash val="solid"/>
+                      <a:round/>
+                      <a:headEnd type="none" w="med" len="med"/>
+                      <a:tailEnd type="none" w="med" len="med"/>
+                    </a:lnT>
+                    <a:lnB w="12700" cap="flat" cmpd="sng" algn="ctr">
+                      <a:solidFill>
+                        <a:schemeClr val="tx2"/>
+                      </a:solidFill>
+                      <a:prstDash val="solid"/>
+                      <a:round/>
+                      <a:headEnd type="none" w="med" len="med"/>
+                      <a:tailEnd type="none" w="med" len="med"/>
+                    </a:lnB>
+                  </a:tcPr>
+                </a:tc>
+                <a:tc hMerge="1">
+                  <a:txBody>
+                    <a:bodyPr/>
+                    <a:lstStyle/>
+                    <a:p>
+                      <a:endParaRPr lang="de-CH"/>
+                    </a:p>
+                  </a:txBody>
+                  <a:tcPr/>
+                </a:tc>
+                <a:tc gridSpan="3">
+                  <a:txBody>
+                    <a:bodyPr/>
+                    <a:lstStyle/>
+                    <a:p>
+                      <a:pPr algn="ctr" fontAlgn="b"/>
+                      <a:r>
+                        <a:rPr lang="de-CH" sz="2000" u="none" strike="noStrike" dirty="0" smtClean="0">
+                          <a:effectLst/>
+                        </a:rPr>
+                        <a:t>T1</a:t>
+                      </a:r>
+                      <a:endParaRPr lang="de-CH" sz="2000" b="1" i="0" u="none" strike="noStrike" dirty="0">
+                        <a:solidFill>
+                          <a:srgbClr val="000000"/>
+                        </a:solidFill>
+                        <a:effectLst/>
+                        <a:latin typeface="Calibri"/>
+                      </a:endParaRPr>
+                    </a:p>
+                  </a:txBody>
+                  <a:tcPr marL="9525" marR="9525" marT="9525" marB="0" anchor="b">
+                    <a:lnL w="28575" cap="flat" cmpd="sng" algn="ctr">
+                      <a:solidFill>
+                        <a:schemeClr val="tx2"/>
+                      </a:solidFill>
+                      <a:prstDash val="solid"/>
+                      <a:round/>
+                      <a:headEnd type="none" w="med" len="med"/>
+                      <a:tailEnd type="none" w="med" len="med"/>
+                    </a:lnL>
+                    <a:lnR w="28575" cap="flat" cmpd="sng" algn="ctr">
+                      <a:solidFill>
+                        <a:schemeClr val="tx2"/>
+                      </a:solidFill>
+                      <a:prstDash val="solid"/>
+                      <a:round/>
+                      <a:headEnd type="none" w="med" len="med"/>
+                      <a:tailEnd type="none" w="med" len="med"/>
+                    </a:lnR>
+                    <a:lnT w="12700" cap="flat" cmpd="sng" algn="ctr">
+                      <a:solidFill>
+                        <a:schemeClr val="tx2"/>
+                      </a:solidFill>
+                      <a:prstDash val="solid"/>
+                      <a:round/>
+                      <a:headEnd type="none" w="med" len="med"/>
+                      <a:tailEnd type="none" w="med" len="med"/>
+                    </a:lnT>
+                    <a:lnB w="12700" cap="flat" cmpd="sng" algn="ctr">
+                      <a:solidFill>
+                        <a:schemeClr val="tx2"/>
+                      </a:solidFill>
+                      <a:prstDash val="solid"/>
+                      <a:round/>
+                      <a:headEnd type="none" w="med" len="med"/>
+                      <a:tailEnd type="none" w="med" len="med"/>
+                    </a:lnB>
+                  </a:tcPr>
+                </a:tc>
+                <a:tc hMerge="1">
+                  <a:txBody>
+                    <a:bodyPr/>
+                    <a:lstStyle/>
+                    <a:p>
+                      <a:endParaRPr lang="de-CH"/>
+                    </a:p>
+                  </a:txBody>
+                  <a:tcPr/>
+                </a:tc>
+                <a:tc hMerge="1">
+                  <a:txBody>
+                    <a:bodyPr/>
+                    <a:lstStyle/>
+                    <a:p>
+                      <a:endParaRPr lang="de-CH"/>
+                    </a:p>
+                  </a:txBody>
+                  <a:tcPr/>
+                </a:tc>
+              </a:tr>
+              <a:tr h="384043">
+                <a:tc>
+                  <a:txBody>
+                    <a:bodyPr/>
+                    <a:lstStyle/>
+                    <a:p>
+                      <a:pPr algn="r" fontAlgn="b"/>
+                      <a:r>
+                        <a:rPr lang="de-CH" sz="2000" u="none" strike="noStrike">
+                          <a:effectLst/>
+                        </a:rPr>
+                        <a:t> </a:t>
+                      </a:r>
+                      <a:endParaRPr lang="de-CH" sz="2000" b="0" i="0" u="none" strike="noStrike">
+                        <a:solidFill>
+                          <a:srgbClr val="000000"/>
+                        </a:solidFill>
+                        <a:effectLst/>
+                        <a:latin typeface="Calibri"/>
+                      </a:endParaRPr>
+                    </a:p>
+                  </a:txBody>
+                  <a:tcPr marL="9525" marR="9525" marT="9525" marB="0" anchor="b">
+                    <a:lnT w="12700" cap="flat" cmpd="sng" algn="ctr">
+                      <a:solidFill>
+                        <a:schemeClr val="tx2"/>
+                      </a:solidFill>
+                      <a:prstDash val="solid"/>
+                      <a:round/>
+                      <a:headEnd type="none" w="med" len="med"/>
+                      <a:tailEnd type="none" w="med" len="med"/>
+                    </a:lnT>
+                    <a:lnB w="12700" cap="flat" cmpd="sng" algn="ctr">
+                      <a:solidFill>
+                        <a:schemeClr val="tx2"/>
+                      </a:solidFill>
+                      <a:prstDash val="solid"/>
+                      <a:round/>
+                      <a:headEnd type="none" w="med" len="med"/>
+                      <a:tailEnd type="none" w="med" len="med"/>
+                    </a:lnB>
+                  </a:tcPr>
+                </a:tc>
+                <a:tc>
+                  <a:txBody>
+                    <a:bodyPr/>
+                    <a:lstStyle/>
+                    <a:p>
+                      <a:pPr algn="r" fontAlgn="b"/>
+                      <a:endParaRPr lang="de-CH" sz="2000" b="0" i="0" u="none" strike="noStrike" dirty="0">
+                        <a:solidFill>
+                          <a:srgbClr val="000000"/>
+                        </a:solidFill>
+                        <a:effectLst/>
+                        <a:latin typeface="Calibri"/>
+                      </a:endParaRPr>
+                    </a:p>
+                  </a:txBody>
+                  <a:tcPr marL="9525" marR="9525" marT="9525" marB="0" anchor="b">
+                    <a:lnR w="12700" cap="flat" cmpd="sng" algn="ctr">
+                      <a:solidFill>
+                        <a:schemeClr val="tx2"/>
+                      </a:solidFill>
+                      <a:prstDash val="solid"/>
+                      <a:round/>
+                      <a:headEnd type="none" w="med" len="med"/>
+                      <a:tailEnd type="none" w="med" len="med"/>
+                    </a:lnR>
+                    <a:lnT w="12700" cap="flat" cmpd="sng" algn="ctr">
+                      <a:solidFill>
+                        <a:schemeClr val="tx2"/>
+                      </a:solidFill>
+                      <a:prstDash val="solid"/>
+                      <a:round/>
+                      <a:headEnd type="none" w="med" len="med"/>
+                      <a:tailEnd type="none" w="med" len="med"/>
+                    </a:lnT>
+                    <a:lnB w="12700" cap="flat" cmpd="sng" algn="ctr">
+                      <a:solidFill>
+                        <a:schemeClr val="tx2"/>
+                      </a:solidFill>
+                      <a:prstDash val="solid"/>
+                      <a:round/>
+                      <a:headEnd type="none" w="med" len="med"/>
+                      <a:tailEnd type="none" w="med" len="med"/>
+                    </a:lnB>
+                  </a:tcPr>
+                </a:tc>
+                <a:tc>
+                  <a:txBody>
+                    <a:bodyPr/>
+                    <a:lstStyle/>
+                    <a:p>
+                      <a:pPr algn="r" fontAlgn="b"/>
+                      <a:endParaRPr lang="de-CH" sz="2000" b="0" i="0" u="none" strike="noStrike" dirty="0">
+                        <a:solidFill>
+                          <a:srgbClr val="000000"/>
+                        </a:solidFill>
+                        <a:effectLst/>
+                        <a:latin typeface="Calibri"/>
+                      </a:endParaRPr>
+                    </a:p>
+                  </a:txBody>
+                  <a:tcPr marL="9525" marR="9525" marT="9525" marB="0" anchor="b">
+                    <a:lnL w="12700" cap="flat" cmpd="sng" algn="ctr">
+                      <a:solidFill>
+                        <a:schemeClr val="tx2"/>
+                      </a:solidFill>
+                      <a:prstDash val="solid"/>
+                      <a:round/>
+                      <a:headEnd type="none" w="med" len="med"/>
+                      <a:tailEnd type="none" w="med" len="med"/>
+                    </a:lnL>
+                    <a:lnT w="12700" cap="flat" cmpd="sng" algn="ctr">
+                      <a:solidFill>
+                        <a:schemeClr val="tx2"/>
+                      </a:solidFill>
+                      <a:prstDash val="solid"/>
+                      <a:round/>
+                      <a:headEnd type="none" w="med" len="med"/>
+                      <a:tailEnd type="none" w="med" len="med"/>
+                    </a:lnT>
+                    <a:lnB w="12700" cap="flat" cmpd="sng" algn="ctr">
+                      <a:solidFill>
+                        <a:schemeClr val="tx2"/>
+                      </a:solidFill>
+                      <a:prstDash val="solid"/>
+                      <a:round/>
+                      <a:headEnd type="none" w="med" len="med"/>
+                      <a:tailEnd type="none" w="med" len="med"/>
+                    </a:lnB>
+                  </a:tcPr>
+                </a:tc>
+                <a:tc>
+                  <a:txBody>
+                    <a:bodyPr/>
+                    <a:lstStyle/>
+                    <a:p>
+                      <a:pPr algn="r" fontAlgn="b"/>
+                      <a:r>
+                        <a:rPr lang="de-CH" sz="2000" b="1" u="none" strike="noStrike" dirty="0">
+                          <a:effectLst/>
+                        </a:rPr>
+                        <a:t>M3</a:t>
+                      </a:r>
+                      <a:endParaRPr lang="de-CH" sz="2000" b="1" i="0" u="none" strike="noStrike" dirty="0">
+                        <a:solidFill>
+                          <a:srgbClr val="000000"/>
+                        </a:solidFill>
+                        <a:effectLst/>
+                        <a:latin typeface="Calibri"/>
+                      </a:endParaRPr>
+                    </a:p>
+                  </a:txBody>
+                  <a:tcPr marL="9525" marR="9525" marT="9525" marB="0" anchor="b">
+                    <a:lnR w="28575" cap="flat" cmpd="sng" algn="ctr">
+                      <a:solidFill>
+                        <a:schemeClr val="tx2"/>
+                      </a:solidFill>
+                      <a:prstDash val="solid"/>
+                      <a:round/>
+                      <a:headEnd type="none" w="med" len="med"/>
+                      <a:tailEnd type="none" w="med" len="med"/>
+                    </a:lnR>
+                    <a:lnT w="12700" cap="flat" cmpd="sng" algn="ctr">
+                      <a:solidFill>
+                        <a:schemeClr val="tx2"/>
+                      </a:solidFill>
+                      <a:prstDash val="solid"/>
+                      <a:round/>
+                      <a:headEnd type="none" w="med" len="med"/>
+                      <a:tailEnd type="none" w="med" len="med"/>
+                    </a:lnT>
+                    <a:lnB w="12700" cap="flat" cmpd="sng" algn="ctr">
+                      <a:solidFill>
+                        <a:schemeClr val="tx2"/>
+                      </a:solidFill>
+                      <a:prstDash val="solid"/>
+                      <a:round/>
+                      <a:headEnd type="none" w="med" len="med"/>
+                      <a:tailEnd type="none" w="med" len="med"/>
+                    </a:lnB>
+                  </a:tcPr>
+                </a:tc>
+                <a:tc>
+                  <a:txBody>
+                    <a:bodyPr/>
+                    <a:lstStyle/>
+                    <a:p>
+                      <a:pPr algn="r" fontAlgn="b"/>
+                      <a:r>
+                        <a:rPr lang="de-CH" sz="2000" u="none" strike="noStrike" dirty="0">
+                          <a:effectLst/>
+                        </a:rPr>
+                        <a:t> </a:t>
+                      </a:r>
+                      <a:endParaRPr lang="de-CH" sz="2000" b="0" i="0" u="none" strike="noStrike" dirty="0">
+                        <a:solidFill>
+                          <a:srgbClr val="000000"/>
+                        </a:solidFill>
+                        <a:effectLst/>
+                        <a:latin typeface="Calibri"/>
+                      </a:endParaRPr>
+                    </a:p>
+                  </a:txBody>
+                  <a:tcPr marL="9525" marR="9525" marT="9525" marB="0" anchor="b">
+                    <a:lnL w="28575" cap="flat" cmpd="sng" algn="ctr">
+                      <a:solidFill>
+                        <a:schemeClr val="tx2"/>
+                      </a:solidFill>
+                      <a:prstDash val="solid"/>
+                      <a:round/>
+                      <a:headEnd type="none" w="med" len="med"/>
+                      <a:tailEnd type="none" w="med" len="med"/>
+                    </a:lnL>
+                    <a:lnT w="12700" cap="flat" cmpd="sng" algn="ctr">
+                      <a:solidFill>
+                        <a:schemeClr val="tx2"/>
+                      </a:solidFill>
+                      <a:prstDash val="solid"/>
+                      <a:round/>
+                      <a:headEnd type="none" w="med" len="med"/>
+                      <a:tailEnd type="none" w="med" len="med"/>
+                    </a:lnT>
+                    <a:lnB w="12700" cap="flat" cmpd="sng" algn="ctr">
+                      <a:solidFill>
+                        <a:schemeClr val="tx2"/>
+                      </a:solidFill>
+                      <a:prstDash val="solid"/>
+                      <a:round/>
+                      <a:headEnd type="none" w="med" len="med"/>
+                      <a:tailEnd type="none" w="med" len="med"/>
+                    </a:lnB>
+                  </a:tcPr>
+                </a:tc>
+                <a:tc>
+                  <a:txBody>
+                    <a:bodyPr/>
+                    <a:lstStyle/>
+                    <a:p>
+                      <a:pPr algn="r" fontAlgn="b"/>
+                      <a:endParaRPr lang="de-CH" sz="2000" b="0" i="0" u="none" strike="noStrike" dirty="0">
+                        <a:solidFill>
+                          <a:srgbClr val="000000"/>
+                        </a:solidFill>
+                        <a:effectLst/>
+                        <a:latin typeface="Calibri"/>
+                      </a:endParaRPr>
+                    </a:p>
+                  </a:txBody>
+                  <a:tcPr marL="9525" marR="9525" marT="9525" marB="0" anchor="b">
+                    <a:lnT w="12700" cap="flat" cmpd="sng" algn="ctr">
+                      <a:solidFill>
+                        <a:schemeClr val="tx2"/>
+                      </a:solidFill>
+                      <a:prstDash val="solid"/>
+                      <a:round/>
+                      <a:headEnd type="none" w="med" len="med"/>
+                      <a:tailEnd type="none" w="med" len="med"/>
+                    </a:lnT>
+                    <a:lnB w="12700" cap="flat" cmpd="sng" algn="ctr">
+                      <a:solidFill>
+                        <a:schemeClr val="tx2"/>
+                      </a:solidFill>
+                      <a:prstDash val="solid"/>
+                      <a:round/>
+                      <a:headEnd type="none" w="med" len="med"/>
+                      <a:tailEnd type="none" w="med" len="med"/>
+                    </a:lnB>
+                  </a:tcPr>
+                </a:tc>
+                <a:tc>
+                  <a:txBody>
+                    <a:bodyPr/>
+                    <a:lstStyle/>
+                    <a:p>
+                      <a:pPr algn="r" fontAlgn="b"/>
+                      <a:r>
+                        <a:rPr lang="de-CH" sz="2000" b="1" u="none" strike="noStrike" dirty="0">
+                          <a:effectLst/>
+                        </a:rPr>
+                        <a:t>M4</a:t>
+                      </a:r>
+                      <a:endParaRPr lang="de-CH" sz="2000" b="1" i="0" u="none" strike="noStrike" dirty="0">
+                        <a:solidFill>
+                          <a:srgbClr val="000000"/>
+                        </a:solidFill>
+                        <a:effectLst/>
+                        <a:latin typeface="Calibri"/>
+                      </a:endParaRPr>
+                    </a:p>
+                  </a:txBody>
+                  <a:tcPr marL="9525" marR="9525" marT="9525" marB="0" anchor="b">
+                    <a:lnR w="28575" cap="flat" cmpd="sng" algn="ctr">
+                      <a:solidFill>
+                        <a:schemeClr val="tx2"/>
+                      </a:solidFill>
+                      <a:prstDash val="solid"/>
+                      <a:round/>
+                      <a:headEnd type="none" w="med" len="med"/>
+                      <a:tailEnd type="none" w="med" len="med"/>
+                    </a:lnR>
+                    <a:lnT w="12700" cap="flat" cmpd="sng" algn="ctr">
+                      <a:solidFill>
+                        <a:schemeClr val="tx2"/>
+                      </a:solidFill>
+                      <a:prstDash val="solid"/>
+                      <a:round/>
+                      <a:headEnd type="none" w="med" len="med"/>
+                      <a:tailEnd type="none" w="med" len="med"/>
+                    </a:lnT>
+                    <a:lnB w="12700" cap="flat" cmpd="sng" algn="ctr">
+                      <a:solidFill>
+                        <a:schemeClr val="tx2"/>
+                      </a:solidFill>
+                      <a:prstDash val="solid"/>
+                      <a:round/>
+                      <a:headEnd type="none" w="med" len="med"/>
+                      <a:tailEnd type="none" w="med" len="med"/>
+                    </a:lnB>
+                  </a:tcPr>
+                </a:tc>
+              </a:tr>
+            </a:tbl>
+          </a:graphicData>
+        </a:graphic>
+      </p:graphicFrame>
     </p:spTree>
     <p:extLst>
       <p:ext uri="{BB962C8B-B14F-4D97-AF65-F5344CB8AC3E}">
@@ -3883,7 +9511,275 @@
   <p:timing>
     <p:tnLst>
       <p:par>
-        <p:cTn id="1" dur="indefinite" restart="never" nodeType="tmRoot"/>
+        <p:cTn id="1" dur="indefinite" restart="never" nodeType="tmRoot">
+          <p:childTnLst>
+            <p:seq concurrent="1" nextAc="seek">
+              <p:cTn id="2" dur="indefinite" nodeType="mainSeq">
+                <p:childTnLst>
+                  <p:par>
+                    <p:cTn id="3" fill="hold">
+                      <p:stCondLst>
+                        <p:cond delay="indefinite"/>
+                      </p:stCondLst>
+                      <p:childTnLst>
+                        <p:par>
+                          <p:cTn id="4" fill="hold">
+                            <p:stCondLst>
+                              <p:cond delay="0"/>
+                            </p:stCondLst>
+                            <p:childTnLst>
+                              <p:par>
+                                <p:cTn id="5" presetID="1" presetClass="entr" presetSubtype="0" fill="hold" nodeType="clickEffect">
+                                  <p:stCondLst>
+                                    <p:cond delay="0"/>
+                                  </p:stCondLst>
+                                  <p:childTnLst>
+                                    <p:set>
+                                      <p:cBhvr>
+                                        <p:cTn id="6" dur="1" fill="hold">
+                                          <p:stCondLst>
+                                            <p:cond delay="0"/>
+                                          </p:stCondLst>
+                                        </p:cTn>
+                                        <p:tgtEl>
+                                          <p:spTgt spid="4">
+                                            <p:txEl>
+                                              <p:pRg st="0" end="0"/>
+                                            </p:txEl>
+                                          </p:spTgt>
+                                        </p:tgtEl>
+                                        <p:attrNameLst>
+                                          <p:attrName>style.visibility</p:attrName>
+                                        </p:attrNameLst>
+                                      </p:cBhvr>
+                                      <p:to>
+                                        <p:strVal val="visible"/>
+                                      </p:to>
+                                    </p:set>
+                                  </p:childTnLst>
+                                </p:cTn>
+                              </p:par>
+                              <p:par>
+                                <p:cTn id="7" presetID="1" presetClass="entr" presetSubtype="0" fill="hold" nodeType="withEffect">
+                                  <p:stCondLst>
+                                    <p:cond delay="0"/>
+                                  </p:stCondLst>
+                                  <p:childTnLst>
+                                    <p:set>
+                                      <p:cBhvr>
+                                        <p:cTn id="8" dur="1" fill="hold">
+                                          <p:stCondLst>
+                                            <p:cond delay="0"/>
+                                          </p:stCondLst>
+                                        </p:cTn>
+                                        <p:tgtEl>
+                                          <p:spTgt spid="4">
+                                            <p:txEl>
+                                              <p:pRg st="1" end="1"/>
+                                            </p:txEl>
+                                          </p:spTgt>
+                                        </p:tgtEl>
+                                        <p:attrNameLst>
+                                          <p:attrName>style.visibility</p:attrName>
+                                        </p:attrNameLst>
+                                      </p:cBhvr>
+                                      <p:to>
+                                        <p:strVal val="visible"/>
+                                      </p:to>
+                                    </p:set>
+                                  </p:childTnLst>
+                                </p:cTn>
+                              </p:par>
+                              <p:par>
+                                <p:cTn id="9" presetID="1" presetClass="entr" presetSubtype="0" fill="hold" nodeType="withEffect">
+                                  <p:stCondLst>
+                                    <p:cond delay="0"/>
+                                  </p:stCondLst>
+                                  <p:childTnLst>
+                                    <p:set>
+                                      <p:cBhvr>
+                                        <p:cTn id="10" dur="1" fill="hold">
+                                          <p:stCondLst>
+                                            <p:cond delay="0"/>
+                                          </p:stCondLst>
+                                        </p:cTn>
+                                        <p:tgtEl>
+                                          <p:spTgt spid="4">
+                                            <p:txEl>
+                                              <p:pRg st="2" end="2"/>
+                                            </p:txEl>
+                                          </p:spTgt>
+                                        </p:tgtEl>
+                                        <p:attrNameLst>
+                                          <p:attrName>style.visibility</p:attrName>
+                                        </p:attrNameLst>
+                                      </p:cBhvr>
+                                      <p:to>
+                                        <p:strVal val="visible"/>
+                                      </p:to>
+                                    </p:set>
+                                  </p:childTnLst>
+                                </p:cTn>
+                              </p:par>
+                              <p:par>
+                                <p:cTn id="11" presetID="1" presetClass="entr" presetSubtype="0" fill="hold" nodeType="withEffect">
+                                  <p:stCondLst>
+                                    <p:cond delay="0"/>
+                                  </p:stCondLst>
+                                  <p:childTnLst>
+                                    <p:set>
+                                      <p:cBhvr>
+                                        <p:cTn id="12" dur="1" fill="hold">
+                                          <p:stCondLst>
+                                            <p:cond delay="0"/>
+                                          </p:stCondLst>
+                                        </p:cTn>
+                                        <p:tgtEl>
+                                          <p:spTgt spid="4">
+                                            <p:txEl>
+                                              <p:pRg st="3" end="3"/>
+                                            </p:txEl>
+                                          </p:spTgt>
+                                        </p:tgtEl>
+                                        <p:attrNameLst>
+                                          <p:attrName>style.visibility</p:attrName>
+                                        </p:attrNameLst>
+                                      </p:cBhvr>
+                                      <p:to>
+                                        <p:strVal val="visible"/>
+                                      </p:to>
+                                    </p:set>
+                                  </p:childTnLst>
+                                </p:cTn>
+                              </p:par>
+                              <p:par>
+                                <p:cTn id="13" presetID="1" presetClass="entr" presetSubtype="0" fill="hold" nodeType="withEffect">
+                                  <p:stCondLst>
+                                    <p:cond delay="0"/>
+                                  </p:stCondLst>
+                                  <p:childTnLst>
+                                    <p:set>
+                                      <p:cBhvr>
+                                        <p:cTn id="14" dur="1" fill="hold">
+                                          <p:stCondLst>
+                                            <p:cond delay="0"/>
+                                          </p:stCondLst>
+                                        </p:cTn>
+                                        <p:tgtEl>
+                                          <p:spTgt spid="4">
+                                            <p:txEl>
+                                              <p:pRg st="4" end="4"/>
+                                            </p:txEl>
+                                          </p:spTgt>
+                                        </p:tgtEl>
+                                        <p:attrNameLst>
+                                          <p:attrName>style.visibility</p:attrName>
+                                        </p:attrNameLst>
+                                      </p:cBhvr>
+                                      <p:to>
+                                        <p:strVal val="visible"/>
+                                      </p:to>
+                                    </p:set>
+                                  </p:childTnLst>
+                                </p:cTn>
+                              </p:par>
+                            </p:childTnLst>
+                          </p:cTn>
+                        </p:par>
+                      </p:childTnLst>
+                    </p:cTn>
+                  </p:par>
+                  <p:par>
+                    <p:cTn id="15" fill="hold">
+                      <p:stCondLst>
+                        <p:cond delay="indefinite"/>
+                      </p:stCondLst>
+                      <p:childTnLst>
+                        <p:par>
+                          <p:cTn id="16" fill="hold">
+                            <p:stCondLst>
+                              <p:cond delay="0"/>
+                            </p:stCondLst>
+                            <p:childTnLst>
+                              <p:par>
+                                <p:cTn id="17" presetID="1" presetClass="entr" presetSubtype="0" fill="hold" nodeType="clickEffect">
+                                  <p:stCondLst>
+                                    <p:cond delay="0"/>
+                                  </p:stCondLst>
+                                  <p:childTnLst>
+                                    <p:set>
+                                      <p:cBhvr>
+                                        <p:cTn id="18" dur="1" fill="hold">
+                                          <p:stCondLst>
+                                            <p:cond delay="0"/>
+                                          </p:stCondLst>
+                                        </p:cTn>
+                                        <p:tgtEl>
+                                          <p:spTgt spid="5"/>
+                                        </p:tgtEl>
+                                        <p:attrNameLst>
+                                          <p:attrName>style.visibility</p:attrName>
+                                        </p:attrNameLst>
+                                      </p:cBhvr>
+                                      <p:to>
+                                        <p:strVal val="visible"/>
+                                      </p:to>
+                                    </p:set>
+                                  </p:childTnLst>
+                                </p:cTn>
+                              </p:par>
+                              <p:par>
+                                <p:cTn id="19" presetID="1" presetClass="entr" presetSubtype="0" fill="hold" nodeType="withEffect">
+                                  <p:stCondLst>
+                                    <p:cond delay="0"/>
+                                  </p:stCondLst>
+                                  <p:childTnLst>
+                                    <p:set>
+                                      <p:cBhvr>
+                                        <p:cTn id="20" dur="1" fill="hold">
+                                          <p:stCondLst>
+                                            <p:cond delay="0"/>
+                                          </p:stCondLst>
+                                        </p:cTn>
+                                        <p:tgtEl>
+                                          <p:spTgt spid="3"/>
+                                        </p:tgtEl>
+                                        <p:attrNameLst>
+                                          <p:attrName>style.visibility</p:attrName>
+                                        </p:attrNameLst>
+                                      </p:cBhvr>
+                                      <p:to>
+                                        <p:strVal val="visible"/>
+                                      </p:to>
+                                    </p:set>
+                                  </p:childTnLst>
+                                </p:cTn>
+                              </p:par>
+                            </p:childTnLst>
+                          </p:cTn>
+                        </p:par>
+                      </p:childTnLst>
+                    </p:cTn>
+                  </p:par>
+                </p:childTnLst>
+              </p:cTn>
+              <p:prevCondLst>
+                <p:cond evt="onPrev" delay="0">
+                  <p:tgtEl>
+                    <p:sldTgt/>
+                  </p:tgtEl>
+                </p:cond>
+              </p:prevCondLst>
+              <p:nextCondLst>
+                <p:cond evt="onNext" delay="0">
+                  <p:tgtEl>
+                    <p:sldTgt/>
+                  </p:tgtEl>
+                </p:cond>
+              </p:nextCondLst>
+            </p:seq>
+          </p:childTnLst>
+        </p:cTn>
       </p:par>
     </p:tnLst>
   </p:timing>
@@ -3926,39 +9822,866 @@
           <a:p>
             <a:r>
               <a:rPr lang="de-CH" sz="6000" dirty="0" smtClean="0"/>
-              <a:t>Risiken</a:t>
+              <a:t>Projektablauf</a:t>
             </a:r>
             <a:endParaRPr lang="de-CH" sz="6000" dirty="0"/>
           </a:p>
         </p:txBody>
       </p:sp>
-      <p:sp>
-        <p:nvSpPr>
-          <p:cNvPr id="4" name="Inhaltsplatzhalter 3"/>
-          <p:cNvSpPr>
-            <a:spLocks noGrp="1"/>
-          </p:cNvSpPr>
+      <p:graphicFrame>
+        <p:nvGraphicFramePr>
+          <p:cNvPr id="3" name="Content Placeholder 2"/>
+          <p:cNvGraphicFramePr>
+            <a:graphicFrameLocks noGrp="1"/>
+          </p:cNvGraphicFramePr>
           <p:nvPr>
             <p:ph idx="1"/>
+            <p:extLst>
+              <p:ext uri="{D42A27DB-BD31-4B8C-83A1-F6EECF244321}">
+                <p14:modId xmlns:p14="http://schemas.microsoft.com/office/powerpoint/2010/main" val="3023397949"/>
+              </p:ext>
+            </p:extLst>
           </p:nvPr>
-        </p:nvSpPr>
-        <p:spPr/>
-        <p:txBody>
-          <a:bodyPr/>
-          <a:lstStyle/>
-          <a:p>
-            <a:r>
-              <a:rPr lang="de-CH" dirty="0" smtClean="0"/>
-              <a:t>rh</a:t>
-            </a:r>
-            <a:endParaRPr lang="de-CH" dirty="0"/>
-          </a:p>
-        </p:txBody>
-      </p:sp>
+        </p:nvGraphicFramePr>
+        <p:xfrm>
+          <a:off x="683568" y="1484784"/>
+          <a:ext cx="7704856" cy="4584613"/>
+        </p:xfrm>
+        <a:graphic>
+          <a:graphicData uri="http://schemas.openxmlformats.org/drawingml/2006/table">
+            <a:tbl>
+              <a:tblPr firstRow="1" bandRow="1">
+                <a:tableStyleId>{0E3FDE45-AF77-4B5C-9715-49D594BDF05E}</a:tableStyleId>
+              </a:tblPr>
+              <a:tblGrid>
+                <a:gridCol w="1512168"/>
+                <a:gridCol w="648072"/>
+                <a:gridCol w="5544616"/>
+              </a:tblGrid>
+              <a:tr h="366041">
+                <a:tc>
+                  <a:txBody>
+                    <a:bodyPr/>
+                    <a:lstStyle/>
+                    <a:p>
+                      <a:pPr algn="l" fontAlgn="ctr"/>
+                      <a:r>
+                        <a:rPr lang="de-CH" sz="1800" u="none" strike="noStrike" dirty="0">
+                          <a:solidFill>
+                            <a:schemeClr val="tx1"/>
+                          </a:solidFill>
+                          <a:effectLst/>
+                        </a:rPr>
+                        <a:t>Phase</a:t>
+                      </a:r>
+                      <a:endParaRPr lang="de-CH" sz="1800" b="1" i="0" u="none" strike="noStrike" dirty="0">
+                        <a:solidFill>
+                          <a:schemeClr val="tx1"/>
+                        </a:solidFill>
+                        <a:effectLst/>
+                        <a:latin typeface="Calibri"/>
+                      </a:endParaRPr>
+                    </a:p>
+                  </a:txBody>
+                  <a:tcPr marL="9525" marR="9525" marT="9525" marB="0" anchor="ctr">
+                    <a:lnT w="12700" cap="flat" cmpd="sng" algn="ctr">
+                      <a:solidFill>
+                        <a:schemeClr val="tx2"/>
+                      </a:solidFill>
+                      <a:prstDash val="solid"/>
+                      <a:round/>
+                      <a:headEnd type="none" w="med" len="med"/>
+                      <a:tailEnd type="none" w="med" len="med"/>
+                    </a:lnT>
+                    <a:lnB w="12700" cap="flat" cmpd="sng" algn="ctr">
+                      <a:solidFill>
+                        <a:schemeClr val="tx2"/>
+                      </a:solidFill>
+                      <a:prstDash val="solid"/>
+                      <a:round/>
+                      <a:headEnd type="none" w="med" len="med"/>
+                      <a:tailEnd type="none" w="med" len="med"/>
+                    </a:lnB>
+                  </a:tcPr>
+                </a:tc>
+                <a:tc>
+                  <a:txBody>
+                    <a:bodyPr/>
+                    <a:lstStyle/>
+                    <a:p>
+                      <a:pPr algn="l" fontAlgn="ctr"/>
+                      <a:r>
+                        <a:rPr lang="de-CH" sz="1800" b="1" i="0" u="none" strike="noStrike" dirty="0" err="1" smtClean="0">
+                          <a:solidFill>
+                            <a:schemeClr val="tx1"/>
+                          </a:solidFill>
+                          <a:effectLst/>
+                          <a:latin typeface="Arial (Body)"/>
+                        </a:rPr>
+                        <a:t>It</a:t>
+                      </a:r>
+                      <a:endParaRPr lang="de-CH" sz="1800" b="1" i="0" u="none" strike="noStrike" dirty="0">
+                        <a:solidFill>
+                          <a:schemeClr val="tx1"/>
+                        </a:solidFill>
+                        <a:effectLst/>
+                        <a:latin typeface="Arial (Body)"/>
+                      </a:endParaRPr>
+                    </a:p>
+                  </a:txBody>
+                  <a:tcPr marL="9525" marR="9525" marT="9525" marB="0" anchor="ctr">
+                    <a:lnT w="12700" cap="flat" cmpd="sng" algn="ctr">
+                      <a:solidFill>
+                        <a:schemeClr val="tx2"/>
+                      </a:solidFill>
+                      <a:prstDash val="solid"/>
+                      <a:round/>
+                      <a:headEnd type="none" w="med" len="med"/>
+                      <a:tailEnd type="none" w="med" len="med"/>
+                    </a:lnT>
+                    <a:lnB w="12700" cap="flat" cmpd="sng" algn="ctr">
+                      <a:solidFill>
+                        <a:schemeClr val="tx2"/>
+                      </a:solidFill>
+                      <a:prstDash val="solid"/>
+                      <a:round/>
+                      <a:headEnd type="none" w="med" len="med"/>
+                      <a:tailEnd type="none" w="med" len="med"/>
+                    </a:lnB>
+                  </a:tcPr>
+                </a:tc>
+                <a:tc>
+                  <a:txBody>
+                    <a:bodyPr/>
+                    <a:lstStyle/>
+                    <a:p>
+                      <a:pPr algn="l" fontAlgn="b"/>
+                      <a:r>
+                        <a:rPr lang="de-CH" sz="1800" u="none" strike="noStrike" dirty="0">
+                          <a:effectLst/>
+                        </a:rPr>
+                        <a:t>Ziele</a:t>
+                      </a:r>
+                      <a:endParaRPr lang="de-CH" sz="1800" b="1" i="0" u="none" strike="noStrike" dirty="0">
+                        <a:solidFill>
+                          <a:srgbClr val="000000"/>
+                        </a:solidFill>
+                        <a:effectLst/>
+                        <a:latin typeface="Calibri"/>
+                      </a:endParaRPr>
+                    </a:p>
+                  </a:txBody>
+                  <a:tcPr marL="9525" marR="9525" marT="9525" marB="0" anchor="ctr">
+                    <a:lnT w="12700" cap="flat" cmpd="sng" algn="ctr">
+                      <a:solidFill>
+                        <a:schemeClr val="tx2"/>
+                      </a:solidFill>
+                      <a:prstDash val="solid"/>
+                      <a:round/>
+                      <a:headEnd type="none" w="med" len="med"/>
+                      <a:tailEnd type="none" w="med" len="med"/>
+                    </a:lnT>
+                    <a:lnB w="12700" cap="flat" cmpd="sng" algn="ctr">
+                      <a:solidFill>
+                        <a:schemeClr val="tx2"/>
+                      </a:solidFill>
+                      <a:prstDash val="solid"/>
+                      <a:round/>
+                      <a:headEnd type="none" w="med" len="med"/>
+                      <a:tailEnd type="none" w="med" len="med"/>
+                    </a:lnB>
+                  </a:tcPr>
+                </a:tc>
+              </a:tr>
+              <a:tr h="732081">
+                <a:tc>
+                  <a:txBody>
+                    <a:bodyPr/>
+                    <a:lstStyle/>
+                    <a:p>
+                      <a:pPr algn="l" fontAlgn="ctr"/>
+                      <a:r>
+                        <a:rPr lang="de-CH" sz="1800" u="none" strike="noStrike" dirty="0" err="1" smtClean="0">
+                          <a:effectLst/>
+                        </a:rPr>
+                        <a:t>Inception</a:t>
+                      </a:r>
+                      <a:endParaRPr lang="de-CH" sz="1800" b="0" i="0" u="none" strike="noStrike" dirty="0">
+                        <a:solidFill>
+                          <a:srgbClr val="000000"/>
+                        </a:solidFill>
+                        <a:effectLst/>
+                        <a:latin typeface="Calibri"/>
+                      </a:endParaRPr>
+                    </a:p>
+                  </a:txBody>
+                  <a:tcPr marL="9525" marR="9525" marT="9525" marB="0" anchor="ctr">
+                    <a:lnT w="12700" cap="flat" cmpd="sng" algn="ctr">
+                      <a:solidFill>
+                        <a:schemeClr val="tx2"/>
+                      </a:solidFill>
+                      <a:prstDash val="solid"/>
+                      <a:round/>
+                      <a:headEnd type="none" w="med" len="med"/>
+                      <a:tailEnd type="none" w="med" len="med"/>
+                    </a:lnT>
+                  </a:tcPr>
+                </a:tc>
+                <a:tc>
+                  <a:txBody>
+                    <a:bodyPr/>
+                    <a:lstStyle/>
+                    <a:p>
+                      <a:pPr algn="ctr" fontAlgn="ctr"/>
+                      <a:r>
+                        <a:rPr lang="de-CH" sz="1800" u="none" strike="noStrike" dirty="0" smtClean="0">
+                          <a:effectLst/>
+                        </a:rPr>
+                        <a:t>I1</a:t>
+                      </a:r>
+                      <a:endParaRPr lang="de-CH" sz="1800" b="0" i="0" u="none" strike="noStrike" dirty="0">
+                        <a:solidFill>
+                          <a:srgbClr val="000000"/>
+                        </a:solidFill>
+                        <a:effectLst/>
+                        <a:latin typeface="Calibri"/>
+                      </a:endParaRPr>
+                    </a:p>
+                  </a:txBody>
+                  <a:tcPr marL="9525" marR="9525" marT="9525" marB="0" anchor="ctr">
+                    <a:lnT w="12700" cap="flat" cmpd="sng" algn="ctr">
+                      <a:solidFill>
+                        <a:schemeClr val="tx2"/>
+                      </a:solidFill>
+                      <a:prstDash val="solid"/>
+                      <a:round/>
+                      <a:headEnd type="none" w="med" len="med"/>
+                      <a:tailEnd type="none" w="med" len="med"/>
+                    </a:lnT>
+                  </a:tcPr>
+                </a:tc>
+                <a:tc>
+                  <a:txBody>
+                    <a:bodyPr/>
+                    <a:lstStyle/>
+                    <a:p>
+                      <a:pPr algn="ctr" fontAlgn="ctr"/>
+                      <a:r>
+                        <a:rPr lang="de-CH" sz="1800" u="none" strike="noStrike" dirty="0" smtClean="0">
+                          <a:effectLst/>
+                        </a:rPr>
+                        <a:t>Projektskizze, IDE, Ausformulierung Anwendungsfälle</a:t>
+                      </a:r>
+                      <a:r>
+                        <a:rPr lang="de-CH" sz="1800" u="none" strike="noStrike" dirty="0">
+                          <a:effectLst/>
+                        </a:rPr>
+                        <a:t>, </a:t>
+                      </a:r>
+                      <a:r>
+                        <a:rPr lang="de-CH" sz="1800" u="none" strike="noStrike" dirty="0" smtClean="0">
+                          <a:effectLst/>
+                        </a:rPr>
+                        <a:t>Entwurf Architektur</a:t>
+                      </a:r>
+                      <a:endParaRPr lang="de-CH" sz="1800" b="0" i="0" u="none" strike="noStrike" dirty="0">
+                        <a:solidFill>
+                          <a:srgbClr val="000000"/>
+                        </a:solidFill>
+                        <a:effectLst/>
+                        <a:latin typeface="Calibri"/>
+                      </a:endParaRPr>
+                    </a:p>
+                  </a:txBody>
+                  <a:tcPr marL="9525" marR="9525" marT="9525" marB="0" anchor="ctr">
+                    <a:lnT w="12700" cap="flat" cmpd="sng" algn="ctr">
+                      <a:solidFill>
+                        <a:schemeClr val="tx2"/>
+                      </a:solidFill>
+                      <a:prstDash val="solid"/>
+                      <a:round/>
+                      <a:headEnd type="none" w="med" len="med"/>
+                      <a:tailEnd type="none" w="med" len="med"/>
+                    </a:lnT>
+                  </a:tcPr>
+                </a:tc>
+              </a:tr>
+              <a:tr h="1098122">
+                <a:tc>
+                  <a:txBody>
+                    <a:bodyPr/>
+                    <a:lstStyle/>
+                    <a:p>
+                      <a:pPr algn="l" fontAlgn="ctr"/>
+                      <a:r>
+                        <a:rPr lang="de-CH" sz="1800" u="none" strike="noStrike" dirty="0" smtClean="0">
+                          <a:effectLst/>
+                        </a:rPr>
+                        <a:t>Elaboration</a:t>
+                      </a:r>
+                      <a:endParaRPr lang="de-CH" sz="1800" b="0" i="0" u="none" strike="noStrike" dirty="0">
+                        <a:solidFill>
+                          <a:srgbClr val="000000"/>
+                        </a:solidFill>
+                        <a:effectLst/>
+                        <a:latin typeface="Calibri"/>
+                      </a:endParaRPr>
+                    </a:p>
+                  </a:txBody>
+                  <a:tcPr marL="9525" marR="9525" marT="9525" marB="0" anchor="ctr"/>
+                </a:tc>
+                <a:tc>
+                  <a:txBody>
+                    <a:bodyPr/>
+                    <a:lstStyle/>
+                    <a:p>
+                      <a:pPr algn="ctr" fontAlgn="ctr"/>
+                      <a:r>
+                        <a:rPr lang="de-CH" sz="1800" u="none" strike="noStrike" dirty="0" smtClean="0">
+                          <a:effectLst/>
+                        </a:rPr>
+                        <a:t>E1</a:t>
+                      </a:r>
+                      <a:endParaRPr lang="de-CH" sz="1800" b="0" i="0" u="none" strike="noStrike" dirty="0">
+                        <a:solidFill>
+                          <a:srgbClr val="000000"/>
+                        </a:solidFill>
+                        <a:effectLst/>
+                        <a:latin typeface="Calibri"/>
+                      </a:endParaRPr>
+                    </a:p>
+                  </a:txBody>
+                  <a:tcPr marL="9525" marR="9525" marT="9525" marB="0" anchor="ctr"/>
+                </a:tc>
+                <a:tc>
+                  <a:txBody>
+                    <a:bodyPr/>
+                    <a:lstStyle/>
+                    <a:p>
+                      <a:pPr algn="ctr" fontAlgn="ctr"/>
+                      <a:r>
+                        <a:rPr lang="de-CH" sz="1800" u="none" strike="noStrike" dirty="0" smtClean="0">
+                          <a:effectLst/>
+                        </a:rPr>
+                        <a:t>Anwendungsfälle, </a:t>
+                      </a:r>
+                      <a:r>
+                        <a:rPr lang="de-CH" sz="1800" u="none" strike="noStrike" dirty="0">
+                          <a:effectLst/>
+                        </a:rPr>
+                        <a:t>Architektur und </a:t>
+                      </a:r>
+                      <a:r>
+                        <a:rPr lang="de-CH" sz="1800" u="none" strike="noStrike" dirty="0" smtClean="0">
+                          <a:effectLst/>
+                        </a:rPr>
+                        <a:t>Domänenmodell, </a:t>
+                      </a:r>
+                      <a:r>
+                        <a:rPr lang="de-CH" sz="1800" u="none" strike="noStrike" dirty="0">
+                          <a:effectLst/>
+                        </a:rPr>
+                        <a:t>GUI </a:t>
+                      </a:r>
+                      <a:r>
+                        <a:rPr lang="de-CH" sz="1800" u="none" strike="noStrike" dirty="0" smtClean="0">
+                          <a:effectLst/>
+                        </a:rPr>
+                        <a:t>Designkonzept/Prototyp, 10%</a:t>
+                      </a:r>
+                      <a:r>
+                        <a:rPr lang="de-CH" sz="1800" u="none" strike="noStrike" baseline="0" dirty="0" smtClean="0">
+                          <a:effectLst/>
+                        </a:rPr>
+                        <a:t> </a:t>
+                      </a:r>
+                      <a:r>
+                        <a:rPr lang="de-CH" sz="1800" u="none" strike="noStrike" dirty="0" smtClean="0">
+                          <a:effectLst/>
+                        </a:rPr>
+                        <a:t>Programmierungstasks</a:t>
+                      </a:r>
+                      <a:endParaRPr lang="de-CH" sz="1800" b="0" i="0" u="none" strike="noStrike" dirty="0">
+                        <a:solidFill>
+                          <a:srgbClr val="000000"/>
+                        </a:solidFill>
+                        <a:effectLst/>
+                        <a:latin typeface="Calibri"/>
+                      </a:endParaRPr>
+                    </a:p>
+                  </a:txBody>
+                  <a:tcPr marL="9525" marR="9525" marT="9525" marB="0" anchor="ctr"/>
+                </a:tc>
+              </a:tr>
+              <a:tr h="366041">
+                <a:tc>
+                  <a:txBody>
+                    <a:bodyPr/>
+                    <a:lstStyle/>
+                    <a:p>
+                      <a:pPr algn="l" fontAlgn="ctr"/>
+                      <a:r>
+                        <a:rPr lang="de-CH" sz="1800" u="none" strike="noStrike" dirty="0" err="1" smtClean="0">
+                          <a:effectLst/>
+                        </a:rPr>
+                        <a:t>Construction</a:t>
+                      </a:r>
+                      <a:endParaRPr lang="de-CH" sz="1800" b="0" i="0" u="none" strike="noStrike" dirty="0">
+                        <a:solidFill>
+                          <a:srgbClr val="000000"/>
+                        </a:solidFill>
+                        <a:effectLst/>
+                        <a:latin typeface="Calibri"/>
+                      </a:endParaRPr>
+                    </a:p>
+                  </a:txBody>
+                  <a:tcPr marL="9525" marR="9525" marT="9525" marB="0" anchor="ctr"/>
+                </a:tc>
+                <a:tc>
+                  <a:txBody>
+                    <a:bodyPr/>
+                    <a:lstStyle/>
+                    <a:p>
+                      <a:pPr algn="ctr" fontAlgn="ctr"/>
+                      <a:r>
+                        <a:rPr lang="de-CH" sz="1800" u="none" strike="noStrike" dirty="0" smtClean="0">
+                          <a:effectLst/>
+                        </a:rPr>
+                        <a:t>C1</a:t>
+                      </a:r>
+                      <a:endParaRPr lang="de-CH" sz="1800" b="0" i="0" u="none" strike="noStrike" dirty="0">
+                        <a:solidFill>
+                          <a:srgbClr val="000000"/>
+                        </a:solidFill>
+                        <a:effectLst/>
+                        <a:latin typeface="Calibri"/>
+                      </a:endParaRPr>
+                    </a:p>
+                  </a:txBody>
+                  <a:tcPr marL="9525" marR="9525" marT="9525" marB="0" anchor="ctr"/>
+                </a:tc>
+                <a:tc>
+                  <a:txBody>
+                    <a:bodyPr/>
+                    <a:lstStyle/>
+                    <a:p>
+                      <a:pPr algn="ctr" fontAlgn="ctr"/>
+                      <a:r>
+                        <a:rPr lang="de-CH" sz="1800" u="none" strike="noStrike" dirty="0">
+                          <a:effectLst/>
+                        </a:rPr>
+                        <a:t>50% </a:t>
+                      </a:r>
+                      <a:r>
+                        <a:rPr lang="de-CH" sz="1800" u="none" strike="noStrike" dirty="0" smtClean="0">
+                          <a:effectLst/>
+                        </a:rPr>
+                        <a:t>Programmierungstasks</a:t>
+                      </a:r>
+                      <a:endParaRPr lang="de-CH" sz="1800" b="0" i="0" u="none" strike="noStrike" dirty="0">
+                        <a:solidFill>
+                          <a:srgbClr val="000000"/>
+                        </a:solidFill>
+                        <a:effectLst/>
+                        <a:latin typeface="Calibri"/>
+                      </a:endParaRPr>
+                    </a:p>
+                  </a:txBody>
+                  <a:tcPr marL="9525" marR="9525" marT="9525" marB="0" anchor="ctr"/>
+                </a:tc>
+              </a:tr>
+              <a:tr h="366041">
+                <a:tc>
+                  <a:txBody>
+                    <a:bodyPr/>
+                    <a:lstStyle/>
+                    <a:p>
+                      <a:pPr algn="l" fontAlgn="ctr"/>
+                      <a:r>
+                        <a:rPr lang="de-CH" sz="1800" u="none" strike="noStrike" dirty="0" err="1" smtClean="0">
+                          <a:effectLst/>
+                        </a:rPr>
+                        <a:t>Construction</a:t>
+                      </a:r>
+                      <a:endParaRPr lang="de-CH" sz="1800" b="0" i="0" u="none" strike="noStrike" dirty="0">
+                        <a:solidFill>
+                          <a:srgbClr val="000000"/>
+                        </a:solidFill>
+                        <a:effectLst/>
+                        <a:latin typeface="Calibri"/>
+                      </a:endParaRPr>
+                    </a:p>
+                  </a:txBody>
+                  <a:tcPr marL="9525" marR="9525" marT="9525" marB="0" anchor="ctr"/>
+                </a:tc>
+                <a:tc>
+                  <a:txBody>
+                    <a:bodyPr/>
+                    <a:lstStyle/>
+                    <a:p>
+                      <a:pPr algn="ctr" fontAlgn="ctr"/>
+                      <a:r>
+                        <a:rPr lang="de-CH" sz="1800" u="none" strike="noStrike" dirty="0" smtClean="0">
+                          <a:effectLst/>
+                        </a:rPr>
+                        <a:t>C2</a:t>
+                      </a:r>
+                      <a:endParaRPr lang="de-CH" sz="1800" b="0" i="0" u="none" strike="noStrike" dirty="0">
+                        <a:solidFill>
+                          <a:srgbClr val="000000"/>
+                        </a:solidFill>
+                        <a:effectLst/>
+                        <a:latin typeface="Calibri"/>
+                      </a:endParaRPr>
+                    </a:p>
+                  </a:txBody>
+                  <a:tcPr marL="9525" marR="9525" marT="9525" marB="0" anchor="ctr"/>
+                </a:tc>
+                <a:tc>
+                  <a:txBody>
+                    <a:bodyPr/>
+                    <a:lstStyle/>
+                    <a:p>
+                      <a:pPr algn="ctr" fontAlgn="ctr"/>
+                      <a:r>
+                        <a:rPr lang="de-CH" sz="1800" u="none" strike="noStrike" dirty="0">
+                          <a:effectLst/>
+                        </a:rPr>
+                        <a:t>90% </a:t>
+                      </a:r>
+                      <a:r>
+                        <a:rPr lang="de-CH" sz="1800" u="none" strike="noStrike" dirty="0" smtClean="0">
+                          <a:effectLst/>
+                        </a:rPr>
+                        <a:t>Programmierungstasks, GUI</a:t>
+                      </a:r>
+                      <a:endParaRPr lang="de-CH" sz="1800" b="0" i="0" u="none" strike="noStrike" dirty="0">
+                        <a:solidFill>
+                          <a:srgbClr val="000000"/>
+                        </a:solidFill>
+                        <a:effectLst/>
+                        <a:latin typeface="Calibri"/>
+                      </a:endParaRPr>
+                    </a:p>
+                  </a:txBody>
+                  <a:tcPr marL="9525" marR="9525" marT="9525" marB="0" anchor="ctr"/>
+                </a:tc>
+              </a:tr>
+              <a:tr h="732081">
+                <a:tc>
+                  <a:txBody>
+                    <a:bodyPr/>
+                    <a:lstStyle/>
+                    <a:p>
+                      <a:pPr algn="l" fontAlgn="ctr"/>
+                      <a:r>
+                        <a:rPr lang="de-CH" sz="1800" u="none" strike="noStrike" dirty="0" smtClean="0">
+                          <a:effectLst/>
+                        </a:rPr>
+                        <a:t>Transition</a:t>
+                      </a:r>
+                      <a:endParaRPr lang="de-CH" sz="1800" b="0" i="0" u="none" strike="noStrike" dirty="0">
+                        <a:solidFill>
+                          <a:srgbClr val="000000"/>
+                        </a:solidFill>
+                        <a:effectLst/>
+                        <a:latin typeface="Calibri"/>
+                      </a:endParaRPr>
+                    </a:p>
+                  </a:txBody>
+                  <a:tcPr marL="9525" marR="9525" marT="9525" marB="0" anchor="ctr">
+                    <a:lnB w="12700" cap="flat" cmpd="sng" algn="ctr">
+                      <a:solidFill>
+                        <a:schemeClr val="tx2"/>
+                      </a:solidFill>
+                      <a:prstDash val="solid"/>
+                      <a:round/>
+                      <a:headEnd type="none" w="med" len="med"/>
+                      <a:tailEnd type="none" w="med" len="med"/>
+                    </a:lnB>
+                  </a:tcPr>
+                </a:tc>
+                <a:tc>
+                  <a:txBody>
+                    <a:bodyPr/>
+                    <a:lstStyle/>
+                    <a:p>
+                      <a:pPr algn="ctr" fontAlgn="ctr"/>
+                      <a:r>
+                        <a:rPr lang="de-CH" sz="1800" u="none" strike="noStrike" dirty="0" smtClean="0">
+                          <a:effectLst/>
+                        </a:rPr>
+                        <a:t>T1</a:t>
+                      </a:r>
+                      <a:endParaRPr lang="de-CH" sz="1800" b="0" i="0" u="none" strike="noStrike" dirty="0">
+                        <a:solidFill>
+                          <a:srgbClr val="000000"/>
+                        </a:solidFill>
+                        <a:effectLst/>
+                        <a:latin typeface="Calibri"/>
+                      </a:endParaRPr>
+                    </a:p>
+                  </a:txBody>
+                  <a:tcPr marL="9525" marR="9525" marT="9525" marB="0" anchor="ctr">
+                    <a:lnB w="12700" cap="flat" cmpd="sng" algn="ctr">
+                      <a:solidFill>
+                        <a:schemeClr val="tx2"/>
+                      </a:solidFill>
+                      <a:prstDash val="solid"/>
+                      <a:round/>
+                      <a:headEnd type="none" w="med" len="med"/>
+                      <a:tailEnd type="none" w="med" len="med"/>
+                    </a:lnB>
+                  </a:tcPr>
+                </a:tc>
+                <a:tc>
+                  <a:txBody>
+                    <a:bodyPr/>
+                    <a:lstStyle/>
+                    <a:p>
+                      <a:pPr algn="ctr" fontAlgn="ctr"/>
+                      <a:r>
+                        <a:rPr lang="de-CH" sz="1800" u="none" strike="noStrike" dirty="0">
+                          <a:effectLst/>
+                        </a:rPr>
+                        <a:t>100% </a:t>
+                      </a:r>
+                      <a:r>
+                        <a:rPr lang="de-CH" sz="1800" u="none" strike="noStrike" dirty="0" smtClean="0">
+                          <a:effectLst/>
+                        </a:rPr>
+                        <a:t>Programmierungstasks, </a:t>
+                      </a:r>
+                      <a:r>
+                        <a:rPr lang="de-CH" sz="1800" u="none" strike="noStrike" dirty="0" err="1">
+                          <a:effectLst/>
+                        </a:rPr>
+                        <a:t>Testing</a:t>
+                      </a:r>
+                      <a:r>
+                        <a:rPr lang="de-CH" sz="1800" u="none" strike="noStrike" dirty="0">
+                          <a:effectLst/>
+                        </a:rPr>
+                        <a:t>, Dokumentation und Abschlussarbeiten</a:t>
+                      </a:r>
+                      <a:endParaRPr lang="de-CH" sz="1800" b="0" i="0" u="none" strike="noStrike" dirty="0">
+                        <a:solidFill>
+                          <a:srgbClr val="000000"/>
+                        </a:solidFill>
+                        <a:effectLst/>
+                        <a:latin typeface="Calibri"/>
+                      </a:endParaRPr>
+                    </a:p>
+                  </a:txBody>
+                  <a:tcPr marL="9525" marR="9525" marT="9525" marB="0" anchor="ctr">
+                    <a:lnB w="12700" cap="flat" cmpd="sng" algn="ctr">
+                      <a:solidFill>
+                        <a:schemeClr val="tx2"/>
+                      </a:solidFill>
+                      <a:prstDash val="solid"/>
+                      <a:round/>
+                      <a:headEnd type="none" w="med" len="med"/>
+                      <a:tailEnd type="none" w="med" len="med"/>
+                    </a:lnB>
+                  </a:tcPr>
+                </a:tc>
+              </a:tr>
+              <a:tr h="366041">
+                <a:tc>
+                  <a:txBody>
+                    <a:bodyPr/>
+                    <a:lstStyle/>
+                    <a:p>
+                      <a:pPr algn="l" fontAlgn="b"/>
+                      <a:endParaRPr lang="de-CH" sz="1800" b="0" i="0" u="none" strike="noStrike">
+                        <a:solidFill>
+                          <a:srgbClr val="000000"/>
+                        </a:solidFill>
+                        <a:effectLst/>
+                        <a:latin typeface="Calibri"/>
+                      </a:endParaRPr>
+                    </a:p>
+                  </a:txBody>
+                  <a:tcPr marL="9525" marR="9525" marT="9525" marB="0" anchor="b">
+                    <a:lnT w="12700" cap="flat" cmpd="sng" algn="ctr">
+                      <a:solidFill>
+                        <a:schemeClr val="tx2"/>
+                      </a:solidFill>
+                      <a:prstDash val="solid"/>
+                      <a:round/>
+                      <a:headEnd type="none" w="med" len="med"/>
+                      <a:tailEnd type="none" w="med" len="med"/>
+                    </a:lnT>
+                    <a:lnB>
+                      <a:noFill/>
+                    </a:lnB>
+                  </a:tcPr>
+                </a:tc>
+                <a:tc>
+                  <a:txBody>
+                    <a:bodyPr/>
+                    <a:lstStyle/>
+                    <a:p>
+                      <a:pPr algn="l" fontAlgn="b"/>
+                      <a:endParaRPr lang="de-CH" sz="1800" b="0" i="0" u="none" strike="noStrike">
+                        <a:solidFill>
+                          <a:srgbClr val="000000"/>
+                        </a:solidFill>
+                        <a:effectLst/>
+                        <a:latin typeface="Calibri"/>
+                      </a:endParaRPr>
+                    </a:p>
+                  </a:txBody>
+                  <a:tcPr marL="9525" marR="9525" marT="9525" marB="0" anchor="b">
+                    <a:lnT w="12700" cap="flat" cmpd="sng" algn="ctr">
+                      <a:solidFill>
+                        <a:schemeClr val="tx2"/>
+                      </a:solidFill>
+                      <a:prstDash val="solid"/>
+                      <a:round/>
+                      <a:headEnd type="none" w="med" len="med"/>
+                      <a:tailEnd type="none" w="med" len="med"/>
+                    </a:lnT>
+                    <a:lnB>
+                      <a:noFill/>
+                    </a:lnB>
+                  </a:tcPr>
+                </a:tc>
+                <a:tc>
+                  <a:txBody>
+                    <a:bodyPr/>
+                    <a:lstStyle/>
+                    <a:p>
+                      <a:pPr algn="l" fontAlgn="b"/>
+                      <a:endParaRPr lang="de-CH" sz="1800" b="0" i="0" u="none" strike="noStrike" dirty="0">
+                        <a:solidFill>
+                          <a:srgbClr val="000000"/>
+                        </a:solidFill>
+                        <a:effectLst/>
+                        <a:latin typeface="Calibri"/>
+                      </a:endParaRPr>
+                    </a:p>
+                  </a:txBody>
+                  <a:tcPr marL="9525" marR="9525" marT="9525" marB="0" anchor="b">
+                    <a:lnT w="12700" cap="flat" cmpd="sng" algn="ctr">
+                      <a:solidFill>
+                        <a:schemeClr val="tx2"/>
+                      </a:solidFill>
+                      <a:prstDash val="solid"/>
+                      <a:round/>
+                      <a:headEnd type="none" w="med" len="med"/>
+                      <a:tailEnd type="none" w="med" len="med"/>
+                    </a:lnT>
+                    <a:lnB>
+                      <a:noFill/>
+                    </a:lnB>
+                  </a:tcPr>
+                </a:tc>
+              </a:tr>
+              <a:tr h="366041">
+                <a:tc gridSpan="2">
+                  <a:txBody>
+                    <a:bodyPr/>
+                    <a:lstStyle/>
+                    <a:p>
+                      <a:pPr algn="l" fontAlgn="b"/>
+                      <a:r>
+                        <a:rPr lang="de-CH" sz="1800" u="none" strike="noStrike">
+                          <a:effectLst/>
+                        </a:rPr>
+                        <a:t>Iterationsdauer: 2 -3 Wochen</a:t>
+                      </a:r>
+                      <a:endParaRPr lang="de-CH" sz="1800" b="0" i="0" u="none" strike="noStrike">
+                        <a:solidFill>
+                          <a:srgbClr val="000000"/>
+                        </a:solidFill>
+                        <a:effectLst/>
+                        <a:latin typeface="Calibri"/>
+                      </a:endParaRPr>
+                    </a:p>
+                  </a:txBody>
+                  <a:tcPr marL="9525" marR="9525" marT="9525" marB="0" anchor="b">
+                    <a:lnL>
+                      <a:noFill/>
+                    </a:lnL>
+                    <a:lnR>
+                      <a:noFill/>
+                    </a:lnR>
+                    <a:lnT>
+                      <a:noFill/>
+                    </a:lnT>
+                    <a:lnB w="12700" cmpd="sng">
+                      <a:noFill/>
+                    </a:lnB>
+                    <a:lnTlToBr w="12700" cmpd="sng">
+                      <a:noFill/>
+                      <a:prstDash val="solid"/>
+                    </a:lnTlToBr>
+                    <a:lnBlToTr w="12700" cmpd="sng">
+                      <a:noFill/>
+                      <a:prstDash val="solid"/>
+                    </a:lnBlToTr>
+                    <a:noFill/>
+                  </a:tcPr>
+                </a:tc>
+                <a:tc hMerge="1">
+                  <a:txBody>
+                    <a:bodyPr/>
+                    <a:lstStyle/>
+                    <a:p>
+                      <a:endParaRPr lang="de-CH"/>
+                    </a:p>
+                  </a:txBody>
+                  <a:tcPr/>
+                </a:tc>
+                <a:tc>
+                  <a:txBody>
+                    <a:bodyPr/>
+                    <a:lstStyle/>
+                    <a:p>
+                      <a:pPr algn="l" fontAlgn="b"/>
+                      <a:endParaRPr lang="de-CH" sz="1800" b="0" i="0" u="none" strike="noStrike" dirty="0">
+                        <a:solidFill>
+                          <a:srgbClr val="000000"/>
+                        </a:solidFill>
+                        <a:effectLst/>
+                        <a:latin typeface="Calibri"/>
+                      </a:endParaRPr>
+                    </a:p>
+                  </a:txBody>
+                  <a:tcPr marL="9525" marR="9525" marT="9525" marB="0" anchor="b">
+                    <a:lnL>
+                      <a:noFill/>
+                    </a:lnL>
+                    <a:lnR>
+                      <a:noFill/>
+                    </a:lnR>
+                    <a:lnT>
+                      <a:noFill/>
+                    </a:lnT>
+                    <a:lnB w="12700" cmpd="sng">
+                      <a:noFill/>
+                    </a:lnB>
+                    <a:lnTlToBr w="12700" cmpd="sng">
+                      <a:noFill/>
+                      <a:prstDash val="solid"/>
+                    </a:lnTlToBr>
+                    <a:lnBlToTr w="12700" cmpd="sng">
+                      <a:noFill/>
+                      <a:prstDash val="solid"/>
+                    </a:lnBlToTr>
+                    <a:noFill/>
+                  </a:tcPr>
+                </a:tc>
+              </a:tr>
+            </a:tbl>
+          </a:graphicData>
+        </a:graphic>
+      </p:graphicFrame>
     </p:spTree>
     <p:extLst>
       <p:ext uri="{BB962C8B-B14F-4D97-AF65-F5344CB8AC3E}">
-        <p14:creationId xmlns:p14="http://schemas.microsoft.com/office/powerpoint/2010/main" val="3178079573"/>
+        <p14:creationId xmlns:p14="http://schemas.microsoft.com/office/powerpoint/2010/main" val="672717875"/>
       </p:ext>
     </p:extLst>
   </p:cSld>
@@ -4011,31 +10734,837 @@
           <a:p>
             <a:r>
               <a:rPr lang="de-CH" sz="6000" dirty="0" smtClean="0"/>
-              <a:t>Kundennutzung</a:t>
+              <a:t>Risiken</a:t>
             </a:r>
             <a:endParaRPr lang="de-CH" sz="6000" dirty="0"/>
           </a:p>
         </p:txBody>
       </p:sp>
-      <p:sp>
-        <p:nvSpPr>
-          <p:cNvPr id="4" name="Inhaltsplatzhalter 3"/>
-          <p:cNvSpPr>
-            <a:spLocks noGrp="1"/>
-          </p:cNvSpPr>
+      <p:graphicFrame>
+        <p:nvGraphicFramePr>
+          <p:cNvPr id="3" name="Content Placeholder 2"/>
+          <p:cNvGraphicFramePr>
+            <a:graphicFrameLocks noGrp="1"/>
+          </p:cNvGraphicFramePr>
           <p:nvPr>
             <p:ph idx="1"/>
+            <p:extLst>
+              <p:ext uri="{D42A27DB-BD31-4B8C-83A1-F6EECF244321}">
+                <p14:modId xmlns:p14="http://schemas.microsoft.com/office/powerpoint/2010/main" val="1524536181"/>
+              </p:ext>
+            </p:extLst>
           </p:nvPr>
-        </p:nvSpPr>
-        <p:spPr/>
-        <p:txBody>
-          <a:bodyPr/>
-          <a:lstStyle/>
-          <a:p>
-            <a:endParaRPr lang="de-CH" dirty="0"/>
-          </a:p>
-        </p:txBody>
-      </p:sp>
+        </p:nvGraphicFramePr>
+        <p:xfrm>
+          <a:off x="683568" y="1844824"/>
+          <a:ext cx="7704857" cy="3600400"/>
+        </p:xfrm>
+        <a:graphic>
+          <a:graphicData uri="http://schemas.openxmlformats.org/drawingml/2006/table">
+            <a:tbl>
+              <a:tblPr firstRow="1" firstCol="1" bandRow="1">
+                <a:tableStyleId>{0E3FDE45-AF77-4B5C-9715-49D594BDF05E}</a:tableStyleId>
+              </a:tblPr>
+              <a:tblGrid>
+                <a:gridCol w="483845"/>
+                <a:gridCol w="1902998"/>
+                <a:gridCol w="1038978"/>
+                <a:gridCol w="806880"/>
+                <a:gridCol w="3472156"/>
+              </a:tblGrid>
+              <a:tr h="405658">
+                <a:tc>
+                  <a:txBody>
+                    <a:bodyPr/>
+                    <a:lstStyle/>
+                    <a:p>
+                      <a:pPr>
+                        <a:lnSpc>
+                          <a:spcPct val="115000"/>
+                        </a:lnSpc>
+                        <a:spcAft>
+                          <a:spcPts val="0"/>
+                        </a:spcAft>
+                      </a:pPr>
+                      <a:r>
+                        <a:rPr lang="de-CH" sz="1800" dirty="0">
+                          <a:effectLst/>
+                        </a:rPr>
+                        <a:t>Nr.</a:t>
+                      </a:r>
+                      <a:endParaRPr lang="de-CH" sz="1800" dirty="0">
+                        <a:effectLst/>
+                        <a:latin typeface="Calibri"/>
+                        <a:ea typeface="Calibri"/>
+                        <a:cs typeface="Times New Roman"/>
+                      </a:endParaRPr>
+                    </a:p>
+                  </a:txBody>
+                  <a:tcPr marL="44450" marR="44450" marT="0" marB="0" anchor="b"/>
+                </a:tc>
+                <a:tc>
+                  <a:txBody>
+                    <a:bodyPr/>
+                    <a:lstStyle/>
+                    <a:p>
+                      <a:pPr>
+                        <a:lnSpc>
+                          <a:spcPct val="115000"/>
+                        </a:lnSpc>
+                        <a:spcAft>
+                          <a:spcPts val="0"/>
+                        </a:spcAft>
+                      </a:pPr>
+                      <a:r>
+                        <a:rPr lang="de-CH" sz="1800" dirty="0">
+                          <a:effectLst/>
+                        </a:rPr>
+                        <a:t>Risiko</a:t>
+                      </a:r>
+                      <a:endParaRPr lang="de-CH" sz="1800" dirty="0">
+                        <a:effectLst/>
+                        <a:latin typeface="Calibri"/>
+                        <a:ea typeface="Calibri"/>
+                        <a:cs typeface="Times New Roman"/>
+                      </a:endParaRPr>
+                    </a:p>
+                  </a:txBody>
+                  <a:tcPr marL="44450" marR="44450" marT="0" marB="0" anchor="b"/>
+                </a:tc>
+                <a:tc>
+                  <a:txBody>
+                    <a:bodyPr/>
+                    <a:lstStyle/>
+                    <a:p>
+                      <a:pPr>
+                        <a:lnSpc>
+                          <a:spcPct val="115000"/>
+                        </a:lnSpc>
+                        <a:spcAft>
+                          <a:spcPts val="0"/>
+                        </a:spcAft>
+                      </a:pPr>
+                      <a:r>
+                        <a:rPr lang="de-CH" sz="1800" dirty="0">
+                          <a:effectLst/>
+                        </a:rPr>
+                        <a:t>EW</a:t>
+                      </a:r>
+                      <a:endParaRPr lang="de-CH" sz="1800" dirty="0">
+                        <a:effectLst/>
+                        <a:latin typeface="Calibri"/>
+                        <a:ea typeface="Calibri"/>
+                        <a:cs typeface="Times New Roman"/>
+                      </a:endParaRPr>
+                    </a:p>
+                  </a:txBody>
+                  <a:tcPr marL="44450" marR="44450" marT="0" marB="0" anchor="b"/>
+                </a:tc>
+                <a:tc>
+                  <a:txBody>
+                    <a:bodyPr/>
+                    <a:lstStyle/>
+                    <a:p>
+                      <a:pPr>
+                        <a:lnSpc>
+                          <a:spcPct val="115000"/>
+                        </a:lnSpc>
+                        <a:spcAft>
+                          <a:spcPts val="0"/>
+                        </a:spcAft>
+                      </a:pPr>
+                      <a:r>
+                        <a:rPr lang="de-CH" sz="1800">
+                          <a:effectLst/>
+                        </a:rPr>
+                        <a:t>AW</a:t>
+                      </a:r>
+                      <a:endParaRPr lang="de-CH" sz="1800">
+                        <a:effectLst/>
+                        <a:latin typeface="Calibri"/>
+                        <a:ea typeface="Calibri"/>
+                        <a:cs typeface="Times New Roman"/>
+                      </a:endParaRPr>
+                    </a:p>
+                  </a:txBody>
+                  <a:tcPr marL="44450" marR="44450" marT="0" marB="0" anchor="b"/>
+                </a:tc>
+                <a:tc>
+                  <a:txBody>
+                    <a:bodyPr/>
+                    <a:lstStyle/>
+                    <a:p>
+                      <a:pPr>
+                        <a:lnSpc>
+                          <a:spcPct val="115000"/>
+                        </a:lnSpc>
+                        <a:spcAft>
+                          <a:spcPts val="0"/>
+                        </a:spcAft>
+                      </a:pPr>
+                      <a:r>
+                        <a:rPr lang="de-CH" sz="1800" dirty="0">
+                          <a:effectLst/>
+                        </a:rPr>
+                        <a:t>Massnahmen</a:t>
+                      </a:r>
+                      <a:endParaRPr lang="de-CH" sz="1800" dirty="0">
+                        <a:effectLst/>
+                        <a:latin typeface="Calibri"/>
+                        <a:ea typeface="Calibri"/>
+                        <a:cs typeface="Times New Roman"/>
+                      </a:endParaRPr>
+                    </a:p>
+                  </a:txBody>
+                  <a:tcPr marL="44450" marR="44450" marT="0" marB="0" anchor="b"/>
+                </a:tc>
+              </a:tr>
+              <a:tr h="746470">
+                <a:tc>
+                  <a:txBody>
+                    <a:bodyPr/>
+                    <a:lstStyle/>
+                    <a:p>
+                      <a:pPr algn="r">
+                        <a:lnSpc>
+                          <a:spcPct val="115000"/>
+                        </a:lnSpc>
+                        <a:spcAft>
+                          <a:spcPts val="0"/>
+                        </a:spcAft>
+                      </a:pPr>
+                      <a:r>
+                        <a:rPr lang="de-CH" sz="1800" dirty="0">
+                          <a:effectLst/>
+                        </a:rPr>
+                        <a:t>1</a:t>
+                      </a:r>
+                      <a:endParaRPr lang="de-CH" sz="1800" dirty="0">
+                        <a:effectLst/>
+                        <a:latin typeface="Calibri"/>
+                        <a:ea typeface="Calibri"/>
+                        <a:cs typeface="Times New Roman"/>
+                      </a:endParaRPr>
+                    </a:p>
+                  </a:txBody>
+                  <a:tcPr marL="44450" marR="44450" marT="0" marB="0" anchor="ctr"/>
+                </a:tc>
+                <a:tc>
+                  <a:txBody>
+                    <a:bodyPr/>
+                    <a:lstStyle/>
+                    <a:p>
+                      <a:pPr>
+                        <a:lnSpc>
+                          <a:spcPct val="115000"/>
+                        </a:lnSpc>
+                        <a:spcAft>
+                          <a:spcPts val="0"/>
+                        </a:spcAft>
+                      </a:pPr>
+                      <a:r>
+                        <a:rPr lang="de-CH" sz="1800" dirty="0">
+                          <a:effectLst/>
+                        </a:rPr>
+                        <a:t>ZHAW Netzwerk</a:t>
+                      </a:r>
+                      <a:endParaRPr lang="de-CH" sz="1800" dirty="0">
+                        <a:effectLst/>
+                        <a:latin typeface="Calibri"/>
+                        <a:ea typeface="Calibri"/>
+                        <a:cs typeface="Times New Roman"/>
+                      </a:endParaRPr>
+                    </a:p>
+                  </a:txBody>
+                  <a:tcPr marL="44450" marR="44450" marT="0" marB="0" anchor="ctr"/>
+                </a:tc>
+                <a:tc>
+                  <a:txBody>
+                    <a:bodyPr/>
+                    <a:lstStyle/>
+                    <a:p>
+                      <a:pPr>
+                        <a:lnSpc>
+                          <a:spcPct val="115000"/>
+                        </a:lnSpc>
+                        <a:spcAft>
+                          <a:spcPts val="0"/>
+                        </a:spcAft>
+                      </a:pPr>
+                      <a:r>
+                        <a:rPr lang="de-CH" sz="1800" dirty="0" smtClean="0">
+                          <a:effectLst/>
+                        </a:rPr>
+                        <a:t>4</a:t>
+                      </a:r>
+                      <a:endParaRPr lang="de-CH" sz="1800" dirty="0">
+                        <a:effectLst/>
+                        <a:latin typeface="Calibri"/>
+                        <a:ea typeface="Calibri"/>
+                        <a:cs typeface="Times New Roman"/>
+                      </a:endParaRPr>
+                    </a:p>
+                  </a:txBody>
+                  <a:tcPr marL="44450" marR="44450" marT="0" marB="0" anchor="ctr"/>
+                </a:tc>
+                <a:tc>
+                  <a:txBody>
+                    <a:bodyPr/>
+                    <a:lstStyle/>
+                    <a:p>
+                      <a:pPr>
+                        <a:lnSpc>
+                          <a:spcPct val="115000"/>
+                        </a:lnSpc>
+                        <a:spcAft>
+                          <a:spcPts val="0"/>
+                        </a:spcAft>
+                      </a:pPr>
+                      <a:r>
+                        <a:rPr lang="de-CH" sz="1800" dirty="0">
+                          <a:effectLst/>
+                        </a:rPr>
+                        <a:t>Gering</a:t>
+                      </a:r>
+                      <a:endParaRPr lang="de-CH" sz="1800" dirty="0">
+                        <a:effectLst/>
+                        <a:latin typeface="Calibri"/>
+                        <a:ea typeface="Calibri"/>
+                        <a:cs typeface="Times New Roman"/>
+                      </a:endParaRPr>
+                    </a:p>
+                  </a:txBody>
+                  <a:tcPr marL="44450" marR="44450" marT="0" marB="0" anchor="ctr"/>
+                </a:tc>
+                <a:tc>
+                  <a:txBody>
+                    <a:bodyPr/>
+                    <a:lstStyle/>
+                    <a:p>
+                      <a:pPr>
+                        <a:lnSpc>
+                          <a:spcPct val="115000"/>
+                        </a:lnSpc>
+                        <a:spcAft>
+                          <a:spcPts val="0"/>
+                        </a:spcAft>
+                      </a:pPr>
+                      <a:r>
+                        <a:rPr lang="de-CH" sz="1800" dirty="0" err="1" smtClean="0">
+                          <a:effectLst/>
+                          <a:latin typeface="Arial (Body)"/>
+                          <a:ea typeface="Calibri"/>
+                          <a:cs typeface="Times New Roman"/>
+                        </a:rPr>
+                        <a:t>Git</a:t>
+                      </a:r>
+                      <a:r>
+                        <a:rPr lang="de-CH" sz="1800" dirty="0" smtClean="0">
+                          <a:effectLst/>
+                          <a:latin typeface="Arial (Body)"/>
+                          <a:ea typeface="Calibri"/>
+                          <a:cs typeface="Times New Roman"/>
+                        </a:rPr>
+                        <a:t> benutzen</a:t>
+                      </a:r>
+                      <a:endParaRPr lang="de-CH" sz="1800" dirty="0">
+                        <a:effectLst/>
+                        <a:latin typeface="Arial (Body)"/>
+                        <a:ea typeface="Calibri"/>
+                        <a:cs typeface="Times New Roman"/>
+                      </a:endParaRPr>
+                    </a:p>
+                  </a:txBody>
+                  <a:tcPr marL="44450" marR="44450" marT="0" marB="0" anchor="ctr"/>
+                </a:tc>
+              </a:tr>
+              <a:tr h="864096">
+                <a:tc>
+                  <a:txBody>
+                    <a:bodyPr/>
+                    <a:lstStyle/>
+                    <a:p>
+                      <a:pPr algn="r">
+                        <a:lnSpc>
+                          <a:spcPct val="115000"/>
+                        </a:lnSpc>
+                        <a:spcAft>
+                          <a:spcPts val="0"/>
+                        </a:spcAft>
+                      </a:pPr>
+                      <a:r>
+                        <a:rPr lang="de-CH" sz="1800">
+                          <a:effectLst/>
+                        </a:rPr>
+                        <a:t>2</a:t>
+                      </a:r>
+                      <a:endParaRPr lang="de-CH" sz="1800">
+                        <a:effectLst/>
+                        <a:latin typeface="Calibri"/>
+                        <a:ea typeface="Calibri"/>
+                        <a:cs typeface="Times New Roman"/>
+                      </a:endParaRPr>
+                    </a:p>
+                  </a:txBody>
+                  <a:tcPr marL="44450" marR="44450" marT="0" marB="0" anchor="ctr"/>
+                </a:tc>
+                <a:tc>
+                  <a:txBody>
+                    <a:bodyPr/>
+                    <a:lstStyle/>
+                    <a:p>
+                      <a:pPr>
+                        <a:lnSpc>
+                          <a:spcPct val="115000"/>
+                        </a:lnSpc>
+                        <a:spcAft>
+                          <a:spcPts val="0"/>
+                        </a:spcAft>
+                      </a:pPr>
+                      <a:r>
+                        <a:rPr lang="de-CH" sz="1800" dirty="0">
+                          <a:effectLst/>
+                        </a:rPr>
+                        <a:t>Motivation</a:t>
+                      </a:r>
+                      <a:endParaRPr lang="de-CH" sz="1800" dirty="0">
+                        <a:effectLst/>
+                        <a:latin typeface="Calibri"/>
+                        <a:ea typeface="Calibri"/>
+                        <a:cs typeface="Times New Roman"/>
+                      </a:endParaRPr>
+                    </a:p>
+                  </a:txBody>
+                  <a:tcPr marL="44450" marR="44450" marT="0" marB="0" anchor="ctr"/>
+                </a:tc>
+                <a:tc>
+                  <a:txBody>
+                    <a:bodyPr/>
+                    <a:lstStyle/>
+                    <a:p>
+                      <a:pPr>
+                        <a:lnSpc>
+                          <a:spcPct val="115000"/>
+                        </a:lnSpc>
+                        <a:spcAft>
+                          <a:spcPts val="0"/>
+                        </a:spcAft>
+                      </a:pPr>
+                      <a:r>
+                        <a:rPr lang="de-CH" sz="1800" dirty="0" smtClean="0">
+                          <a:effectLst/>
+                        </a:rPr>
+                        <a:t>3</a:t>
+                      </a:r>
+                      <a:endParaRPr lang="de-CH" sz="1800" dirty="0">
+                        <a:effectLst/>
+                        <a:latin typeface="Calibri"/>
+                        <a:ea typeface="Calibri"/>
+                        <a:cs typeface="Times New Roman"/>
+                      </a:endParaRPr>
+                    </a:p>
+                  </a:txBody>
+                  <a:tcPr marL="44450" marR="44450" marT="0" marB="0" anchor="ctr"/>
+                </a:tc>
+                <a:tc>
+                  <a:txBody>
+                    <a:bodyPr/>
+                    <a:lstStyle/>
+                    <a:p>
+                      <a:pPr>
+                        <a:lnSpc>
+                          <a:spcPct val="115000"/>
+                        </a:lnSpc>
+                        <a:spcAft>
+                          <a:spcPts val="0"/>
+                        </a:spcAft>
+                      </a:pPr>
+                      <a:r>
+                        <a:rPr lang="de-CH" sz="1800" dirty="0">
+                          <a:effectLst/>
+                        </a:rPr>
+                        <a:t>Mittel</a:t>
+                      </a:r>
+                      <a:endParaRPr lang="de-CH" sz="1800" dirty="0">
+                        <a:effectLst/>
+                        <a:latin typeface="Calibri"/>
+                        <a:ea typeface="Calibri"/>
+                        <a:cs typeface="Times New Roman"/>
+                      </a:endParaRPr>
+                    </a:p>
+                  </a:txBody>
+                  <a:tcPr marL="44450" marR="44450" marT="0" marB="0" anchor="ctr"/>
+                </a:tc>
+                <a:tc>
+                  <a:txBody>
+                    <a:bodyPr/>
+                    <a:lstStyle/>
+                    <a:p>
+                      <a:pPr>
+                        <a:lnSpc>
+                          <a:spcPct val="115000"/>
+                        </a:lnSpc>
+                        <a:spcAft>
+                          <a:spcPts val="0"/>
+                        </a:spcAft>
+                      </a:pPr>
+                      <a:r>
+                        <a:rPr lang="de-CH" sz="1800" dirty="0" smtClean="0">
+                          <a:effectLst/>
+                          <a:latin typeface="Arial (Body)"/>
+                          <a:ea typeface="Calibri"/>
+                          <a:cs typeface="Times New Roman"/>
+                        </a:rPr>
+                        <a:t>Gerechte Verteilung,</a:t>
+                      </a:r>
+                      <a:r>
+                        <a:rPr lang="de-CH" sz="1800" baseline="0" dirty="0" smtClean="0">
+                          <a:effectLst/>
+                          <a:latin typeface="Arial (Body)"/>
+                          <a:ea typeface="Calibri"/>
+                          <a:cs typeface="Times New Roman"/>
+                        </a:rPr>
+                        <a:t> Teamgeist, gemeinsame Ziele</a:t>
+                      </a:r>
+                      <a:endParaRPr lang="de-CH" sz="1800" dirty="0">
+                        <a:effectLst/>
+                        <a:latin typeface="Arial (Body)"/>
+                        <a:ea typeface="Calibri"/>
+                        <a:cs typeface="Times New Roman"/>
+                      </a:endParaRPr>
+                    </a:p>
+                  </a:txBody>
+                  <a:tcPr marL="44450" marR="44450" marT="0" marB="0" anchor="ctr"/>
+                </a:tc>
+              </a:tr>
+              <a:tr h="864096">
+                <a:tc>
+                  <a:txBody>
+                    <a:bodyPr/>
+                    <a:lstStyle/>
+                    <a:p>
+                      <a:pPr algn="r">
+                        <a:lnSpc>
+                          <a:spcPct val="115000"/>
+                        </a:lnSpc>
+                        <a:spcAft>
+                          <a:spcPts val="0"/>
+                        </a:spcAft>
+                      </a:pPr>
+                      <a:r>
+                        <a:rPr lang="de-CH" sz="1800">
+                          <a:effectLst/>
+                        </a:rPr>
+                        <a:t>3</a:t>
+                      </a:r>
+                      <a:endParaRPr lang="de-CH" sz="1800">
+                        <a:effectLst/>
+                        <a:latin typeface="Calibri"/>
+                        <a:ea typeface="Calibri"/>
+                        <a:cs typeface="Times New Roman"/>
+                      </a:endParaRPr>
+                    </a:p>
+                  </a:txBody>
+                  <a:tcPr marL="44450" marR="44450" marT="0" marB="0" anchor="ctr"/>
+                </a:tc>
+                <a:tc>
+                  <a:txBody>
+                    <a:bodyPr/>
+                    <a:lstStyle/>
+                    <a:p>
+                      <a:pPr>
+                        <a:lnSpc>
+                          <a:spcPct val="115000"/>
+                        </a:lnSpc>
+                        <a:spcAft>
+                          <a:spcPts val="0"/>
+                        </a:spcAft>
+                      </a:pPr>
+                      <a:r>
+                        <a:rPr lang="de-CH" sz="1800" dirty="0">
+                          <a:effectLst/>
+                        </a:rPr>
+                        <a:t>Probleme mit </a:t>
+                      </a:r>
+                      <a:r>
+                        <a:rPr lang="de-CH" sz="1800" dirty="0" smtClean="0">
+                          <a:effectLst/>
+                        </a:rPr>
+                        <a:t>IDE</a:t>
+                      </a:r>
+                      <a:endParaRPr lang="de-CH" sz="1800" dirty="0">
+                        <a:effectLst/>
+                        <a:latin typeface="Calibri"/>
+                        <a:ea typeface="Calibri"/>
+                        <a:cs typeface="Times New Roman"/>
+                      </a:endParaRPr>
+                    </a:p>
+                  </a:txBody>
+                  <a:tcPr marL="44450" marR="44450" marT="0" marB="0" anchor="ctr"/>
+                </a:tc>
+                <a:tc>
+                  <a:txBody>
+                    <a:bodyPr/>
+                    <a:lstStyle/>
+                    <a:p>
+                      <a:pPr>
+                        <a:lnSpc>
+                          <a:spcPct val="115000"/>
+                        </a:lnSpc>
+                        <a:spcAft>
+                          <a:spcPts val="0"/>
+                        </a:spcAft>
+                      </a:pPr>
+                      <a:r>
+                        <a:rPr lang="de-CH" sz="1800" dirty="0" smtClean="0">
+                          <a:effectLst/>
+                        </a:rPr>
+                        <a:t>2</a:t>
+                      </a:r>
+                      <a:endParaRPr lang="de-CH" sz="1800" dirty="0">
+                        <a:effectLst/>
+                        <a:latin typeface="Calibri"/>
+                        <a:ea typeface="Calibri"/>
+                        <a:cs typeface="Times New Roman"/>
+                      </a:endParaRPr>
+                    </a:p>
+                  </a:txBody>
+                  <a:tcPr marL="44450" marR="44450" marT="0" marB="0" anchor="ctr"/>
+                </a:tc>
+                <a:tc>
+                  <a:txBody>
+                    <a:bodyPr/>
+                    <a:lstStyle/>
+                    <a:p>
+                      <a:pPr>
+                        <a:lnSpc>
+                          <a:spcPct val="115000"/>
+                        </a:lnSpc>
+                        <a:spcAft>
+                          <a:spcPts val="0"/>
+                        </a:spcAft>
+                      </a:pPr>
+                      <a:r>
+                        <a:rPr lang="de-CH" sz="1800" dirty="0">
+                          <a:effectLst/>
+                        </a:rPr>
+                        <a:t>Hoch</a:t>
+                      </a:r>
+                      <a:endParaRPr lang="de-CH" sz="1800" dirty="0">
+                        <a:effectLst/>
+                        <a:latin typeface="Calibri"/>
+                        <a:ea typeface="Calibri"/>
+                        <a:cs typeface="Times New Roman"/>
+                      </a:endParaRPr>
+                    </a:p>
+                  </a:txBody>
+                  <a:tcPr marL="44450" marR="44450" marT="0" marB="0" anchor="ctr"/>
+                </a:tc>
+                <a:tc>
+                  <a:txBody>
+                    <a:bodyPr/>
+                    <a:lstStyle/>
+                    <a:p>
+                      <a:pPr>
+                        <a:lnSpc>
+                          <a:spcPct val="115000"/>
+                        </a:lnSpc>
+                        <a:spcAft>
+                          <a:spcPts val="0"/>
+                        </a:spcAft>
+                      </a:pPr>
+                      <a:r>
+                        <a:rPr lang="de-CH" sz="1800" dirty="0" smtClean="0">
+                          <a:effectLst/>
+                          <a:latin typeface="Arial (Body)"/>
+                          <a:ea typeface="Calibri"/>
+                          <a:cs typeface="Times New Roman"/>
+                        </a:rPr>
+                        <a:t>Gemeinsam Einrichten, gegenseitig Unterstützen</a:t>
+                      </a:r>
+                      <a:endParaRPr lang="de-CH" sz="1800" dirty="0">
+                        <a:effectLst/>
+                        <a:latin typeface="Arial (Body)"/>
+                        <a:ea typeface="Calibri"/>
+                        <a:cs typeface="Times New Roman"/>
+                      </a:endParaRPr>
+                    </a:p>
+                  </a:txBody>
+                  <a:tcPr marL="44450" marR="44450" marT="0" marB="0" anchor="ctr"/>
+                </a:tc>
+              </a:tr>
+              <a:tr h="720080">
+                <a:tc>
+                  <a:txBody>
+                    <a:bodyPr/>
+                    <a:lstStyle/>
+                    <a:p>
+                      <a:pPr algn="r">
+                        <a:lnSpc>
+                          <a:spcPct val="115000"/>
+                        </a:lnSpc>
+                        <a:spcAft>
+                          <a:spcPts val="0"/>
+                        </a:spcAft>
+                      </a:pPr>
+                      <a:r>
+                        <a:rPr lang="de-CH" sz="1800">
+                          <a:effectLst/>
+                        </a:rPr>
+                        <a:t>4</a:t>
+                      </a:r>
+                      <a:endParaRPr lang="de-CH" sz="1800">
+                        <a:effectLst/>
+                        <a:latin typeface="Calibri"/>
+                        <a:ea typeface="Calibri"/>
+                        <a:cs typeface="Times New Roman"/>
+                      </a:endParaRPr>
+                    </a:p>
+                  </a:txBody>
+                  <a:tcPr marL="44450" marR="44450" marT="0" marB="0" anchor="ctr"/>
+                </a:tc>
+                <a:tc>
+                  <a:txBody>
+                    <a:bodyPr/>
+                    <a:lstStyle/>
+                    <a:p>
+                      <a:pPr>
+                        <a:lnSpc>
+                          <a:spcPct val="115000"/>
+                        </a:lnSpc>
+                        <a:spcAft>
+                          <a:spcPts val="0"/>
+                        </a:spcAft>
+                      </a:pPr>
+                      <a:r>
+                        <a:rPr lang="de-CH" sz="1800">
+                          <a:effectLst/>
+                        </a:rPr>
+                        <a:t>Hardware</a:t>
+                      </a:r>
+                      <a:endParaRPr lang="de-CH" sz="1800">
+                        <a:effectLst/>
+                        <a:latin typeface="Calibri"/>
+                        <a:ea typeface="Calibri"/>
+                        <a:cs typeface="Times New Roman"/>
+                      </a:endParaRPr>
+                    </a:p>
+                  </a:txBody>
+                  <a:tcPr marL="44450" marR="44450" marT="0" marB="0" anchor="ctr"/>
+                </a:tc>
+                <a:tc>
+                  <a:txBody>
+                    <a:bodyPr/>
+                    <a:lstStyle/>
+                    <a:p>
+                      <a:pPr>
+                        <a:lnSpc>
+                          <a:spcPct val="115000"/>
+                        </a:lnSpc>
+                        <a:spcAft>
+                          <a:spcPts val="0"/>
+                        </a:spcAft>
+                      </a:pPr>
+                      <a:r>
+                        <a:rPr lang="de-CH" sz="1800" dirty="0" smtClean="0">
+                          <a:effectLst/>
+                        </a:rPr>
+                        <a:t>2</a:t>
+                      </a:r>
+                      <a:endParaRPr lang="de-CH" sz="1800" dirty="0">
+                        <a:effectLst/>
+                        <a:latin typeface="Calibri"/>
+                        <a:ea typeface="Calibri"/>
+                        <a:cs typeface="Times New Roman"/>
+                      </a:endParaRPr>
+                    </a:p>
+                  </a:txBody>
+                  <a:tcPr marL="44450" marR="44450" marT="0" marB="0" anchor="ctr"/>
+                </a:tc>
+                <a:tc>
+                  <a:txBody>
+                    <a:bodyPr/>
+                    <a:lstStyle/>
+                    <a:p>
+                      <a:pPr>
+                        <a:lnSpc>
+                          <a:spcPct val="115000"/>
+                        </a:lnSpc>
+                        <a:spcAft>
+                          <a:spcPts val="0"/>
+                        </a:spcAft>
+                      </a:pPr>
+                      <a:r>
+                        <a:rPr lang="de-CH" sz="1800" dirty="0">
+                          <a:effectLst/>
+                        </a:rPr>
+                        <a:t>Hoch</a:t>
+                      </a:r>
+                      <a:endParaRPr lang="de-CH" sz="1800" dirty="0">
+                        <a:effectLst/>
+                        <a:latin typeface="Calibri"/>
+                        <a:ea typeface="Calibri"/>
+                        <a:cs typeface="Times New Roman"/>
+                      </a:endParaRPr>
+                    </a:p>
+                  </a:txBody>
+                  <a:tcPr marL="44450" marR="44450" marT="0" marB="0" anchor="ctr"/>
+                </a:tc>
+                <a:tc>
+                  <a:txBody>
+                    <a:bodyPr/>
+                    <a:lstStyle/>
+                    <a:p>
+                      <a:pPr>
+                        <a:lnSpc>
+                          <a:spcPct val="115000"/>
+                        </a:lnSpc>
+                        <a:spcAft>
+                          <a:spcPts val="0"/>
+                        </a:spcAft>
+                      </a:pPr>
+                      <a:r>
+                        <a:rPr lang="de-CH" sz="1800" dirty="0" err="1" smtClean="0">
+                          <a:effectLst/>
+                          <a:latin typeface="Arial (Body)"/>
+                          <a:ea typeface="Calibri"/>
+                          <a:cs typeface="Times New Roman"/>
+                        </a:rPr>
+                        <a:t>Sorgfallt</a:t>
+                      </a:r>
+                      <a:r>
+                        <a:rPr lang="de-CH" sz="1800" dirty="0" smtClean="0">
+                          <a:effectLst/>
+                          <a:latin typeface="Arial (Body)"/>
+                          <a:ea typeface="Calibri"/>
+                          <a:cs typeface="Times New Roman"/>
+                        </a:rPr>
+                        <a:t>,</a:t>
+                      </a:r>
+                      <a:r>
+                        <a:rPr lang="de-CH" sz="1800" baseline="0" dirty="0" smtClean="0">
+                          <a:effectLst/>
+                          <a:latin typeface="Arial (Body)"/>
+                          <a:ea typeface="Calibri"/>
+                          <a:cs typeface="Times New Roman"/>
+                        </a:rPr>
+                        <a:t> Ersatz besorgen</a:t>
+                      </a:r>
+                      <a:endParaRPr lang="de-CH" sz="1800" dirty="0">
+                        <a:effectLst/>
+                        <a:latin typeface="Arial (Body)"/>
+                        <a:ea typeface="Calibri"/>
+                        <a:cs typeface="Times New Roman"/>
+                      </a:endParaRPr>
+                    </a:p>
+                  </a:txBody>
+                  <a:tcPr marL="44450" marR="44450" marT="0" marB="0" anchor="ctr"/>
+                </a:tc>
+              </a:tr>
+            </a:tbl>
+          </a:graphicData>
+        </a:graphic>
+      </p:graphicFrame>
     </p:spTree>
     <p:extLst>
       <p:ext uri="{BB962C8B-B14F-4D97-AF65-F5344CB8AC3E}">
@@ -4092,35 +11621,799 @@
           <a:p>
             <a:r>
               <a:rPr lang="de-CH" sz="6000" dirty="0" smtClean="0"/>
-              <a:t>Wirtschaftlichkeit</a:t>
+              <a:t>Risiken</a:t>
             </a:r>
             <a:endParaRPr lang="de-CH" sz="6000" dirty="0"/>
           </a:p>
         </p:txBody>
       </p:sp>
-      <p:sp>
-        <p:nvSpPr>
-          <p:cNvPr id="4" name="Inhaltsplatzhalter 3"/>
-          <p:cNvSpPr>
-            <a:spLocks noGrp="1"/>
-          </p:cNvSpPr>
+      <p:graphicFrame>
+        <p:nvGraphicFramePr>
+          <p:cNvPr id="3" name="Content Placeholder 2"/>
+          <p:cNvGraphicFramePr>
+            <a:graphicFrameLocks noGrp="1"/>
+          </p:cNvGraphicFramePr>
           <p:nvPr>
             <p:ph idx="1"/>
+            <p:extLst>
+              <p:ext uri="{D42A27DB-BD31-4B8C-83A1-F6EECF244321}">
+                <p14:modId xmlns:p14="http://schemas.microsoft.com/office/powerpoint/2010/main" val="1896010324"/>
+              </p:ext>
+            </p:extLst>
           </p:nvPr>
-        </p:nvSpPr>
-        <p:spPr/>
-        <p:txBody>
-          <a:bodyPr/>
-          <a:lstStyle/>
-          <a:p>
-            <a:endParaRPr lang="de-CH"/>
-          </a:p>
-        </p:txBody>
-      </p:sp>
+        </p:nvGraphicFramePr>
+        <p:xfrm>
+          <a:off x="683568" y="1844824"/>
+          <a:ext cx="7704857" cy="3672408"/>
+        </p:xfrm>
+        <a:graphic>
+          <a:graphicData uri="http://schemas.openxmlformats.org/drawingml/2006/table">
+            <a:tbl>
+              <a:tblPr firstRow="1" firstCol="1" bandRow="1">
+                <a:tableStyleId>{0E3FDE45-AF77-4B5C-9715-49D594BDF05E}</a:tableStyleId>
+              </a:tblPr>
+              <a:tblGrid>
+                <a:gridCol w="483845"/>
+                <a:gridCol w="1902998"/>
+                <a:gridCol w="1038978"/>
+                <a:gridCol w="806880"/>
+                <a:gridCol w="3472156"/>
+              </a:tblGrid>
+              <a:tr h="405658">
+                <a:tc>
+                  <a:txBody>
+                    <a:bodyPr/>
+                    <a:lstStyle/>
+                    <a:p>
+                      <a:pPr>
+                        <a:lnSpc>
+                          <a:spcPct val="115000"/>
+                        </a:lnSpc>
+                        <a:spcAft>
+                          <a:spcPts val="0"/>
+                        </a:spcAft>
+                      </a:pPr>
+                      <a:r>
+                        <a:rPr lang="de-CH" sz="1800" dirty="0">
+                          <a:effectLst/>
+                        </a:rPr>
+                        <a:t>Nr.</a:t>
+                      </a:r>
+                      <a:endParaRPr lang="de-CH" sz="1800" dirty="0">
+                        <a:effectLst/>
+                        <a:latin typeface="Calibri"/>
+                        <a:ea typeface="Calibri"/>
+                        <a:cs typeface="Times New Roman"/>
+                      </a:endParaRPr>
+                    </a:p>
+                  </a:txBody>
+                  <a:tcPr marL="44450" marR="44450" marT="0" marB="0" anchor="b"/>
+                </a:tc>
+                <a:tc>
+                  <a:txBody>
+                    <a:bodyPr/>
+                    <a:lstStyle/>
+                    <a:p>
+                      <a:pPr>
+                        <a:lnSpc>
+                          <a:spcPct val="115000"/>
+                        </a:lnSpc>
+                        <a:spcAft>
+                          <a:spcPts val="0"/>
+                        </a:spcAft>
+                      </a:pPr>
+                      <a:r>
+                        <a:rPr lang="de-CH" sz="1800" dirty="0">
+                          <a:effectLst/>
+                        </a:rPr>
+                        <a:t>Risiko</a:t>
+                      </a:r>
+                      <a:endParaRPr lang="de-CH" sz="1800" dirty="0">
+                        <a:effectLst/>
+                        <a:latin typeface="Calibri"/>
+                        <a:ea typeface="Calibri"/>
+                        <a:cs typeface="Times New Roman"/>
+                      </a:endParaRPr>
+                    </a:p>
+                  </a:txBody>
+                  <a:tcPr marL="44450" marR="44450" marT="0" marB="0" anchor="b"/>
+                </a:tc>
+                <a:tc>
+                  <a:txBody>
+                    <a:bodyPr/>
+                    <a:lstStyle/>
+                    <a:p>
+                      <a:pPr>
+                        <a:lnSpc>
+                          <a:spcPct val="115000"/>
+                        </a:lnSpc>
+                        <a:spcAft>
+                          <a:spcPts val="0"/>
+                        </a:spcAft>
+                      </a:pPr>
+                      <a:r>
+                        <a:rPr lang="de-CH" sz="1800" dirty="0">
+                          <a:effectLst/>
+                        </a:rPr>
+                        <a:t>EW</a:t>
+                      </a:r>
+                      <a:endParaRPr lang="de-CH" sz="1800" dirty="0">
+                        <a:effectLst/>
+                        <a:latin typeface="Calibri"/>
+                        <a:ea typeface="Calibri"/>
+                        <a:cs typeface="Times New Roman"/>
+                      </a:endParaRPr>
+                    </a:p>
+                  </a:txBody>
+                  <a:tcPr marL="44450" marR="44450" marT="0" marB="0" anchor="b"/>
+                </a:tc>
+                <a:tc>
+                  <a:txBody>
+                    <a:bodyPr/>
+                    <a:lstStyle/>
+                    <a:p>
+                      <a:pPr>
+                        <a:lnSpc>
+                          <a:spcPct val="115000"/>
+                        </a:lnSpc>
+                        <a:spcAft>
+                          <a:spcPts val="0"/>
+                        </a:spcAft>
+                      </a:pPr>
+                      <a:r>
+                        <a:rPr lang="de-CH" sz="1800">
+                          <a:effectLst/>
+                        </a:rPr>
+                        <a:t>AW</a:t>
+                      </a:r>
+                      <a:endParaRPr lang="de-CH" sz="1800">
+                        <a:effectLst/>
+                        <a:latin typeface="Calibri"/>
+                        <a:ea typeface="Calibri"/>
+                        <a:cs typeface="Times New Roman"/>
+                      </a:endParaRPr>
+                    </a:p>
+                  </a:txBody>
+                  <a:tcPr marL="44450" marR="44450" marT="0" marB="0" anchor="b"/>
+                </a:tc>
+                <a:tc>
+                  <a:txBody>
+                    <a:bodyPr/>
+                    <a:lstStyle/>
+                    <a:p>
+                      <a:pPr>
+                        <a:lnSpc>
+                          <a:spcPct val="115000"/>
+                        </a:lnSpc>
+                        <a:spcAft>
+                          <a:spcPts val="0"/>
+                        </a:spcAft>
+                      </a:pPr>
+                      <a:r>
+                        <a:rPr lang="de-CH" sz="1800" dirty="0">
+                          <a:effectLst/>
+                        </a:rPr>
+                        <a:t>Massnahmen</a:t>
+                      </a:r>
+                      <a:endParaRPr lang="de-CH" sz="1800" dirty="0">
+                        <a:effectLst/>
+                        <a:latin typeface="Calibri"/>
+                        <a:ea typeface="Calibri"/>
+                        <a:cs typeface="Times New Roman"/>
+                      </a:endParaRPr>
+                    </a:p>
+                  </a:txBody>
+                  <a:tcPr marL="44450" marR="44450" marT="0" marB="0" anchor="b"/>
+                </a:tc>
+              </a:tr>
+              <a:tr h="746470">
+                <a:tc>
+                  <a:txBody>
+                    <a:bodyPr/>
+                    <a:lstStyle/>
+                    <a:p>
+                      <a:pPr algn="r">
+                        <a:lnSpc>
+                          <a:spcPct val="115000"/>
+                        </a:lnSpc>
+                        <a:spcAft>
+                          <a:spcPts val="0"/>
+                        </a:spcAft>
+                      </a:pPr>
+                      <a:r>
+                        <a:rPr lang="de-CH" sz="1800" dirty="0">
+                          <a:effectLst/>
+                        </a:rPr>
+                        <a:t>5</a:t>
+                      </a:r>
+                      <a:endParaRPr lang="de-CH" sz="1800" dirty="0">
+                        <a:effectLst/>
+                        <a:latin typeface="Calibri"/>
+                        <a:ea typeface="Calibri"/>
+                        <a:cs typeface="Times New Roman"/>
+                      </a:endParaRPr>
+                    </a:p>
+                  </a:txBody>
+                  <a:tcPr marL="44450" marR="44450" marT="0" marB="0" anchor="ctr"/>
+                </a:tc>
+                <a:tc>
+                  <a:txBody>
+                    <a:bodyPr/>
+                    <a:lstStyle/>
+                    <a:p>
+                      <a:pPr>
+                        <a:lnSpc>
+                          <a:spcPct val="115000"/>
+                        </a:lnSpc>
+                        <a:spcAft>
+                          <a:spcPts val="0"/>
+                        </a:spcAft>
+                      </a:pPr>
+                      <a:r>
+                        <a:rPr lang="de-CH" sz="1800">
+                          <a:effectLst/>
+                        </a:rPr>
+                        <a:t>Sound &amp; Grafik</a:t>
+                      </a:r>
+                      <a:endParaRPr lang="de-CH" sz="1800">
+                        <a:effectLst/>
+                        <a:latin typeface="Calibri"/>
+                        <a:ea typeface="Calibri"/>
+                        <a:cs typeface="Times New Roman"/>
+                      </a:endParaRPr>
+                    </a:p>
+                  </a:txBody>
+                  <a:tcPr marL="44450" marR="44450" marT="0" marB="0" anchor="ctr"/>
+                </a:tc>
+                <a:tc>
+                  <a:txBody>
+                    <a:bodyPr/>
+                    <a:lstStyle/>
+                    <a:p>
+                      <a:pPr>
+                        <a:lnSpc>
+                          <a:spcPct val="115000"/>
+                        </a:lnSpc>
+                        <a:spcAft>
+                          <a:spcPts val="0"/>
+                        </a:spcAft>
+                      </a:pPr>
+                      <a:r>
+                        <a:rPr lang="de-CH" sz="1800" dirty="0" smtClean="0">
+                          <a:effectLst/>
+                        </a:rPr>
+                        <a:t>2</a:t>
+                      </a:r>
+                      <a:endParaRPr lang="de-CH" sz="1800" dirty="0">
+                        <a:effectLst/>
+                        <a:latin typeface="Calibri"/>
+                        <a:ea typeface="Calibri"/>
+                        <a:cs typeface="Times New Roman"/>
+                      </a:endParaRPr>
+                    </a:p>
+                  </a:txBody>
+                  <a:tcPr marL="44450" marR="44450" marT="0" marB="0" anchor="ctr"/>
+                </a:tc>
+                <a:tc>
+                  <a:txBody>
+                    <a:bodyPr/>
+                    <a:lstStyle/>
+                    <a:p>
+                      <a:pPr>
+                        <a:lnSpc>
+                          <a:spcPct val="115000"/>
+                        </a:lnSpc>
+                        <a:spcAft>
+                          <a:spcPts val="0"/>
+                        </a:spcAft>
+                      </a:pPr>
+                      <a:r>
+                        <a:rPr lang="de-CH" sz="1800" dirty="0">
+                          <a:effectLst/>
+                        </a:rPr>
+                        <a:t>Hoch</a:t>
+                      </a:r>
+                      <a:endParaRPr lang="de-CH" sz="1800" dirty="0">
+                        <a:effectLst/>
+                        <a:latin typeface="Calibri"/>
+                        <a:ea typeface="Calibri"/>
+                        <a:cs typeface="Times New Roman"/>
+                      </a:endParaRPr>
+                    </a:p>
+                  </a:txBody>
+                  <a:tcPr marL="44450" marR="44450" marT="0" marB="0" anchor="ctr"/>
+                </a:tc>
+                <a:tc>
+                  <a:txBody>
+                    <a:bodyPr/>
+                    <a:lstStyle/>
+                    <a:p>
+                      <a:pPr>
+                        <a:lnSpc>
+                          <a:spcPct val="115000"/>
+                        </a:lnSpc>
+                        <a:spcAft>
+                          <a:spcPts val="0"/>
+                        </a:spcAft>
+                      </a:pPr>
+                      <a:r>
+                        <a:rPr lang="de-CH" sz="1800" dirty="0" smtClean="0">
+                          <a:effectLst/>
+                          <a:latin typeface="Arial (Body)"/>
+                          <a:ea typeface="Calibri"/>
+                          <a:cs typeface="Times New Roman"/>
+                        </a:rPr>
+                        <a:t>Weglassen, vereinfachen</a:t>
+                      </a:r>
+                      <a:endParaRPr lang="de-CH" sz="1800" dirty="0">
+                        <a:effectLst/>
+                        <a:latin typeface="Arial (Body)"/>
+                        <a:ea typeface="Calibri"/>
+                        <a:cs typeface="Times New Roman"/>
+                      </a:endParaRPr>
+                    </a:p>
+                  </a:txBody>
+                  <a:tcPr marL="44450" marR="44450" marT="0" marB="0" anchor="ctr"/>
+                </a:tc>
+              </a:tr>
+              <a:tr h="720080">
+                <a:tc>
+                  <a:txBody>
+                    <a:bodyPr/>
+                    <a:lstStyle/>
+                    <a:p>
+                      <a:pPr algn="r">
+                        <a:lnSpc>
+                          <a:spcPct val="115000"/>
+                        </a:lnSpc>
+                        <a:spcAft>
+                          <a:spcPts val="0"/>
+                        </a:spcAft>
+                      </a:pPr>
+                      <a:r>
+                        <a:rPr lang="de-CH" sz="1800">
+                          <a:effectLst/>
+                        </a:rPr>
+                        <a:t>6</a:t>
+                      </a:r>
+                      <a:endParaRPr lang="de-CH" sz="1800">
+                        <a:effectLst/>
+                        <a:latin typeface="Calibri"/>
+                        <a:ea typeface="Calibri"/>
+                        <a:cs typeface="Times New Roman"/>
+                      </a:endParaRPr>
+                    </a:p>
+                  </a:txBody>
+                  <a:tcPr marL="44450" marR="44450" marT="0" marB="0" anchor="ctr"/>
+                </a:tc>
+                <a:tc>
+                  <a:txBody>
+                    <a:bodyPr/>
+                    <a:lstStyle/>
+                    <a:p>
+                      <a:pPr>
+                        <a:lnSpc>
+                          <a:spcPct val="115000"/>
+                        </a:lnSpc>
+                        <a:spcAft>
+                          <a:spcPts val="0"/>
+                        </a:spcAft>
+                      </a:pPr>
+                      <a:r>
+                        <a:rPr lang="de-CH" sz="1800" dirty="0">
+                          <a:effectLst/>
+                        </a:rPr>
+                        <a:t>Personaldefizit</a:t>
+                      </a:r>
+                      <a:endParaRPr lang="de-CH" sz="1800" dirty="0">
+                        <a:effectLst/>
+                        <a:latin typeface="Calibri"/>
+                        <a:ea typeface="Calibri"/>
+                        <a:cs typeface="Times New Roman"/>
+                      </a:endParaRPr>
+                    </a:p>
+                  </a:txBody>
+                  <a:tcPr marL="44450" marR="44450" marT="0" marB="0" anchor="ctr"/>
+                </a:tc>
+                <a:tc>
+                  <a:txBody>
+                    <a:bodyPr/>
+                    <a:lstStyle/>
+                    <a:p>
+                      <a:pPr>
+                        <a:lnSpc>
+                          <a:spcPct val="115000"/>
+                        </a:lnSpc>
+                        <a:spcAft>
+                          <a:spcPts val="0"/>
+                        </a:spcAft>
+                      </a:pPr>
+                      <a:r>
+                        <a:rPr lang="de-CH" sz="1800" dirty="0" smtClean="0">
+                          <a:effectLst/>
+                        </a:rPr>
+                        <a:t>2</a:t>
+                      </a:r>
+                      <a:endParaRPr lang="de-CH" sz="1800" dirty="0">
+                        <a:effectLst/>
+                        <a:latin typeface="Calibri"/>
+                        <a:ea typeface="Calibri"/>
+                        <a:cs typeface="Times New Roman"/>
+                      </a:endParaRPr>
+                    </a:p>
+                  </a:txBody>
+                  <a:tcPr marL="44450" marR="44450" marT="0" marB="0" anchor="ctr"/>
+                </a:tc>
+                <a:tc>
+                  <a:txBody>
+                    <a:bodyPr/>
+                    <a:lstStyle/>
+                    <a:p>
+                      <a:pPr>
+                        <a:lnSpc>
+                          <a:spcPct val="115000"/>
+                        </a:lnSpc>
+                        <a:spcAft>
+                          <a:spcPts val="0"/>
+                        </a:spcAft>
+                      </a:pPr>
+                      <a:r>
+                        <a:rPr lang="de-CH" sz="1800" dirty="0">
+                          <a:effectLst/>
+                        </a:rPr>
+                        <a:t>Mittel</a:t>
+                      </a:r>
+                      <a:endParaRPr lang="de-CH" sz="1800" dirty="0">
+                        <a:effectLst/>
+                        <a:latin typeface="Calibri"/>
+                        <a:ea typeface="Calibri"/>
+                        <a:cs typeface="Times New Roman"/>
+                      </a:endParaRPr>
+                    </a:p>
+                  </a:txBody>
+                  <a:tcPr marL="44450" marR="44450" marT="0" marB="0" anchor="ctr"/>
+                </a:tc>
+                <a:tc>
+                  <a:txBody>
+                    <a:bodyPr/>
+                    <a:lstStyle/>
+                    <a:p>
+                      <a:pPr>
+                        <a:lnSpc>
+                          <a:spcPct val="115000"/>
+                        </a:lnSpc>
+                        <a:spcAft>
+                          <a:spcPts val="0"/>
+                        </a:spcAft>
+                      </a:pPr>
+                      <a:r>
+                        <a:rPr lang="de-CH" sz="1800" dirty="0" smtClean="0">
+                          <a:effectLst/>
+                          <a:latin typeface="Arial (Body)"/>
+                          <a:ea typeface="Calibri"/>
+                          <a:cs typeface="Times New Roman"/>
+                        </a:rPr>
+                        <a:t>Viel Wissenstransfer</a:t>
+                      </a:r>
+                      <a:endParaRPr lang="de-CH" sz="1800" dirty="0">
+                        <a:effectLst/>
+                        <a:latin typeface="Arial (Body)"/>
+                        <a:ea typeface="Calibri"/>
+                        <a:cs typeface="Times New Roman"/>
+                      </a:endParaRPr>
+                    </a:p>
+                  </a:txBody>
+                  <a:tcPr marL="44450" marR="44450" marT="0" marB="0" anchor="ctr"/>
+                </a:tc>
+              </a:tr>
+              <a:tr h="1080120">
+                <a:tc>
+                  <a:txBody>
+                    <a:bodyPr/>
+                    <a:lstStyle/>
+                    <a:p>
+                      <a:pPr algn="r">
+                        <a:lnSpc>
+                          <a:spcPct val="115000"/>
+                        </a:lnSpc>
+                        <a:spcAft>
+                          <a:spcPts val="0"/>
+                        </a:spcAft>
+                      </a:pPr>
+                      <a:r>
+                        <a:rPr lang="de-CH" sz="1800">
+                          <a:effectLst/>
+                        </a:rPr>
+                        <a:t>7</a:t>
+                      </a:r>
+                      <a:endParaRPr lang="de-CH" sz="1800">
+                        <a:effectLst/>
+                        <a:latin typeface="Calibri"/>
+                        <a:ea typeface="Calibri"/>
+                        <a:cs typeface="Times New Roman"/>
+                      </a:endParaRPr>
+                    </a:p>
+                  </a:txBody>
+                  <a:tcPr marL="44450" marR="44450" marT="0" marB="0" anchor="ctr"/>
+                </a:tc>
+                <a:tc>
+                  <a:txBody>
+                    <a:bodyPr/>
+                    <a:lstStyle/>
+                    <a:p>
+                      <a:pPr>
+                        <a:lnSpc>
+                          <a:spcPct val="115000"/>
+                        </a:lnSpc>
+                        <a:spcAft>
+                          <a:spcPts val="0"/>
+                        </a:spcAft>
+                      </a:pPr>
+                      <a:r>
+                        <a:rPr lang="de-CH" sz="1800" dirty="0" smtClean="0">
+                          <a:effectLst/>
+                        </a:rPr>
+                        <a:t>Zeitmanagement</a:t>
+                      </a:r>
+                      <a:endParaRPr lang="de-CH" sz="1800" dirty="0">
+                        <a:effectLst/>
+                        <a:latin typeface="Calibri"/>
+                        <a:ea typeface="Calibri"/>
+                        <a:cs typeface="Times New Roman"/>
+                      </a:endParaRPr>
+                    </a:p>
+                  </a:txBody>
+                  <a:tcPr marL="44450" marR="44450" marT="0" marB="0" anchor="ctr"/>
+                </a:tc>
+                <a:tc>
+                  <a:txBody>
+                    <a:bodyPr/>
+                    <a:lstStyle/>
+                    <a:p>
+                      <a:pPr>
+                        <a:lnSpc>
+                          <a:spcPct val="115000"/>
+                        </a:lnSpc>
+                        <a:spcAft>
+                          <a:spcPts val="0"/>
+                        </a:spcAft>
+                      </a:pPr>
+                      <a:r>
+                        <a:rPr lang="de-CH" sz="1800" dirty="0" smtClean="0">
+                          <a:effectLst/>
+                        </a:rPr>
+                        <a:t>1</a:t>
+                      </a:r>
+                      <a:endParaRPr lang="de-CH" sz="1800" dirty="0">
+                        <a:effectLst/>
+                        <a:latin typeface="Calibri"/>
+                        <a:ea typeface="Calibri"/>
+                        <a:cs typeface="Times New Roman"/>
+                      </a:endParaRPr>
+                    </a:p>
+                  </a:txBody>
+                  <a:tcPr marL="44450" marR="44450" marT="0" marB="0" anchor="ctr"/>
+                </a:tc>
+                <a:tc>
+                  <a:txBody>
+                    <a:bodyPr/>
+                    <a:lstStyle/>
+                    <a:p>
+                      <a:pPr>
+                        <a:lnSpc>
+                          <a:spcPct val="115000"/>
+                        </a:lnSpc>
+                        <a:spcAft>
+                          <a:spcPts val="0"/>
+                        </a:spcAft>
+                      </a:pPr>
+                      <a:r>
+                        <a:rPr lang="de-CH" sz="1800">
+                          <a:effectLst/>
+                        </a:rPr>
+                        <a:t>Hoch</a:t>
+                      </a:r>
+                      <a:endParaRPr lang="de-CH" sz="1800">
+                        <a:effectLst/>
+                        <a:latin typeface="Calibri"/>
+                        <a:ea typeface="Calibri"/>
+                        <a:cs typeface="Times New Roman"/>
+                      </a:endParaRPr>
+                    </a:p>
+                  </a:txBody>
+                  <a:tcPr marL="44450" marR="44450" marT="0" marB="0" anchor="ctr"/>
+                </a:tc>
+                <a:tc>
+                  <a:txBody>
+                    <a:bodyPr/>
+                    <a:lstStyle/>
+                    <a:p>
+                      <a:pPr>
+                        <a:lnSpc>
+                          <a:spcPct val="115000"/>
+                        </a:lnSpc>
+                        <a:spcAft>
+                          <a:spcPts val="0"/>
+                        </a:spcAft>
+                      </a:pPr>
+                      <a:r>
+                        <a:rPr lang="de-CH" sz="1800" dirty="0" smtClean="0">
+                          <a:effectLst/>
+                          <a:latin typeface="Arial (Body)"/>
+                          <a:ea typeface="Calibri"/>
+                          <a:cs typeface="Times New Roman"/>
+                        </a:rPr>
+                        <a:t>Realistisch Planen, Verzögerungen frühzeitig erkennen</a:t>
+                      </a:r>
+                      <a:endParaRPr lang="de-CH" sz="1800" dirty="0">
+                        <a:effectLst/>
+                        <a:latin typeface="Arial (Body)"/>
+                        <a:ea typeface="Calibri"/>
+                        <a:cs typeface="Times New Roman"/>
+                      </a:endParaRPr>
+                    </a:p>
+                  </a:txBody>
+                  <a:tcPr marL="44450" marR="44450" marT="0" marB="0" anchor="ctr"/>
+                </a:tc>
+              </a:tr>
+              <a:tr h="720080">
+                <a:tc>
+                  <a:txBody>
+                    <a:bodyPr/>
+                    <a:lstStyle/>
+                    <a:p>
+                      <a:pPr algn="r">
+                        <a:lnSpc>
+                          <a:spcPct val="115000"/>
+                        </a:lnSpc>
+                        <a:spcAft>
+                          <a:spcPts val="0"/>
+                        </a:spcAft>
+                      </a:pPr>
+                      <a:r>
+                        <a:rPr lang="de-CH" sz="1800">
+                          <a:effectLst/>
+                        </a:rPr>
+                        <a:t>8</a:t>
+                      </a:r>
+                      <a:endParaRPr lang="de-CH" sz="1800">
+                        <a:effectLst/>
+                        <a:latin typeface="Calibri"/>
+                        <a:ea typeface="Calibri"/>
+                        <a:cs typeface="Times New Roman"/>
+                      </a:endParaRPr>
+                    </a:p>
+                  </a:txBody>
+                  <a:tcPr marL="44450" marR="44450" marT="0" marB="0" anchor="ctr"/>
+                </a:tc>
+                <a:tc>
+                  <a:txBody>
+                    <a:bodyPr/>
+                    <a:lstStyle/>
+                    <a:p>
+                      <a:pPr>
+                        <a:lnSpc>
+                          <a:spcPct val="115000"/>
+                        </a:lnSpc>
+                        <a:spcAft>
+                          <a:spcPts val="0"/>
+                        </a:spcAft>
+                      </a:pPr>
+                      <a:r>
+                        <a:rPr lang="de-CH" sz="1800" dirty="0">
+                          <a:effectLst/>
+                        </a:rPr>
+                        <a:t>Know-how Defizit</a:t>
+                      </a:r>
+                      <a:endParaRPr lang="de-CH" sz="1800" dirty="0">
+                        <a:effectLst/>
+                        <a:latin typeface="Calibri"/>
+                        <a:ea typeface="Calibri"/>
+                        <a:cs typeface="Times New Roman"/>
+                      </a:endParaRPr>
+                    </a:p>
+                  </a:txBody>
+                  <a:tcPr marL="44450" marR="44450" marT="0" marB="0" anchor="ctr"/>
+                </a:tc>
+                <a:tc>
+                  <a:txBody>
+                    <a:bodyPr/>
+                    <a:lstStyle/>
+                    <a:p>
+                      <a:pPr>
+                        <a:lnSpc>
+                          <a:spcPct val="115000"/>
+                        </a:lnSpc>
+                        <a:spcAft>
+                          <a:spcPts val="0"/>
+                        </a:spcAft>
+                      </a:pPr>
+                      <a:r>
+                        <a:rPr lang="de-CH" sz="1800" dirty="0" smtClean="0">
+                          <a:effectLst/>
+                        </a:rPr>
+                        <a:t>2</a:t>
+                      </a:r>
+                      <a:endParaRPr lang="de-CH" sz="1800" dirty="0">
+                        <a:effectLst/>
+                        <a:latin typeface="Calibri"/>
+                        <a:ea typeface="Calibri"/>
+                        <a:cs typeface="Times New Roman"/>
+                      </a:endParaRPr>
+                    </a:p>
+                  </a:txBody>
+                  <a:tcPr marL="44450" marR="44450" marT="0" marB="0" anchor="ctr"/>
+                </a:tc>
+                <a:tc>
+                  <a:txBody>
+                    <a:bodyPr/>
+                    <a:lstStyle/>
+                    <a:p>
+                      <a:pPr>
+                        <a:lnSpc>
+                          <a:spcPct val="115000"/>
+                        </a:lnSpc>
+                        <a:spcAft>
+                          <a:spcPts val="0"/>
+                        </a:spcAft>
+                      </a:pPr>
+                      <a:r>
+                        <a:rPr lang="de-CH" sz="1800" dirty="0">
+                          <a:effectLst/>
+                        </a:rPr>
+                        <a:t>Gering</a:t>
+                      </a:r>
+                      <a:endParaRPr lang="de-CH" sz="1800" dirty="0">
+                        <a:effectLst/>
+                        <a:latin typeface="Calibri"/>
+                        <a:ea typeface="Calibri"/>
+                        <a:cs typeface="Times New Roman"/>
+                      </a:endParaRPr>
+                    </a:p>
+                  </a:txBody>
+                  <a:tcPr marL="44450" marR="44450" marT="0" marB="0" anchor="ctr"/>
+                </a:tc>
+                <a:tc>
+                  <a:txBody>
+                    <a:bodyPr/>
+                    <a:lstStyle/>
+                    <a:p>
+                      <a:pPr>
+                        <a:lnSpc>
+                          <a:spcPct val="115000"/>
+                        </a:lnSpc>
+                        <a:spcAft>
+                          <a:spcPts val="0"/>
+                        </a:spcAft>
+                      </a:pPr>
+                      <a:r>
+                        <a:rPr lang="de-CH" sz="1800" dirty="0" smtClean="0">
+                          <a:effectLst/>
+                          <a:latin typeface="Arial (Body)"/>
+                          <a:ea typeface="Calibri"/>
+                          <a:cs typeface="Times New Roman"/>
+                        </a:rPr>
+                        <a:t>Viel Wissenstransfer</a:t>
+                      </a:r>
+                      <a:endParaRPr lang="de-CH" sz="1800" dirty="0">
+                        <a:effectLst/>
+                        <a:latin typeface="Arial (Body)"/>
+                        <a:ea typeface="Calibri"/>
+                        <a:cs typeface="Times New Roman"/>
+                      </a:endParaRPr>
+                    </a:p>
+                  </a:txBody>
+                  <a:tcPr marL="44450" marR="44450" marT="0" marB="0" anchor="ctr"/>
+                </a:tc>
+              </a:tr>
+            </a:tbl>
+          </a:graphicData>
+        </a:graphic>
+      </p:graphicFrame>
     </p:spTree>
     <p:extLst>
       <p:ext uri="{BB962C8B-B14F-4D97-AF65-F5344CB8AC3E}">
-        <p14:creationId xmlns:p14="http://schemas.microsoft.com/office/powerpoint/2010/main" val="3178079573"/>
+        <p14:creationId xmlns:p14="http://schemas.microsoft.com/office/powerpoint/2010/main" val="798543875"/>
       </p:ext>
     </p:extLst>
   </p:cSld>
@@ -4425,4 +12718,289 @@
   <a:objectDefaults/>
   <a:extraClrSchemeLst/>
 </a:theme>
+</file>
+
+<file path=ppt/theme/theme2.xml><?xml version="1.0" encoding="utf-8"?>
+<a:theme xmlns:a="http://schemas.openxmlformats.org/drawingml/2006/main" name="Office Theme">
+  <a:themeElements>
+    <a:clrScheme name="Office">
+      <a:dk1>
+        <a:sysClr val="windowText" lastClr="000000"/>
+      </a:dk1>
+      <a:lt1>
+        <a:sysClr val="window" lastClr="FFFFFF"/>
+      </a:lt1>
+      <a:dk2>
+        <a:srgbClr val="1F497D"/>
+      </a:dk2>
+      <a:lt2>
+        <a:srgbClr val="EEECE1"/>
+      </a:lt2>
+      <a:accent1>
+        <a:srgbClr val="4F81BD"/>
+      </a:accent1>
+      <a:accent2>
+        <a:srgbClr val="C0504D"/>
+      </a:accent2>
+      <a:accent3>
+        <a:srgbClr val="9BBB59"/>
+      </a:accent3>
+      <a:accent4>
+        <a:srgbClr val="8064A2"/>
+      </a:accent4>
+      <a:accent5>
+        <a:srgbClr val="4BACC6"/>
+      </a:accent5>
+      <a:accent6>
+        <a:srgbClr val="F79646"/>
+      </a:accent6>
+      <a:hlink>
+        <a:srgbClr val="0000FF"/>
+      </a:hlink>
+      <a:folHlink>
+        <a:srgbClr val="800080"/>
+      </a:folHlink>
+    </a:clrScheme>
+    <a:fontScheme name="Office">
+      <a:majorFont>
+        <a:latin typeface="Calibri"/>
+        <a:ea typeface=""/>
+        <a:cs typeface=""/>
+        <a:font script="Jpan" typeface="ＭＳ Ｐゴシック"/>
+        <a:font script="Hang" typeface="맑은 고딕"/>
+        <a:font script="Hans" typeface="宋体"/>
+        <a:font script="Hant" typeface="新細明體"/>
+        <a:font script="Arab" typeface="Times New Roman"/>
+        <a:font script="Hebr" typeface="Times New Roman"/>
+        <a:font script="Thai" typeface="Angsana New"/>
+        <a:font script="Ethi" typeface="Nyala"/>
+        <a:font script="Beng" typeface="Vrinda"/>
+        <a:font script="Gujr" typeface="Shruti"/>
+        <a:font script="Khmr" typeface="MoolBoran"/>
+        <a:font script="Knda" typeface="Tunga"/>
+        <a:font script="Guru" typeface="Raavi"/>
+        <a:font script="Cans" typeface="Euphemia"/>
+        <a:font script="Cher" typeface="Plantagenet Cherokee"/>
+        <a:font script="Yiii" typeface="Microsoft Yi Baiti"/>
+        <a:font script="Tibt" typeface="Microsoft Himalaya"/>
+        <a:font script="Thaa" typeface="MV Boli"/>
+        <a:font script="Deva" typeface="Mangal"/>
+        <a:font script="Telu" typeface="Gautami"/>
+        <a:font script="Taml" typeface="Latha"/>
+        <a:font script="Syrc" typeface="Estrangelo Edessa"/>
+        <a:font script="Orya" typeface="Kalinga"/>
+        <a:font script="Mlym" typeface="Kartika"/>
+        <a:font script="Laoo" typeface="DokChampa"/>
+        <a:font script="Sinh" typeface="Iskoola Pota"/>
+        <a:font script="Mong" typeface="Mongolian Baiti"/>
+        <a:font script="Viet" typeface="Times New Roman"/>
+        <a:font script="Uigh" typeface="Microsoft Uighur"/>
+        <a:font script="Geor" typeface="Sylfaen"/>
+      </a:majorFont>
+      <a:minorFont>
+        <a:latin typeface="Calibri"/>
+        <a:ea typeface=""/>
+        <a:cs typeface=""/>
+        <a:font script="Jpan" typeface="ＭＳ Ｐゴシック"/>
+        <a:font script="Hang" typeface="맑은 고딕"/>
+        <a:font script="Hans" typeface="宋体"/>
+        <a:font script="Hant" typeface="新細明體"/>
+        <a:font script="Arab" typeface="Arial"/>
+        <a:font script="Hebr" typeface="Arial"/>
+        <a:font script="Thai" typeface="Cordia New"/>
+        <a:font script="Ethi" typeface="Nyala"/>
+        <a:font script="Beng" typeface="Vrinda"/>
+        <a:font script="Gujr" typeface="Shruti"/>
+        <a:font script="Khmr" typeface="DaunPenh"/>
+        <a:font script="Knda" typeface="Tunga"/>
+        <a:font script="Guru" typeface="Raavi"/>
+        <a:font script="Cans" typeface="Euphemia"/>
+        <a:font script="Cher" typeface="Plantagenet Cherokee"/>
+        <a:font script="Yiii" typeface="Microsoft Yi Baiti"/>
+        <a:font script="Tibt" typeface="Microsoft Himalaya"/>
+        <a:font script="Thaa" typeface="MV Boli"/>
+        <a:font script="Deva" typeface="Mangal"/>
+        <a:font script="Telu" typeface="Gautami"/>
+        <a:font script="Taml" typeface="Latha"/>
+        <a:font script="Syrc" typeface="Estrangelo Edessa"/>
+        <a:font script="Orya" typeface="Kalinga"/>
+        <a:font script="Mlym" typeface="Kartika"/>
+        <a:font script="Laoo" typeface="DokChampa"/>
+        <a:font script="Sinh" typeface="Iskoola Pota"/>
+        <a:font script="Mong" typeface="Mongolian Baiti"/>
+        <a:font script="Viet" typeface="Arial"/>
+        <a:font script="Uigh" typeface="Microsoft Uighur"/>
+        <a:font script="Geor" typeface="Sylfaen"/>
+      </a:minorFont>
+    </a:fontScheme>
+    <a:fmtScheme name="Office">
+      <a:fillStyleLst>
+        <a:solidFill>
+          <a:schemeClr val="phClr"/>
+        </a:solidFill>
+        <a:gradFill rotWithShape="1">
+          <a:gsLst>
+            <a:gs pos="0">
+              <a:schemeClr val="phClr">
+                <a:tint val="50000"/>
+                <a:satMod val="300000"/>
+              </a:schemeClr>
+            </a:gs>
+            <a:gs pos="35000">
+              <a:schemeClr val="phClr">
+                <a:tint val="37000"/>
+                <a:satMod val="300000"/>
+              </a:schemeClr>
+            </a:gs>
+            <a:gs pos="100000">
+              <a:schemeClr val="phClr">
+                <a:tint val="15000"/>
+                <a:satMod val="350000"/>
+              </a:schemeClr>
+            </a:gs>
+          </a:gsLst>
+          <a:lin ang="16200000" scaled="1"/>
+        </a:gradFill>
+        <a:gradFill rotWithShape="1">
+          <a:gsLst>
+            <a:gs pos="0">
+              <a:schemeClr val="phClr">
+                <a:shade val="51000"/>
+                <a:satMod val="130000"/>
+              </a:schemeClr>
+            </a:gs>
+            <a:gs pos="80000">
+              <a:schemeClr val="phClr">
+                <a:shade val="93000"/>
+                <a:satMod val="130000"/>
+              </a:schemeClr>
+            </a:gs>
+            <a:gs pos="100000">
+              <a:schemeClr val="phClr">
+                <a:shade val="94000"/>
+                <a:satMod val="135000"/>
+              </a:schemeClr>
+            </a:gs>
+          </a:gsLst>
+          <a:lin ang="16200000" scaled="0"/>
+        </a:gradFill>
+      </a:fillStyleLst>
+      <a:lnStyleLst>
+        <a:ln w="9525" cap="flat" cmpd="sng" algn="ctr">
+          <a:solidFill>
+            <a:schemeClr val="phClr">
+              <a:shade val="95000"/>
+              <a:satMod val="105000"/>
+            </a:schemeClr>
+          </a:solidFill>
+          <a:prstDash val="solid"/>
+        </a:ln>
+        <a:ln w="25400" cap="flat" cmpd="sng" algn="ctr">
+          <a:solidFill>
+            <a:schemeClr val="phClr"/>
+          </a:solidFill>
+          <a:prstDash val="solid"/>
+        </a:ln>
+        <a:ln w="38100" cap="flat" cmpd="sng" algn="ctr">
+          <a:solidFill>
+            <a:schemeClr val="phClr"/>
+          </a:solidFill>
+          <a:prstDash val="solid"/>
+        </a:ln>
+      </a:lnStyleLst>
+      <a:effectStyleLst>
+        <a:effectStyle>
+          <a:effectLst>
+            <a:outerShdw blurRad="40000" dist="20000" dir="5400000" rotWithShape="0">
+              <a:srgbClr val="000000">
+                <a:alpha val="38000"/>
+              </a:srgbClr>
+            </a:outerShdw>
+          </a:effectLst>
+        </a:effectStyle>
+        <a:effectStyle>
+          <a:effectLst>
+            <a:outerShdw blurRad="40000" dist="23000" dir="5400000" rotWithShape="0">
+              <a:srgbClr val="000000">
+                <a:alpha val="35000"/>
+              </a:srgbClr>
+            </a:outerShdw>
+          </a:effectLst>
+        </a:effectStyle>
+        <a:effectStyle>
+          <a:effectLst>
+            <a:outerShdw blurRad="40000" dist="23000" dir="5400000" rotWithShape="0">
+              <a:srgbClr val="000000">
+                <a:alpha val="35000"/>
+              </a:srgbClr>
+            </a:outerShdw>
+          </a:effectLst>
+          <a:scene3d>
+            <a:camera prst="orthographicFront">
+              <a:rot lat="0" lon="0" rev="0"/>
+            </a:camera>
+            <a:lightRig rig="threePt" dir="t">
+              <a:rot lat="0" lon="0" rev="1200000"/>
+            </a:lightRig>
+          </a:scene3d>
+          <a:sp3d>
+            <a:bevelT w="63500" h="25400"/>
+          </a:sp3d>
+        </a:effectStyle>
+      </a:effectStyleLst>
+      <a:bgFillStyleLst>
+        <a:solidFill>
+          <a:schemeClr val="phClr"/>
+        </a:solidFill>
+        <a:gradFill rotWithShape="1">
+          <a:gsLst>
+            <a:gs pos="0">
+              <a:schemeClr val="phClr">
+                <a:tint val="40000"/>
+                <a:satMod val="350000"/>
+              </a:schemeClr>
+            </a:gs>
+            <a:gs pos="40000">
+              <a:schemeClr val="phClr">
+                <a:tint val="45000"/>
+                <a:shade val="99000"/>
+                <a:satMod val="350000"/>
+              </a:schemeClr>
+            </a:gs>
+            <a:gs pos="100000">
+              <a:schemeClr val="phClr">
+                <a:shade val="20000"/>
+                <a:satMod val="255000"/>
+              </a:schemeClr>
+            </a:gs>
+          </a:gsLst>
+          <a:path path="circle">
+            <a:fillToRect l="50000" t="-80000" r="50000" b="180000"/>
+          </a:path>
+        </a:gradFill>
+        <a:gradFill rotWithShape="1">
+          <a:gsLst>
+            <a:gs pos="0">
+              <a:schemeClr val="phClr">
+                <a:tint val="80000"/>
+                <a:satMod val="300000"/>
+              </a:schemeClr>
+            </a:gs>
+            <a:gs pos="100000">
+              <a:schemeClr val="phClr">
+                <a:shade val="30000"/>
+                <a:satMod val="200000"/>
+              </a:schemeClr>
+            </a:gs>
+          </a:gsLst>
+          <a:path path="circle">
+            <a:fillToRect l="50000" t="50000" r="50000" b="50000"/>
+          </a:path>
+        </a:gradFill>
+      </a:bgFillStyleLst>
+    </a:fmtScheme>
+  </a:themeElements>
+  <a:objectDefaults/>
+  <a:extraClrSchemeLst/>
+</a:theme>
 </file>
--- a/Documents/Projektskizze/Projektskizze_Präsentation_v1.pptx
+++ b/Documents/Projektskizze/Projektskizze_Präsentation_v1.pptx
@@ -4,6 +4,9 @@
   <p:sldMasterIdLst>
     <p:sldMasterId id="2147483696" r:id="rId1"/>
   </p:sldMasterIdLst>
+  <p:notesMasterIdLst>
+    <p:notesMasterId r:id="rId14"/>
+  </p:notesMasterIdLst>
   <p:sldIdLst>
     <p:sldId id="256" r:id="rId2"/>
     <p:sldId id="257" r:id="rId3"/>
@@ -11,9 +14,12 @@
     <p:sldId id="264" r:id="rId5"/>
     <p:sldId id="259" r:id="rId6"/>
     <p:sldId id="260" r:id="rId7"/>
-    <p:sldId id="261" r:id="rId8"/>
-    <p:sldId id="262" r:id="rId9"/>
-    <p:sldId id="263" r:id="rId10"/>
+    <p:sldId id="265" r:id="rId8"/>
+    <p:sldId id="261" r:id="rId9"/>
+    <p:sldId id="266" r:id="rId10"/>
+    <p:sldId id="267" r:id="rId11"/>
+    <p:sldId id="262" r:id="rId12"/>
+    <p:sldId id="263" r:id="rId13"/>
   </p:sldIdLst>
   <p:sldSz cx="9144000" cy="6858000" type="screen4x3"/>
   <p:notesSz cx="6858000" cy="9144000"/>
@@ -114,7 +120,7 @@
   </p:defaultTextStyle>
   <p:extLst>
     <p:ext uri="{EFAFB233-063F-42B5-8137-9DF3F51BA10A}">
-      <p15:sldGuideLst xmlns:p15="http://schemas.microsoft.com/office/powerpoint/2012/main">
+      <p15:sldGuideLst xmlns="" xmlns:p15="http://schemas.microsoft.com/office/powerpoint/2012/main">
         <p15:guide id="1" orient="horz" pos="2160">
           <p15:clr>
             <a:srgbClr val="A4A3A4"/>
@@ -129,6 +135,1990 @@
     </p:ext>
   </p:extLst>
 </p:presentation>
+</file>
+
+<file path=ppt/notesMasters/notesMaster1.xml><?xml version="1.0" encoding="utf-8"?>
+<p:notesMaster xmlns:a="http://schemas.openxmlformats.org/drawingml/2006/main" xmlns:r="http://schemas.openxmlformats.org/officeDocument/2006/relationships" xmlns:p="http://schemas.openxmlformats.org/presentationml/2006/main">
+  <p:cSld>
+    <p:bg>
+      <p:bgRef idx="1001">
+        <a:schemeClr val="bg1"/>
+      </p:bgRef>
+    </p:bg>
+    <p:spTree>
+      <p:nvGrpSpPr>
+        <p:cNvPr id="1" name=""/>
+        <p:cNvGrpSpPr/>
+        <p:nvPr/>
+      </p:nvGrpSpPr>
+      <p:grpSpPr>
+        <a:xfrm>
+          <a:off x="0" y="0"/>
+          <a:ext cx="0" cy="0"/>
+          <a:chOff x="0" y="0"/>
+          <a:chExt cx="0" cy="0"/>
+        </a:xfrm>
+      </p:grpSpPr>
+      <p:sp>
+        <p:nvSpPr>
+          <p:cNvPr id="2" name="Header Placeholder 1"/>
+          <p:cNvSpPr>
+            <a:spLocks noGrp="1"/>
+          </p:cNvSpPr>
+          <p:nvPr>
+            <p:ph type="hdr" sz="quarter"/>
+          </p:nvPr>
+        </p:nvSpPr>
+        <p:spPr>
+          <a:xfrm>
+            <a:off x="0" y="0"/>
+            <a:ext cx="2971800" cy="457200"/>
+          </a:xfrm>
+          <a:prstGeom prst="rect">
+            <a:avLst/>
+          </a:prstGeom>
+        </p:spPr>
+        <p:txBody>
+          <a:bodyPr vert="horz" lIns="91440" tIns="45720" rIns="91440" bIns="45720" rtlCol="0"/>
+          <a:lstStyle>
+            <a:lvl1pPr algn="l">
+              <a:defRPr sz="1200"/>
+            </a:lvl1pPr>
+          </a:lstStyle>
+          <a:p>
+            <a:endParaRPr lang="de-CH"/>
+          </a:p>
+        </p:txBody>
+      </p:sp>
+      <p:sp>
+        <p:nvSpPr>
+          <p:cNvPr id="3" name="Date Placeholder 2"/>
+          <p:cNvSpPr>
+            <a:spLocks noGrp="1"/>
+          </p:cNvSpPr>
+          <p:nvPr>
+            <p:ph type="dt" idx="1"/>
+          </p:nvPr>
+        </p:nvSpPr>
+        <p:spPr>
+          <a:xfrm>
+            <a:off x="3884613" y="0"/>
+            <a:ext cx="2971800" cy="457200"/>
+          </a:xfrm>
+          <a:prstGeom prst="rect">
+            <a:avLst/>
+          </a:prstGeom>
+        </p:spPr>
+        <p:txBody>
+          <a:bodyPr vert="horz" lIns="91440" tIns="45720" rIns="91440" bIns="45720" rtlCol="0"/>
+          <a:lstStyle>
+            <a:lvl1pPr algn="r">
+              <a:defRPr sz="1200"/>
+            </a:lvl1pPr>
+          </a:lstStyle>
+          <a:p>
+            <a:fld id="{F2686799-5163-409F-B733-C9681AE00980}" type="datetimeFigureOut">
+              <a:rPr lang="de-CH" smtClean="0"/>
+              <a:t>29.09.2014</a:t>
+            </a:fld>
+            <a:endParaRPr lang="de-CH"/>
+          </a:p>
+        </p:txBody>
+      </p:sp>
+      <p:sp>
+        <p:nvSpPr>
+          <p:cNvPr id="4" name="Slide Image Placeholder 3"/>
+          <p:cNvSpPr>
+            <a:spLocks noGrp="1" noRot="1" noChangeAspect="1"/>
+          </p:cNvSpPr>
+          <p:nvPr>
+            <p:ph type="sldImg" idx="2"/>
+          </p:nvPr>
+        </p:nvSpPr>
+        <p:spPr>
+          <a:xfrm>
+            <a:off x="1143000" y="685800"/>
+            <a:ext cx="4572000" cy="3429000"/>
+          </a:xfrm>
+          <a:prstGeom prst="rect">
+            <a:avLst/>
+          </a:prstGeom>
+          <a:noFill/>
+          <a:ln w="12700">
+            <a:solidFill>
+              <a:prstClr val="black"/>
+            </a:solidFill>
+          </a:ln>
+        </p:spPr>
+        <p:txBody>
+          <a:bodyPr vert="horz" lIns="91440" tIns="45720" rIns="91440" bIns="45720" rtlCol="0" anchor="ctr"/>
+          <a:lstStyle/>
+          <a:p>
+            <a:endParaRPr lang="de-CH"/>
+          </a:p>
+        </p:txBody>
+      </p:sp>
+      <p:sp>
+        <p:nvSpPr>
+          <p:cNvPr id="5" name="Notes Placeholder 4"/>
+          <p:cNvSpPr>
+            <a:spLocks noGrp="1"/>
+          </p:cNvSpPr>
+          <p:nvPr>
+            <p:ph type="body" sz="quarter" idx="3"/>
+          </p:nvPr>
+        </p:nvSpPr>
+        <p:spPr>
+          <a:xfrm>
+            <a:off x="685800" y="4343400"/>
+            <a:ext cx="5486400" cy="4114800"/>
+          </a:xfrm>
+          <a:prstGeom prst="rect">
+            <a:avLst/>
+          </a:prstGeom>
+        </p:spPr>
+        <p:txBody>
+          <a:bodyPr vert="horz" lIns="91440" tIns="45720" rIns="91440" bIns="45720" rtlCol="0"/>
+          <a:lstStyle/>
+          <a:p>
+            <a:pPr lvl="0"/>
+            <a:r>
+              <a:rPr lang="en-US" smtClean="0"/>
+              <a:t>Click to edit Master text styles</a:t>
+            </a:r>
+          </a:p>
+          <a:p>
+            <a:pPr lvl="1"/>
+            <a:r>
+              <a:rPr lang="en-US" smtClean="0"/>
+              <a:t>Second level</a:t>
+            </a:r>
+          </a:p>
+          <a:p>
+            <a:pPr lvl="2"/>
+            <a:r>
+              <a:rPr lang="en-US" smtClean="0"/>
+              <a:t>Third level</a:t>
+            </a:r>
+          </a:p>
+          <a:p>
+            <a:pPr lvl="3"/>
+            <a:r>
+              <a:rPr lang="en-US" smtClean="0"/>
+              <a:t>Fourth level</a:t>
+            </a:r>
+          </a:p>
+          <a:p>
+            <a:pPr lvl="4"/>
+            <a:r>
+              <a:rPr lang="en-US" smtClean="0"/>
+              <a:t>Fifth level</a:t>
+            </a:r>
+            <a:endParaRPr lang="de-CH"/>
+          </a:p>
+        </p:txBody>
+      </p:sp>
+      <p:sp>
+        <p:nvSpPr>
+          <p:cNvPr id="6" name="Footer Placeholder 5"/>
+          <p:cNvSpPr>
+            <a:spLocks noGrp="1"/>
+          </p:cNvSpPr>
+          <p:nvPr>
+            <p:ph type="ftr" sz="quarter" idx="4"/>
+          </p:nvPr>
+        </p:nvSpPr>
+        <p:spPr>
+          <a:xfrm>
+            <a:off x="0" y="8685213"/>
+            <a:ext cx="2971800" cy="457200"/>
+          </a:xfrm>
+          <a:prstGeom prst="rect">
+            <a:avLst/>
+          </a:prstGeom>
+        </p:spPr>
+        <p:txBody>
+          <a:bodyPr vert="horz" lIns="91440" tIns="45720" rIns="91440" bIns="45720" rtlCol="0" anchor="b"/>
+          <a:lstStyle>
+            <a:lvl1pPr algn="l">
+              <a:defRPr sz="1200"/>
+            </a:lvl1pPr>
+          </a:lstStyle>
+          <a:p>
+            <a:endParaRPr lang="de-CH"/>
+          </a:p>
+        </p:txBody>
+      </p:sp>
+      <p:sp>
+        <p:nvSpPr>
+          <p:cNvPr id="7" name="Slide Number Placeholder 6"/>
+          <p:cNvSpPr>
+            <a:spLocks noGrp="1"/>
+          </p:cNvSpPr>
+          <p:nvPr>
+            <p:ph type="sldNum" sz="quarter" idx="5"/>
+          </p:nvPr>
+        </p:nvSpPr>
+        <p:spPr>
+          <a:xfrm>
+            <a:off x="3884613" y="8685213"/>
+            <a:ext cx="2971800" cy="457200"/>
+          </a:xfrm>
+          <a:prstGeom prst="rect">
+            <a:avLst/>
+          </a:prstGeom>
+        </p:spPr>
+        <p:txBody>
+          <a:bodyPr vert="horz" lIns="91440" tIns="45720" rIns="91440" bIns="45720" rtlCol="0" anchor="b"/>
+          <a:lstStyle>
+            <a:lvl1pPr algn="r">
+              <a:defRPr sz="1200"/>
+            </a:lvl1pPr>
+          </a:lstStyle>
+          <a:p>
+            <a:fld id="{539D6FB8-A289-4D31-AE1B-368BC10F6FE7}" type="slidenum">
+              <a:rPr lang="de-CH" smtClean="0"/>
+              <a:t>‹#›</a:t>
+            </a:fld>
+            <a:endParaRPr lang="de-CH"/>
+          </a:p>
+        </p:txBody>
+      </p:sp>
+    </p:spTree>
+    <p:extLst>
+      <p:ext uri="{BB962C8B-B14F-4D97-AF65-F5344CB8AC3E}">
+        <p14:creationId xmlns:p14="http://schemas.microsoft.com/office/powerpoint/2010/main" val="1083952489"/>
+      </p:ext>
+    </p:extLst>
+  </p:cSld>
+  <p:clrMap bg1="lt1" tx1="dk1" bg2="lt2" tx2="dk2" accent1="accent1" accent2="accent2" accent3="accent3" accent4="accent4" accent5="accent5" accent6="accent6" hlink="hlink" folHlink="folHlink"/>
+  <p:notesStyle>
+    <a:lvl1pPr marL="0" algn="l" defTabSz="914400" rtl="0" eaLnBrk="1" latinLnBrk="0" hangingPunct="1">
+      <a:defRPr sz="1200" kern="1200">
+        <a:solidFill>
+          <a:schemeClr val="tx1"/>
+        </a:solidFill>
+        <a:latin typeface="+mn-lt"/>
+        <a:ea typeface="+mn-ea"/>
+        <a:cs typeface="+mn-cs"/>
+      </a:defRPr>
+    </a:lvl1pPr>
+    <a:lvl2pPr marL="457200" algn="l" defTabSz="914400" rtl="0" eaLnBrk="1" latinLnBrk="0" hangingPunct="1">
+      <a:defRPr sz="1200" kern="1200">
+        <a:solidFill>
+          <a:schemeClr val="tx1"/>
+        </a:solidFill>
+        <a:latin typeface="+mn-lt"/>
+        <a:ea typeface="+mn-ea"/>
+        <a:cs typeface="+mn-cs"/>
+      </a:defRPr>
+    </a:lvl2pPr>
+    <a:lvl3pPr marL="914400" algn="l" defTabSz="914400" rtl="0" eaLnBrk="1" latinLnBrk="0" hangingPunct="1">
+      <a:defRPr sz="1200" kern="1200">
+        <a:solidFill>
+          <a:schemeClr val="tx1"/>
+        </a:solidFill>
+        <a:latin typeface="+mn-lt"/>
+        <a:ea typeface="+mn-ea"/>
+        <a:cs typeface="+mn-cs"/>
+      </a:defRPr>
+    </a:lvl3pPr>
+    <a:lvl4pPr marL="1371600" algn="l" defTabSz="914400" rtl="0" eaLnBrk="1" latinLnBrk="0" hangingPunct="1">
+      <a:defRPr sz="1200" kern="1200">
+        <a:solidFill>
+          <a:schemeClr val="tx1"/>
+        </a:solidFill>
+        <a:latin typeface="+mn-lt"/>
+        <a:ea typeface="+mn-ea"/>
+        <a:cs typeface="+mn-cs"/>
+      </a:defRPr>
+    </a:lvl4pPr>
+    <a:lvl5pPr marL="1828800" algn="l" defTabSz="914400" rtl="0" eaLnBrk="1" latinLnBrk="0" hangingPunct="1">
+      <a:defRPr sz="1200" kern="1200">
+        <a:solidFill>
+          <a:schemeClr val="tx1"/>
+        </a:solidFill>
+        <a:latin typeface="+mn-lt"/>
+        <a:ea typeface="+mn-ea"/>
+        <a:cs typeface="+mn-cs"/>
+      </a:defRPr>
+    </a:lvl5pPr>
+    <a:lvl6pPr marL="2286000" algn="l" defTabSz="914400" rtl="0" eaLnBrk="1" latinLnBrk="0" hangingPunct="1">
+      <a:defRPr sz="1200" kern="1200">
+        <a:solidFill>
+          <a:schemeClr val="tx1"/>
+        </a:solidFill>
+        <a:latin typeface="+mn-lt"/>
+        <a:ea typeface="+mn-ea"/>
+        <a:cs typeface="+mn-cs"/>
+      </a:defRPr>
+    </a:lvl6pPr>
+    <a:lvl7pPr marL="2743200" algn="l" defTabSz="914400" rtl="0" eaLnBrk="1" latinLnBrk="0" hangingPunct="1">
+      <a:defRPr sz="1200" kern="1200">
+        <a:solidFill>
+          <a:schemeClr val="tx1"/>
+        </a:solidFill>
+        <a:latin typeface="+mn-lt"/>
+        <a:ea typeface="+mn-ea"/>
+        <a:cs typeface="+mn-cs"/>
+      </a:defRPr>
+    </a:lvl7pPr>
+    <a:lvl8pPr marL="3200400" algn="l" defTabSz="914400" rtl="0" eaLnBrk="1" latinLnBrk="0" hangingPunct="1">
+      <a:defRPr sz="1200" kern="1200">
+        <a:solidFill>
+          <a:schemeClr val="tx1"/>
+        </a:solidFill>
+        <a:latin typeface="+mn-lt"/>
+        <a:ea typeface="+mn-ea"/>
+        <a:cs typeface="+mn-cs"/>
+      </a:defRPr>
+    </a:lvl8pPr>
+    <a:lvl9pPr marL="3657600" algn="l" defTabSz="914400" rtl="0" eaLnBrk="1" latinLnBrk="0" hangingPunct="1">
+      <a:defRPr sz="1200" kern="1200">
+        <a:solidFill>
+          <a:schemeClr val="tx1"/>
+        </a:solidFill>
+        <a:latin typeface="+mn-lt"/>
+        <a:ea typeface="+mn-ea"/>
+        <a:cs typeface="+mn-cs"/>
+      </a:defRPr>
+    </a:lvl9pPr>
+  </p:notesStyle>
+</p:notesMaster>
+</file>
+
+<file path=ppt/notesSlides/notesSlide1.xml><?xml version="1.0" encoding="utf-8"?>
+<p:notes xmlns:a="http://schemas.openxmlformats.org/drawingml/2006/main" xmlns:r="http://schemas.openxmlformats.org/officeDocument/2006/relationships" xmlns:p="http://schemas.openxmlformats.org/presentationml/2006/main">
+  <p:cSld>
+    <p:spTree>
+      <p:nvGrpSpPr>
+        <p:cNvPr id="1" name=""/>
+        <p:cNvGrpSpPr/>
+        <p:nvPr/>
+      </p:nvGrpSpPr>
+      <p:grpSpPr>
+        <a:xfrm>
+          <a:off x="0" y="0"/>
+          <a:ext cx="0" cy="0"/>
+          <a:chOff x="0" y="0"/>
+          <a:chExt cx="0" cy="0"/>
+        </a:xfrm>
+      </p:grpSpPr>
+      <p:sp>
+        <p:nvSpPr>
+          <p:cNvPr id="2" name="Slide Image Placeholder 1"/>
+          <p:cNvSpPr>
+            <a:spLocks noGrp="1" noRot="1" noChangeAspect="1"/>
+          </p:cNvSpPr>
+          <p:nvPr>
+            <p:ph type="sldImg"/>
+          </p:nvPr>
+        </p:nvSpPr>
+        <p:spPr/>
+      </p:sp>
+      <p:sp>
+        <p:nvSpPr>
+          <p:cNvPr id="3" name="Notes Placeholder 2"/>
+          <p:cNvSpPr>
+            <a:spLocks noGrp="1"/>
+          </p:cNvSpPr>
+          <p:nvPr>
+            <p:ph type="body" idx="1"/>
+          </p:nvPr>
+        </p:nvSpPr>
+        <p:spPr/>
+        <p:txBody>
+          <a:bodyPr/>
+          <a:lstStyle/>
+          <a:p>
+            <a:r>
+              <a:rPr lang="de-CH" dirty="0" err="1" smtClean="0"/>
+              <a:t>Inception</a:t>
+            </a:r>
+            <a:endParaRPr lang="de-CH" dirty="0" smtClean="0"/>
+          </a:p>
+          <a:p>
+            <a:endParaRPr lang="de-CH" dirty="0" smtClean="0"/>
+          </a:p>
+          <a:p>
+            <a:r>
+              <a:rPr lang="de-CH" dirty="0" smtClean="0"/>
+              <a:t>Elaboration</a:t>
+            </a:r>
+          </a:p>
+          <a:p>
+            <a:endParaRPr lang="de-CH" dirty="0" smtClean="0"/>
+          </a:p>
+          <a:p>
+            <a:r>
+              <a:rPr lang="de-CH" dirty="0" err="1" smtClean="0"/>
+              <a:t>Construction</a:t>
+            </a:r>
+            <a:endParaRPr lang="de-CH" dirty="0" smtClean="0"/>
+          </a:p>
+          <a:p>
+            <a:endParaRPr lang="de-CH" dirty="0" smtClean="0"/>
+          </a:p>
+          <a:p>
+            <a:r>
+              <a:rPr lang="de-CH" dirty="0" smtClean="0"/>
+              <a:t>Transition</a:t>
+            </a:r>
+            <a:endParaRPr lang="de-CH" dirty="0"/>
+          </a:p>
+        </p:txBody>
+      </p:sp>
+      <p:sp>
+        <p:nvSpPr>
+          <p:cNvPr id="4" name="Slide Number Placeholder 3"/>
+          <p:cNvSpPr>
+            <a:spLocks noGrp="1"/>
+          </p:cNvSpPr>
+          <p:nvPr>
+            <p:ph type="sldNum" sz="quarter" idx="10"/>
+          </p:nvPr>
+        </p:nvSpPr>
+        <p:spPr/>
+        <p:txBody>
+          <a:bodyPr/>
+          <a:lstStyle/>
+          <a:p>
+            <a:fld id="{539D6FB8-A289-4D31-AE1B-368BC10F6FE7}" type="slidenum">
+              <a:rPr lang="de-CH" smtClean="0"/>
+              <a:t>6</a:t>
+            </a:fld>
+            <a:endParaRPr lang="de-CH"/>
+          </a:p>
+        </p:txBody>
+      </p:sp>
+    </p:spTree>
+    <p:extLst>
+      <p:ext uri="{BB962C8B-B14F-4D97-AF65-F5344CB8AC3E}">
+        <p14:creationId xmlns:p14="http://schemas.microsoft.com/office/powerpoint/2010/main" val="672498572"/>
+      </p:ext>
+    </p:extLst>
+  </p:cSld>
+  <p:clrMapOvr>
+    <a:masterClrMapping/>
+  </p:clrMapOvr>
+</p:notes>
+</file>
+
+<file path=ppt/notesSlides/notesSlide2.xml><?xml version="1.0" encoding="utf-8"?>
+<p:notes xmlns:a="http://schemas.openxmlformats.org/drawingml/2006/main" xmlns:r="http://schemas.openxmlformats.org/officeDocument/2006/relationships" xmlns:p="http://schemas.openxmlformats.org/presentationml/2006/main">
+  <p:cSld>
+    <p:spTree>
+      <p:nvGrpSpPr>
+        <p:cNvPr id="1" name=""/>
+        <p:cNvGrpSpPr/>
+        <p:nvPr/>
+      </p:nvGrpSpPr>
+      <p:grpSpPr>
+        <a:xfrm>
+          <a:off x="0" y="0"/>
+          <a:ext cx="0" cy="0"/>
+          <a:chOff x="0" y="0"/>
+          <a:chExt cx="0" cy="0"/>
+        </a:xfrm>
+      </p:grpSpPr>
+      <p:sp>
+        <p:nvSpPr>
+          <p:cNvPr id="2" name="Slide Image Placeholder 1"/>
+          <p:cNvSpPr>
+            <a:spLocks noGrp="1" noRot="1" noChangeAspect="1"/>
+          </p:cNvSpPr>
+          <p:nvPr>
+            <p:ph type="sldImg"/>
+          </p:nvPr>
+        </p:nvSpPr>
+        <p:spPr/>
+      </p:sp>
+      <p:sp>
+        <p:nvSpPr>
+          <p:cNvPr id="3" name="Notes Placeholder 2"/>
+          <p:cNvSpPr>
+            <a:spLocks noGrp="1"/>
+          </p:cNvSpPr>
+          <p:nvPr>
+            <p:ph type="body" idx="1"/>
+          </p:nvPr>
+        </p:nvSpPr>
+        <p:spPr/>
+        <p:txBody>
+          <a:bodyPr/>
+          <a:lstStyle/>
+          <a:p>
+            <a:r>
+              <a:rPr lang="de-CH" dirty="0" smtClean="0"/>
+              <a:t>1, ZHAW</a:t>
+            </a:r>
+            <a:r>
+              <a:rPr lang="de-CH" baseline="0" dirty="0" smtClean="0"/>
+              <a:t> Netzwerk</a:t>
+            </a:r>
+          </a:p>
+          <a:p>
+            <a:pPr marL="0" marR="0" indent="0" algn="l" defTabSz="914400" rtl="0" eaLnBrk="1" fontAlgn="auto" latinLnBrk="0" hangingPunct="1">
+              <a:lnSpc>
+                <a:spcPct val="100000"/>
+              </a:lnSpc>
+              <a:spcBef>
+                <a:spcPts val="0"/>
+              </a:spcBef>
+              <a:spcAft>
+                <a:spcPts val="0"/>
+              </a:spcAft>
+              <a:buClrTx/>
+              <a:buSzTx/>
+              <a:buFontTx/>
+              <a:buNone/>
+              <a:tabLst/>
+              <a:defRPr/>
+            </a:pPr>
+            <a:r>
+              <a:rPr lang="de-CH" sz="1200" dirty="0" smtClean="0">
+                <a:effectLst/>
+              </a:rPr>
+              <a:t>ZHAW Server sind aufgrund eines Wartungsfensters oder Ausfalls nicht erreichbar</a:t>
+            </a:r>
+            <a:endParaRPr lang="de-CH" sz="1200" dirty="0" smtClean="0">
+              <a:effectLst/>
+              <a:latin typeface="+mn-lt"/>
+              <a:ea typeface="Calibri"/>
+              <a:cs typeface="Times New Roman"/>
+            </a:endParaRPr>
+          </a:p>
+          <a:p>
+            <a:endParaRPr lang="de-CH" dirty="0" smtClean="0"/>
+          </a:p>
+          <a:p>
+            <a:pPr marL="0" marR="0" indent="0" algn="l" defTabSz="914400" rtl="0" eaLnBrk="1" fontAlgn="auto" latinLnBrk="0" hangingPunct="1">
+              <a:lnSpc>
+                <a:spcPct val="100000"/>
+              </a:lnSpc>
+              <a:spcBef>
+                <a:spcPts val="0"/>
+              </a:spcBef>
+              <a:spcAft>
+                <a:spcPts val="0"/>
+              </a:spcAft>
+              <a:buClrTx/>
+              <a:buSzTx/>
+              <a:buFontTx/>
+              <a:buNone/>
+              <a:tabLst/>
+              <a:defRPr/>
+            </a:pPr>
+            <a:r>
+              <a:rPr lang="de-CH" sz="1200" dirty="0" err="1" smtClean="0">
+                <a:effectLst/>
+              </a:rPr>
+              <a:t>Git</a:t>
+            </a:r>
+            <a:r>
+              <a:rPr lang="de-CH" sz="1200" dirty="0" smtClean="0">
+                <a:effectLst/>
+              </a:rPr>
+              <a:t> benutzen</a:t>
+            </a:r>
+            <a:endParaRPr lang="de-CH" sz="1200" dirty="0" smtClean="0">
+              <a:effectLst/>
+              <a:latin typeface="+mn-lt"/>
+              <a:ea typeface="Calibri"/>
+              <a:cs typeface="Times New Roman"/>
+            </a:endParaRPr>
+          </a:p>
+          <a:p>
+            <a:endParaRPr lang="de-CH" dirty="0" smtClean="0"/>
+          </a:p>
+          <a:p>
+            <a:endParaRPr lang="de-CH" dirty="0" smtClean="0"/>
+          </a:p>
+          <a:p>
+            <a:r>
+              <a:rPr lang="de-CH" dirty="0" smtClean="0"/>
+              <a:t>2, Motivation</a:t>
+            </a:r>
+          </a:p>
+          <a:p>
+            <a:pPr marL="0" marR="0" indent="0" algn="l" defTabSz="914400" rtl="0" eaLnBrk="1" fontAlgn="auto" latinLnBrk="0" hangingPunct="1">
+              <a:lnSpc>
+                <a:spcPct val="100000"/>
+              </a:lnSpc>
+              <a:spcBef>
+                <a:spcPts val="0"/>
+              </a:spcBef>
+              <a:spcAft>
+                <a:spcPts val="0"/>
+              </a:spcAft>
+              <a:buClrTx/>
+              <a:buSzTx/>
+              <a:buFontTx/>
+              <a:buNone/>
+              <a:tabLst/>
+              <a:defRPr/>
+            </a:pPr>
+            <a:r>
+              <a:rPr lang="de-CH" sz="1200" dirty="0" smtClean="0">
+                <a:effectLst/>
+              </a:rPr>
+              <a:t>Motivation während des Semesters lässt nach</a:t>
+            </a:r>
+            <a:endParaRPr lang="de-CH" sz="1200" dirty="0" smtClean="0">
+              <a:effectLst/>
+              <a:latin typeface="+mn-lt"/>
+              <a:ea typeface="Calibri"/>
+              <a:cs typeface="Times New Roman"/>
+            </a:endParaRPr>
+          </a:p>
+          <a:p>
+            <a:pPr marL="0" marR="0" indent="0" algn="l" defTabSz="914400" rtl="0" eaLnBrk="1" fontAlgn="auto" latinLnBrk="0" hangingPunct="1">
+              <a:lnSpc>
+                <a:spcPct val="100000"/>
+              </a:lnSpc>
+              <a:spcBef>
+                <a:spcPts val="0"/>
+              </a:spcBef>
+              <a:spcAft>
+                <a:spcPts val="0"/>
+              </a:spcAft>
+              <a:buClrTx/>
+              <a:buSzTx/>
+              <a:buFontTx/>
+              <a:buNone/>
+              <a:tabLst/>
+              <a:defRPr/>
+            </a:pPr>
+            <a:endParaRPr lang="de-CH" sz="1200" dirty="0" smtClean="0">
+              <a:effectLst/>
+            </a:endParaRPr>
+          </a:p>
+          <a:p>
+            <a:pPr marL="0" marR="0" indent="0" algn="l" defTabSz="914400" rtl="0" eaLnBrk="1" fontAlgn="auto" latinLnBrk="0" hangingPunct="1">
+              <a:lnSpc>
+                <a:spcPct val="100000"/>
+              </a:lnSpc>
+              <a:spcBef>
+                <a:spcPts val="0"/>
+              </a:spcBef>
+              <a:spcAft>
+                <a:spcPts val="0"/>
+              </a:spcAft>
+              <a:buClrTx/>
+              <a:buSzTx/>
+              <a:buFontTx/>
+              <a:buNone/>
+              <a:tabLst/>
+              <a:defRPr/>
+            </a:pPr>
+            <a:r>
+              <a:rPr lang="de-CH" sz="1200" dirty="0" smtClean="0">
+                <a:effectLst/>
+              </a:rPr>
+              <a:t>Arbeiten gerecht verteilen. Teamgeist pflegen und klare gemeinsame Ziele definieren</a:t>
+            </a:r>
+            <a:endParaRPr lang="de-CH" sz="1200" dirty="0" smtClean="0">
+              <a:effectLst/>
+              <a:latin typeface="+mn-lt"/>
+              <a:ea typeface="Calibri"/>
+              <a:cs typeface="Times New Roman"/>
+            </a:endParaRPr>
+          </a:p>
+          <a:p>
+            <a:endParaRPr lang="de-CH" dirty="0" smtClean="0"/>
+          </a:p>
+          <a:p>
+            <a:endParaRPr lang="de-CH" dirty="0" smtClean="0"/>
+          </a:p>
+          <a:p>
+            <a:r>
+              <a:rPr lang="de-CH" dirty="0" smtClean="0"/>
+              <a:t>3, Probleme</a:t>
+            </a:r>
+            <a:r>
+              <a:rPr lang="de-CH" baseline="0" dirty="0" smtClean="0"/>
+              <a:t> mit Entwicklungsumgebung</a:t>
+            </a:r>
+          </a:p>
+          <a:p>
+            <a:pPr marL="0" marR="0" indent="0" algn="l" defTabSz="914400" rtl="0" eaLnBrk="1" fontAlgn="auto" latinLnBrk="0" hangingPunct="1">
+              <a:lnSpc>
+                <a:spcPct val="100000"/>
+              </a:lnSpc>
+              <a:spcBef>
+                <a:spcPts val="0"/>
+              </a:spcBef>
+              <a:spcAft>
+                <a:spcPts val="0"/>
+              </a:spcAft>
+              <a:buClrTx/>
+              <a:buSzTx/>
+              <a:buFontTx/>
+              <a:buNone/>
+              <a:tabLst/>
+              <a:defRPr/>
+            </a:pPr>
+            <a:r>
+              <a:rPr lang="de-CH" sz="1200" dirty="0" smtClean="0">
+                <a:effectLst/>
+              </a:rPr>
+              <a:t>Probleme mit Framework oder Android SDK</a:t>
+            </a:r>
+            <a:endParaRPr lang="de-CH" sz="1200" dirty="0" smtClean="0">
+              <a:effectLst/>
+              <a:latin typeface="+mn-lt"/>
+              <a:ea typeface="Calibri"/>
+              <a:cs typeface="Times New Roman"/>
+            </a:endParaRPr>
+          </a:p>
+          <a:p>
+            <a:endParaRPr lang="de-CH" dirty="0" smtClean="0"/>
+          </a:p>
+          <a:p>
+            <a:pPr marL="0" marR="0" indent="0" algn="l" defTabSz="914400" rtl="0" eaLnBrk="1" fontAlgn="auto" latinLnBrk="0" hangingPunct="1">
+              <a:lnSpc>
+                <a:spcPct val="100000"/>
+              </a:lnSpc>
+              <a:spcBef>
+                <a:spcPts val="0"/>
+              </a:spcBef>
+              <a:spcAft>
+                <a:spcPts val="0"/>
+              </a:spcAft>
+              <a:buClrTx/>
+              <a:buSzTx/>
+              <a:buFontTx/>
+              <a:buNone/>
+              <a:tabLst/>
+              <a:defRPr/>
+            </a:pPr>
+            <a:r>
+              <a:rPr lang="de-CH" sz="1200" dirty="0" smtClean="0">
+                <a:effectLst/>
+              </a:rPr>
+              <a:t>Gemeinsames Einrichten der Entwicklungsumgebungen und gegenseitige Unterstützung bei Problemen</a:t>
+            </a:r>
+            <a:endParaRPr lang="de-CH" sz="1200" dirty="0" smtClean="0">
+              <a:effectLst/>
+              <a:latin typeface="+mn-lt"/>
+              <a:ea typeface="Calibri"/>
+              <a:cs typeface="Times New Roman"/>
+            </a:endParaRPr>
+          </a:p>
+          <a:p>
+            <a:endParaRPr lang="de-CH" dirty="0" smtClean="0"/>
+          </a:p>
+          <a:p>
+            <a:endParaRPr lang="de-CH" dirty="0" smtClean="0"/>
+          </a:p>
+          <a:p>
+            <a:r>
+              <a:rPr lang="de-CH" dirty="0" smtClean="0"/>
+              <a:t>4, Hardware</a:t>
+            </a:r>
+          </a:p>
+          <a:p>
+            <a:r>
+              <a:rPr lang="de-CH" dirty="0" smtClean="0"/>
+              <a:t>Ein Handy oder Notebook fällt aus</a:t>
+            </a:r>
+          </a:p>
+          <a:p>
+            <a:endParaRPr lang="de-CH" dirty="0" smtClean="0"/>
+          </a:p>
+          <a:p>
+            <a:pPr marL="0" marR="0" indent="0" algn="l" defTabSz="914400" rtl="0" eaLnBrk="1" fontAlgn="auto" latinLnBrk="0" hangingPunct="1">
+              <a:lnSpc>
+                <a:spcPct val="100000"/>
+              </a:lnSpc>
+              <a:spcBef>
+                <a:spcPts val="0"/>
+              </a:spcBef>
+              <a:spcAft>
+                <a:spcPts val="0"/>
+              </a:spcAft>
+              <a:buClrTx/>
+              <a:buSzTx/>
+              <a:buFontTx/>
+              <a:buNone/>
+              <a:tabLst/>
+              <a:defRPr/>
+            </a:pPr>
+            <a:r>
+              <a:rPr lang="de-CH" sz="1200" dirty="0" smtClean="0">
+                <a:effectLst/>
+              </a:rPr>
+              <a:t>Material sorgfältig behandeln und bei einem Ausfall zeitig für Ersatz sorgen</a:t>
+            </a:r>
+            <a:endParaRPr lang="de-CH" sz="1200" dirty="0" smtClean="0">
+              <a:effectLst/>
+              <a:latin typeface="+mn-lt"/>
+              <a:ea typeface="Calibri"/>
+              <a:cs typeface="Times New Roman"/>
+            </a:endParaRPr>
+          </a:p>
+        </p:txBody>
+      </p:sp>
+      <p:sp>
+        <p:nvSpPr>
+          <p:cNvPr id="4" name="Slide Number Placeholder 3"/>
+          <p:cNvSpPr>
+            <a:spLocks noGrp="1"/>
+          </p:cNvSpPr>
+          <p:nvPr>
+            <p:ph type="sldNum" sz="quarter" idx="10"/>
+          </p:nvPr>
+        </p:nvSpPr>
+        <p:spPr/>
+        <p:txBody>
+          <a:bodyPr/>
+          <a:lstStyle/>
+          <a:p>
+            <a:fld id="{539D6FB8-A289-4D31-AE1B-368BC10F6FE7}" type="slidenum">
+              <a:rPr lang="de-CH" smtClean="0"/>
+              <a:t>8</a:t>
+            </a:fld>
+            <a:endParaRPr lang="de-CH"/>
+          </a:p>
+        </p:txBody>
+      </p:sp>
+    </p:spTree>
+    <p:extLst>
+      <p:ext uri="{BB962C8B-B14F-4D97-AF65-F5344CB8AC3E}">
+        <p14:creationId xmlns:p14="http://schemas.microsoft.com/office/powerpoint/2010/main" val="2000506139"/>
+      </p:ext>
+    </p:extLst>
+  </p:cSld>
+  <p:clrMapOvr>
+    <a:masterClrMapping/>
+  </p:clrMapOvr>
+</p:notes>
+</file>
+
+<file path=ppt/notesSlides/notesSlide3.xml><?xml version="1.0" encoding="utf-8"?>
+<p:notes xmlns:a="http://schemas.openxmlformats.org/drawingml/2006/main" xmlns:r="http://schemas.openxmlformats.org/officeDocument/2006/relationships" xmlns:p="http://schemas.openxmlformats.org/presentationml/2006/main">
+  <p:cSld>
+    <p:spTree>
+      <p:nvGrpSpPr>
+        <p:cNvPr id="1" name=""/>
+        <p:cNvGrpSpPr/>
+        <p:nvPr/>
+      </p:nvGrpSpPr>
+      <p:grpSpPr>
+        <a:xfrm>
+          <a:off x="0" y="0"/>
+          <a:ext cx="0" cy="0"/>
+          <a:chOff x="0" y="0"/>
+          <a:chExt cx="0" cy="0"/>
+        </a:xfrm>
+      </p:grpSpPr>
+      <p:sp>
+        <p:nvSpPr>
+          <p:cNvPr id="2" name="Slide Image Placeholder 1"/>
+          <p:cNvSpPr>
+            <a:spLocks noGrp="1" noRot="1" noChangeAspect="1"/>
+          </p:cNvSpPr>
+          <p:nvPr>
+            <p:ph type="sldImg"/>
+          </p:nvPr>
+        </p:nvSpPr>
+        <p:spPr/>
+      </p:sp>
+      <p:sp>
+        <p:nvSpPr>
+          <p:cNvPr id="3" name="Notes Placeholder 2"/>
+          <p:cNvSpPr>
+            <a:spLocks noGrp="1"/>
+          </p:cNvSpPr>
+          <p:nvPr>
+            <p:ph type="body" idx="1"/>
+          </p:nvPr>
+        </p:nvSpPr>
+        <p:spPr/>
+        <p:txBody>
+          <a:bodyPr/>
+          <a:lstStyle/>
+          <a:p>
+            <a:r>
+              <a:rPr lang="de-CH" dirty="0" smtClean="0"/>
+              <a:t>5, Sound &amp; Grafik</a:t>
+            </a:r>
+          </a:p>
+          <a:p>
+            <a:pPr marL="0" marR="0" indent="0" algn="l" defTabSz="914400" rtl="0" eaLnBrk="1" fontAlgn="auto" latinLnBrk="0" hangingPunct="1">
+              <a:lnSpc>
+                <a:spcPct val="100000"/>
+              </a:lnSpc>
+              <a:spcBef>
+                <a:spcPts val="0"/>
+              </a:spcBef>
+              <a:spcAft>
+                <a:spcPts val="0"/>
+              </a:spcAft>
+              <a:buClrTx/>
+              <a:buSzTx/>
+              <a:buFontTx/>
+              <a:buNone/>
+              <a:tabLst/>
+              <a:defRPr/>
+            </a:pPr>
+            <a:r>
+              <a:rPr lang="de-CH" sz="1200" dirty="0" smtClean="0">
+                <a:effectLst/>
+              </a:rPr>
+              <a:t>Zeit für die Implementation wird knapp, Mittel für die Realisierung reichen nicht aus</a:t>
+            </a:r>
+            <a:endParaRPr lang="de-CH" sz="1200" dirty="0" smtClean="0">
+              <a:effectLst/>
+              <a:latin typeface="+mn-lt"/>
+              <a:ea typeface="Calibri"/>
+              <a:cs typeface="Times New Roman"/>
+            </a:endParaRPr>
+          </a:p>
+          <a:p>
+            <a:endParaRPr lang="de-CH" dirty="0" smtClean="0"/>
+          </a:p>
+          <a:p>
+            <a:pPr marL="0" marR="0" indent="0" algn="l" defTabSz="914400" rtl="0" eaLnBrk="1" fontAlgn="auto" latinLnBrk="0" hangingPunct="1">
+              <a:lnSpc>
+                <a:spcPct val="100000"/>
+              </a:lnSpc>
+              <a:spcBef>
+                <a:spcPts val="0"/>
+              </a:spcBef>
+              <a:spcAft>
+                <a:spcPts val="0"/>
+              </a:spcAft>
+              <a:buClrTx/>
+              <a:buSzTx/>
+              <a:buFontTx/>
+              <a:buNone/>
+              <a:tabLst/>
+              <a:defRPr/>
+            </a:pPr>
+            <a:r>
+              <a:rPr lang="de-CH" sz="1200" dirty="0" smtClean="0">
+                <a:effectLst/>
+              </a:rPr>
+              <a:t>Sound weglassen und/oder Grafik vereinfachen</a:t>
+            </a:r>
+            <a:endParaRPr lang="de-CH" sz="1200" dirty="0" smtClean="0">
+              <a:effectLst/>
+              <a:latin typeface="+mn-lt"/>
+              <a:ea typeface="Calibri"/>
+              <a:cs typeface="Times New Roman"/>
+            </a:endParaRPr>
+          </a:p>
+          <a:p>
+            <a:endParaRPr lang="de-CH" dirty="0" smtClean="0"/>
+          </a:p>
+          <a:p>
+            <a:endParaRPr lang="de-CH" dirty="0" smtClean="0"/>
+          </a:p>
+          <a:p>
+            <a:r>
+              <a:rPr lang="de-CH" dirty="0" smtClean="0"/>
+              <a:t>6, Personaldefizit</a:t>
+            </a:r>
+          </a:p>
+          <a:p>
+            <a:pPr marL="0" marR="0" indent="0" algn="l" defTabSz="914400" rtl="0" eaLnBrk="1" fontAlgn="auto" latinLnBrk="0" hangingPunct="1">
+              <a:lnSpc>
+                <a:spcPct val="100000"/>
+              </a:lnSpc>
+              <a:spcBef>
+                <a:spcPts val="0"/>
+              </a:spcBef>
+              <a:spcAft>
+                <a:spcPts val="0"/>
+              </a:spcAft>
+              <a:buClrTx/>
+              <a:buSzTx/>
+              <a:buFontTx/>
+              <a:buNone/>
+              <a:tabLst/>
+              <a:defRPr/>
+            </a:pPr>
+            <a:r>
+              <a:rPr lang="de-CH" sz="1200" dirty="0" smtClean="0">
+                <a:effectLst/>
+              </a:rPr>
+              <a:t>Ausfälle durch Krankheit oder Unfall, viel zu tun bei der Arbeit</a:t>
+            </a:r>
+            <a:endParaRPr lang="de-CH" sz="1200" dirty="0" smtClean="0">
+              <a:effectLst/>
+              <a:latin typeface="+mn-lt"/>
+              <a:ea typeface="Calibri"/>
+              <a:cs typeface="Times New Roman"/>
+            </a:endParaRPr>
+          </a:p>
+          <a:p>
+            <a:endParaRPr lang="de-CH" dirty="0" smtClean="0"/>
+          </a:p>
+          <a:p>
+            <a:pPr marL="0" marR="0" indent="0" algn="l" defTabSz="914400" rtl="0" eaLnBrk="1" fontAlgn="auto" latinLnBrk="0" hangingPunct="1">
+              <a:lnSpc>
+                <a:spcPct val="100000"/>
+              </a:lnSpc>
+              <a:spcBef>
+                <a:spcPts val="0"/>
+              </a:spcBef>
+              <a:spcAft>
+                <a:spcPts val="0"/>
+              </a:spcAft>
+              <a:buClrTx/>
+              <a:buSzTx/>
+              <a:buFontTx/>
+              <a:buNone/>
+              <a:tabLst/>
+              <a:defRPr/>
+            </a:pPr>
+            <a:r>
+              <a:rPr lang="de-CH" sz="1200" dirty="0" smtClean="0">
+                <a:effectLst/>
+              </a:rPr>
+              <a:t>Velo Helm aufsetzen, Rechtsvortritt beachten und jeden Tag ein Glas </a:t>
+            </a:r>
+            <a:r>
+              <a:rPr lang="de-CH" sz="1200" dirty="0" err="1" smtClean="0">
+                <a:effectLst/>
+              </a:rPr>
+              <a:t>O'saft</a:t>
+            </a:r>
+            <a:r>
+              <a:rPr lang="de-CH" sz="1200" dirty="0" smtClean="0">
+                <a:effectLst/>
+              </a:rPr>
+              <a:t> trinken. Viel Wissenstransfer</a:t>
+            </a:r>
+            <a:endParaRPr lang="de-CH" sz="1200" dirty="0" smtClean="0">
+              <a:effectLst/>
+              <a:latin typeface="+mn-lt"/>
+              <a:ea typeface="Calibri"/>
+              <a:cs typeface="Times New Roman"/>
+            </a:endParaRPr>
+          </a:p>
+          <a:p>
+            <a:endParaRPr lang="de-CH" dirty="0" smtClean="0"/>
+          </a:p>
+          <a:p>
+            <a:endParaRPr lang="de-CH" dirty="0" smtClean="0"/>
+          </a:p>
+          <a:p>
+            <a:r>
+              <a:rPr lang="de-CH" dirty="0" smtClean="0"/>
+              <a:t>7, Schlechtes Zeitmanagement</a:t>
+            </a:r>
+          </a:p>
+          <a:p>
+            <a:pPr marL="0" marR="0" indent="0" algn="l" defTabSz="914400" rtl="0" eaLnBrk="1" fontAlgn="auto" latinLnBrk="0" hangingPunct="1">
+              <a:lnSpc>
+                <a:spcPct val="100000"/>
+              </a:lnSpc>
+              <a:spcBef>
+                <a:spcPts val="0"/>
+              </a:spcBef>
+              <a:spcAft>
+                <a:spcPts val="0"/>
+              </a:spcAft>
+              <a:buClrTx/>
+              <a:buSzTx/>
+              <a:buFontTx/>
+              <a:buNone/>
+              <a:tabLst/>
+              <a:defRPr/>
+            </a:pPr>
+            <a:r>
+              <a:rPr lang="de-CH" sz="1200" dirty="0" smtClean="0">
+                <a:effectLst/>
+              </a:rPr>
+              <a:t>Fehleinschätzung, Zeitmangel auf Grund von Teilzeit Pensum</a:t>
+            </a:r>
+            <a:endParaRPr lang="de-CH" sz="1200" dirty="0" smtClean="0">
+              <a:effectLst/>
+              <a:latin typeface="+mn-lt"/>
+              <a:ea typeface="Calibri"/>
+              <a:cs typeface="Times New Roman"/>
+            </a:endParaRPr>
+          </a:p>
+          <a:p>
+            <a:endParaRPr lang="de-CH" dirty="0" smtClean="0"/>
+          </a:p>
+          <a:p>
+            <a:pPr marL="0" marR="0" indent="0" algn="l" defTabSz="914400" rtl="0" eaLnBrk="1" fontAlgn="auto" latinLnBrk="0" hangingPunct="1">
+              <a:lnSpc>
+                <a:spcPct val="100000"/>
+              </a:lnSpc>
+              <a:spcBef>
+                <a:spcPts val="0"/>
+              </a:spcBef>
+              <a:spcAft>
+                <a:spcPts val="0"/>
+              </a:spcAft>
+              <a:buClrTx/>
+              <a:buSzTx/>
+              <a:buFontTx/>
+              <a:buNone/>
+              <a:tabLst/>
+              <a:defRPr/>
+            </a:pPr>
+            <a:r>
+              <a:rPr lang="de-CH" sz="1200" dirty="0" smtClean="0">
+                <a:effectLst/>
+              </a:rPr>
+              <a:t>Realistischen Zeitplan erstellen. Verzögerungen frühzeitig erkennen und aufholen</a:t>
+            </a:r>
+            <a:endParaRPr lang="de-CH" sz="1200" dirty="0" smtClean="0">
+              <a:effectLst/>
+              <a:latin typeface="+mn-lt"/>
+              <a:ea typeface="Calibri"/>
+              <a:cs typeface="Times New Roman"/>
+            </a:endParaRPr>
+          </a:p>
+          <a:p>
+            <a:endParaRPr lang="de-CH" dirty="0" smtClean="0"/>
+          </a:p>
+          <a:p>
+            <a:endParaRPr lang="de-CH" dirty="0" smtClean="0"/>
+          </a:p>
+          <a:p>
+            <a:r>
+              <a:rPr lang="de-CH" dirty="0" smtClean="0"/>
+              <a:t>8, Know</a:t>
+            </a:r>
+            <a:r>
+              <a:rPr lang="de-CH" baseline="0" dirty="0" smtClean="0"/>
+              <a:t>-how Defizit</a:t>
+            </a:r>
+          </a:p>
+          <a:p>
+            <a:pPr marL="0" marR="0" indent="0" algn="l" defTabSz="914400" rtl="0" eaLnBrk="1" fontAlgn="auto" latinLnBrk="0" hangingPunct="1">
+              <a:lnSpc>
+                <a:spcPct val="100000"/>
+              </a:lnSpc>
+              <a:spcBef>
+                <a:spcPts val="0"/>
+              </a:spcBef>
+              <a:spcAft>
+                <a:spcPts val="0"/>
+              </a:spcAft>
+              <a:buClrTx/>
+              <a:buSzTx/>
+              <a:buFontTx/>
+              <a:buNone/>
+              <a:tabLst/>
+              <a:defRPr/>
+            </a:pPr>
+            <a:r>
+              <a:rPr lang="de-CH" sz="1200" dirty="0" smtClean="0">
+                <a:effectLst/>
+              </a:rPr>
+              <a:t>Das Know-how im Team oder bei einzelnen Mitgliedern führt zu Verzögerungen</a:t>
+            </a:r>
+            <a:endParaRPr lang="de-CH" sz="1200" dirty="0" smtClean="0">
+              <a:effectLst/>
+              <a:latin typeface="+mn-lt"/>
+              <a:ea typeface="Calibri"/>
+              <a:cs typeface="Times New Roman"/>
+            </a:endParaRPr>
+          </a:p>
+          <a:p>
+            <a:endParaRPr lang="de-CH" baseline="0" dirty="0" smtClean="0"/>
+          </a:p>
+          <a:p>
+            <a:pPr marL="0" marR="0" indent="0" algn="l" defTabSz="914400" rtl="0" eaLnBrk="1" fontAlgn="auto" latinLnBrk="0" hangingPunct="1">
+              <a:lnSpc>
+                <a:spcPct val="100000"/>
+              </a:lnSpc>
+              <a:spcBef>
+                <a:spcPts val="0"/>
+              </a:spcBef>
+              <a:spcAft>
+                <a:spcPts val="0"/>
+              </a:spcAft>
+              <a:buClrTx/>
+              <a:buSzTx/>
+              <a:buFontTx/>
+              <a:buNone/>
+              <a:tabLst/>
+              <a:defRPr/>
+            </a:pPr>
+            <a:r>
+              <a:rPr lang="de-CH" sz="1200" dirty="0" smtClean="0">
+                <a:effectLst/>
+              </a:rPr>
+              <a:t>So viel Wissenstransfer  betreiben wie möglich</a:t>
+            </a:r>
+            <a:endParaRPr lang="de-CH" sz="1200" dirty="0" smtClean="0">
+              <a:effectLst/>
+              <a:latin typeface="+mn-lt"/>
+              <a:ea typeface="Calibri"/>
+              <a:cs typeface="Times New Roman"/>
+            </a:endParaRPr>
+          </a:p>
+          <a:p>
+            <a:endParaRPr lang="de-CH" dirty="0" smtClean="0"/>
+          </a:p>
+          <a:p>
+            <a:endParaRPr lang="de-CH" dirty="0"/>
+          </a:p>
+        </p:txBody>
+      </p:sp>
+      <p:sp>
+        <p:nvSpPr>
+          <p:cNvPr id="4" name="Slide Number Placeholder 3"/>
+          <p:cNvSpPr>
+            <a:spLocks noGrp="1"/>
+          </p:cNvSpPr>
+          <p:nvPr>
+            <p:ph type="sldNum" sz="quarter" idx="10"/>
+          </p:nvPr>
+        </p:nvSpPr>
+        <p:spPr/>
+        <p:txBody>
+          <a:bodyPr/>
+          <a:lstStyle/>
+          <a:p>
+            <a:fld id="{539D6FB8-A289-4D31-AE1B-368BC10F6FE7}" type="slidenum">
+              <a:rPr lang="de-CH" smtClean="0"/>
+              <a:t>9</a:t>
+            </a:fld>
+            <a:endParaRPr lang="de-CH"/>
+          </a:p>
+        </p:txBody>
+      </p:sp>
+    </p:spTree>
+    <p:extLst>
+      <p:ext uri="{BB962C8B-B14F-4D97-AF65-F5344CB8AC3E}">
+        <p14:creationId xmlns:p14="http://schemas.microsoft.com/office/powerpoint/2010/main" val="2000506139"/>
+      </p:ext>
+    </p:extLst>
+  </p:cSld>
+  <p:clrMapOvr>
+    <a:masterClrMapping/>
+  </p:clrMapOvr>
+</p:notes>
+</file>
+
+<file path=ppt/notesSlides/notesSlide4.xml><?xml version="1.0" encoding="utf-8"?>
+<p:notes xmlns:a="http://schemas.openxmlformats.org/drawingml/2006/main" xmlns:r="http://schemas.openxmlformats.org/officeDocument/2006/relationships" xmlns:p="http://schemas.openxmlformats.org/presentationml/2006/main">
+  <p:cSld>
+    <p:spTree>
+      <p:nvGrpSpPr>
+        <p:cNvPr id="1" name=""/>
+        <p:cNvGrpSpPr/>
+        <p:nvPr/>
+      </p:nvGrpSpPr>
+      <p:grpSpPr>
+        <a:xfrm>
+          <a:off x="0" y="0"/>
+          <a:ext cx="0" cy="0"/>
+          <a:chOff x="0" y="0"/>
+          <a:chExt cx="0" cy="0"/>
+        </a:xfrm>
+      </p:grpSpPr>
+      <p:sp>
+        <p:nvSpPr>
+          <p:cNvPr id="2" name="Slide Image Placeholder 1"/>
+          <p:cNvSpPr>
+            <a:spLocks noGrp="1" noRot="1" noChangeAspect="1"/>
+          </p:cNvSpPr>
+          <p:nvPr>
+            <p:ph type="sldImg"/>
+          </p:nvPr>
+        </p:nvSpPr>
+        <p:spPr/>
+      </p:sp>
+      <p:sp>
+        <p:nvSpPr>
+          <p:cNvPr id="3" name="Notes Placeholder 2"/>
+          <p:cNvSpPr>
+            <a:spLocks noGrp="1"/>
+          </p:cNvSpPr>
+          <p:nvPr>
+            <p:ph type="body" idx="1"/>
+          </p:nvPr>
+        </p:nvSpPr>
+        <p:spPr/>
+        <p:txBody>
+          <a:bodyPr/>
+          <a:lstStyle/>
+          <a:p>
+            <a:r>
+              <a:rPr lang="de-CH" dirty="0" smtClean="0"/>
+              <a:t>ZHAW</a:t>
+            </a:r>
+            <a:r>
+              <a:rPr lang="de-CH" baseline="0" dirty="0" smtClean="0"/>
+              <a:t> Netzwerk</a:t>
+            </a:r>
+          </a:p>
+          <a:p>
+            <a:pPr marL="0" marR="0" indent="0" algn="l" defTabSz="914400" rtl="0" eaLnBrk="1" fontAlgn="auto" latinLnBrk="0" hangingPunct="1">
+              <a:lnSpc>
+                <a:spcPct val="100000"/>
+              </a:lnSpc>
+              <a:spcBef>
+                <a:spcPts val="0"/>
+              </a:spcBef>
+              <a:spcAft>
+                <a:spcPts val="0"/>
+              </a:spcAft>
+              <a:buClrTx/>
+              <a:buSzTx/>
+              <a:buFontTx/>
+              <a:buNone/>
+              <a:tabLst/>
+              <a:defRPr/>
+            </a:pPr>
+            <a:r>
+              <a:rPr lang="de-CH" sz="1200" dirty="0" smtClean="0">
+                <a:effectLst/>
+              </a:rPr>
+              <a:t>ZHAW Server sind aufgrund eines Wartungsfensters oder Ausfalls nicht erreichbar</a:t>
+            </a:r>
+            <a:endParaRPr lang="de-CH" sz="1200" dirty="0" smtClean="0">
+              <a:effectLst/>
+              <a:latin typeface="+mn-lt"/>
+              <a:ea typeface="Calibri"/>
+              <a:cs typeface="Times New Roman"/>
+            </a:endParaRPr>
+          </a:p>
+          <a:p>
+            <a:endParaRPr lang="de-CH" dirty="0" smtClean="0"/>
+          </a:p>
+          <a:p>
+            <a:pPr marL="0" marR="0" indent="0" algn="l" defTabSz="914400" rtl="0" eaLnBrk="1" fontAlgn="auto" latinLnBrk="0" hangingPunct="1">
+              <a:lnSpc>
+                <a:spcPct val="100000"/>
+              </a:lnSpc>
+              <a:spcBef>
+                <a:spcPts val="0"/>
+              </a:spcBef>
+              <a:spcAft>
+                <a:spcPts val="0"/>
+              </a:spcAft>
+              <a:buClrTx/>
+              <a:buSzTx/>
+              <a:buFontTx/>
+              <a:buNone/>
+              <a:tabLst/>
+              <a:defRPr/>
+            </a:pPr>
+            <a:r>
+              <a:rPr lang="de-CH" sz="1200" dirty="0" err="1" smtClean="0">
+                <a:effectLst/>
+              </a:rPr>
+              <a:t>Git</a:t>
+            </a:r>
+            <a:r>
+              <a:rPr lang="de-CH" sz="1200" dirty="0" smtClean="0">
+                <a:effectLst/>
+              </a:rPr>
+              <a:t> benutzen</a:t>
+            </a:r>
+            <a:endParaRPr lang="de-CH" sz="1200" dirty="0" smtClean="0">
+              <a:effectLst/>
+              <a:latin typeface="+mn-lt"/>
+              <a:ea typeface="Calibri"/>
+              <a:cs typeface="Times New Roman"/>
+            </a:endParaRPr>
+          </a:p>
+          <a:p>
+            <a:endParaRPr lang="de-CH" dirty="0" smtClean="0"/>
+          </a:p>
+          <a:p>
+            <a:endParaRPr lang="de-CH" dirty="0" smtClean="0"/>
+          </a:p>
+          <a:p>
+            <a:r>
+              <a:rPr lang="de-CH" dirty="0" smtClean="0"/>
+              <a:t>Motivation</a:t>
+            </a:r>
+          </a:p>
+          <a:p>
+            <a:pPr marL="0" marR="0" indent="0" algn="l" defTabSz="914400" rtl="0" eaLnBrk="1" fontAlgn="auto" latinLnBrk="0" hangingPunct="1">
+              <a:lnSpc>
+                <a:spcPct val="100000"/>
+              </a:lnSpc>
+              <a:spcBef>
+                <a:spcPts val="0"/>
+              </a:spcBef>
+              <a:spcAft>
+                <a:spcPts val="0"/>
+              </a:spcAft>
+              <a:buClrTx/>
+              <a:buSzTx/>
+              <a:buFontTx/>
+              <a:buNone/>
+              <a:tabLst/>
+              <a:defRPr/>
+            </a:pPr>
+            <a:r>
+              <a:rPr lang="de-CH" sz="1200" dirty="0" smtClean="0">
+                <a:effectLst/>
+              </a:rPr>
+              <a:t>Motivation während des Semesters lässt nach</a:t>
+            </a:r>
+            <a:endParaRPr lang="de-CH" sz="1200" dirty="0" smtClean="0">
+              <a:effectLst/>
+              <a:latin typeface="+mn-lt"/>
+              <a:ea typeface="Calibri"/>
+              <a:cs typeface="Times New Roman"/>
+            </a:endParaRPr>
+          </a:p>
+          <a:p>
+            <a:pPr marL="0" marR="0" indent="0" algn="l" defTabSz="914400" rtl="0" eaLnBrk="1" fontAlgn="auto" latinLnBrk="0" hangingPunct="1">
+              <a:lnSpc>
+                <a:spcPct val="100000"/>
+              </a:lnSpc>
+              <a:spcBef>
+                <a:spcPts val="0"/>
+              </a:spcBef>
+              <a:spcAft>
+                <a:spcPts val="0"/>
+              </a:spcAft>
+              <a:buClrTx/>
+              <a:buSzTx/>
+              <a:buFontTx/>
+              <a:buNone/>
+              <a:tabLst/>
+              <a:defRPr/>
+            </a:pPr>
+            <a:endParaRPr lang="de-CH" sz="1200" dirty="0" smtClean="0">
+              <a:effectLst/>
+            </a:endParaRPr>
+          </a:p>
+          <a:p>
+            <a:pPr marL="0" marR="0" indent="0" algn="l" defTabSz="914400" rtl="0" eaLnBrk="1" fontAlgn="auto" latinLnBrk="0" hangingPunct="1">
+              <a:lnSpc>
+                <a:spcPct val="100000"/>
+              </a:lnSpc>
+              <a:spcBef>
+                <a:spcPts val="0"/>
+              </a:spcBef>
+              <a:spcAft>
+                <a:spcPts val="0"/>
+              </a:spcAft>
+              <a:buClrTx/>
+              <a:buSzTx/>
+              <a:buFontTx/>
+              <a:buNone/>
+              <a:tabLst/>
+              <a:defRPr/>
+            </a:pPr>
+            <a:r>
+              <a:rPr lang="de-CH" sz="1200" dirty="0" smtClean="0">
+                <a:effectLst/>
+              </a:rPr>
+              <a:t>Arbeiten gerecht verteilen. Teamgeist pflegen und klare gemeinsame Ziele definieren</a:t>
+            </a:r>
+            <a:endParaRPr lang="de-CH" sz="1200" dirty="0" smtClean="0">
+              <a:effectLst/>
+              <a:latin typeface="+mn-lt"/>
+              <a:ea typeface="Calibri"/>
+              <a:cs typeface="Times New Roman"/>
+            </a:endParaRPr>
+          </a:p>
+          <a:p>
+            <a:endParaRPr lang="de-CH" dirty="0" smtClean="0"/>
+          </a:p>
+          <a:p>
+            <a:endParaRPr lang="de-CH" dirty="0" smtClean="0"/>
+          </a:p>
+          <a:p>
+            <a:r>
+              <a:rPr lang="de-CH" dirty="0" smtClean="0"/>
+              <a:t>Probleme</a:t>
+            </a:r>
+            <a:r>
+              <a:rPr lang="de-CH" baseline="0" dirty="0" smtClean="0"/>
+              <a:t> mit Entwicklungsumgebung</a:t>
+            </a:r>
+          </a:p>
+          <a:p>
+            <a:pPr marL="0" marR="0" indent="0" algn="l" defTabSz="914400" rtl="0" eaLnBrk="1" fontAlgn="auto" latinLnBrk="0" hangingPunct="1">
+              <a:lnSpc>
+                <a:spcPct val="100000"/>
+              </a:lnSpc>
+              <a:spcBef>
+                <a:spcPts val="0"/>
+              </a:spcBef>
+              <a:spcAft>
+                <a:spcPts val="0"/>
+              </a:spcAft>
+              <a:buClrTx/>
+              <a:buSzTx/>
+              <a:buFontTx/>
+              <a:buNone/>
+              <a:tabLst/>
+              <a:defRPr/>
+            </a:pPr>
+            <a:r>
+              <a:rPr lang="de-CH" sz="1200" dirty="0" smtClean="0">
+                <a:effectLst/>
+              </a:rPr>
+              <a:t>Probleme mit Framework oder Android SDK</a:t>
+            </a:r>
+            <a:endParaRPr lang="de-CH" sz="1200" dirty="0" smtClean="0">
+              <a:effectLst/>
+              <a:latin typeface="+mn-lt"/>
+              <a:ea typeface="Calibri"/>
+              <a:cs typeface="Times New Roman"/>
+            </a:endParaRPr>
+          </a:p>
+          <a:p>
+            <a:endParaRPr lang="de-CH" dirty="0" smtClean="0"/>
+          </a:p>
+          <a:p>
+            <a:pPr marL="0" marR="0" indent="0" algn="l" defTabSz="914400" rtl="0" eaLnBrk="1" fontAlgn="auto" latinLnBrk="0" hangingPunct="1">
+              <a:lnSpc>
+                <a:spcPct val="100000"/>
+              </a:lnSpc>
+              <a:spcBef>
+                <a:spcPts val="0"/>
+              </a:spcBef>
+              <a:spcAft>
+                <a:spcPts val="0"/>
+              </a:spcAft>
+              <a:buClrTx/>
+              <a:buSzTx/>
+              <a:buFontTx/>
+              <a:buNone/>
+              <a:tabLst/>
+              <a:defRPr/>
+            </a:pPr>
+            <a:r>
+              <a:rPr lang="de-CH" sz="1200" dirty="0" smtClean="0">
+                <a:effectLst/>
+              </a:rPr>
+              <a:t>Gemeinsames Einrichten der Entwicklungsumgebungen und gegenseitige Unterstützung bei Problemen</a:t>
+            </a:r>
+            <a:endParaRPr lang="de-CH" sz="1200" dirty="0" smtClean="0">
+              <a:effectLst/>
+              <a:latin typeface="+mn-lt"/>
+              <a:ea typeface="Calibri"/>
+              <a:cs typeface="Times New Roman"/>
+            </a:endParaRPr>
+          </a:p>
+          <a:p>
+            <a:endParaRPr lang="de-CH" dirty="0" smtClean="0"/>
+          </a:p>
+          <a:p>
+            <a:endParaRPr lang="de-CH" dirty="0" smtClean="0"/>
+          </a:p>
+          <a:p>
+            <a:r>
+              <a:rPr lang="de-CH" dirty="0" smtClean="0"/>
+              <a:t>Hardware</a:t>
+            </a:r>
+          </a:p>
+          <a:p>
+            <a:r>
+              <a:rPr lang="de-CH" dirty="0" smtClean="0"/>
+              <a:t>Ein Handy oder Notebook fällt aus</a:t>
+            </a:r>
+          </a:p>
+          <a:p>
+            <a:endParaRPr lang="de-CH" dirty="0" smtClean="0"/>
+          </a:p>
+          <a:p>
+            <a:pPr marL="0" marR="0" indent="0" algn="l" defTabSz="914400" rtl="0" eaLnBrk="1" fontAlgn="auto" latinLnBrk="0" hangingPunct="1">
+              <a:lnSpc>
+                <a:spcPct val="100000"/>
+              </a:lnSpc>
+              <a:spcBef>
+                <a:spcPts val="0"/>
+              </a:spcBef>
+              <a:spcAft>
+                <a:spcPts val="0"/>
+              </a:spcAft>
+              <a:buClrTx/>
+              <a:buSzTx/>
+              <a:buFontTx/>
+              <a:buNone/>
+              <a:tabLst/>
+              <a:defRPr/>
+            </a:pPr>
+            <a:r>
+              <a:rPr lang="de-CH" sz="1200" dirty="0" smtClean="0">
+                <a:effectLst/>
+              </a:rPr>
+              <a:t>Material sorgfältig behandeln und bei einem Ausfall zeitig für Ersatz sorgen</a:t>
+            </a:r>
+            <a:endParaRPr lang="de-CH" sz="1200" dirty="0" smtClean="0">
+              <a:effectLst/>
+              <a:latin typeface="+mn-lt"/>
+              <a:ea typeface="Calibri"/>
+              <a:cs typeface="Times New Roman"/>
+            </a:endParaRPr>
+          </a:p>
+          <a:p>
+            <a:endParaRPr lang="de-CH" dirty="0" smtClean="0"/>
+          </a:p>
+          <a:p>
+            <a:endParaRPr lang="de-CH" dirty="0" smtClean="0"/>
+          </a:p>
+          <a:p>
+            <a:r>
+              <a:rPr lang="de-CH" dirty="0" smtClean="0"/>
+              <a:t>Sound &amp; Grafik</a:t>
+            </a:r>
+          </a:p>
+          <a:p>
+            <a:pPr marL="0" marR="0" indent="0" algn="l" defTabSz="914400" rtl="0" eaLnBrk="1" fontAlgn="auto" latinLnBrk="0" hangingPunct="1">
+              <a:lnSpc>
+                <a:spcPct val="100000"/>
+              </a:lnSpc>
+              <a:spcBef>
+                <a:spcPts val="0"/>
+              </a:spcBef>
+              <a:spcAft>
+                <a:spcPts val="0"/>
+              </a:spcAft>
+              <a:buClrTx/>
+              <a:buSzTx/>
+              <a:buFontTx/>
+              <a:buNone/>
+              <a:tabLst/>
+              <a:defRPr/>
+            </a:pPr>
+            <a:r>
+              <a:rPr lang="de-CH" sz="1200" dirty="0" smtClean="0">
+                <a:effectLst/>
+              </a:rPr>
+              <a:t>Zeit für die Implementation wird knapp, Mittel für die Realisierung reichen nicht aus</a:t>
+            </a:r>
+            <a:endParaRPr lang="de-CH" sz="1200" dirty="0" smtClean="0">
+              <a:effectLst/>
+              <a:latin typeface="+mn-lt"/>
+              <a:ea typeface="Calibri"/>
+              <a:cs typeface="Times New Roman"/>
+            </a:endParaRPr>
+          </a:p>
+          <a:p>
+            <a:endParaRPr lang="de-CH" dirty="0" smtClean="0"/>
+          </a:p>
+          <a:p>
+            <a:pPr marL="0" marR="0" indent="0" algn="l" defTabSz="914400" rtl="0" eaLnBrk="1" fontAlgn="auto" latinLnBrk="0" hangingPunct="1">
+              <a:lnSpc>
+                <a:spcPct val="100000"/>
+              </a:lnSpc>
+              <a:spcBef>
+                <a:spcPts val="0"/>
+              </a:spcBef>
+              <a:spcAft>
+                <a:spcPts val="0"/>
+              </a:spcAft>
+              <a:buClrTx/>
+              <a:buSzTx/>
+              <a:buFontTx/>
+              <a:buNone/>
+              <a:tabLst/>
+              <a:defRPr/>
+            </a:pPr>
+            <a:r>
+              <a:rPr lang="de-CH" sz="1200" dirty="0" smtClean="0">
+                <a:effectLst/>
+              </a:rPr>
+              <a:t>Sound weglassen und/oder Grafik vereinfachen</a:t>
+            </a:r>
+            <a:endParaRPr lang="de-CH" sz="1200" dirty="0" smtClean="0">
+              <a:effectLst/>
+              <a:latin typeface="+mn-lt"/>
+              <a:ea typeface="Calibri"/>
+              <a:cs typeface="Times New Roman"/>
+            </a:endParaRPr>
+          </a:p>
+          <a:p>
+            <a:endParaRPr lang="de-CH" dirty="0" smtClean="0"/>
+          </a:p>
+          <a:p>
+            <a:endParaRPr lang="de-CH" dirty="0" smtClean="0"/>
+          </a:p>
+          <a:p>
+            <a:r>
+              <a:rPr lang="de-CH" dirty="0" smtClean="0"/>
+              <a:t>Personaldefizit</a:t>
+            </a:r>
+          </a:p>
+          <a:p>
+            <a:pPr marL="0" marR="0" indent="0" algn="l" defTabSz="914400" rtl="0" eaLnBrk="1" fontAlgn="auto" latinLnBrk="0" hangingPunct="1">
+              <a:lnSpc>
+                <a:spcPct val="100000"/>
+              </a:lnSpc>
+              <a:spcBef>
+                <a:spcPts val="0"/>
+              </a:spcBef>
+              <a:spcAft>
+                <a:spcPts val="0"/>
+              </a:spcAft>
+              <a:buClrTx/>
+              <a:buSzTx/>
+              <a:buFontTx/>
+              <a:buNone/>
+              <a:tabLst/>
+              <a:defRPr/>
+            </a:pPr>
+            <a:r>
+              <a:rPr lang="de-CH" sz="1200" dirty="0" smtClean="0">
+                <a:effectLst/>
+              </a:rPr>
+              <a:t>Ausfälle durch Krankheit oder Unfall, viel zu tun bei der Arbeit</a:t>
+            </a:r>
+            <a:endParaRPr lang="de-CH" sz="1200" dirty="0" smtClean="0">
+              <a:effectLst/>
+              <a:latin typeface="+mn-lt"/>
+              <a:ea typeface="Calibri"/>
+              <a:cs typeface="Times New Roman"/>
+            </a:endParaRPr>
+          </a:p>
+          <a:p>
+            <a:endParaRPr lang="de-CH" dirty="0" smtClean="0"/>
+          </a:p>
+          <a:p>
+            <a:pPr marL="0" marR="0" indent="0" algn="l" defTabSz="914400" rtl="0" eaLnBrk="1" fontAlgn="auto" latinLnBrk="0" hangingPunct="1">
+              <a:lnSpc>
+                <a:spcPct val="100000"/>
+              </a:lnSpc>
+              <a:spcBef>
+                <a:spcPts val="0"/>
+              </a:spcBef>
+              <a:spcAft>
+                <a:spcPts val="0"/>
+              </a:spcAft>
+              <a:buClrTx/>
+              <a:buSzTx/>
+              <a:buFontTx/>
+              <a:buNone/>
+              <a:tabLst/>
+              <a:defRPr/>
+            </a:pPr>
+            <a:r>
+              <a:rPr lang="de-CH" sz="1200" dirty="0" smtClean="0">
+                <a:effectLst/>
+              </a:rPr>
+              <a:t>Velo Helm aufsetzen, Rechtsvortritt beachten und jeden Tag ein Glas </a:t>
+            </a:r>
+            <a:r>
+              <a:rPr lang="de-CH" sz="1200" dirty="0" err="1" smtClean="0">
+                <a:effectLst/>
+              </a:rPr>
+              <a:t>O'saft</a:t>
+            </a:r>
+            <a:r>
+              <a:rPr lang="de-CH" sz="1200" dirty="0" smtClean="0">
+                <a:effectLst/>
+              </a:rPr>
+              <a:t> trinken. Viel Wissenstransfer</a:t>
+            </a:r>
+            <a:endParaRPr lang="de-CH" sz="1200" dirty="0" smtClean="0">
+              <a:effectLst/>
+              <a:latin typeface="+mn-lt"/>
+              <a:ea typeface="Calibri"/>
+              <a:cs typeface="Times New Roman"/>
+            </a:endParaRPr>
+          </a:p>
+          <a:p>
+            <a:endParaRPr lang="de-CH" dirty="0" smtClean="0"/>
+          </a:p>
+          <a:p>
+            <a:endParaRPr lang="de-CH" dirty="0" smtClean="0"/>
+          </a:p>
+          <a:p>
+            <a:r>
+              <a:rPr lang="de-CH" dirty="0" smtClean="0"/>
+              <a:t>Schlechtes Zeitmanagement</a:t>
+            </a:r>
+          </a:p>
+          <a:p>
+            <a:pPr marL="0" marR="0" indent="0" algn="l" defTabSz="914400" rtl="0" eaLnBrk="1" fontAlgn="auto" latinLnBrk="0" hangingPunct="1">
+              <a:lnSpc>
+                <a:spcPct val="100000"/>
+              </a:lnSpc>
+              <a:spcBef>
+                <a:spcPts val="0"/>
+              </a:spcBef>
+              <a:spcAft>
+                <a:spcPts val="0"/>
+              </a:spcAft>
+              <a:buClrTx/>
+              <a:buSzTx/>
+              <a:buFontTx/>
+              <a:buNone/>
+              <a:tabLst/>
+              <a:defRPr/>
+            </a:pPr>
+            <a:r>
+              <a:rPr lang="de-CH" sz="1200" dirty="0" smtClean="0">
+                <a:effectLst/>
+              </a:rPr>
+              <a:t>Fehleinschätzung, Zeitmangel auf Grund von Teilzeit Pensum</a:t>
+            </a:r>
+            <a:endParaRPr lang="de-CH" sz="1200" dirty="0" smtClean="0">
+              <a:effectLst/>
+              <a:latin typeface="+mn-lt"/>
+              <a:ea typeface="Calibri"/>
+              <a:cs typeface="Times New Roman"/>
+            </a:endParaRPr>
+          </a:p>
+          <a:p>
+            <a:endParaRPr lang="de-CH" dirty="0" smtClean="0"/>
+          </a:p>
+          <a:p>
+            <a:pPr marL="0" marR="0" indent="0" algn="l" defTabSz="914400" rtl="0" eaLnBrk="1" fontAlgn="auto" latinLnBrk="0" hangingPunct="1">
+              <a:lnSpc>
+                <a:spcPct val="100000"/>
+              </a:lnSpc>
+              <a:spcBef>
+                <a:spcPts val="0"/>
+              </a:spcBef>
+              <a:spcAft>
+                <a:spcPts val="0"/>
+              </a:spcAft>
+              <a:buClrTx/>
+              <a:buSzTx/>
+              <a:buFontTx/>
+              <a:buNone/>
+              <a:tabLst/>
+              <a:defRPr/>
+            </a:pPr>
+            <a:r>
+              <a:rPr lang="de-CH" sz="1200" dirty="0" smtClean="0">
+                <a:effectLst/>
+              </a:rPr>
+              <a:t>Realistischen Zeitplan erstellen. Verzögerungen frühzeitig erkennen und aufholen</a:t>
+            </a:r>
+            <a:endParaRPr lang="de-CH" sz="1200" dirty="0" smtClean="0">
+              <a:effectLst/>
+              <a:latin typeface="+mn-lt"/>
+              <a:ea typeface="Calibri"/>
+              <a:cs typeface="Times New Roman"/>
+            </a:endParaRPr>
+          </a:p>
+          <a:p>
+            <a:endParaRPr lang="de-CH" dirty="0" smtClean="0"/>
+          </a:p>
+          <a:p>
+            <a:endParaRPr lang="de-CH" dirty="0" smtClean="0"/>
+          </a:p>
+          <a:p>
+            <a:r>
+              <a:rPr lang="de-CH" dirty="0" smtClean="0"/>
+              <a:t>Know</a:t>
+            </a:r>
+            <a:r>
+              <a:rPr lang="de-CH" baseline="0" dirty="0" smtClean="0"/>
+              <a:t>-how Defizit</a:t>
+            </a:r>
+          </a:p>
+          <a:p>
+            <a:pPr marL="0" marR="0" indent="0" algn="l" defTabSz="914400" rtl="0" eaLnBrk="1" fontAlgn="auto" latinLnBrk="0" hangingPunct="1">
+              <a:lnSpc>
+                <a:spcPct val="100000"/>
+              </a:lnSpc>
+              <a:spcBef>
+                <a:spcPts val="0"/>
+              </a:spcBef>
+              <a:spcAft>
+                <a:spcPts val="0"/>
+              </a:spcAft>
+              <a:buClrTx/>
+              <a:buSzTx/>
+              <a:buFontTx/>
+              <a:buNone/>
+              <a:tabLst/>
+              <a:defRPr/>
+            </a:pPr>
+            <a:r>
+              <a:rPr lang="de-CH" sz="1200" dirty="0" smtClean="0">
+                <a:effectLst/>
+              </a:rPr>
+              <a:t>Das Know-how im Team oder bei einzelnen Mitgliedern führt zu Verzögerungen</a:t>
+            </a:r>
+            <a:endParaRPr lang="de-CH" sz="1200" dirty="0" smtClean="0">
+              <a:effectLst/>
+              <a:latin typeface="+mn-lt"/>
+              <a:ea typeface="Calibri"/>
+              <a:cs typeface="Times New Roman"/>
+            </a:endParaRPr>
+          </a:p>
+          <a:p>
+            <a:endParaRPr lang="de-CH" baseline="0" dirty="0" smtClean="0"/>
+          </a:p>
+          <a:p>
+            <a:pPr marL="0" marR="0" indent="0" algn="l" defTabSz="914400" rtl="0" eaLnBrk="1" fontAlgn="auto" latinLnBrk="0" hangingPunct="1">
+              <a:lnSpc>
+                <a:spcPct val="100000"/>
+              </a:lnSpc>
+              <a:spcBef>
+                <a:spcPts val="0"/>
+              </a:spcBef>
+              <a:spcAft>
+                <a:spcPts val="0"/>
+              </a:spcAft>
+              <a:buClrTx/>
+              <a:buSzTx/>
+              <a:buFontTx/>
+              <a:buNone/>
+              <a:tabLst/>
+              <a:defRPr/>
+            </a:pPr>
+            <a:r>
+              <a:rPr lang="de-CH" sz="1200" smtClean="0">
+                <a:effectLst/>
+              </a:rPr>
+              <a:t>So viel Wissenstransfer  betreiben wie möglich</a:t>
+            </a:r>
+            <a:endParaRPr lang="de-CH" sz="1200" smtClean="0">
+              <a:effectLst/>
+              <a:latin typeface="+mn-lt"/>
+              <a:ea typeface="Calibri"/>
+              <a:cs typeface="Times New Roman"/>
+            </a:endParaRPr>
+          </a:p>
+          <a:p>
+            <a:endParaRPr lang="de-CH" dirty="0" smtClean="0"/>
+          </a:p>
+          <a:p>
+            <a:endParaRPr lang="de-CH" dirty="0"/>
+          </a:p>
+        </p:txBody>
+      </p:sp>
+      <p:sp>
+        <p:nvSpPr>
+          <p:cNvPr id="4" name="Slide Number Placeholder 3"/>
+          <p:cNvSpPr>
+            <a:spLocks noGrp="1"/>
+          </p:cNvSpPr>
+          <p:nvPr>
+            <p:ph type="sldNum" sz="quarter" idx="10"/>
+          </p:nvPr>
+        </p:nvSpPr>
+        <p:spPr/>
+        <p:txBody>
+          <a:bodyPr/>
+          <a:lstStyle/>
+          <a:p>
+            <a:fld id="{539D6FB8-A289-4D31-AE1B-368BC10F6FE7}" type="slidenum">
+              <a:rPr lang="de-CH" smtClean="0"/>
+              <a:t>10</a:t>
+            </a:fld>
+            <a:endParaRPr lang="de-CH"/>
+          </a:p>
+        </p:txBody>
+      </p:sp>
+    </p:spTree>
+    <p:extLst>
+      <p:ext uri="{BB962C8B-B14F-4D97-AF65-F5344CB8AC3E}">
+        <p14:creationId xmlns:p14="http://schemas.microsoft.com/office/powerpoint/2010/main" val="2000506139"/>
+      </p:ext>
+    </p:extLst>
+  </p:cSld>
+  <p:clrMapOvr>
+    <a:masterClrMapping/>
+  </p:clrMapOvr>
+</p:notes>
 </file>
 
 <file path=ppt/slideLayouts/slideLayout1.xml><?xml version="1.0" encoding="utf-8"?>
@@ -326,7 +2316,7 @@
           <a:p>
             <a:fld id="{1BA50D42-C9CD-4801-B293-61D1F53EC57E}" type="datetimeFigureOut">
               <a:rPr lang="de-DE" smtClean="0"/>
-              <a:t>27.09.2014</a:t>
+              <a:t>29.09.2014</a:t>
             </a:fld>
             <a:endParaRPr lang="de-DE"/>
           </a:p>
@@ -357,7 +2347,7 @@
           <a:p>
             <a:fld id="{6C6AE60A-B69C-4790-82F7-3882EDF23186}" type="slidenum">
               <a:rPr lang="de-DE" smtClean="0"/>
-              <a:t>‹Nr.›</a:t>
+              <a:t>‹#›</a:t>
             </a:fld>
             <a:endParaRPr lang="de-DE"/>
           </a:p>
@@ -522,7 +2512,7 @@
           <a:p>
             <a:fld id="{1BA50D42-C9CD-4801-B293-61D1F53EC57E}" type="datetimeFigureOut">
               <a:rPr lang="de-DE" smtClean="0"/>
-              <a:t>27.09.2014</a:t>
+              <a:t>29.09.2014</a:t>
             </a:fld>
             <a:endParaRPr lang="de-DE"/>
           </a:p>
@@ -580,7 +2570,7 @@
           <a:p>
             <a:fld id="{6C6AE60A-B69C-4790-82F7-3882EDF23186}" type="slidenum">
               <a:rPr lang="de-DE" smtClean="0"/>
-              <a:t>‹Nr.›</a:t>
+              <a:t>‹#›</a:t>
             </a:fld>
             <a:endParaRPr lang="de-DE"/>
           </a:p>
@@ -721,7 +2711,7 @@
           <a:p>
             <a:fld id="{1BA50D42-C9CD-4801-B293-61D1F53EC57E}" type="datetimeFigureOut">
               <a:rPr lang="de-DE" smtClean="0"/>
-              <a:t>27.09.2014</a:t>
+              <a:t>29.09.2014</a:t>
             </a:fld>
             <a:endParaRPr lang="de-DE"/>
           </a:p>
@@ -779,7 +2769,7 @@
           <a:p>
             <a:fld id="{6C6AE60A-B69C-4790-82F7-3882EDF23186}" type="slidenum">
               <a:rPr lang="de-DE" smtClean="0"/>
-              <a:t>‹Nr.›</a:t>
+              <a:t>‹#›</a:t>
             </a:fld>
             <a:endParaRPr lang="de-DE"/>
           </a:p>
@@ -915,7 +2905,7 @@
           <a:p>
             <a:fld id="{1BA50D42-C9CD-4801-B293-61D1F53EC57E}" type="datetimeFigureOut">
               <a:rPr lang="de-DE" smtClean="0"/>
-              <a:t>27.09.2014</a:t>
+              <a:t>29.09.2014</a:t>
             </a:fld>
             <a:endParaRPr lang="de-DE" dirty="0"/>
           </a:p>
@@ -973,7 +2963,7 @@
           <a:p>
             <a:fld id="{6C6AE60A-B69C-4790-82F7-3882EDF23186}" type="slidenum">
               <a:rPr lang="de-DE" smtClean="0"/>
-              <a:t>‹Nr.›</a:t>
+              <a:t>‹#›</a:t>
             </a:fld>
             <a:endParaRPr lang="de-DE"/>
           </a:p>
@@ -1185,7 +3175,7 @@
           <a:p>
             <a:fld id="{1BA50D42-C9CD-4801-B293-61D1F53EC57E}" type="datetimeFigureOut">
               <a:rPr lang="de-DE" smtClean="0"/>
-              <a:t>27.09.2014</a:t>
+              <a:t>29.09.2014</a:t>
             </a:fld>
             <a:endParaRPr lang="de-DE"/>
           </a:p>
@@ -1243,7 +3233,7 @@
           <a:p>
             <a:fld id="{6C6AE60A-B69C-4790-82F7-3882EDF23186}" type="slidenum">
               <a:rPr lang="de-DE" smtClean="0"/>
-              <a:t>‹Nr.›</a:t>
+              <a:t>‹#›</a:t>
             </a:fld>
             <a:endParaRPr lang="de-DE"/>
           </a:p>
@@ -1306,7 +3296,7 @@
           <a:p>
             <a:fld id="{1BA50D42-C9CD-4801-B293-61D1F53EC57E}" type="datetimeFigureOut">
               <a:rPr lang="de-DE" smtClean="0"/>
-              <a:t>27.09.2014</a:t>
+              <a:t>29.09.2014</a:t>
             </a:fld>
             <a:endParaRPr lang="de-DE"/>
           </a:p>
@@ -1364,7 +3354,7 @@
           <a:p>
             <a:fld id="{6C6AE60A-B69C-4790-82F7-3882EDF23186}" type="slidenum">
               <a:rPr lang="de-DE" smtClean="0"/>
-              <a:t>‹Nr.›</a:t>
+              <a:t>‹#›</a:t>
             </a:fld>
             <a:endParaRPr lang="de-DE"/>
           </a:p>
@@ -1704,7 +3694,7 @@
           <a:p>
             <a:fld id="{1BA50D42-C9CD-4801-B293-61D1F53EC57E}" type="datetimeFigureOut">
               <a:rPr lang="de-DE" smtClean="0"/>
-              <a:t>27.09.2014</a:t>
+              <a:t>29.09.2014</a:t>
             </a:fld>
             <a:endParaRPr lang="de-DE"/>
           </a:p>
@@ -1762,7 +3752,7 @@
           <a:p>
             <a:fld id="{6C6AE60A-B69C-4790-82F7-3882EDF23186}" type="slidenum">
               <a:rPr lang="de-DE" smtClean="0"/>
-              <a:t>‹Nr.›</a:t>
+              <a:t>‹#›</a:t>
             </a:fld>
             <a:endParaRPr lang="de-DE"/>
           </a:p>
@@ -1983,7 +3973,7 @@
           <a:p>
             <a:fld id="{1BA50D42-C9CD-4801-B293-61D1F53EC57E}" type="datetimeFigureOut">
               <a:rPr lang="de-DE" smtClean="0"/>
-              <a:t>27.09.2014</a:t>
+              <a:t>29.09.2014</a:t>
             </a:fld>
             <a:endParaRPr lang="de-DE"/>
           </a:p>
@@ -2041,7 +4031,7 @@
           <a:p>
             <a:fld id="{6C6AE60A-B69C-4790-82F7-3882EDF23186}" type="slidenum">
               <a:rPr lang="de-DE" smtClean="0"/>
-              <a:t>‹Nr.›</a:t>
+              <a:t>‹#›</a:t>
             </a:fld>
             <a:endParaRPr lang="de-DE"/>
           </a:p>
@@ -2097,7 +4087,7 @@
           <a:p>
             <a:fld id="{1BA50D42-C9CD-4801-B293-61D1F53EC57E}" type="datetimeFigureOut">
               <a:rPr lang="de-DE" smtClean="0"/>
-              <a:t>27.09.2014</a:t>
+              <a:t>29.09.2014</a:t>
             </a:fld>
             <a:endParaRPr lang="de-DE"/>
           </a:p>
@@ -2155,7 +4145,7 @@
           <a:p>
             <a:fld id="{6C6AE60A-B69C-4790-82F7-3882EDF23186}" type="slidenum">
               <a:rPr lang="de-DE" smtClean="0"/>
-              <a:t>‹Nr.›</a:t>
+              <a:t>‹#›</a:t>
             </a:fld>
             <a:endParaRPr lang="de-DE"/>
           </a:p>
@@ -2395,7 +4385,7 @@
           <a:p>
             <a:fld id="{1BA50D42-C9CD-4801-B293-61D1F53EC57E}" type="datetimeFigureOut">
               <a:rPr lang="de-DE" smtClean="0"/>
-              <a:t>27.09.2014</a:t>
+              <a:t>29.09.2014</a:t>
             </a:fld>
             <a:endParaRPr lang="de-DE"/>
           </a:p>
@@ -2453,7 +4443,7 @@
           <a:p>
             <a:fld id="{6C6AE60A-B69C-4790-82F7-3882EDF23186}" type="slidenum">
               <a:rPr lang="de-DE" smtClean="0"/>
-              <a:t>‹Nr.›</a:t>
+              <a:t>‹#›</a:t>
             </a:fld>
             <a:endParaRPr lang="de-DE"/>
           </a:p>
@@ -2691,7 +4681,7 @@
           <a:p>
             <a:fld id="{1BA50D42-C9CD-4801-B293-61D1F53EC57E}" type="datetimeFigureOut">
               <a:rPr lang="de-DE" smtClean="0"/>
-              <a:t>27.09.2014</a:t>
+              <a:t>29.09.2014</a:t>
             </a:fld>
             <a:endParaRPr lang="de-DE"/>
           </a:p>
@@ -2749,7 +4739,7 @@
           <a:p>
             <a:fld id="{6C6AE60A-B69C-4790-82F7-3882EDF23186}" type="slidenum">
               <a:rPr lang="de-DE" smtClean="0"/>
-              <a:t>‹Nr.›</a:t>
+              <a:t>‹#›</a:t>
             </a:fld>
             <a:endParaRPr lang="de-DE"/>
           </a:p>
@@ -3434,6 +5424,1955 @@
 </p:sld>
 </file>
 
+<file path=ppt/slides/slide10.xml><?xml version="1.0" encoding="utf-8"?>
+<p:sld xmlns:a="http://schemas.openxmlformats.org/drawingml/2006/main" xmlns:r="http://schemas.openxmlformats.org/officeDocument/2006/relationships" xmlns:p="http://schemas.openxmlformats.org/presentationml/2006/main">
+  <p:cSld>
+    <p:spTree>
+      <p:nvGrpSpPr>
+        <p:cNvPr id="1" name=""/>
+        <p:cNvGrpSpPr/>
+        <p:nvPr/>
+      </p:nvGrpSpPr>
+      <p:grpSpPr>
+        <a:xfrm>
+          <a:off x="0" y="0"/>
+          <a:ext cx="0" cy="0"/>
+          <a:chOff x="0" y="0"/>
+          <a:chExt cx="0" cy="0"/>
+        </a:xfrm>
+      </p:grpSpPr>
+      <p:sp>
+        <p:nvSpPr>
+          <p:cNvPr id="2" name="Title 1"/>
+          <p:cNvSpPr>
+            <a:spLocks noGrp="1"/>
+          </p:cNvSpPr>
+          <p:nvPr>
+            <p:ph type="title"/>
+          </p:nvPr>
+        </p:nvSpPr>
+        <p:spPr/>
+        <p:txBody>
+          <a:bodyPr anchor="t">
+            <a:normAutofit/>
+          </a:bodyPr>
+          <a:lstStyle/>
+          <a:p>
+            <a:r>
+              <a:rPr lang="de-CH" sz="6000" dirty="0" smtClean="0"/>
+              <a:t>Risiken</a:t>
+            </a:r>
+            <a:endParaRPr lang="de-CH" sz="6000" dirty="0"/>
+          </a:p>
+        </p:txBody>
+      </p:sp>
+      <p:graphicFrame>
+        <p:nvGraphicFramePr>
+          <p:cNvPr id="5" name="Content Placeholder 4"/>
+          <p:cNvGraphicFramePr>
+            <a:graphicFrameLocks noGrp="1"/>
+          </p:cNvGraphicFramePr>
+          <p:nvPr>
+            <p:ph idx="1"/>
+            <p:extLst>
+              <p:ext uri="{D42A27DB-BD31-4B8C-83A1-F6EECF244321}">
+                <p14:modId xmlns:p14="http://schemas.microsoft.com/office/powerpoint/2010/main" val="3836281581"/>
+              </p:ext>
+            </p:extLst>
+          </p:nvPr>
+        </p:nvGraphicFramePr>
+        <p:xfrm>
+          <a:off x="4572000" y="1628800"/>
+          <a:ext cx="3960440" cy="4661696"/>
+        </p:xfrm>
+        <a:graphic>
+          <a:graphicData uri="http://schemas.openxmlformats.org/drawingml/2006/table">
+            <a:tbl>
+              <a:tblPr firstCol="1" lastRow="1">
+                <a:tableStyleId>{0E3FDE45-AF77-4B5C-9715-49D594BDF05E}</a:tableStyleId>
+              </a:tblPr>
+              <a:tblGrid>
+                <a:gridCol w="360040"/>
+                <a:gridCol w="576064"/>
+                <a:gridCol w="1008112"/>
+                <a:gridCol w="1008112"/>
+                <a:gridCol w="1008112"/>
+              </a:tblGrid>
+              <a:tr h="1017270">
+                <a:tc rowSpan="4">
+                  <a:txBody>
+                    <a:bodyPr/>
+                    <a:lstStyle/>
+                    <a:p>
+                      <a:pPr algn="ctr">
+                        <a:lnSpc>
+                          <a:spcPct val="115000"/>
+                        </a:lnSpc>
+                        <a:spcAft>
+                          <a:spcPts val="0"/>
+                        </a:spcAft>
+                      </a:pPr>
+                      <a:r>
+                        <a:rPr lang="de-CH" sz="2000" dirty="0">
+                          <a:effectLst/>
+                        </a:rPr>
+                        <a:t>Eintretens Wahrscheinlichkeit →</a:t>
+                      </a:r>
+                      <a:endParaRPr lang="de-CH" sz="2000" dirty="0">
+                        <a:effectLst/>
+                        <a:latin typeface="Calibri"/>
+                        <a:ea typeface="Calibri"/>
+                        <a:cs typeface="Times New Roman"/>
+                      </a:endParaRPr>
+                    </a:p>
+                  </a:txBody>
+                  <a:tcPr marL="44450" marR="44450" marT="0" marB="0" vert="vert270" anchor="ctr">
+                    <a:lnL w="12700" cap="flat" cmpd="sng" algn="ctr">
+                      <a:solidFill>
+                        <a:schemeClr val="tx2"/>
+                      </a:solidFill>
+                      <a:prstDash val="solid"/>
+                      <a:round/>
+                      <a:headEnd type="none" w="med" len="med"/>
+                      <a:tailEnd type="none" w="med" len="med"/>
+                    </a:lnL>
+                    <a:lnR w="12700" cap="flat" cmpd="sng" algn="ctr">
+                      <a:solidFill>
+                        <a:schemeClr val="tx2"/>
+                      </a:solidFill>
+                      <a:prstDash val="solid"/>
+                      <a:round/>
+                      <a:headEnd type="none" w="med" len="med"/>
+                      <a:tailEnd type="none" w="med" len="med"/>
+                    </a:lnR>
+                    <a:lnT w="12700" cap="flat" cmpd="sng" algn="ctr">
+                      <a:solidFill>
+                        <a:schemeClr val="tx2"/>
+                      </a:solidFill>
+                      <a:prstDash val="solid"/>
+                      <a:round/>
+                      <a:headEnd type="none" w="med" len="med"/>
+                      <a:tailEnd type="none" w="med" len="med"/>
+                    </a:lnT>
+                  </a:tcPr>
+                </a:tc>
+                <a:tc>
+                  <a:txBody>
+                    <a:bodyPr/>
+                    <a:lstStyle/>
+                    <a:p>
+                      <a:pPr algn="ctr">
+                        <a:lnSpc>
+                          <a:spcPct val="115000"/>
+                        </a:lnSpc>
+                        <a:spcAft>
+                          <a:spcPts val="0"/>
+                        </a:spcAft>
+                      </a:pPr>
+                      <a:r>
+                        <a:rPr lang="de-CH" sz="2000" dirty="0" smtClean="0">
+                          <a:effectLst/>
+                        </a:rPr>
+                        <a:t>4</a:t>
+                      </a:r>
+                      <a:endParaRPr lang="de-CH" sz="2000" dirty="0">
+                        <a:effectLst/>
+                        <a:latin typeface="Calibri"/>
+                        <a:ea typeface="Calibri"/>
+                        <a:cs typeface="Times New Roman"/>
+                      </a:endParaRPr>
+                    </a:p>
+                  </a:txBody>
+                  <a:tcPr marL="44450" marR="44450" marT="0" marB="0" vert="vert270" anchor="ctr">
+                    <a:lnL w="12700" cap="flat" cmpd="sng" algn="ctr">
+                      <a:solidFill>
+                        <a:schemeClr val="tx2"/>
+                      </a:solidFill>
+                      <a:prstDash val="solid"/>
+                      <a:round/>
+                      <a:headEnd type="none" w="med" len="med"/>
+                      <a:tailEnd type="none" w="med" len="med"/>
+                    </a:lnL>
+                    <a:lnR w="12700" cap="flat" cmpd="sng" algn="ctr">
+                      <a:solidFill>
+                        <a:schemeClr val="tx2"/>
+                      </a:solidFill>
+                      <a:prstDash val="solid"/>
+                      <a:round/>
+                      <a:headEnd type="none" w="med" len="med"/>
+                      <a:tailEnd type="none" w="med" len="med"/>
+                    </a:lnR>
+                    <a:lnT w="12700" cap="flat" cmpd="sng" algn="ctr">
+                      <a:solidFill>
+                        <a:schemeClr val="tx2"/>
+                      </a:solidFill>
+                      <a:prstDash val="solid"/>
+                      <a:round/>
+                      <a:headEnd type="none" w="med" len="med"/>
+                      <a:tailEnd type="none" w="med" len="med"/>
+                    </a:lnT>
+                  </a:tcPr>
+                </a:tc>
+                <a:tc>
+                  <a:txBody>
+                    <a:bodyPr/>
+                    <a:lstStyle/>
+                    <a:p>
+                      <a:pPr algn="ctr">
+                        <a:lnSpc>
+                          <a:spcPct val="115000"/>
+                        </a:lnSpc>
+                        <a:spcAft>
+                          <a:spcPts val="0"/>
+                        </a:spcAft>
+                      </a:pPr>
+                      <a:r>
+                        <a:rPr lang="de-CH" sz="2000" dirty="0">
+                          <a:solidFill>
+                            <a:schemeClr val="bg1"/>
+                          </a:solidFill>
+                          <a:effectLst/>
+                        </a:rPr>
+                        <a:t>1</a:t>
+                      </a:r>
+                      <a:endParaRPr lang="de-CH" sz="1100" dirty="0">
+                        <a:solidFill>
+                          <a:schemeClr val="bg1"/>
+                        </a:solidFill>
+                        <a:effectLst/>
+                        <a:latin typeface="Calibri"/>
+                        <a:ea typeface="Calibri"/>
+                        <a:cs typeface="Times New Roman"/>
+                      </a:endParaRPr>
+                    </a:p>
+                  </a:txBody>
+                  <a:tcPr marL="44450" marR="44450" marT="0" marB="0" anchor="ctr">
+                    <a:lnL w="12700" cap="flat" cmpd="sng" algn="ctr">
+                      <a:solidFill>
+                        <a:schemeClr val="tx2"/>
+                      </a:solidFill>
+                      <a:prstDash val="solid"/>
+                      <a:round/>
+                      <a:headEnd type="none" w="med" len="med"/>
+                      <a:tailEnd type="none" w="med" len="med"/>
+                    </a:lnL>
+                    <a:lnT w="12700" cap="flat" cmpd="sng" algn="ctr">
+                      <a:solidFill>
+                        <a:schemeClr val="tx2"/>
+                      </a:solidFill>
+                      <a:prstDash val="solid"/>
+                      <a:round/>
+                      <a:headEnd type="none" w="med" len="med"/>
+                      <a:tailEnd type="none" w="med" len="med"/>
+                    </a:lnT>
+                    <a:solidFill>
+                      <a:srgbClr val="FF9933"/>
+                    </a:solidFill>
+                  </a:tcPr>
+                </a:tc>
+                <a:tc>
+                  <a:txBody>
+                    <a:bodyPr/>
+                    <a:lstStyle/>
+                    <a:p>
+                      <a:pPr>
+                        <a:lnSpc>
+                          <a:spcPct val="115000"/>
+                        </a:lnSpc>
+                        <a:spcAft>
+                          <a:spcPts val="0"/>
+                        </a:spcAft>
+                      </a:pPr>
+                      <a:r>
+                        <a:rPr lang="de-CH" sz="1100" dirty="0">
+                          <a:solidFill>
+                            <a:schemeClr val="bg1"/>
+                          </a:solidFill>
+                          <a:effectLst/>
+                        </a:rPr>
+                        <a:t> </a:t>
+                      </a:r>
+                      <a:endParaRPr lang="de-CH" sz="1100" dirty="0">
+                        <a:solidFill>
+                          <a:schemeClr val="bg1"/>
+                        </a:solidFill>
+                        <a:effectLst/>
+                        <a:latin typeface="Calibri"/>
+                        <a:ea typeface="Calibri"/>
+                        <a:cs typeface="Times New Roman"/>
+                      </a:endParaRPr>
+                    </a:p>
+                  </a:txBody>
+                  <a:tcPr marL="44450" marR="44450" marT="0" marB="0" anchor="b">
+                    <a:lnT w="12700" cap="flat" cmpd="sng" algn="ctr">
+                      <a:solidFill>
+                        <a:schemeClr val="tx2"/>
+                      </a:solidFill>
+                      <a:prstDash val="solid"/>
+                      <a:round/>
+                      <a:headEnd type="none" w="med" len="med"/>
+                      <a:tailEnd type="none" w="med" len="med"/>
+                    </a:lnT>
+                    <a:solidFill>
+                      <a:srgbClr val="FF6600"/>
+                    </a:solidFill>
+                  </a:tcPr>
+                </a:tc>
+                <a:tc>
+                  <a:txBody>
+                    <a:bodyPr/>
+                    <a:lstStyle/>
+                    <a:p>
+                      <a:pPr>
+                        <a:lnSpc>
+                          <a:spcPct val="115000"/>
+                        </a:lnSpc>
+                        <a:spcAft>
+                          <a:spcPts val="0"/>
+                        </a:spcAft>
+                      </a:pPr>
+                      <a:r>
+                        <a:rPr lang="de-CH" sz="1100" dirty="0">
+                          <a:solidFill>
+                            <a:schemeClr val="bg1"/>
+                          </a:solidFill>
+                          <a:effectLst/>
+                        </a:rPr>
+                        <a:t> </a:t>
+                      </a:r>
+                      <a:endParaRPr lang="de-CH" sz="1100" dirty="0">
+                        <a:solidFill>
+                          <a:schemeClr val="bg1"/>
+                        </a:solidFill>
+                        <a:effectLst/>
+                        <a:latin typeface="Calibri"/>
+                        <a:ea typeface="Calibri"/>
+                        <a:cs typeface="Times New Roman"/>
+                      </a:endParaRPr>
+                    </a:p>
+                  </a:txBody>
+                  <a:tcPr marL="44450" marR="44450" marT="0" marB="0" anchor="b">
+                    <a:lnR w="12700" cap="flat" cmpd="sng" algn="ctr">
+                      <a:solidFill>
+                        <a:schemeClr val="tx2"/>
+                      </a:solidFill>
+                      <a:prstDash val="solid"/>
+                      <a:round/>
+                      <a:headEnd type="none" w="med" len="med"/>
+                      <a:tailEnd type="none" w="med" len="med"/>
+                    </a:lnR>
+                    <a:lnT w="12700" cap="flat" cmpd="sng" algn="ctr">
+                      <a:solidFill>
+                        <a:schemeClr val="tx2"/>
+                      </a:solidFill>
+                      <a:prstDash val="solid"/>
+                      <a:round/>
+                      <a:headEnd type="none" w="med" len="med"/>
+                      <a:tailEnd type="none" w="med" len="med"/>
+                    </a:lnT>
+                    <a:solidFill>
+                      <a:srgbClr val="C00000"/>
+                    </a:solidFill>
+                  </a:tcPr>
+                </a:tc>
+              </a:tr>
+              <a:tr h="1017270">
+                <a:tc vMerge="1">
+                  <a:txBody>
+                    <a:bodyPr/>
+                    <a:lstStyle/>
+                    <a:p>
+                      <a:endParaRPr lang="de-CH"/>
+                    </a:p>
+                  </a:txBody>
+                  <a:tcPr/>
+                </a:tc>
+                <a:tc>
+                  <a:txBody>
+                    <a:bodyPr/>
+                    <a:lstStyle/>
+                    <a:p>
+                      <a:pPr algn="ctr">
+                        <a:lnSpc>
+                          <a:spcPct val="115000"/>
+                        </a:lnSpc>
+                        <a:spcAft>
+                          <a:spcPts val="0"/>
+                        </a:spcAft>
+                      </a:pPr>
+                      <a:r>
+                        <a:rPr lang="de-CH" sz="2000" dirty="0" smtClean="0">
+                          <a:effectLst/>
+                        </a:rPr>
+                        <a:t>3</a:t>
+                      </a:r>
+                      <a:endParaRPr lang="de-CH" sz="2000" dirty="0">
+                        <a:effectLst/>
+                        <a:latin typeface="Calibri"/>
+                        <a:ea typeface="Calibri"/>
+                        <a:cs typeface="Times New Roman"/>
+                      </a:endParaRPr>
+                    </a:p>
+                  </a:txBody>
+                  <a:tcPr marL="44450" marR="44450" marT="0" marB="0" vert="vert270" anchor="ctr">
+                    <a:lnL w="12700" cap="flat" cmpd="sng" algn="ctr">
+                      <a:solidFill>
+                        <a:schemeClr val="tx2"/>
+                      </a:solidFill>
+                      <a:prstDash val="solid"/>
+                      <a:round/>
+                      <a:headEnd type="none" w="med" len="med"/>
+                      <a:tailEnd type="none" w="med" len="med"/>
+                    </a:lnL>
+                    <a:lnR w="12700" cap="flat" cmpd="sng" algn="ctr">
+                      <a:solidFill>
+                        <a:schemeClr val="tx2"/>
+                      </a:solidFill>
+                      <a:prstDash val="solid"/>
+                      <a:round/>
+                      <a:headEnd type="none" w="med" len="med"/>
+                      <a:tailEnd type="none" w="med" len="med"/>
+                    </a:lnR>
+                  </a:tcPr>
+                </a:tc>
+                <a:tc>
+                  <a:txBody>
+                    <a:bodyPr/>
+                    <a:lstStyle/>
+                    <a:p>
+                      <a:pPr>
+                        <a:lnSpc>
+                          <a:spcPct val="115000"/>
+                        </a:lnSpc>
+                        <a:spcAft>
+                          <a:spcPts val="0"/>
+                        </a:spcAft>
+                      </a:pPr>
+                      <a:r>
+                        <a:rPr lang="de-CH" sz="1100" dirty="0">
+                          <a:solidFill>
+                            <a:schemeClr val="bg1"/>
+                          </a:solidFill>
+                          <a:effectLst/>
+                        </a:rPr>
+                        <a:t> </a:t>
+                      </a:r>
+                      <a:endParaRPr lang="de-CH" sz="1100" dirty="0">
+                        <a:solidFill>
+                          <a:schemeClr val="bg1"/>
+                        </a:solidFill>
+                        <a:effectLst/>
+                        <a:latin typeface="Calibri"/>
+                        <a:ea typeface="Calibri"/>
+                        <a:cs typeface="Times New Roman"/>
+                      </a:endParaRPr>
+                    </a:p>
+                  </a:txBody>
+                  <a:tcPr marL="44450" marR="44450" marT="0" marB="0" anchor="b">
+                    <a:lnL w="12700" cap="flat" cmpd="sng" algn="ctr">
+                      <a:solidFill>
+                        <a:schemeClr val="tx2"/>
+                      </a:solidFill>
+                      <a:prstDash val="solid"/>
+                      <a:round/>
+                      <a:headEnd type="none" w="med" len="med"/>
+                      <a:tailEnd type="none" w="med" len="med"/>
+                    </a:lnL>
+                    <a:solidFill>
+                      <a:srgbClr val="FFCC66"/>
+                    </a:solidFill>
+                  </a:tcPr>
+                </a:tc>
+                <a:tc>
+                  <a:txBody>
+                    <a:bodyPr/>
+                    <a:lstStyle/>
+                    <a:p>
+                      <a:pPr algn="ctr">
+                        <a:lnSpc>
+                          <a:spcPct val="115000"/>
+                        </a:lnSpc>
+                        <a:spcAft>
+                          <a:spcPts val="0"/>
+                        </a:spcAft>
+                      </a:pPr>
+                      <a:r>
+                        <a:rPr lang="de-CH" sz="2000" dirty="0">
+                          <a:solidFill>
+                            <a:schemeClr val="bg1"/>
+                          </a:solidFill>
+                          <a:effectLst/>
+                        </a:rPr>
+                        <a:t>2</a:t>
+                      </a:r>
+                      <a:endParaRPr lang="de-CH" sz="1100" dirty="0">
+                        <a:solidFill>
+                          <a:schemeClr val="bg1"/>
+                        </a:solidFill>
+                        <a:effectLst/>
+                        <a:latin typeface="Calibri"/>
+                        <a:ea typeface="Calibri"/>
+                        <a:cs typeface="Times New Roman"/>
+                      </a:endParaRPr>
+                    </a:p>
+                  </a:txBody>
+                  <a:tcPr marL="44450" marR="44450" marT="0" marB="0" anchor="ctr">
+                    <a:solidFill>
+                      <a:srgbClr val="FF9933"/>
+                    </a:solidFill>
+                  </a:tcPr>
+                </a:tc>
+                <a:tc>
+                  <a:txBody>
+                    <a:bodyPr/>
+                    <a:lstStyle/>
+                    <a:p>
+                      <a:pPr>
+                        <a:lnSpc>
+                          <a:spcPct val="115000"/>
+                        </a:lnSpc>
+                        <a:spcAft>
+                          <a:spcPts val="0"/>
+                        </a:spcAft>
+                      </a:pPr>
+                      <a:r>
+                        <a:rPr lang="de-CH" sz="1100" dirty="0">
+                          <a:solidFill>
+                            <a:schemeClr val="bg1"/>
+                          </a:solidFill>
+                          <a:effectLst/>
+                        </a:rPr>
+                        <a:t> </a:t>
+                      </a:r>
+                      <a:endParaRPr lang="de-CH" sz="1100" dirty="0">
+                        <a:solidFill>
+                          <a:schemeClr val="bg1"/>
+                        </a:solidFill>
+                        <a:effectLst/>
+                        <a:latin typeface="Calibri"/>
+                        <a:ea typeface="Calibri"/>
+                        <a:cs typeface="Times New Roman"/>
+                      </a:endParaRPr>
+                    </a:p>
+                  </a:txBody>
+                  <a:tcPr marL="44450" marR="44450" marT="0" marB="0" anchor="b">
+                    <a:lnR w="12700" cap="flat" cmpd="sng" algn="ctr">
+                      <a:solidFill>
+                        <a:schemeClr val="tx2"/>
+                      </a:solidFill>
+                      <a:prstDash val="solid"/>
+                      <a:round/>
+                      <a:headEnd type="none" w="med" len="med"/>
+                      <a:tailEnd type="none" w="med" len="med"/>
+                    </a:lnR>
+                    <a:solidFill>
+                      <a:srgbClr val="FF6600"/>
+                    </a:solidFill>
+                  </a:tcPr>
+                </a:tc>
+              </a:tr>
+              <a:tr h="1017270">
+                <a:tc vMerge="1">
+                  <a:txBody>
+                    <a:bodyPr/>
+                    <a:lstStyle/>
+                    <a:p>
+                      <a:endParaRPr lang="de-CH"/>
+                    </a:p>
+                  </a:txBody>
+                  <a:tcPr/>
+                </a:tc>
+                <a:tc>
+                  <a:txBody>
+                    <a:bodyPr/>
+                    <a:lstStyle/>
+                    <a:p>
+                      <a:pPr algn="ctr">
+                        <a:lnSpc>
+                          <a:spcPct val="115000"/>
+                        </a:lnSpc>
+                        <a:spcAft>
+                          <a:spcPts val="0"/>
+                        </a:spcAft>
+                      </a:pPr>
+                      <a:r>
+                        <a:rPr lang="de-CH" sz="2000" dirty="0" smtClean="0">
+                          <a:effectLst/>
+                        </a:rPr>
+                        <a:t>2</a:t>
+                      </a:r>
+                      <a:endParaRPr lang="de-CH" sz="2000" dirty="0">
+                        <a:effectLst/>
+                        <a:latin typeface="Calibri"/>
+                        <a:ea typeface="Calibri"/>
+                        <a:cs typeface="Times New Roman"/>
+                      </a:endParaRPr>
+                    </a:p>
+                  </a:txBody>
+                  <a:tcPr marL="44450" marR="44450" marT="0" marB="0" vert="vert270" anchor="ctr">
+                    <a:lnL w="12700" cap="flat" cmpd="sng" algn="ctr">
+                      <a:solidFill>
+                        <a:schemeClr val="tx2"/>
+                      </a:solidFill>
+                      <a:prstDash val="solid"/>
+                      <a:round/>
+                      <a:headEnd type="none" w="med" len="med"/>
+                      <a:tailEnd type="none" w="med" len="med"/>
+                    </a:lnL>
+                    <a:lnR w="12700" cap="flat" cmpd="sng" algn="ctr">
+                      <a:solidFill>
+                        <a:schemeClr val="tx2"/>
+                      </a:solidFill>
+                      <a:prstDash val="solid"/>
+                      <a:round/>
+                      <a:headEnd type="none" w="med" len="med"/>
+                      <a:tailEnd type="none" w="med" len="med"/>
+                    </a:lnR>
+                  </a:tcPr>
+                </a:tc>
+                <a:tc>
+                  <a:txBody>
+                    <a:bodyPr/>
+                    <a:lstStyle/>
+                    <a:p>
+                      <a:pPr algn="ctr">
+                        <a:lnSpc>
+                          <a:spcPct val="115000"/>
+                        </a:lnSpc>
+                        <a:spcAft>
+                          <a:spcPts val="0"/>
+                        </a:spcAft>
+                      </a:pPr>
+                      <a:r>
+                        <a:rPr lang="de-CH" sz="2000" dirty="0">
+                          <a:solidFill>
+                            <a:schemeClr val="bg1"/>
+                          </a:solidFill>
+                          <a:effectLst/>
+                        </a:rPr>
+                        <a:t>8</a:t>
+                      </a:r>
+                      <a:endParaRPr lang="de-CH" sz="1100" dirty="0">
+                        <a:solidFill>
+                          <a:schemeClr val="bg1"/>
+                        </a:solidFill>
+                        <a:effectLst/>
+                        <a:latin typeface="Calibri"/>
+                        <a:ea typeface="Calibri"/>
+                        <a:cs typeface="Times New Roman"/>
+                      </a:endParaRPr>
+                    </a:p>
+                  </a:txBody>
+                  <a:tcPr marL="44450" marR="44450" marT="0" marB="0" anchor="ctr">
+                    <a:lnL w="12700" cap="flat" cmpd="sng" algn="ctr">
+                      <a:solidFill>
+                        <a:schemeClr val="tx2"/>
+                      </a:solidFill>
+                      <a:prstDash val="solid"/>
+                      <a:round/>
+                      <a:headEnd type="none" w="med" len="med"/>
+                      <a:tailEnd type="none" w="med" len="med"/>
+                    </a:lnL>
+                    <a:solidFill>
+                      <a:srgbClr val="669900"/>
+                    </a:solidFill>
+                  </a:tcPr>
+                </a:tc>
+                <a:tc>
+                  <a:txBody>
+                    <a:bodyPr/>
+                    <a:lstStyle/>
+                    <a:p>
+                      <a:pPr algn="ctr">
+                        <a:lnSpc>
+                          <a:spcPct val="115000"/>
+                        </a:lnSpc>
+                        <a:spcAft>
+                          <a:spcPts val="0"/>
+                        </a:spcAft>
+                      </a:pPr>
+                      <a:r>
+                        <a:rPr lang="de-CH" sz="2000" dirty="0">
+                          <a:solidFill>
+                            <a:schemeClr val="bg1"/>
+                          </a:solidFill>
+                          <a:effectLst/>
+                        </a:rPr>
+                        <a:t>6</a:t>
+                      </a:r>
+                      <a:endParaRPr lang="de-CH" sz="1100" dirty="0">
+                        <a:solidFill>
+                          <a:schemeClr val="bg1"/>
+                        </a:solidFill>
+                        <a:effectLst/>
+                        <a:latin typeface="Calibri"/>
+                        <a:ea typeface="Calibri"/>
+                        <a:cs typeface="Times New Roman"/>
+                      </a:endParaRPr>
+                    </a:p>
+                  </a:txBody>
+                  <a:tcPr marL="44450" marR="44450" marT="0" marB="0" anchor="ctr">
+                    <a:solidFill>
+                      <a:srgbClr val="FFCC66"/>
+                    </a:solidFill>
+                  </a:tcPr>
+                </a:tc>
+                <a:tc>
+                  <a:txBody>
+                    <a:bodyPr/>
+                    <a:lstStyle/>
+                    <a:p>
+                      <a:pPr algn="ctr">
+                        <a:lnSpc>
+                          <a:spcPct val="115000"/>
+                        </a:lnSpc>
+                        <a:spcAft>
+                          <a:spcPts val="0"/>
+                        </a:spcAft>
+                      </a:pPr>
+                      <a:r>
+                        <a:rPr lang="de-CH" sz="2000" dirty="0">
+                          <a:solidFill>
+                            <a:schemeClr val="bg1"/>
+                          </a:solidFill>
+                          <a:effectLst/>
+                        </a:rPr>
+                        <a:t>3, 4, 5</a:t>
+                      </a:r>
+                      <a:endParaRPr lang="de-CH" sz="1100" dirty="0">
+                        <a:solidFill>
+                          <a:schemeClr val="bg1"/>
+                        </a:solidFill>
+                        <a:effectLst/>
+                        <a:latin typeface="Calibri"/>
+                        <a:ea typeface="Calibri"/>
+                        <a:cs typeface="Times New Roman"/>
+                      </a:endParaRPr>
+                    </a:p>
+                  </a:txBody>
+                  <a:tcPr marL="44450" marR="44450" marT="0" marB="0" anchor="ctr">
+                    <a:lnR w="12700" cap="flat" cmpd="sng" algn="ctr">
+                      <a:solidFill>
+                        <a:schemeClr val="tx2"/>
+                      </a:solidFill>
+                      <a:prstDash val="solid"/>
+                      <a:round/>
+                      <a:headEnd type="none" w="med" len="med"/>
+                      <a:tailEnd type="none" w="med" len="med"/>
+                    </a:lnR>
+                    <a:solidFill>
+                      <a:srgbClr val="FF9933"/>
+                    </a:solidFill>
+                  </a:tcPr>
+                </a:tc>
+              </a:tr>
+              <a:tr h="908846">
+                <a:tc vMerge="1">
+                  <a:txBody>
+                    <a:bodyPr/>
+                    <a:lstStyle/>
+                    <a:p>
+                      <a:endParaRPr lang="de-CH"/>
+                    </a:p>
+                  </a:txBody>
+                  <a:tcPr/>
+                </a:tc>
+                <a:tc>
+                  <a:txBody>
+                    <a:bodyPr/>
+                    <a:lstStyle/>
+                    <a:p>
+                      <a:pPr algn="ctr">
+                        <a:lnSpc>
+                          <a:spcPct val="115000"/>
+                        </a:lnSpc>
+                        <a:spcAft>
+                          <a:spcPts val="0"/>
+                        </a:spcAft>
+                      </a:pPr>
+                      <a:r>
+                        <a:rPr lang="de-CH" sz="2000" dirty="0" smtClean="0">
+                          <a:effectLst/>
+                          <a:latin typeface="Calibri"/>
+                          <a:ea typeface="Calibri"/>
+                          <a:cs typeface="Times New Roman"/>
+                        </a:rPr>
+                        <a:t>1</a:t>
+                      </a:r>
+                      <a:endParaRPr lang="de-CH" sz="2000" dirty="0">
+                        <a:effectLst/>
+                        <a:latin typeface="Calibri"/>
+                        <a:ea typeface="Calibri"/>
+                        <a:cs typeface="Times New Roman"/>
+                      </a:endParaRPr>
+                    </a:p>
+                  </a:txBody>
+                  <a:tcPr marL="44450" marR="44450" marT="0" marB="0" vert="vert270" anchor="ctr">
+                    <a:lnL w="12700" cap="flat" cmpd="sng" algn="ctr">
+                      <a:solidFill>
+                        <a:schemeClr val="tx2"/>
+                      </a:solidFill>
+                      <a:prstDash val="solid"/>
+                      <a:round/>
+                      <a:headEnd type="none" w="med" len="med"/>
+                      <a:tailEnd type="none" w="med" len="med"/>
+                    </a:lnL>
+                    <a:lnR w="12700" cap="flat" cmpd="sng" algn="ctr">
+                      <a:solidFill>
+                        <a:schemeClr val="tx2"/>
+                      </a:solidFill>
+                      <a:prstDash val="solid"/>
+                      <a:round/>
+                      <a:headEnd type="none" w="med" len="med"/>
+                      <a:tailEnd type="none" w="med" len="med"/>
+                    </a:lnR>
+                    <a:lnB w="12700" cap="flat" cmpd="sng" algn="ctr">
+                      <a:solidFill>
+                        <a:schemeClr val="tx2"/>
+                      </a:solidFill>
+                      <a:prstDash val="solid"/>
+                      <a:round/>
+                      <a:headEnd type="none" w="med" len="med"/>
+                      <a:tailEnd type="none" w="med" len="med"/>
+                    </a:lnB>
+                  </a:tcPr>
+                </a:tc>
+                <a:tc>
+                  <a:txBody>
+                    <a:bodyPr/>
+                    <a:lstStyle/>
+                    <a:p>
+                      <a:pPr>
+                        <a:lnSpc>
+                          <a:spcPct val="115000"/>
+                        </a:lnSpc>
+                        <a:spcAft>
+                          <a:spcPts val="0"/>
+                        </a:spcAft>
+                      </a:pPr>
+                      <a:r>
+                        <a:rPr lang="de-CH" sz="1100" dirty="0">
+                          <a:solidFill>
+                            <a:schemeClr val="bg1"/>
+                          </a:solidFill>
+                          <a:effectLst/>
+                        </a:rPr>
+                        <a:t> </a:t>
+                      </a:r>
+                      <a:endParaRPr lang="de-CH" sz="1100" dirty="0">
+                        <a:solidFill>
+                          <a:schemeClr val="bg1"/>
+                        </a:solidFill>
+                        <a:effectLst/>
+                        <a:latin typeface="Calibri"/>
+                        <a:ea typeface="Calibri"/>
+                        <a:cs typeface="Times New Roman"/>
+                      </a:endParaRPr>
+                    </a:p>
+                  </a:txBody>
+                  <a:tcPr marL="44450" marR="44450" marT="0" marB="0" anchor="b">
+                    <a:lnL w="12700" cap="flat" cmpd="sng" algn="ctr">
+                      <a:solidFill>
+                        <a:schemeClr val="tx2"/>
+                      </a:solidFill>
+                      <a:prstDash val="solid"/>
+                      <a:round/>
+                      <a:headEnd type="none" w="med" len="med"/>
+                      <a:tailEnd type="none" w="med" len="med"/>
+                    </a:lnL>
+                    <a:lnB w="12700" cap="flat" cmpd="sng" algn="ctr">
+                      <a:solidFill>
+                        <a:schemeClr val="tx2"/>
+                      </a:solidFill>
+                      <a:prstDash val="solid"/>
+                      <a:round/>
+                      <a:headEnd type="none" w="med" len="med"/>
+                      <a:tailEnd type="none" w="med" len="med"/>
+                    </a:lnB>
+                    <a:solidFill>
+                      <a:srgbClr val="008000"/>
+                    </a:solidFill>
+                  </a:tcPr>
+                </a:tc>
+                <a:tc>
+                  <a:txBody>
+                    <a:bodyPr/>
+                    <a:lstStyle/>
+                    <a:p>
+                      <a:pPr>
+                        <a:lnSpc>
+                          <a:spcPct val="115000"/>
+                        </a:lnSpc>
+                        <a:spcAft>
+                          <a:spcPts val="0"/>
+                        </a:spcAft>
+                      </a:pPr>
+                      <a:r>
+                        <a:rPr lang="de-CH" sz="1100" dirty="0">
+                          <a:solidFill>
+                            <a:schemeClr val="bg1"/>
+                          </a:solidFill>
+                          <a:effectLst/>
+                        </a:rPr>
+                        <a:t> </a:t>
+                      </a:r>
+                      <a:endParaRPr lang="de-CH" sz="1100" dirty="0">
+                        <a:solidFill>
+                          <a:schemeClr val="bg1"/>
+                        </a:solidFill>
+                        <a:effectLst/>
+                        <a:latin typeface="Calibri"/>
+                        <a:ea typeface="Calibri"/>
+                        <a:cs typeface="Times New Roman"/>
+                      </a:endParaRPr>
+                    </a:p>
+                  </a:txBody>
+                  <a:tcPr marL="44450" marR="44450" marT="0" marB="0" anchor="b">
+                    <a:lnB w="12700" cap="flat" cmpd="sng" algn="ctr">
+                      <a:solidFill>
+                        <a:schemeClr val="tx2"/>
+                      </a:solidFill>
+                      <a:prstDash val="solid"/>
+                      <a:round/>
+                      <a:headEnd type="none" w="med" len="med"/>
+                      <a:tailEnd type="none" w="med" len="med"/>
+                    </a:lnB>
+                    <a:solidFill>
+                      <a:srgbClr val="669900"/>
+                    </a:solidFill>
+                  </a:tcPr>
+                </a:tc>
+                <a:tc>
+                  <a:txBody>
+                    <a:bodyPr/>
+                    <a:lstStyle/>
+                    <a:p>
+                      <a:pPr algn="ctr">
+                        <a:lnSpc>
+                          <a:spcPct val="115000"/>
+                        </a:lnSpc>
+                        <a:spcAft>
+                          <a:spcPts val="0"/>
+                        </a:spcAft>
+                      </a:pPr>
+                      <a:r>
+                        <a:rPr lang="de-CH" sz="2000" dirty="0">
+                          <a:solidFill>
+                            <a:schemeClr val="bg1"/>
+                          </a:solidFill>
+                          <a:effectLst/>
+                        </a:rPr>
+                        <a:t>7</a:t>
+                      </a:r>
+                      <a:endParaRPr lang="de-CH" sz="1100" dirty="0">
+                        <a:solidFill>
+                          <a:schemeClr val="bg1"/>
+                        </a:solidFill>
+                        <a:effectLst/>
+                        <a:latin typeface="Calibri"/>
+                        <a:ea typeface="Calibri"/>
+                        <a:cs typeface="Times New Roman"/>
+                      </a:endParaRPr>
+                    </a:p>
+                  </a:txBody>
+                  <a:tcPr marL="44450" marR="44450" marT="0" marB="0" anchor="ctr">
+                    <a:lnR w="12700" cap="flat" cmpd="sng" algn="ctr">
+                      <a:solidFill>
+                        <a:schemeClr val="tx2"/>
+                      </a:solidFill>
+                      <a:prstDash val="solid"/>
+                      <a:round/>
+                      <a:headEnd type="none" w="med" len="med"/>
+                      <a:tailEnd type="none" w="med" len="med"/>
+                    </a:lnR>
+                    <a:lnB w="12700" cap="flat" cmpd="sng" algn="ctr">
+                      <a:solidFill>
+                        <a:schemeClr val="tx2"/>
+                      </a:solidFill>
+                      <a:prstDash val="solid"/>
+                      <a:round/>
+                      <a:headEnd type="none" w="med" len="med"/>
+                      <a:tailEnd type="none" w="med" len="med"/>
+                    </a:lnB>
+                    <a:solidFill>
+                      <a:srgbClr val="FFCC66"/>
+                    </a:solidFill>
+                  </a:tcPr>
+                </a:tc>
+              </a:tr>
+              <a:tr h="202565">
+                <a:tc>
+                  <a:txBody>
+                    <a:bodyPr/>
+                    <a:lstStyle/>
+                    <a:p>
+                      <a:pPr>
+                        <a:lnSpc>
+                          <a:spcPct val="115000"/>
+                        </a:lnSpc>
+                      </a:pPr>
+                      <a:endParaRPr lang="de-CH" sz="1100" dirty="0">
+                        <a:effectLst/>
+                        <a:latin typeface="Calibri"/>
+                      </a:endParaRPr>
+                    </a:p>
+                  </a:txBody>
+                  <a:tcPr marL="44450" marR="44450" marT="0" marB="0" anchor="b">
+                    <a:lnL w="12700" cap="flat" cmpd="sng" algn="ctr">
+                      <a:solidFill>
+                        <a:schemeClr val="tx2"/>
+                      </a:solidFill>
+                      <a:prstDash val="solid"/>
+                      <a:round/>
+                      <a:headEnd type="none" w="med" len="med"/>
+                      <a:tailEnd type="none" w="med" len="med"/>
+                    </a:lnL>
+                    <a:lnR w="12700" cap="flat" cmpd="sng" algn="ctr">
+                      <a:solidFill>
+                        <a:schemeClr val="tx2"/>
+                      </a:solidFill>
+                      <a:prstDash val="solid"/>
+                      <a:round/>
+                      <a:headEnd type="none" w="med" len="med"/>
+                      <a:tailEnd type="none" w="med" len="med"/>
+                    </a:lnR>
+                    <a:lnB w="12700" cap="flat" cmpd="sng" algn="ctr">
+                      <a:solidFill>
+                        <a:schemeClr val="tx2"/>
+                      </a:solidFill>
+                      <a:prstDash val="solid"/>
+                      <a:round/>
+                      <a:headEnd type="none" w="med" len="med"/>
+                      <a:tailEnd type="none" w="med" len="med"/>
+                    </a:lnB>
+                  </a:tcPr>
+                </a:tc>
+                <a:tc>
+                  <a:txBody>
+                    <a:bodyPr/>
+                    <a:lstStyle/>
+                    <a:p>
+                      <a:pPr>
+                        <a:lnSpc>
+                          <a:spcPct val="115000"/>
+                        </a:lnSpc>
+                      </a:pPr>
+                      <a:endParaRPr lang="de-CH" sz="1100" dirty="0">
+                        <a:effectLst/>
+                        <a:latin typeface="Calibri"/>
+                      </a:endParaRPr>
+                    </a:p>
+                  </a:txBody>
+                  <a:tcPr marL="44450" marR="44450" marT="0" marB="0" anchor="b">
+                    <a:lnL w="12700" cap="flat" cmpd="sng" algn="ctr">
+                      <a:solidFill>
+                        <a:schemeClr val="tx2"/>
+                      </a:solidFill>
+                      <a:prstDash val="solid"/>
+                      <a:round/>
+                      <a:headEnd type="none" w="med" len="med"/>
+                      <a:tailEnd type="none" w="med" len="med"/>
+                    </a:lnL>
+                    <a:lnR w="12700" cap="flat" cmpd="sng" algn="ctr">
+                      <a:solidFill>
+                        <a:schemeClr val="tx2"/>
+                      </a:solidFill>
+                      <a:prstDash val="solid"/>
+                      <a:round/>
+                      <a:headEnd type="none" w="med" len="med"/>
+                      <a:tailEnd type="none" w="med" len="med"/>
+                    </a:lnR>
+                    <a:lnT w="12700" cap="flat" cmpd="sng" algn="ctr">
+                      <a:solidFill>
+                        <a:schemeClr val="tx2"/>
+                      </a:solidFill>
+                      <a:prstDash val="solid"/>
+                      <a:round/>
+                      <a:headEnd type="none" w="med" len="med"/>
+                      <a:tailEnd type="none" w="med" len="med"/>
+                    </a:lnT>
+                    <a:lnB w="12700" cap="flat" cmpd="sng" algn="ctr">
+                      <a:solidFill>
+                        <a:schemeClr val="tx2"/>
+                      </a:solidFill>
+                      <a:prstDash val="solid"/>
+                      <a:round/>
+                      <a:headEnd type="none" w="med" len="med"/>
+                      <a:tailEnd type="none" w="med" len="med"/>
+                    </a:lnB>
+                  </a:tcPr>
+                </a:tc>
+                <a:tc>
+                  <a:txBody>
+                    <a:bodyPr/>
+                    <a:lstStyle/>
+                    <a:p>
+                      <a:pPr algn="ctr">
+                        <a:lnSpc>
+                          <a:spcPct val="115000"/>
+                        </a:lnSpc>
+                        <a:spcAft>
+                          <a:spcPts val="0"/>
+                        </a:spcAft>
+                      </a:pPr>
+                      <a:r>
+                        <a:rPr lang="de-CH" sz="2000" dirty="0">
+                          <a:effectLst/>
+                        </a:rPr>
+                        <a:t>Niedrig</a:t>
+                      </a:r>
+                      <a:endParaRPr lang="de-CH" sz="2000" dirty="0">
+                        <a:effectLst/>
+                        <a:latin typeface="Calibri"/>
+                        <a:ea typeface="Calibri"/>
+                        <a:cs typeface="Times New Roman"/>
+                      </a:endParaRPr>
+                    </a:p>
+                  </a:txBody>
+                  <a:tcPr marL="44450" marR="44450" marT="0" marB="0" anchor="ctr">
+                    <a:lnL w="12700" cap="flat" cmpd="sng" algn="ctr">
+                      <a:solidFill>
+                        <a:schemeClr val="tx2"/>
+                      </a:solidFill>
+                      <a:prstDash val="solid"/>
+                      <a:round/>
+                      <a:headEnd type="none" w="med" len="med"/>
+                      <a:tailEnd type="none" w="med" len="med"/>
+                    </a:lnL>
+                    <a:lnT w="12700" cap="flat" cmpd="sng" algn="ctr">
+                      <a:solidFill>
+                        <a:schemeClr val="tx2"/>
+                      </a:solidFill>
+                      <a:prstDash val="solid"/>
+                      <a:round/>
+                      <a:headEnd type="none" w="med" len="med"/>
+                      <a:tailEnd type="none" w="med" len="med"/>
+                    </a:lnT>
+                    <a:lnB w="12700" cap="flat" cmpd="sng" algn="ctr">
+                      <a:solidFill>
+                        <a:schemeClr val="tx2"/>
+                      </a:solidFill>
+                      <a:prstDash val="solid"/>
+                      <a:round/>
+                      <a:headEnd type="none" w="med" len="med"/>
+                      <a:tailEnd type="none" w="med" len="med"/>
+                    </a:lnB>
+                  </a:tcPr>
+                </a:tc>
+                <a:tc>
+                  <a:txBody>
+                    <a:bodyPr/>
+                    <a:lstStyle/>
+                    <a:p>
+                      <a:pPr algn="ctr">
+                        <a:lnSpc>
+                          <a:spcPct val="115000"/>
+                        </a:lnSpc>
+                        <a:spcAft>
+                          <a:spcPts val="0"/>
+                        </a:spcAft>
+                      </a:pPr>
+                      <a:r>
+                        <a:rPr lang="de-CH" sz="2000" dirty="0">
+                          <a:effectLst/>
+                        </a:rPr>
+                        <a:t>Mittel</a:t>
+                      </a:r>
+                      <a:endParaRPr lang="de-CH" sz="2000" dirty="0">
+                        <a:effectLst/>
+                        <a:latin typeface="Calibri"/>
+                        <a:ea typeface="Calibri"/>
+                        <a:cs typeface="Times New Roman"/>
+                      </a:endParaRPr>
+                    </a:p>
+                  </a:txBody>
+                  <a:tcPr marL="44450" marR="44450" marT="0" marB="0" anchor="ctr">
+                    <a:lnT w="12700" cap="flat" cmpd="sng" algn="ctr">
+                      <a:solidFill>
+                        <a:schemeClr val="tx2"/>
+                      </a:solidFill>
+                      <a:prstDash val="solid"/>
+                      <a:round/>
+                      <a:headEnd type="none" w="med" len="med"/>
+                      <a:tailEnd type="none" w="med" len="med"/>
+                    </a:lnT>
+                    <a:lnB w="12700" cap="flat" cmpd="sng" algn="ctr">
+                      <a:solidFill>
+                        <a:schemeClr val="tx2"/>
+                      </a:solidFill>
+                      <a:prstDash val="solid"/>
+                      <a:round/>
+                      <a:headEnd type="none" w="med" len="med"/>
+                      <a:tailEnd type="none" w="med" len="med"/>
+                    </a:lnB>
+                  </a:tcPr>
+                </a:tc>
+                <a:tc>
+                  <a:txBody>
+                    <a:bodyPr/>
+                    <a:lstStyle/>
+                    <a:p>
+                      <a:pPr algn="ctr">
+                        <a:lnSpc>
+                          <a:spcPct val="115000"/>
+                        </a:lnSpc>
+                        <a:spcAft>
+                          <a:spcPts val="0"/>
+                        </a:spcAft>
+                      </a:pPr>
+                      <a:r>
+                        <a:rPr lang="de-CH" sz="2000" dirty="0">
+                          <a:effectLst/>
+                        </a:rPr>
+                        <a:t>Hoch</a:t>
+                      </a:r>
+                      <a:endParaRPr lang="de-CH" sz="2000" dirty="0">
+                        <a:effectLst/>
+                        <a:latin typeface="Calibri"/>
+                        <a:ea typeface="Calibri"/>
+                        <a:cs typeface="Times New Roman"/>
+                      </a:endParaRPr>
+                    </a:p>
+                  </a:txBody>
+                  <a:tcPr marL="44450" marR="44450" marT="0" marB="0" anchor="ctr">
+                    <a:lnR w="12700" cap="flat" cmpd="sng" algn="ctr">
+                      <a:solidFill>
+                        <a:schemeClr val="tx2"/>
+                      </a:solidFill>
+                      <a:prstDash val="solid"/>
+                      <a:round/>
+                      <a:headEnd type="none" w="med" len="med"/>
+                      <a:tailEnd type="none" w="med" len="med"/>
+                    </a:lnR>
+                    <a:lnT w="12700" cap="flat" cmpd="sng" algn="ctr">
+                      <a:solidFill>
+                        <a:schemeClr val="tx2"/>
+                      </a:solidFill>
+                      <a:prstDash val="solid"/>
+                      <a:round/>
+                      <a:headEnd type="none" w="med" len="med"/>
+                      <a:tailEnd type="none" w="med" len="med"/>
+                    </a:lnT>
+                    <a:lnB w="12700" cap="flat" cmpd="sng" algn="ctr">
+                      <a:solidFill>
+                        <a:schemeClr val="tx2"/>
+                      </a:solidFill>
+                      <a:prstDash val="solid"/>
+                      <a:round/>
+                      <a:headEnd type="none" w="med" len="med"/>
+                      <a:tailEnd type="none" w="med" len="med"/>
+                    </a:lnB>
+                  </a:tcPr>
+                </a:tc>
+              </a:tr>
+              <a:tr h="190500">
+                <a:tc>
+                  <a:txBody>
+                    <a:bodyPr/>
+                    <a:lstStyle/>
+                    <a:p>
+                      <a:pPr>
+                        <a:lnSpc>
+                          <a:spcPct val="115000"/>
+                        </a:lnSpc>
+                      </a:pPr>
+                      <a:endParaRPr lang="de-CH" sz="2000" dirty="0">
+                        <a:effectLst/>
+                        <a:latin typeface="Calibri"/>
+                      </a:endParaRPr>
+                    </a:p>
+                  </a:txBody>
+                  <a:tcPr marL="44450" marR="44450" marT="0" marB="0" anchor="b">
+                    <a:lnL w="12700" cap="flat" cmpd="sng" algn="ctr">
+                      <a:solidFill>
+                        <a:schemeClr val="tx2"/>
+                      </a:solidFill>
+                      <a:prstDash val="solid"/>
+                      <a:round/>
+                      <a:headEnd type="none" w="med" len="med"/>
+                      <a:tailEnd type="none" w="med" len="med"/>
+                    </a:lnL>
+                    <a:lnR w="12700" cap="flat" cmpd="sng" algn="ctr">
+                      <a:solidFill>
+                        <a:schemeClr val="tx2"/>
+                      </a:solidFill>
+                      <a:prstDash val="solid"/>
+                      <a:round/>
+                      <a:headEnd type="none" w="med" len="med"/>
+                      <a:tailEnd type="none" w="med" len="med"/>
+                    </a:lnR>
+                    <a:lnT w="12700" cap="flat" cmpd="sng" algn="ctr">
+                      <a:solidFill>
+                        <a:schemeClr val="tx2"/>
+                      </a:solidFill>
+                      <a:prstDash val="solid"/>
+                      <a:round/>
+                      <a:headEnd type="none" w="med" len="med"/>
+                      <a:tailEnd type="none" w="med" len="med"/>
+                    </a:lnT>
+                    <a:lnB w="12700" cap="flat" cmpd="sng" algn="ctr">
+                      <a:solidFill>
+                        <a:schemeClr val="tx2"/>
+                      </a:solidFill>
+                      <a:prstDash val="solid"/>
+                      <a:round/>
+                      <a:headEnd type="none" w="med" len="med"/>
+                      <a:tailEnd type="none" w="med" len="med"/>
+                    </a:lnB>
+                  </a:tcPr>
+                </a:tc>
+                <a:tc>
+                  <a:txBody>
+                    <a:bodyPr/>
+                    <a:lstStyle/>
+                    <a:p>
+                      <a:pPr>
+                        <a:lnSpc>
+                          <a:spcPct val="115000"/>
+                        </a:lnSpc>
+                      </a:pPr>
+                      <a:endParaRPr lang="de-CH" sz="2000" dirty="0">
+                        <a:effectLst/>
+                        <a:latin typeface="Calibri"/>
+                      </a:endParaRPr>
+                    </a:p>
+                  </a:txBody>
+                  <a:tcPr marL="44450" marR="44450" marT="0" marB="0" anchor="b">
+                    <a:lnL w="12700" cap="flat" cmpd="sng" algn="ctr">
+                      <a:solidFill>
+                        <a:schemeClr val="tx2"/>
+                      </a:solidFill>
+                      <a:prstDash val="solid"/>
+                      <a:round/>
+                      <a:headEnd type="none" w="med" len="med"/>
+                      <a:tailEnd type="none" w="med" len="med"/>
+                    </a:lnL>
+                    <a:lnT w="12700" cap="flat" cmpd="sng" algn="ctr">
+                      <a:solidFill>
+                        <a:schemeClr val="tx2"/>
+                      </a:solidFill>
+                      <a:prstDash val="solid"/>
+                      <a:round/>
+                      <a:headEnd type="none" w="med" len="med"/>
+                      <a:tailEnd type="none" w="med" len="med"/>
+                    </a:lnT>
+                    <a:lnB w="12700" cap="flat" cmpd="sng" algn="ctr">
+                      <a:solidFill>
+                        <a:schemeClr val="tx2"/>
+                      </a:solidFill>
+                      <a:prstDash val="solid"/>
+                      <a:round/>
+                      <a:headEnd type="none" w="med" len="med"/>
+                      <a:tailEnd type="none" w="med" len="med"/>
+                    </a:lnB>
+                  </a:tcPr>
+                </a:tc>
+                <a:tc gridSpan="3">
+                  <a:txBody>
+                    <a:bodyPr/>
+                    <a:lstStyle/>
+                    <a:p>
+                      <a:pPr algn="ctr">
+                        <a:lnSpc>
+                          <a:spcPct val="115000"/>
+                        </a:lnSpc>
+                        <a:spcAft>
+                          <a:spcPts val="0"/>
+                        </a:spcAft>
+                      </a:pPr>
+                      <a:r>
+                        <a:rPr lang="de-CH" sz="2000" dirty="0">
+                          <a:effectLst/>
+                        </a:rPr>
+                        <a:t>Auswirkung →</a:t>
+                      </a:r>
+                      <a:endParaRPr lang="de-CH" sz="2000" dirty="0">
+                        <a:effectLst/>
+                        <a:latin typeface="Calibri"/>
+                        <a:ea typeface="Calibri"/>
+                        <a:cs typeface="Times New Roman"/>
+                      </a:endParaRPr>
+                    </a:p>
+                  </a:txBody>
+                  <a:tcPr marL="44450" marR="44450" marT="0" marB="0" anchor="ctr">
+                    <a:lnR w="12700" cap="flat" cmpd="sng" algn="ctr">
+                      <a:solidFill>
+                        <a:schemeClr val="tx2"/>
+                      </a:solidFill>
+                      <a:prstDash val="solid"/>
+                      <a:round/>
+                      <a:headEnd type="none" w="med" len="med"/>
+                      <a:tailEnd type="none" w="med" len="med"/>
+                    </a:lnR>
+                    <a:lnT w="12700" cap="flat" cmpd="sng" algn="ctr">
+                      <a:solidFill>
+                        <a:schemeClr val="tx2"/>
+                      </a:solidFill>
+                      <a:prstDash val="solid"/>
+                      <a:round/>
+                      <a:headEnd type="none" w="med" len="med"/>
+                      <a:tailEnd type="none" w="med" len="med"/>
+                    </a:lnT>
+                    <a:lnB w="12700" cap="flat" cmpd="sng" algn="ctr">
+                      <a:solidFill>
+                        <a:schemeClr val="tx2"/>
+                      </a:solidFill>
+                      <a:prstDash val="solid"/>
+                      <a:round/>
+                      <a:headEnd type="none" w="med" len="med"/>
+                      <a:tailEnd type="none" w="med" len="med"/>
+                    </a:lnB>
+                  </a:tcPr>
+                </a:tc>
+                <a:tc hMerge="1">
+                  <a:txBody>
+                    <a:bodyPr/>
+                    <a:lstStyle/>
+                    <a:p>
+                      <a:endParaRPr lang="de-CH"/>
+                    </a:p>
+                  </a:txBody>
+                  <a:tcPr/>
+                </a:tc>
+                <a:tc hMerge="1">
+                  <a:txBody>
+                    <a:bodyPr/>
+                    <a:lstStyle/>
+                    <a:p>
+                      <a:endParaRPr lang="de-CH"/>
+                    </a:p>
+                  </a:txBody>
+                  <a:tcPr/>
+                </a:tc>
+              </a:tr>
+            </a:tbl>
+          </a:graphicData>
+        </a:graphic>
+      </p:graphicFrame>
+      <p:sp>
+        <p:nvSpPr>
+          <p:cNvPr id="6" name="Content Placeholder 2"/>
+          <p:cNvSpPr txBox="1">
+            <a:spLocks/>
+          </p:cNvSpPr>
+          <p:nvPr/>
+        </p:nvSpPr>
+        <p:spPr>
+          <a:xfrm>
+            <a:off x="538480" y="1556792"/>
+            <a:ext cx="3961512" cy="4896585"/>
+          </a:xfrm>
+          <a:prstGeom prst="rect">
+            <a:avLst/>
+          </a:prstGeom>
+        </p:spPr>
+        <p:txBody>
+          <a:bodyPr vert="horz" lIns="91440" tIns="45720" rIns="91440" bIns="45720" rtlCol="0">
+            <a:normAutofit/>
+          </a:bodyPr>
+          <a:lstStyle>
+            <a:lvl1pPr marL="228600" indent="-182880" algn="l" defTabSz="914400" rtl="0" eaLnBrk="1" latinLnBrk="0" hangingPunct="1">
+              <a:spcBef>
+                <a:spcPct val="20000"/>
+              </a:spcBef>
+              <a:buClr>
+                <a:schemeClr val="tx2"/>
+              </a:buClr>
+              <a:buFont typeface="Wingdings" charset="2"/>
+              <a:buChar char="§"/>
+              <a:defRPr sz="2000" kern="1200">
+                <a:solidFill>
+                  <a:schemeClr val="tx1"/>
+                </a:solidFill>
+                <a:latin typeface="+mn-lt"/>
+                <a:ea typeface="+mn-ea"/>
+                <a:cs typeface="+mn-cs"/>
+              </a:defRPr>
+            </a:lvl1pPr>
+            <a:lvl2pPr marL="502920" indent="-182880" algn="l" defTabSz="914400" rtl="0" eaLnBrk="1" latinLnBrk="0" hangingPunct="1">
+              <a:spcBef>
+                <a:spcPct val="20000"/>
+              </a:spcBef>
+              <a:buClr>
+                <a:schemeClr val="tx2"/>
+              </a:buClr>
+              <a:buFont typeface="Wingdings" charset="2"/>
+              <a:buChar char="§"/>
+              <a:defRPr sz="1800" kern="1200">
+                <a:solidFill>
+                  <a:schemeClr val="tx1"/>
+                </a:solidFill>
+                <a:latin typeface="+mn-lt"/>
+                <a:ea typeface="+mn-ea"/>
+                <a:cs typeface="+mn-cs"/>
+              </a:defRPr>
+            </a:lvl2pPr>
+            <a:lvl3pPr marL="685800" indent="-182880" algn="l" defTabSz="914400" rtl="0" eaLnBrk="1" latinLnBrk="0" hangingPunct="1">
+              <a:spcBef>
+                <a:spcPct val="20000"/>
+              </a:spcBef>
+              <a:buClr>
+                <a:schemeClr val="tx2"/>
+              </a:buClr>
+              <a:buFont typeface="Wingdings" charset="2"/>
+              <a:buChar char="§"/>
+              <a:defRPr sz="1600" kern="1200">
+                <a:solidFill>
+                  <a:schemeClr val="tx1"/>
+                </a:solidFill>
+                <a:latin typeface="+mn-lt"/>
+                <a:ea typeface="+mn-ea"/>
+                <a:cs typeface="+mn-cs"/>
+              </a:defRPr>
+            </a:lvl3pPr>
+            <a:lvl4pPr marL="914400" indent="-182880" algn="l" defTabSz="914400" rtl="0" eaLnBrk="1" latinLnBrk="0" hangingPunct="1">
+              <a:spcBef>
+                <a:spcPct val="20000"/>
+              </a:spcBef>
+              <a:buClr>
+                <a:schemeClr val="tx2"/>
+              </a:buClr>
+              <a:buFont typeface="Wingdings" charset="2"/>
+              <a:buChar char="§"/>
+              <a:defRPr sz="1400" kern="1200">
+                <a:solidFill>
+                  <a:schemeClr val="tx1"/>
+                </a:solidFill>
+                <a:latin typeface="+mn-lt"/>
+                <a:ea typeface="+mn-ea"/>
+                <a:cs typeface="+mn-cs"/>
+              </a:defRPr>
+            </a:lvl4pPr>
+            <a:lvl5pPr marL="1143000" indent="-182880" algn="l" defTabSz="914400" rtl="0" eaLnBrk="1" latinLnBrk="0" hangingPunct="1">
+              <a:spcBef>
+                <a:spcPct val="20000"/>
+              </a:spcBef>
+              <a:buClr>
+                <a:schemeClr val="tx2"/>
+              </a:buClr>
+              <a:buFont typeface="Wingdings" charset="2"/>
+              <a:buChar char="§"/>
+              <a:defRPr sz="1400" kern="1200">
+                <a:solidFill>
+                  <a:schemeClr val="tx1"/>
+                </a:solidFill>
+                <a:latin typeface="+mn-lt"/>
+                <a:ea typeface="+mn-ea"/>
+                <a:cs typeface="+mn-cs"/>
+              </a:defRPr>
+            </a:lvl5pPr>
+            <a:lvl6pPr marL="1371600" indent="-182880" algn="l" defTabSz="914400" rtl="0" eaLnBrk="1" latinLnBrk="0" hangingPunct="1">
+              <a:spcBef>
+                <a:spcPct val="20000"/>
+              </a:spcBef>
+              <a:buClr>
+                <a:schemeClr val="tx2"/>
+              </a:buClr>
+              <a:buFont typeface="Wingdings" pitchFamily="2" charset="2"/>
+              <a:buChar char="§"/>
+              <a:defRPr sz="1400" kern="1200">
+                <a:solidFill>
+                  <a:schemeClr val="tx1"/>
+                </a:solidFill>
+                <a:latin typeface="+mn-lt"/>
+                <a:ea typeface="+mn-ea"/>
+                <a:cs typeface="+mn-cs"/>
+              </a:defRPr>
+            </a:lvl6pPr>
+            <a:lvl7pPr marL="1600200" indent="-182880" algn="l" defTabSz="914400" rtl="0" eaLnBrk="1" latinLnBrk="0" hangingPunct="1">
+              <a:spcBef>
+                <a:spcPct val="20000"/>
+              </a:spcBef>
+              <a:buClr>
+                <a:schemeClr val="tx2"/>
+              </a:buClr>
+              <a:buFont typeface="Wingdings" pitchFamily="2" charset="2"/>
+              <a:buChar char="§"/>
+              <a:defRPr sz="1400" kern="1200">
+                <a:solidFill>
+                  <a:schemeClr val="tx1"/>
+                </a:solidFill>
+                <a:latin typeface="+mn-lt"/>
+                <a:ea typeface="+mn-ea"/>
+                <a:cs typeface="+mn-cs"/>
+              </a:defRPr>
+            </a:lvl7pPr>
+            <a:lvl8pPr marL="1828800" indent="-182880" algn="l" defTabSz="914400" rtl="0" eaLnBrk="1" latinLnBrk="0" hangingPunct="1">
+              <a:spcBef>
+                <a:spcPct val="20000"/>
+              </a:spcBef>
+              <a:buClr>
+                <a:schemeClr val="tx2"/>
+              </a:buClr>
+              <a:buFont typeface="Wingdings" pitchFamily="2" charset="2"/>
+              <a:buChar char="§"/>
+              <a:defRPr sz="1400" kern="1200">
+                <a:solidFill>
+                  <a:schemeClr val="tx1"/>
+                </a:solidFill>
+                <a:latin typeface="+mn-lt"/>
+                <a:ea typeface="+mn-ea"/>
+                <a:cs typeface="+mn-cs"/>
+              </a:defRPr>
+            </a:lvl8pPr>
+            <a:lvl9pPr marL="2057400" indent="-182880" algn="l" defTabSz="914400" rtl="0" eaLnBrk="1" latinLnBrk="0" hangingPunct="1">
+              <a:spcBef>
+                <a:spcPct val="20000"/>
+              </a:spcBef>
+              <a:buClr>
+                <a:schemeClr val="tx2"/>
+              </a:buClr>
+              <a:buFont typeface="Wingdings" pitchFamily="2" charset="2"/>
+              <a:buChar char="§"/>
+              <a:defRPr sz="1400" kern="1200">
+                <a:solidFill>
+                  <a:schemeClr val="tx1"/>
+                </a:solidFill>
+                <a:latin typeface="+mn-lt"/>
+                <a:ea typeface="+mn-ea"/>
+                <a:cs typeface="+mn-cs"/>
+              </a:defRPr>
+            </a:lvl9pPr>
+          </a:lstStyle>
+          <a:p>
+            <a:pPr marL="502920" indent="-457200">
+              <a:buFont typeface="+mj-lt"/>
+              <a:buAutoNum type="arabicPeriod"/>
+            </a:pPr>
+            <a:r>
+              <a:rPr lang="de-CH" sz="2800" dirty="0" smtClean="0"/>
+              <a:t>ZHAW Netzwerk</a:t>
+            </a:r>
+          </a:p>
+          <a:p>
+            <a:pPr marL="502920" indent="-457200">
+              <a:buFont typeface="+mj-lt"/>
+              <a:buAutoNum type="arabicPeriod"/>
+            </a:pPr>
+            <a:r>
+              <a:rPr lang="de-CH" sz="2800" dirty="0" smtClean="0"/>
+              <a:t>Motivation</a:t>
+            </a:r>
+          </a:p>
+          <a:p>
+            <a:pPr marL="502920" indent="-457200">
+              <a:buFont typeface="+mj-lt"/>
+              <a:buAutoNum type="arabicPeriod"/>
+            </a:pPr>
+            <a:r>
+              <a:rPr lang="de-CH" sz="2800" dirty="0" smtClean="0"/>
+              <a:t>Probleme mit IDE</a:t>
+            </a:r>
+          </a:p>
+          <a:p>
+            <a:pPr marL="502920" indent="-457200">
+              <a:buFont typeface="+mj-lt"/>
+              <a:buAutoNum type="arabicPeriod"/>
+            </a:pPr>
+            <a:r>
+              <a:rPr lang="de-CH" sz="2800" dirty="0" smtClean="0"/>
+              <a:t>Hardware</a:t>
+            </a:r>
+          </a:p>
+          <a:p>
+            <a:pPr marL="502920" indent="-457200">
+              <a:buFont typeface="+mj-lt"/>
+              <a:buAutoNum type="arabicPeriod"/>
+            </a:pPr>
+            <a:r>
+              <a:rPr lang="de-CH" sz="2800" dirty="0" smtClean="0"/>
+              <a:t>Sound &amp; Grafik</a:t>
+            </a:r>
+          </a:p>
+          <a:p>
+            <a:pPr marL="502920" indent="-457200">
+              <a:buFont typeface="+mj-lt"/>
+              <a:buAutoNum type="arabicPeriod"/>
+            </a:pPr>
+            <a:r>
+              <a:rPr lang="de-CH" sz="2800" dirty="0" smtClean="0"/>
+              <a:t>Personaldefizit</a:t>
+            </a:r>
+          </a:p>
+          <a:p>
+            <a:pPr marL="502920" indent="-457200">
+              <a:buFont typeface="+mj-lt"/>
+              <a:buAutoNum type="arabicPeriod"/>
+            </a:pPr>
+            <a:r>
+              <a:rPr lang="de-CH" sz="2800" dirty="0" smtClean="0"/>
+              <a:t>Schlechtes Zeit Management</a:t>
+            </a:r>
+          </a:p>
+          <a:p>
+            <a:pPr marL="502920" indent="-457200">
+              <a:buFont typeface="+mj-lt"/>
+              <a:buAutoNum type="arabicPeriod"/>
+            </a:pPr>
+            <a:r>
+              <a:rPr lang="de-CH" sz="2800" dirty="0" smtClean="0"/>
+              <a:t>Know-how Defizit</a:t>
+            </a:r>
+          </a:p>
+          <a:p>
+            <a:pPr marL="502920" indent="-457200">
+              <a:buFont typeface="+mj-lt"/>
+              <a:buAutoNum type="arabicPeriod"/>
+            </a:pPr>
+            <a:endParaRPr lang="de-CH" dirty="0"/>
+          </a:p>
+        </p:txBody>
+      </p:sp>
+    </p:spTree>
+    <p:extLst>
+      <p:ext uri="{BB962C8B-B14F-4D97-AF65-F5344CB8AC3E}">
+        <p14:creationId xmlns:p14="http://schemas.microsoft.com/office/powerpoint/2010/main" val="1966898874"/>
+      </p:ext>
+    </p:extLst>
+  </p:cSld>
+  <p:clrMapOvr>
+    <a:masterClrMapping/>
+  </p:clrMapOvr>
+  <p:timing>
+    <p:tnLst>
+      <p:par>
+        <p:cTn id="1" dur="indefinite" restart="never" nodeType="tmRoot">
+          <p:childTnLst>
+            <p:seq concurrent="1" nextAc="seek">
+              <p:cTn id="2" dur="indefinite" nodeType="mainSeq">
+                <p:childTnLst>
+                  <p:par>
+                    <p:cTn id="3" fill="hold">
+                      <p:stCondLst>
+                        <p:cond delay="indefinite"/>
+                      </p:stCondLst>
+                      <p:childTnLst>
+                        <p:par>
+                          <p:cTn id="4" fill="hold">
+                            <p:stCondLst>
+                              <p:cond delay="0"/>
+                            </p:stCondLst>
+                            <p:childTnLst>
+                              <p:par>
+                                <p:cTn id="5" presetID="1" presetClass="entr" presetSubtype="0" fill="hold" nodeType="clickEffect">
+                                  <p:stCondLst>
+                                    <p:cond delay="0"/>
+                                  </p:stCondLst>
+                                  <p:childTnLst>
+                                    <p:set>
+                                      <p:cBhvr>
+                                        <p:cTn id="6" dur="1" fill="hold">
+                                          <p:stCondLst>
+                                            <p:cond delay="0"/>
+                                          </p:stCondLst>
+                                        </p:cTn>
+                                        <p:tgtEl>
+                                          <p:spTgt spid="5"/>
+                                        </p:tgtEl>
+                                        <p:attrNameLst>
+                                          <p:attrName>style.visibility</p:attrName>
+                                        </p:attrNameLst>
+                                      </p:cBhvr>
+                                      <p:to>
+                                        <p:strVal val="visible"/>
+                                      </p:to>
+                                    </p:set>
+                                  </p:childTnLst>
+                                </p:cTn>
+                              </p:par>
+                            </p:childTnLst>
+                          </p:cTn>
+                        </p:par>
+                      </p:childTnLst>
+                    </p:cTn>
+                  </p:par>
+                </p:childTnLst>
+              </p:cTn>
+              <p:prevCondLst>
+                <p:cond evt="onPrev" delay="0">
+                  <p:tgtEl>
+                    <p:sldTgt/>
+                  </p:tgtEl>
+                </p:cond>
+              </p:prevCondLst>
+              <p:nextCondLst>
+                <p:cond evt="onNext" delay="0">
+                  <p:tgtEl>
+                    <p:sldTgt/>
+                  </p:tgtEl>
+                </p:cond>
+              </p:nextCondLst>
+            </p:seq>
+          </p:childTnLst>
+        </p:cTn>
+      </p:par>
+    </p:tnLst>
+  </p:timing>
+</p:sld>
+</file>
+
+<file path=ppt/slides/slide11.xml><?xml version="1.0" encoding="utf-8"?>
+<p:sld xmlns:a="http://schemas.openxmlformats.org/drawingml/2006/main" xmlns:r="http://schemas.openxmlformats.org/officeDocument/2006/relationships" xmlns:p="http://schemas.openxmlformats.org/presentationml/2006/main">
+  <p:cSld>
+    <p:spTree>
+      <p:nvGrpSpPr>
+        <p:cNvPr id="1" name=""/>
+        <p:cNvGrpSpPr/>
+        <p:nvPr/>
+      </p:nvGrpSpPr>
+      <p:grpSpPr>
+        <a:xfrm>
+          <a:off x="0" y="0"/>
+          <a:ext cx="0" cy="0"/>
+          <a:chOff x="0" y="0"/>
+          <a:chExt cx="0" cy="0"/>
+        </a:xfrm>
+      </p:grpSpPr>
+      <p:sp>
+        <p:nvSpPr>
+          <p:cNvPr id="2" name="Title 1"/>
+          <p:cNvSpPr>
+            <a:spLocks noGrp="1"/>
+          </p:cNvSpPr>
+          <p:nvPr>
+            <p:ph type="title"/>
+          </p:nvPr>
+        </p:nvSpPr>
+        <p:spPr/>
+        <p:txBody>
+          <a:bodyPr anchor="t">
+            <a:normAutofit/>
+          </a:bodyPr>
+          <a:lstStyle/>
+          <a:p>
+            <a:r>
+              <a:rPr lang="de-CH" sz="6000" dirty="0" smtClean="0"/>
+              <a:t>Kundennutzung</a:t>
+            </a:r>
+            <a:endParaRPr lang="de-CH" sz="6000" dirty="0"/>
+          </a:p>
+        </p:txBody>
+      </p:sp>
+      <p:sp>
+        <p:nvSpPr>
+          <p:cNvPr id="4" name="Inhaltsplatzhalter 3"/>
+          <p:cNvSpPr>
+            <a:spLocks noGrp="1"/>
+          </p:cNvSpPr>
+          <p:nvPr>
+            <p:ph idx="1"/>
+          </p:nvPr>
+        </p:nvSpPr>
+        <p:spPr/>
+        <p:txBody>
+          <a:bodyPr/>
+          <a:lstStyle/>
+          <a:p>
+            <a:endParaRPr lang="de-CH" dirty="0"/>
+          </a:p>
+        </p:txBody>
+      </p:sp>
+    </p:spTree>
+    <p:extLst>
+      <p:ext uri="{BB962C8B-B14F-4D97-AF65-F5344CB8AC3E}">
+        <p14:creationId xmlns:p14="http://schemas.microsoft.com/office/powerpoint/2010/main" val="3178079573"/>
+      </p:ext>
+    </p:extLst>
+  </p:cSld>
+  <p:clrMapOvr>
+    <a:masterClrMapping/>
+  </p:clrMapOvr>
+  <p:timing>
+    <p:tnLst>
+      <p:par>
+        <p:cTn id="1" dur="indefinite" restart="never" nodeType="tmRoot"/>
+      </p:par>
+    </p:tnLst>
+  </p:timing>
+</p:sld>
+</file>
+
+<file path=ppt/slides/slide12.xml><?xml version="1.0" encoding="utf-8"?>
+<p:sld xmlns:a="http://schemas.openxmlformats.org/drawingml/2006/main" xmlns:r="http://schemas.openxmlformats.org/officeDocument/2006/relationships" xmlns:p="http://schemas.openxmlformats.org/presentationml/2006/main">
+  <p:cSld>
+    <p:spTree>
+      <p:nvGrpSpPr>
+        <p:cNvPr id="1" name=""/>
+        <p:cNvGrpSpPr/>
+        <p:nvPr/>
+      </p:nvGrpSpPr>
+      <p:grpSpPr>
+        <a:xfrm>
+          <a:off x="0" y="0"/>
+          <a:ext cx="0" cy="0"/>
+          <a:chOff x="0" y="0"/>
+          <a:chExt cx="0" cy="0"/>
+        </a:xfrm>
+      </p:grpSpPr>
+      <p:sp>
+        <p:nvSpPr>
+          <p:cNvPr id="2" name="Title 1"/>
+          <p:cNvSpPr>
+            <a:spLocks noGrp="1"/>
+          </p:cNvSpPr>
+          <p:nvPr>
+            <p:ph type="title"/>
+          </p:nvPr>
+        </p:nvSpPr>
+        <p:spPr/>
+        <p:txBody>
+          <a:bodyPr anchor="t">
+            <a:normAutofit/>
+          </a:bodyPr>
+          <a:lstStyle/>
+          <a:p>
+            <a:r>
+              <a:rPr lang="de-CH" sz="6000" dirty="0" smtClean="0"/>
+              <a:t>Wirtschaftlichkeit</a:t>
+            </a:r>
+            <a:endParaRPr lang="de-CH" sz="6000" dirty="0"/>
+          </a:p>
+        </p:txBody>
+      </p:sp>
+      <p:sp>
+        <p:nvSpPr>
+          <p:cNvPr id="4" name="Inhaltsplatzhalter 3"/>
+          <p:cNvSpPr>
+            <a:spLocks noGrp="1"/>
+          </p:cNvSpPr>
+          <p:nvPr>
+            <p:ph idx="1"/>
+          </p:nvPr>
+        </p:nvSpPr>
+        <p:spPr/>
+        <p:txBody>
+          <a:bodyPr/>
+          <a:lstStyle/>
+          <a:p>
+            <a:endParaRPr lang="de-CH"/>
+          </a:p>
+        </p:txBody>
+      </p:sp>
+    </p:spTree>
+    <p:extLst>
+      <p:ext uri="{BB962C8B-B14F-4D97-AF65-F5344CB8AC3E}">
+        <p14:creationId xmlns:p14="http://schemas.microsoft.com/office/powerpoint/2010/main" val="3178079573"/>
+      </p:ext>
+    </p:extLst>
+  </p:cSld>
+  <p:clrMapOvr>
+    <a:masterClrMapping/>
+  </p:clrMapOvr>
+  <p:timing>
+    <p:tnLst>
+      <p:par>
+        <p:cTn id="1" dur="indefinite" restart="never" nodeType="tmRoot"/>
+      </p:par>
+    </p:tnLst>
+  </p:timing>
+</p:sld>
+</file>
+
 <file path=ppt/slides/slide2.xml><?xml version="1.0" encoding="utf-8"?>
 <p:sld xmlns:a="http://schemas.openxmlformats.org/drawingml/2006/main" xmlns:r="http://schemas.openxmlformats.org/officeDocument/2006/relationships" xmlns:p="http://schemas.openxmlformats.org/presentationml/2006/main">
   <p:cSld>
@@ -3862,10 +7801,1703 @@
           <a:bodyPr/>
           <a:lstStyle/>
           <a:p>
-            <a:endParaRPr lang="de-CH"/>
+            <a:r>
+              <a:rPr lang="de-CH" sz="2400" dirty="0" smtClean="0"/>
+              <a:t>Meilensteine</a:t>
+            </a:r>
+            <a:endParaRPr lang="de-CH" sz="2400" dirty="0"/>
+          </a:p>
+          <a:p>
+            <a:pPr lvl="1"/>
+            <a:r>
+              <a:rPr lang="de-CH" sz="2400" dirty="0" smtClean="0"/>
+              <a:t>30.09.2014 </a:t>
+            </a:r>
+            <a:r>
+              <a:rPr lang="de-CH" sz="2400" dirty="0"/>
+              <a:t>	</a:t>
+            </a:r>
+            <a:r>
+              <a:rPr lang="de-CH" sz="2400" dirty="0" smtClean="0"/>
+              <a:t>M1 Präsentation </a:t>
+            </a:r>
+            <a:r>
+              <a:rPr lang="de-CH" sz="2400" dirty="0"/>
+              <a:t>Projektskizze 	</a:t>
+            </a:r>
+          </a:p>
+          <a:p>
+            <a:pPr lvl="1"/>
+            <a:r>
+              <a:rPr lang="de-CH" sz="2400" dirty="0"/>
+              <a:t>21.10.2014 	</a:t>
+            </a:r>
+            <a:r>
+              <a:rPr lang="de-CH" sz="2400" dirty="0" smtClean="0"/>
+              <a:t>M2 Präsentation </a:t>
+            </a:r>
+            <a:r>
+              <a:rPr lang="de-CH" sz="2400" dirty="0"/>
+              <a:t>Anforderungen 	</a:t>
+            </a:r>
+          </a:p>
+          <a:p>
+            <a:pPr lvl="1"/>
+            <a:r>
+              <a:rPr lang="de-CH" sz="2400" dirty="0"/>
+              <a:t>18.11.2014 	</a:t>
+            </a:r>
+            <a:r>
+              <a:rPr lang="de-CH" sz="2400" dirty="0" smtClean="0"/>
+              <a:t>M3 Präsentationen </a:t>
+            </a:r>
+            <a:r>
+              <a:rPr lang="de-CH" sz="2400" dirty="0"/>
+              <a:t>Design 	</a:t>
+            </a:r>
+          </a:p>
+          <a:p>
+            <a:pPr lvl="1"/>
+            <a:r>
+              <a:rPr lang="de-CH" sz="2400" dirty="0"/>
+              <a:t>09.12.2014 	</a:t>
+            </a:r>
+            <a:r>
+              <a:rPr lang="de-CH" sz="2400" dirty="0" smtClean="0"/>
+              <a:t>M4 Schlusspräsentationen </a:t>
+            </a:r>
+            <a:r>
+              <a:rPr lang="de-CH" dirty="0"/>
+              <a:t>	</a:t>
+            </a:r>
+          </a:p>
+          <a:p>
+            <a:pPr lvl="1"/>
+            <a:endParaRPr lang="de-CH" dirty="0" smtClean="0"/>
           </a:p>
         </p:txBody>
       </p:sp>
+      <p:graphicFrame>
+        <p:nvGraphicFramePr>
+          <p:cNvPr id="3" name="Table 2"/>
+          <p:cNvGraphicFramePr>
+            <a:graphicFrameLocks noGrp="1"/>
+          </p:cNvGraphicFramePr>
+          <p:nvPr>
+            <p:extLst>
+              <p:ext uri="{D42A27DB-BD31-4B8C-83A1-F6EECF244321}">
+                <p14:modId xmlns:p14="http://schemas.microsoft.com/office/powerpoint/2010/main" val="2737012913"/>
+              </p:ext>
+            </p:extLst>
+          </p:nvPr>
+        </p:nvGraphicFramePr>
+        <p:xfrm>
+          <a:off x="899593" y="3717032"/>
+          <a:ext cx="6192685" cy="1008111"/>
+        </p:xfrm>
+        <a:graphic>
+          <a:graphicData uri="http://schemas.openxmlformats.org/drawingml/2006/table">
+            <a:tbl>
+              <a:tblPr>
+                <a:tableStyleId>{0E3FDE45-AF77-4B5C-9715-49D594BDF05E}</a:tableStyleId>
+              </a:tblPr>
+              <a:tblGrid>
+                <a:gridCol w="1238537"/>
+                <a:gridCol w="1238537"/>
+                <a:gridCol w="1238537"/>
+                <a:gridCol w="1238537"/>
+                <a:gridCol w="1238537"/>
+              </a:tblGrid>
+              <a:tr h="336037">
+                <a:tc>
+                  <a:txBody>
+                    <a:bodyPr/>
+                    <a:lstStyle/>
+                    <a:p>
+                      <a:pPr algn="ctr" fontAlgn="b"/>
+                      <a:r>
+                        <a:rPr lang="de-CH" sz="2000" u="none" strike="noStrike" dirty="0">
+                          <a:effectLst/>
+                        </a:rPr>
+                        <a:t>23. Sep</a:t>
+                      </a:r>
+                      <a:endParaRPr lang="de-CH" sz="2000" b="0" i="0" u="none" strike="noStrike" dirty="0">
+                        <a:solidFill>
+                          <a:srgbClr val="000000"/>
+                        </a:solidFill>
+                        <a:effectLst/>
+                        <a:latin typeface="Calibri"/>
+                      </a:endParaRPr>
+                    </a:p>
+                  </a:txBody>
+                  <a:tcPr marL="9525" marR="9525" marT="9525" marB="0" anchor="b">
+                    <a:lnL>
+                      <a:noFill/>
+                    </a:lnL>
+                    <a:lnR>
+                      <a:noFill/>
+                    </a:lnR>
+                    <a:lnT w="12700" cap="flat" cmpd="sng" algn="ctr">
+                      <a:solidFill>
+                        <a:schemeClr val="tx2"/>
+                      </a:solidFill>
+                      <a:prstDash val="solid"/>
+                      <a:round/>
+                      <a:headEnd type="none" w="med" len="med"/>
+                      <a:tailEnd type="none" w="med" len="med"/>
+                    </a:lnT>
+                    <a:lnB w="12700" cap="flat" cmpd="sng" algn="ctr">
+                      <a:solidFill>
+                        <a:schemeClr val="tx2"/>
+                      </a:solidFill>
+                      <a:prstDash val="solid"/>
+                      <a:round/>
+                      <a:headEnd type="none" w="med" len="med"/>
+                      <a:tailEnd type="none" w="med" len="med"/>
+                    </a:lnB>
+                    <a:lnTlToBr w="12700" cmpd="sng">
+                      <a:noFill/>
+                      <a:prstDash val="solid"/>
+                    </a:lnTlToBr>
+                    <a:lnBlToTr w="12700" cmpd="sng">
+                      <a:noFill/>
+                      <a:prstDash val="solid"/>
+                    </a:lnBlToTr>
+                  </a:tcPr>
+                </a:tc>
+                <a:tc>
+                  <a:txBody>
+                    <a:bodyPr/>
+                    <a:lstStyle/>
+                    <a:p>
+                      <a:pPr algn="ctr" fontAlgn="b"/>
+                      <a:r>
+                        <a:rPr lang="de-CH" sz="2000" u="none" strike="noStrike" dirty="0">
+                          <a:effectLst/>
+                        </a:rPr>
+                        <a:t>30. Sep</a:t>
+                      </a:r>
+                      <a:endParaRPr lang="de-CH" sz="2000" b="1" i="0" u="none" strike="noStrike" dirty="0">
+                        <a:solidFill>
+                          <a:srgbClr val="000000"/>
+                        </a:solidFill>
+                        <a:effectLst/>
+                        <a:latin typeface="Calibri"/>
+                      </a:endParaRPr>
+                    </a:p>
+                  </a:txBody>
+                  <a:tcPr marL="9525" marR="9525" marT="9525" marB="0" anchor="b">
+                    <a:lnL>
+                      <a:noFill/>
+                    </a:lnL>
+                    <a:lnR w="28575" cap="flat" cmpd="sng" algn="ctr">
+                      <a:solidFill>
+                        <a:schemeClr val="tx2"/>
+                      </a:solidFill>
+                      <a:prstDash val="solid"/>
+                      <a:round/>
+                      <a:headEnd type="none" w="med" len="med"/>
+                      <a:tailEnd type="none" w="med" len="med"/>
+                    </a:lnR>
+                    <a:lnT w="12700" cap="flat" cmpd="sng" algn="ctr">
+                      <a:solidFill>
+                        <a:schemeClr val="tx2"/>
+                      </a:solidFill>
+                      <a:prstDash val="solid"/>
+                      <a:round/>
+                      <a:headEnd type="none" w="med" len="med"/>
+                      <a:tailEnd type="none" w="med" len="med"/>
+                    </a:lnT>
+                    <a:lnB w="12700" cap="flat" cmpd="sng" algn="ctr">
+                      <a:solidFill>
+                        <a:schemeClr val="tx2"/>
+                      </a:solidFill>
+                      <a:prstDash val="solid"/>
+                      <a:round/>
+                      <a:headEnd type="none" w="med" len="med"/>
+                      <a:tailEnd type="none" w="med" len="med"/>
+                    </a:lnB>
+                    <a:lnTlToBr w="12700" cmpd="sng">
+                      <a:noFill/>
+                      <a:prstDash val="solid"/>
+                    </a:lnTlToBr>
+                    <a:lnBlToTr w="12700" cmpd="sng">
+                      <a:noFill/>
+                      <a:prstDash val="solid"/>
+                    </a:lnBlToTr>
+                  </a:tcPr>
+                </a:tc>
+                <a:tc>
+                  <a:txBody>
+                    <a:bodyPr/>
+                    <a:lstStyle/>
+                    <a:p>
+                      <a:pPr algn="ctr" fontAlgn="b"/>
+                      <a:r>
+                        <a:rPr lang="de-CH" sz="2000" u="none" strike="noStrike" dirty="0">
+                          <a:effectLst/>
+                        </a:rPr>
+                        <a:t>07. Okt</a:t>
+                      </a:r>
+                      <a:endParaRPr lang="de-CH" sz="2000" b="0" i="0" u="none" strike="noStrike" dirty="0">
+                        <a:solidFill>
+                          <a:srgbClr val="000000"/>
+                        </a:solidFill>
+                        <a:effectLst/>
+                        <a:latin typeface="Calibri"/>
+                      </a:endParaRPr>
+                    </a:p>
+                  </a:txBody>
+                  <a:tcPr marL="9525" marR="9525" marT="9525" marB="0" anchor="b">
+                    <a:lnL w="28575" cap="flat" cmpd="sng" algn="ctr">
+                      <a:solidFill>
+                        <a:schemeClr val="tx2"/>
+                      </a:solidFill>
+                      <a:prstDash val="solid"/>
+                      <a:round/>
+                      <a:headEnd type="none" w="med" len="med"/>
+                      <a:tailEnd type="none" w="med" len="med"/>
+                    </a:lnL>
+                    <a:lnT w="12700" cap="flat" cmpd="sng" algn="ctr">
+                      <a:solidFill>
+                        <a:schemeClr val="tx2"/>
+                      </a:solidFill>
+                      <a:prstDash val="solid"/>
+                      <a:round/>
+                      <a:headEnd type="none" w="med" len="med"/>
+                      <a:tailEnd type="none" w="med" len="med"/>
+                    </a:lnT>
+                    <a:lnB w="12700" cap="flat" cmpd="sng" algn="ctr">
+                      <a:solidFill>
+                        <a:schemeClr val="tx2"/>
+                      </a:solidFill>
+                      <a:prstDash val="solid"/>
+                      <a:round/>
+                      <a:headEnd type="none" w="med" len="med"/>
+                      <a:tailEnd type="none" w="med" len="med"/>
+                    </a:lnB>
+                  </a:tcPr>
+                </a:tc>
+                <a:tc>
+                  <a:txBody>
+                    <a:bodyPr/>
+                    <a:lstStyle/>
+                    <a:p>
+                      <a:pPr algn="ctr" fontAlgn="b"/>
+                      <a:r>
+                        <a:rPr lang="de-CH" sz="2000" u="none" strike="noStrike">
+                          <a:effectLst/>
+                        </a:rPr>
+                        <a:t>14. Okt</a:t>
+                      </a:r>
+                      <a:endParaRPr lang="de-CH" sz="2000" b="0" i="0" u="none" strike="noStrike">
+                        <a:solidFill>
+                          <a:srgbClr val="000000"/>
+                        </a:solidFill>
+                        <a:effectLst/>
+                        <a:latin typeface="Calibri"/>
+                      </a:endParaRPr>
+                    </a:p>
+                  </a:txBody>
+                  <a:tcPr marL="9525" marR="9525" marT="9525" marB="0" anchor="b">
+                    <a:lnT w="12700" cap="flat" cmpd="sng" algn="ctr">
+                      <a:solidFill>
+                        <a:schemeClr val="tx2"/>
+                      </a:solidFill>
+                      <a:prstDash val="solid"/>
+                      <a:round/>
+                      <a:headEnd type="none" w="med" len="med"/>
+                      <a:tailEnd type="none" w="med" len="med"/>
+                    </a:lnT>
+                    <a:lnB w="12700" cap="flat" cmpd="sng" algn="ctr">
+                      <a:solidFill>
+                        <a:schemeClr val="tx2"/>
+                      </a:solidFill>
+                      <a:prstDash val="solid"/>
+                      <a:round/>
+                      <a:headEnd type="none" w="med" len="med"/>
+                      <a:tailEnd type="none" w="med" len="med"/>
+                    </a:lnB>
+                  </a:tcPr>
+                </a:tc>
+                <a:tc>
+                  <a:txBody>
+                    <a:bodyPr/>
+                    <a:lstStyle/>
+                    <a:p>
+                      <a:pPr algn="ctr" fontAlgn="b"/>
+                      <a:r>
+                        <a:rPr lang="de-CH" sz="2000" u="none" strike="noStrike" dirty="0">
+                          <a:effectLst/>
+                        </a:rPr>
+                        <a:t>21. Okt</a:t>
+                      </a:r>
+                      <a:endParaRPr lang="de-CH" sz="2000" b="1" i="0" u="none" strike="noStrike" dirty="0">
+                        <a:solidFill>
+                          <a:srgbClr val="000000"/>
+                        </a:solidFill>
+                        <a:effectLst/>
+                        <a:latin typeface="Calibri"/>
+                      </a:endParaRPr>
+                    </a:p>
+                  </a:txBody>
+                  <a:tcPr marL="9525" marR="9525" marT="9525" marB="0" anchor="b">
+                    <a:lnR w="28575" cap="flat" cmpd="sng" algn="ctr">
+                      <a:solidFill>
+                        <a:schemeClr val="tx2"/>
+                      </a:solidFill>
+                      <a:prstDash val="solid"/>
+                      <a:round/>
+                      <a:headEnd type="none" w="med" len="med"/>
+                      <a:tailEnd type="none" w="med" len="med"/>
+                    </a:lnR>
+                    <a:lnT w="12700" cap="flat" cmpd="sng" algn="ctr">
+                      <a:solidFill>
+                        <a:schemeClr val="tx2"/>
+                      </a:solidFill>
+                      <a:prstDash val="solid"/>
+                      <a:round/>
+                      <a:headEnd type="none" w="med" len="med"/>
+                      <a:tailEnd type="none" w="med" len="med"/>
+                    </a:lnT>
+                    <a:lnB w="12700" cap="flat" cmpd="sng" algn="ctr">
+                      <a:solidFill>
+                        <a:schemeClr val="tx2"/>
+                      </a:solidFill>
+                      <a:prstDash val="solid"/>
+                      <a:round/>
+                      <a:headEnd type="none" w="med" len="med"/>
+                      <a:tailEnd type="none" w="med" len="med"/>
+                    </a:lnB>
+                  </a:tcPr>
+                </a:tc>
+              </a:tr>
+              <a:tr h="336037">
+                <a:tc gridSpan="2">
+                  <a:txBody>
+                    <a:bodyPr/>
+                    <a:lstStyle/>
+                    <a:p>
+                      <a:pPr algn="ctr" fontAlgn="b"/>
+                      <a:r>
+                        <a:rPr lang="de-CH" sz="2000" u="none" strike="noStrike" dirty="0" smtClean="0">
+                          <a:effectLst/>
+                        </a:rPr>
+                        <a:t>I1</a:t>
+                      </a:r>
+                      <a:endParaRPr lang="de-CH" sz="2000" b="1" i="0" u="none" strike="noStrike" dirty="0">
+                        <a:solidFill>
+                          <a:srgbClr val="000000"/>
+                        </a:solidFill>
+                        <a:effectLst/>
+                        <a:latin typeface="Calibri"/>
+                      </a:endParaRPr>
+                    </a:p>
+                  </a:txBody>
+                  <a:tcPr marL="9525" marR="9525" marT="9525" marB="0" anchor="b">
+                    <a:lnL>
+                      <a:noFill/>
+                    </a:lnL>
+                    <a:lnR w="28575" cap="flat" cmpd="sng" algn="ctr">
+                      <a:solidFill>
+                        <a:schemeClr val="tx2"/>
+                      </a:solidFill>
+                      <a:prstDash val="solid"/>
+                      <a:round/>
+                      <a:headEnd type="none" w="med" len="med"/>
+                      <a:tailEnd type="none" w="med" len="med"/>
+                    </a:lnR>
+                    <a:lnT w="12700" cap="flat" cmpd="sng" algn="ctr">
+                      <a:solidFill>
+                        <a:schemeClr val="tx2"/>
+                      </a:solidFill>
+                      <a:prstDash val="solid"/>
+                      <a:round/>
+                      <a:headEnd type="none" w="med" len="med"/>
+                      <a:tailEnd type="none" w="med" len="med"/>
+                    </a:lnT>
+                    <a:lnB w="12700" cap="flat" cmpd="sng" algn="ctr">
+                      <a:solidFill>
+                        <a:schemeClr val="tx2"/>
+                      </a:solidFill>
+                      <a:prstDash val="solid"/>
+                      <a:round/>
+                      <a:headEnd type="none" w="med" len="med"/>
+                      <a:tailEnd type="none" w="med" len="med"/>
+                    </a:lnB>
+                    <a:lnTlToBr w="12700" cmpd="sng">
+                      <a:noFill/>
+                      <a:prstDash val="solid"/>
+                    </a:lnTlToBr>
+                    <a:lnBlToTr w="12700" cmpd="sng">
+                      <a:noFill/>
+                      <a:prstDash val="solid"/>
+                    </a:lnBlToTr>
+                    <a:noFill/>
+                  </a:tcPr>
+                </a:tc>
+                <a:tc hMerge="1">
+                  <a:txBody>
+                    <a:bodyPr/>
+                    <a:lstStyle/>
+                    <a:p>
+                      <a:endParaRPr lang="de-CH"/>
+                    </a:p>
+                  </a:txBody>
+                  <a:tcPr/>
+                </a:tc>
+                <a:tc gridSpan="3">
+                  <a:txBody>
+                    <a:bodyPr/>
+                    <a:lstStyle/>
+                    <a:p>
+                      <a:pPr algn="ctr" fontAlgn="b"/>
+                      <a:r>
+                        <a:rPr lang="de-CH" sz="2000" u="none" strike="noStrike" dirty="0" smtClean="0">
+                          <a:effectLst/>
+                        </a:rPr>
+                        <a:t>E1</a:t>
+                      </a:r>
+                      <a:endParaRPr lang="de-CH" sz="2000" b="1" i="0" u="none" strike="noStrike" dirty="0">
+                        <a:solidFill>
+                          <a:srgbClr val="000000"/>
+                        </a:solidFill>
+                        <a:effectLst/>
+                        <a:latin typeface="Calibri"/>
+                      </a:endParaRPr>
+                    </a:p>
+                  </a:txBody>
+                  <a:tcPr marL="9525" marR="9525" marT="9525" marB="0" anchor="b">
+                    <a:lnL w="28575" cap="flat" cmpd="sng" algn="ctr">
+                      <a:solidFill>
+                        <a:schemeClr val="tx2"/>
+                      </a:solidFill>
+                      <a:prstDash val="solid"/>
+                      <a:round/>
+                      <a:headEnd type="none" w="med" len="med"/>
+                      <a:tailEnd type="none" w="med" len="med"/>
+                    </a:lnL>
+                    <a:lnR w="28575" cap="flat" cmpd="sng" algn="ctr">
+                      <a:solidFill>
+                        <a:schemeClr val="tx2"/>
+                      </a:solidFill>
+                      <a:prstDash val="solid"/>
+                      <a:round/>
+                      <a:headEnd type="none" w="med" len="med"/>
+                      <a:tailEnd type="none" w="med" len="med"/>
+                    </a:lnR>
+                    <a:lnT w="12700" cap="flat" cmpd="sng" algn="ctr">
+                      <a:solidFill>
+                        <a:schemeClr val="tx2"/>
+                      </a:solidFill>
+                      <a:prstDash val="solid"/>
+                      <a:round/>
+                      <a:headEnd type="none" w="med" len="med"/>
+                      <a:tailEnd type="none" w="med" len="med"/>
+                    </a:lnT>
+                    <a:lnB w="12700" cap="flat" cmpd="sng" algn="ctr">
+                      <a:solidFill>
+                        <a:schemeClr val="tx2"/>
+                      </a:solidFill>
+                      <a:prstDash val="solid"/>
+                      <a:round/>
+                      <a:headEnd type="none" w="med" len="med"/>
+                      <a:tailEnd type="none" w="med" len="med"/>
+                    </a:lnB>
+                    <a:noFill/>
+                  </a:tcPr>
+                </a:tc>
+                <a:tc hMerge="1">
+                  <a:txBody>
+                    <a:bodyPr/>
+                    <a:lstStyle/>
+                    <a:p>
+                      <a:endParaRPr lang="de-CH"/>
+                    </a:p>
+                  </a:txBody>
+                  <a:tcPr/>
+                </a:tc>
+                <a:tc hMerge="1">
+                  <a:txBody>
+                    <a:bodyPr/>
+                    <a:lstStyle/>
+                    <a:p>
+                      <a:endParaRPr lang="de-CH"/>
+                    </a:p>
+                  </a:txBody>
+                  <a:tcPr/>
+                </a:tc>
+              </a:tr>
+              <a:tr h="336037">
+                <a:tc>
+                  <a:txBody>
+                    <a:bodyPr/>
+                    <a:lstStyle/>
+                    <a:p>
+                      <a:pPr algn="l" fontAlgn="b"/>
+                      <a:endParaRPr lang="de-CH" sz="2000" b="0" i="0" u="none" strike="noStrike">
+                        <a:solidFill>
+                          <a:srgbClr val="000000"/>
+                        </a:solidFill>
+                        <a:effectLst/>
+                        <a:latin typeface="Calibri"/>
+                      </a:endParaRPr>
+                    </a:p>
+                  </a:txBody>
+                  <a:tcPr marL="9525" marR="9525" marT="9525" marB="0" anchor="b">
+                    <a:lnL>
+                      <a:noFill/>
+                    </a:lnL>
+                    <a:lnR>
+                      <a:noFill/>
+                    </a:lnR>
+                    <a:lnT w="12700" cap="flat" cmpd="sng" algn="ctr">
+                      <a:solidFill>
+                        <a:schemeClr val="tx2"/>
+                      </a:solidFill>
+                      <a:prstDash val="solid"/>
+                      <a:round/>
+                      <a:headEnd type="none" w="med" len="med"/>
+                      <a:tailEnd type="none" w="med" len="med"/>
+                    </a:lnT>
+                    <a:lnB w="12700" cap="flat" cmpd="sng" algn="ctr">
+                      <a:solidFill>
+                        <a:schemeClr val="tx2"/>
+                      </a:solidFill>
+                      <a:prstDash val="solid"/>
+                      <a:round/>
+                      <a:headEnd type="none" w="med" len="med"/>
+                      <a:tailEnd type="none" w="med" len="med"/>
+                    </a:lnB>
+                    <a:lnTlToBr w="12700" cmpd="sng">
+                      <a:noFill/>
+                      <a:prstDash val="solid"/>
+                    </a:lnTlToBr>
+                    <a:lnBlToTr w="12700" cmpd="sng">
+                      <a:noFill/>
+                      <a:prstDash val="solid"/>
+                    </a:lnBlToTr>
+                  </a:tcPr>
+                </a:tc>
+                <a:tc>
+                  <a:txBody>
+                    <a:bodyPr/>
+                    <a:lstStyle/>
+                    <a:p>
+                      <a:pPr algn="r" fontAlgn="b"/>
+                      <a:r>
+                        <a:rPr lang="de-CH" sz="2000" b="1" u="none" strike="noStrike" dirty="0">
+                          <a:effectLst/>
+                        </a:rPr>
+                        <a:t>M1</a:t>
+                      </a:r>
+                      <a:endParaRPr lang="de-CH" sz="2000" b="1" i="0" u="none" strike="noStrike" dirty="0">
+                        <a:solidFill>
+                          <a:srgbClr val="000000"/>
+                        </a:solidFill>
+                        <a:effectLst/>
+                        <a:latin typeface="Calibri"/>
+                      </a:endParaRPr>
+                    </a:p>
+                  </a:txBody>
+                  <a:tcPr marL="9525" marR="9525" marT="9525" marB="0" anchor="b">
+                    <a:lnL>
+                      <a:noFill/>
+                    </a:lnL>
+                    <a:lnR w="28575" cap="flat" cmpd="sng" algn="ctr">
+                      <a:solidFill>
+                        <a:schemeClr val="tx2"/>
+                      </a:solidFill>
+                      <a:prstDash val="solid"/>
+                      <a:round/>
+                      <a:headEnd type="none" w="med" len="med"/>
+                      <a:tailEnd type="none" w="med" len="med"/>
+                    </a:lnR>
+                    <a:lnT w="12700" cap="flat" cmpd="sng" algn="ctr">
+                      <a:solidFill>
+                        <a:schemeClr val="tx2"/>
+                      </a:solidFill>
+                      <a:prstDash val="solid"/>
+                      <a:round/>
+                      <a:headEnd type="none" w="med" len="med"/>
+                      <a:tailEnd type="none" w="med" len="med"/>
+                    </a:lnT>
+                    <a:lnB w="12700" cap="flat" cmpd="sng" algn="ctr">
+                      <a:solidFill>
+                        <a:schemeClr val="tx2"/>
+                      </a:solidFill>
+                      <a:prstDash val="solid"/>
+                      <a:round/>
+                      <a:headEnd type="none" w="med" len="med"/>
+                      <a:tailEnd type="none" w="med" len="med"/>
+                    </a:lnB>
+                    <a:lnTlToBr w="12700" cmpd="sng">
+                      <a:noFill/>
+                      <a:prstDash val="solid"/>
+                    </a:lnTlToBr>
+                    <a:lnBlToTr w="12700" cmpd="sng">
+                      <a:noFill/>
+                      <a:prstDash val="solid"/>
+                    </a:lnBlToTr>
+                  </a:tcPr>
+                </a:tc>
+                <a:tc>
+                  <a:txBody>
+                    <a:bodyPr/>
+                    <a:lstStyle/>
+                    <a:p>
+                      <a:pPr algn="r" fontAlgn="b"/>
+                      <a:r>
+                        <a:rPr lang="de-CH" sz="2000" u="none" strike="noStrike" dirty="0">
+                          <a:effectLst/>
+                        </a:rPr>
+                        <a:t> </a:t>
+                      </a:r>
+                      <a:endParaRPr lang="de-CH" sz="2000" b="0" i="0" u="none" strike="noStrike" dirty="0">
+                        <a:solidFill>
+                          <a:srgbClr val="000000"/>
+                        </a:solidFill>
+                        <a:effectLst/>
+                        <a:latin typeface="Calibri"/>
+                      </a:endParaRPr>
+                    </a:p>
+                  </a:txBody>
+                  <a:tcPr marL="9525" marR="9525" marT="9525" marB="0" anchor="b">
+                    <a:lnL w="28575" cap="flat" cmpd="sng" algn="ctr">
+                      <a:solidFill>
+                        <a:schemeClr val="tx2"/>
+                      </a:solidFill>
+                      <a:prstDash val="solid"/>
+                      <a:round/>
+                      <a:headEnd type="none" w="med" len="med"/>
+                      <a:tailEnd type="none" w="med" len="med"/>
+                    </a:lnL>
+                    <a:lnT w="12700" cap="flat" cmpd="sng" algn="ctr">
+                      <a:solidFill>
+                        <a:schemeClr val="tx2"/>
+                      </a:solidFill>
+                      <a:prstDash val="solid"/>
+                      <a:round/>
+                      <a:headEnd type="none" w="med" len="med"/>
+                      <a:tailEnd type="none" w="med" len="med"/>
+                    </a:lnT>
+                    <a:lnB w="12700" cap="flat" cmpd="sng" algn="ctr">
+                      <a:solidFill>
+                        <a:schemeClr val="tx2"/>
+                      </a:solidFill>
+                      <a:prstDash val="solid"/>
+                      <a:round/>
+                      <a:headEnd type="none" w="med" len="med"/>
+                      <a:tailEnd type="none" w="med" len="med"/>
+                    </a:lnB>
+                  </a:tcPr>
+                </a:tc>
+                <a:tc>
+                  <a:txBody>
+                    <a:bodyPr/>
+                    <a:lstStyle/>
+                    <a:p>
+                      <a:pPr algn="r" fontAlgn="b"/>
+                      <a:endParaRPr lang="de-CH" sz="2000" b="0" i="0" u="none" strike="noStrike" dirty="0">
+                        <a:solidFill>
+                          <a:srgbClr val="000000"/>
+                        </a:solidFill>
+                        <a:effectLst/>
+                        <a:latin typeface="Calibri"/>
+                      </a:endParaRPr>
+                    </a:p>
+                  </a:txBody>
+                  <a:tcPr marL="9525" marR="9525" marT="9525" marB="0" anchor="b">
+                    <a:lnT w="12700" cap="flat" cmpd="sng" algn="ctr">
+                      <a:solidFill>
+                        <a:schemeClr val="tx2"/>
+                      </a:solidFill>
+                      <a:prstDash val="solid"/>
+                      <a:round/>
+                      <a:headEnd type="none" w="med" len="med"/>
+                      <a:tailEnd type="none" w="med" len="med"/>
+                    </a:lnT>
+                    <a:lnB w="12700" cap="flat" cmpd="sng" algn="ctr">
+                      <a:solidFill>
+                        <a:schemeClr val="tx2"/>
+                      </a:solidFill>
+                      <a:prstDash val="solid"/>
+                      <a:round/>
+                      <a:headEnd type="none" w="med" len="med"/>
+                      <a:tailEnd type="none" w="med" len="med"/>
+                    </a:lnB>
+                  </a:tcPr>
+                </a:tc>
+                <a:tc>
+                  <a:txBody>
+                    <a:bodyPr/>
+                    <a:lstStyle/>
+                    <a:p>
+                      <a:pPr algn="r" fontAlgn="b"/>
+                      <a:r>
+                        <a:rPr lang="de-CH" sz="2000" b="1" u="none" strike="noStrike" dirty="0">
+                          <a:effectLst/>
+                        </a:rPr>
+                        <a:t>M2</a:t>
+                      </a:r>
+                      <a:endParaRPr lang="de-CH" sz="2000" b="1" i="0" u="none" strike="noStrike" dirty="0">
+                        <a:solidFill>
+                          <a:srgbClr val="000000"/>
+                        </a:solidFill>
+                        <a:effectLst/>
+                        <a:latin typeface="Calibri"/>
+                      </a:endParaRPr>
+                    </a:p>
+                  </a:txBody>
+                  <a:tcPr marL="9525" marR="9525" marT="9525" marB="0" anchor="b">
+                    <a:lnR w="28575" cap="flat" cmpd="sng" algn="ctr">
+                      <a:solidFill>
+                        <a:schemeClr val="tx2"/>
+                      </a:solidFill>
+                      <a:prstDash val="solid"/>
+                      <a:round/>
+                      <a:headEnd type="none" w="med" len="med"/>
+                      <a:tailEnd type="none" w="med" len="med"/>
+                    </a:lnR>
+                    <a:lnT w="12700" cap="flat" cmpd="sng" algn="ctr">
+                      <a:solidFill>
+                        <a:schemeClr val="tx2"/>
+                      </a:solidFill>
+                      <a:prstDash val="solid"/>
+                      <a:round/>
+                      <a:headEnd type="none" w="med" len="med"/>
+                      <a:tailEnd type="none" w="med" len="med"/>
+                    </a:lnT>
+                    <a:lnB w="12700" cap="flat" cmpd="sng" algn="ctr">
+                      <a:solidFill>
+                        <a:schemeClr val="tx2"/>
+                      </a:solidFill>
+                      <a:prstDash val="solid"/>
+                      <a:round/>
+                      <a:headEnd type="none" w="med" len="med"/>
+                      <a:tailEnd type="none" w="med" len="med"/>
+                    </a:lnB>
+                  </a:tcPr>
+                </a:tc>
+              </a:tr>
+            </a:tbl>
+          </a:graphicData>
+        </a:graphic>
+      </p:graphicFrame>
+      <p:graphicFrame>
+        <p:nvGraphicFramePr>
+          <p:cNvPr id="5" name="Table 4"/>
+          <p:cNvGraphicFramePr>
+            <a:graphicFrameLocks noGrp="1"/>
+          </p:cNvGraphicFramePr>
+          <p:nvPr>
+            <p:extLst>
+              <p:ext uri="{D42A27DB-BD31-4B8C-83A1-F6EECF244321}">
+                <p14:modId xmlns:p14="http://schemas.microsoft.com/office/powerpoint/2010/main" val="3784461851"/>
+              </p:ext>
+            </p:extLst>
+          </p:nvPr>
+        </p:nvGraphicFramePr>
+        <p:xfrm>
+          <a:off x="899592" y="5013176"/>
+          <a:ext cx="6912766" cy="1152129"/>
+        </p:xfrm>
+        <a:graphic>
+          <a:graphicData uri="http://schemas.openxmlformats.org/drawingml/2006/table">
+            <a:tbl>
+              <a:tblPr>
+                <a:tableStyleId>{0E3FDE45-AF77-4B5C-9715-49D594BDF05E}</a:tableStyleId>
+              </a:tblPr>
+              <a:tblGrid>
+                <a:gridCol w="987538"/>
+                <a:gridCol w="987538"/>
+                <a:gridCol w="987538"/>
+                <a:gridCol w="987538"/>
+                <a:gridCol w="987538"/>
+                <a:gridCol w="987538"/>
+                <a:gridCol w="987538"/>
+              </a:tblGrid>
+              <a:tr h="384043">
+                <a:tc>
+                  <a:txBody>
+                    <a:bodyPr/>
+                    <a:lstStyle/>
+                    <a:p>
+                      <a:pPr algn="ctr" fontAlgn="b"/>
+                      <a:r>
+                        <a:rPr lang="de-CH" sz="2000" u="none" strike="noStrike" dirty="0" smtClean="0">
+                          <a:effectLst/>
+                        </a:rPr>
+                        <a:t>28. Okt</a:t>
+                      </a:r>
+                      <a:endParaRPr lang="de-CH" sz="2000" b="0" i="0" u="none" strike="noStrike" dirty="0">
+                        <a:solidFill>
+                          <a:srgbClr val="000000"/>
+                        </a:solidFill>
+                        <a:effectLst/>
+                        <a:latin typeface="Calibri"/>
+                      </a:endParaRPr>
+                    </a:p>
+                  </a:txBody>
+                  <a:tcPr marL="9525" marR="9525" marT="9525" marB="0" anchor="b">
+                    <a:lnT w="12700" cap="flat" cmpd="sng" algn="ctr">
+                      <a:solidFill>
+                        <a:schemeClr val="tx2"/>
+                      </a:solidFill>
+                      <a:prstDash val="solid"/>
+                      <a:round/>
+                      <a:headEnd type="none" w="med" len="med"/>
+                      <a:tailEnd type="none" w="med" len="med"/>
+                    </a:lnT>
+                    <a:lnB w="12700" cap="flat" cmpd="sng" algn="ctr">
+                      <a:solidFill>
+                        <a:schemeClr val="tx2"/>
+                      </a:solidFill>
+                      <a:prstDash val="solid"/>
+                      <a:round/>
+                      <a:headEnd type="none" w="med" len="med"/>
+                      <a:tailEnd type="none" w="med" len="med"/>
+                    </a:lnB>
+                  </a:tcPr>
+                </a:tc>
+                <a:tc>
+                  <a:txBody>
+                    <a:bodyPr/>
+                    <a:lstStyle/>
+                    <a:p>
+                      <a:pPr algn="ctr" fontAlgn="b"/>
+                      <a:r>
+                        <a:rPr lang="de-CH" sz="2000" u="none" strike="noStrike" dirty="0">
+                          <a:effectLst/>
+                        </a:rPr>
+                        <a:t>04. Nov</a:t>
+                      </a:r>
+                      <a:endParaRPr lang="de-CH" sz="2000" b="0" i="0" u="none" strike="noStrike" dirty="0">
+                        <a:solidFill>
+                          <a:srgbClr val="000000"/>
+                        </a:solidFill>
+                        <a:effectLst/>
+                        <a:latin typeface="Calibri"/>
+                      </a:endParaRPr>
+                    </a:p>
+                  </a:txBody>
+                  <a:tcPr marL="9525" marR="9525" marT="9525" marB="0" anchor="b">
+                    <a:lnR w="12700" cap="flat" cmpd="sng" algn="ctr">
+                      <a:solidFill>
+                        <a:schemeClr val="tx2"/>
+                      </a:solidFill>
+                      <a:prstDash val="solid"/>
+                      <a:round/>
+                      <a:headEnd type="none" w="med" len="med"/>
+                      <a:tailEnd type="none" w="med" len="med"/>
+                    </a:lnR>
+                    <a:lnT w="12700" cap="flat" cmpd="sng" algn="ctr">
+                      <a:solidFill>
+                        <a:schemeClr val="tx2"/>
+                      </a:solidFill>
+                      <a:prstDash val="solid"/>
+                      <a:round/>
+                      <a:headEnd type="none" w="med" len="med"/>
+                      <a:tailEnd type="none" w="med" len="med"/>
+                    </a:lnT>
+                    <a:lnB w="12700" cap="flat" cmpd="sng" algn="ctr">
+                      <a:solidFill>
+                        <a:schemeClr val="tx2"/>
+                      </a:solidFill>
+                      <a:prstDash val="solid"/>
+                      <a:round/>
+                      <a:headEnd type="none" w="med" len="med"/>
+                      <a:tailEnd type="none" w="med" len="med"/>
+                    </a:lnB>
+                  </a:tcPr>
+                </a:tc>
+                <a:tc>
+                  <a:txBody>
+                    <a:bodyPr/>
+                    <a:lstStyle/>
+                    <a:p>
+                      <a:pPr algn="ctr" fontAlgn="b"/>
+                      <a:r>
+                        <a:rPr lang="de-CH" sz="2000" u="none" strike="noStrike" dirty="0">
+                          <a:effectLst/>
+                        </a:rPr>
+                        <a:t>11. Nov</a:t>
+                      </a:r>
+                      <a:endParaRPr lang="de-CH" sz="2000" b="0" i="0" u="none" strike="noStrike" dirty="0">
+                        <a:solidFill>
+                          <a:srgbClr val="000000"/>
+                        </a:solidFill>
+                        <a:effectLst/>
+                        <a:latin typeface="Calibri"/>
+                      </a:endParaRPr>
+                    </a:p>
+                  </a:txBody>
+                  <a:tcPr marL="9525" marR="9525" marT="9525" marB="0" anchor="b">
+                    <a:lnL w="12700" cap="flat" cmpd="sng" algn="ctr">
+                      <a:solidFill>
+                        <a:schemeClr val="tx2"/>
+                      </a:solidFill>
+                      <a:prstDash val="solid"/>
+                      <a:round/>
+                      <a:headEnd type="none" w="med" len="med"/>
+                      <a:tailEnd type="none" w="med" len="med"/>
+                    </a:lnL>
+                    <a:lnT w="12700" cap="flat" cmpd="sng" algn="ctr">
+                      <a:solidFill>
+                        <a:schemeClr val="tx2"/>
+                      </a:solidFill>
+                      <a:prstDash val="solid"/>
+                      <a:round/>
+                      <a:headEnd type="none" w="med" len="med"/>
+                      <a:tailEnd type="none" w="med" len="med"/>
+                    </a:lnT>
+                    <a:lnB w="12700" cap="flat" cmpd="sng" algn="ctr">
+                      <a:solidFill>
+                        <a:schemeClr val="tx2"/>
+                      </a:solidFill>
+                      <a:prstDash val="solid"/>
+                      <a:round/>
+                      <a:headEnd type="none" w="med" len="med"/>
+                      <a:tailEnd type="none" w="med" len="med"/>
+                    </a:lnB>
+                  </a:tcPr>
+                </a:tc>
+                <a:tc>
+                  <a:txBody>
+                    <a:bodyPr/>
+                    <a:lstStyle/>
+                    <a:p>
+                      <a:pPr algn="ctr" fontAlgn="b"/>
+                      <a:r>
+                        <a:rPr lang="de-CH" sz="2000" u="none" strike="noStrike" dirty="0">
+                          <a:effectLst/>
+                        </a:rPr>
+                        <a:t>18. Nov</a:t>
+                      </a:r>
+                      <a:endParaRPr lang="de-CH" sz="2000" b="1" i="0" u="none" strike="noStrike" dirty="0">
+                        <a:solidFill>
+                          <a:srgbClr val="000000"/>
+                        </a:solidFill>
+                        <a:effectLst/>
+                        <a:latin typeface="Calibri"/>
+                      </a:endParaRPr>
+                    </a:p>
+                  </a:txBody>
+                  <a:tcPr marL="9525" marR="9525" marT="9525" marB="0" anchor="b">
+                    <a:lnR w="28575" cap="flat" cmpd="sng" algn="ctr">
+                      <a:solidFill>
+                        <a:schemeClr val="tx2"/>
+                      </a:solidFill>
+                      <a:prstDash val="solid"/>
+                      <a:round/>
+                      <a:headEnd type="none" w="med" len="med"/>
+                      <a:tailEnd type="none" w="med" len="med"/>
+                    </a:lnR>
+                    <a:lnT w="12700" cap="flat" cmpd="sng" algn="ctr">
+                      <a:solidFill>
+                        <a:schemeClr val="tx2"/>
+                      </a:solidFill>
+                      <a:prstDash val="solid"/>
+                      <a:round/>
+                      <a:headEnd type="none" w="med" len="med"/>
+                      <a:tailEnd type="none" w="med" len="med"/>
+                    </a:lnT>
+                    <a:lnB w="12700" cap="flat" cmpd="sng" algn="ctr">
+                      <a:solidFill>
+                        <a:schemeClr val="tx2"/>
+                      </a:solidFill>
+                      <a:prstDash val="solid"/>
+                      <a:round/>
+                      <a:headEnd type="none" w="med" len="med"/>
+                      <a:tailEnd type="none" w="med" len="med"/>
+                    </a:lnB>
+                  </a:tcPr>
+                </a:tc>
+                <a:tc>
+                  <a:txBody>
+                    <a:bodyPr/>
+                    <a:lstStyle/>
+                    <a:p>
+                      <a:pPr algn="ctr" fontAlgn="b"/>
+                      <a:r>
+                        <a:rPr lang="de-CH" sz="2000" u="none" strike="noStrike" dirty="0">
+                          <a:effectLst/>
+                        </a:rPr>
+                        <a:t>25. Nov</a:t>
+                      </a:r>
+                      <a:endParaRPr lang="de-CH" sz="2000" b="0" i="0" u="none" strike="noStrike" dirty="0">
+                        <a:solidFill>
+                          <a:srgbClr val="000000"/>
+                        </a:solidFill>
+                        <a:effectLst/>
+                        <a:latin typeface="Calibri"/>
+                      </a:endParaRPr>
+                    </a:p>
+                  </a:txBody>
+                  <a:tcPr marL="9525" marR="9525" marT="9525" marB="0" anchor="b">
+                    <a:lnL w="28575" cap="flat" cmpd="sng" algn="ctr">
+                      <a:solidFill>
+                        <a:schemeClr val="tx2"/>
+                      </a:solidFill>
+                      <a:prstDash val="solid"/>
+                      <a:round/>
+                      <a:headEnd type="none" w="med" len="med"/>
+                      <a:tailEnd type="none" w="med" len="med"/>
+                    </a:lnL>
+                    <a:lnT w="12700" cap="flat" cmpd="sng" algn="ctr">
+                      <a:solidFill>
+                        <a:schemeClr val="tx2"/>
+                      </a:solidFill>
+                      <a:prstDash val="solid"/>
+                      <a:round/>
+                      <a:headEnd type="none" w="med" len="med"/>
+                      <a:tailEnd type="none" w="med" len="med"/>
+                    </a:lnT>
+                    <a:lnB w="12700" cap="flat" cmpd="sng" algn="ctr">
+                      <a:solidFill>
+                        <a:schemeClr val="tx2"/>
+                      </a:solidFill>
+                      <a:prstDash val="solid"/>
+                      <a:round/>
+                      <a:headEnd type="none" w="med" len="med"/>
+                      <a:tailEnd type="none" w="med" len="med"/>
+                    </a:lnB>
+                  </a:tcPr>
+                </a:tc>
+                <a:tc>
+                  <a:txBody>
+                    <a:bodyPr/>
+                    <a:lstStyle/>
+                    <a:p>
+                      <a:pPr algn="ctr" fontAlgn="b"/>
+                      <a:r>
+                        <a:rPr lang="de-CH" sz="2000" u="none" strike="noStrike">
+                          <a:effectLst/>
+                        </a:rPr>
+                        <a:t>02. Dez</a:t>
+                      </a:r>
+                      <a:endParaRPr lang="de-CH" sz="2000" b="0" i="0" u="none" strike="noStrike">
+                        <a:solidFill>
+                          <a:srgbClr val="000000"/>
+                        </a:solidFill>
+                        <a:effectLst/>
+                        <a:latin typeface="Calibri"/>
+                      </a:endParaRPr>
+                    </a:p>
+                  </a:txBody>
+                  <a:tcPr marL="9525" marR="9525" marT="9525" marB="0" anchor="b">
+                    <a:lnT w="12700" cap="flat" cmpd="sng" algn="ctr">
+                      <a:solidFill>
+                        <a:schemeClr val="tx2"/>
+                      </a:solidFill>
+                      <a:prstDash val="solid"/>
+                      <a:round/>
+                      <a:headEnd type="none" w="med" len="med"/>
+                      <a:tailEnd type="none" w="med" len="med"/>
+                    </a:lnT>
+                    <a:lnB w="12700" cap="flat" cmpd="sng" algn="ctr">
+                      <a:solidFill>
+                        <a:schemeClr val="tx2"/>
+                      </a:solidFill>
+                      <a:prstDash val="solid"/>
+                      <a:round/>
+                      <a:headEnd type="none" w="med" len="med"/>
+                      <a:tailEnd type="none" w="med" len="med"/>
+                    </a:lnB>
+                  </a:tcPr>
+                </a:tc>
+                <a:tc>
+                  <a:txBody>
+                    <a:bodyPr/>
+                    <a:lstStyle/>
+                    <a:p>
+                      <a:pPr algn="ctr" fontAlgn="b"/>
+                      <a:r>
+                        <a:rPr lang="de-CH" sz="2000" u="none" strike="noStrike">
+                          <a:effectLst/>
+                        </a:rPr>
+                        <a:t>09. Dez</a:t>
+                      </a:r>
+                      <a:endParaRPr lang="de-CH" sz="2000" b="1" i="0" u="none" strike="noStrike">
+                        <a:solidFill>
+                          <a:srgbClr val="000000"/>
+                        </a:solidFill>
+                        <a:effectLst/>
+                        <a:latin typeface="Calibri"/>
+                      </a:endParaRPr>
+                    </a:p>
+                  </a:txBody>
+                  <a:tcPr marL="9525" marR="9525" marT="9525" marB="0" anchor="b">
+                    <a:lnR w="28575" cap="flat" cmpd="sng" algn="ctr">
+                      <a:solidFill>
+                        <a:schemeClr val="tx2"/>
+                      </a:solidFill>
+                      <a:prstDash val="solid"/>
+                      <a:round/>
+                      <a:headEnd type="none" w="med" len="med"/>
+                      <a:tailEnd type="none" w="med" len="med"/>
+                    </a:lnR>
+                    <a:lnT w="12700" cap="flat" cmpd="sng" algn="ctr">
+                      <a:solidFill>
+                        <a:schemeClr val="tx2"/>
+                      </a:solidFill>
+                      <a:prstDash val="solid"/>
+                      <a:round/>
+                      <a:headEnd type="none" w="med" len="med"/>
+                      <a:tailEnd type="none" w="med" len="med"/>
+                    </a:lnT>
+                    <a:lnB w="12700" cap="flat" cmpd="sng" algn="ctr">
+                      <a:solidFill>
+                        <a:schemeClr val="tx2"/>
+                      </a:solidFill>
+                      <a:prstDash val="solid"/>
+                      <a:round/>
+                      <a:headEnd type="none" w="med" len="med"/>
+                      <a:tailEnd type="none" w="med" len="med"/>
+                    </a:lnB>
+                  </a:tcPr>
+                </a:tc>
+              </a:tr>
+              <a:tr h="384043">
+                <a:tc gridSpan="2">
+                  <a:txBody>
+                    <a:bodyPr/>
+                    <a:lstStyle/>
+                    <a:p>
+                      <a:pPr algn="ctr" fontAlgn="b"/>
+                      <a:r>
+                        <a:rPr lang="de-CH" sz="2000" u="none" strike="noStrike" dirty="0" smtClean="0">
+                          <a:effectLst/>
+                        </a:rPr>
+                        <a:t>C1</a:t>
+                      </a:r>
+                      <a:endParaRPr lang="de-CH" sz="2000" b="1" i="0" u="none" strike="noStrike" dirty="0">
+                        <a:solidFill>
+                          <a:srgbClr val="000000"/>
+                        </a:solidFill>
+                        <a:effectLst/>
+                        <a:latin typeface="Calibri"/>
+                      </a:endParaRPr>
+                    </a:p>
+                  </a:txBody>
+                  <a:tcPr marL="9525" marR="9525" marT="9525" marB="0" anchor="b">
+                    <a:lnR w="12700" cap="flat" cmpd="sng" algn="ctr">
+                      <a:solidFill>
+                        <a:schemeClr val="tx2"/>
+                      </a:solidFill>
+                      <a:prstDash val="solid"/>
+                      <a:round/>
+                      <a:headEnd type="none" w="med" len="med"/>
+                      <a:tailEnd type="none" w="med" len="med"/>
+                    </a:lnR>
+                    <a:lnT w="12700" cap="flat" cmpd="sng" algn="ctr">
+                      <a:solidFill>
+                        <a:schemeClr val="tx2"/>
+                      </a:solidFill>
+                      <a:prstDash val="solid"/>
+                      <a:round/>
+                      <a:headEnd type="none" w="med" len="med"/>
+                      <a:tailEnd type="none" w="med" len="med"/>
+                    </a:lnT>
+                    <a:lnB w="12700" cap="flat" cmpd="sng" algn="ctr">
+                      <a:solidFill>
+                        <a:schemeClr val="tx2"/>
+                      </a:solidFill>
+                      <a:prstDash val="solid"/>
+                      <a:round/>
+                      <a:headEnd type="none" w="med" len="med"/>
+                      <a:tailEnd type="none" w="med" len="med"/>
+                    </a:lnB>
+                  </a:tcPr>
+                </a:tc>
+                <a:tc hMerge="1">
+                  <a:txBody>
+                    <a:bodyPr/>
+                    <a:lstStyle/>
+                    <a:p>
+                      <a:endParaRPr lang="de-CH"/>
+                    </a:p>
+                  </a:txBody>
+                  <a:tcPr/>
+                </a:tc>
+                <a:tc gridSpan="2">
+                  <a:txBody>
+                    <a:bodyPr/>
+                    <a:lstStyle/>
+                    <a:p>
+                      <a:pPr algn="ctr" fontAlgn="b"/>
+                      <a:r>
+                        <a:rPr lang="de-CH" sz="2000" u="none" strike="noStrike" dirty="0" smtClean="0">
+                          <a:effectLst/>
+                        </a:rPr>
+                        <a:t>C2</a:t>
+                      </a:r>
+                      <a:endParaRPr lang="de-CH" sz="2000" b="1" i="0" u="none" strike="noStrike" dirty="0">
+                        <a:solidFill>
+                          <a:srgbClr val="000000"/>
+                        </a:solidFill>
+                        <a:effectLst/>
+                        <a:latin typeface="Calibri"/>
+                      </a:endParaRPr>
+                    </a:p>
+                  </a:txBody>
+                  <a:tcPr marL="9525" marR="9525" marT="9525" marB="0" anchor="b">
+                    <a:lnL w="12700" cap="flat" cmpd="sng" algn="ctr">
+                      <a:solidFill>
+                        <a:schemeClr val="tx2"/>
+                      </a:solidFill>
+                      <a:prstDash val="solid"/>
+                      <a:round/>
+                      <a:headEnd type="none" w="med" len="med"/>
+                      <a:tailEnd type="none" w="med" len="med"/>
+                    </a:lnL>
+                    <a:lnR w="28575" cap="flat" cmpd="sng" algn="ctr">
+                      <a:solidFill>
+                        <a:schemeClr val="tx2"/>
+                      </a:solidFill>
+                      <a:prstDash val="solid"/>
+                      <a:round/>
+                      <a:headEnd type="none" w="med" len="med"/>
+                      <a:tailEnd type="none" w="med" len="med"/>
+                    </a:lnR>
+                    <a:lnT w="12700" cap="flat" cmpd="sng" algn="ctr">
+                      <a:solidFill>
+                        <a:schemeClr val="tx2"/>
+                      </a:solidFill>
+                      <a:prstDash val="solid"/>
+                      <a:round/>
+                      <a:headEnd type="none" w="med" len="med"/>
+                      <a:tailEnd type="none" w="med" len="med"/>
+                    </a:lnT>
+                    <a:lnB w="12700" cap="flat" cmpd="sng" algn="ctr">
+                      <a:solidFill>
+                        <a:schemeClr val="tx2"/>
+                      </a:solidFill>
+                      <a:prstDash val="solid"/>
+                      <a:round/>
+                      <a:headEnd type="none" w="med" len="med"/>
+                      <a:tailEnd type="none" w="med" len="med"/>
+                    </a:lnB>
+                  </a:tcPr>
+                </a:tc>
+                <a:tc hMerge="1">
+                  <a:txBody>
+                    <a:bodyPr/>
+                    <a:lstStyle/>
+                    <a:p>
+                      <a:endParaRPr lang="de-CH"/>
+                    </a:p>
+                  </a:txBody>
+                  <a:tcPr/>
+                </a:tc>
+                <a:tc gridSpan="3">
+                  <a:txBody>
+                    <a:bodyPr/>
+                    <a:lstStyle/>
+                    <a:p>
+                      <a:pPr algn="ctr" fontAlgn="b"/>
+                      <a:r>
+                        <a:rPr lang="de-CH" sz="2000" u="none" strike="noStrike" dirty="0" smtClean="0">
+                          <a:effectLst/>
+                        </a:rPr>
+                        <a:t>T1</a:t>
+                      </a:r>
+                      <a:endParaRPr lang="de-CH" sz="2000" b="1" i="0" u="none" strike="noStrike" dirty="0">
+                        <a:solidFill>
+                          <a:srgbClr val="000000"/>
+                        </a:solidFill>
+                        <a:effectLst/>
+                        <a:latin typeface="Calibri"/>
+                      </a:endParaRPr>
+                    </a:p>
+                  </a:txBody>
+                  <a:tcPr marL="9525" marR="9525" marT="9525" marB="0" anchor="b">
+                    <a:lnL w="28575" cap="flat" cmpd="sng" algn="ctr">
+                      <a:solidFill>
+                        <a:schemeClr val="tx2"/>
+                      </a:solidFill>
+                      <a:prstDash val="solid"/>
+                      <a:round/>
+                      <a:headEnd type="none" w="med" len="med"/>
+                      <a:tailEnd type="none" w="med" len="med"/>
+                    </a:lnL>
+                    <a:lnR w="28575" cap="flat" cmpd="sng" algn="ctr">
+                      <a:solidFill>
+                        <a:schemeClr val="tx2"/>
+                      </a:solidFill>
+                      <a:prstDash val="solid"/>
+                      <a:round/>
+                      <a:headEnd type="none" w="med" len="med"/>
+                      <a:tailEnd type="none" w="med" len="med"/>
+                    </a:lnR>
+                    <a:lnT w="12700" cap="flat" cmpd="sng" algn="ctr">
+                      <a:solidFill>
+                        <a:schemeClr val="tx2"/>
+                      </a:solidFill>
+                      <a:prstDash val="solid"/>
+                      <a:round/>
+                      <a:headEnd type="none" w="med" len="med"/>
+                      <a:tailEnd type="none" w="med" len="med"/>
+                    </a:lnT>
+                    <a:lnB w="12700" cap="flat" cmpd="sng" algn="ctr">
+                      <a:solidFill>
+                        <a:schemeClr val="tx2"/>
+                      </a:solidFill>
+                      <a:prstDash val="solid"/>
+                      <a:round/>
+                      <a:headEnd type="none" w="med" len="med"/>
+                      <a:tailEnd type="none" w="med" len="med"/>
+                    </a:lnB>
+                  </a:tcPr>
+                </a:tc>
+                <a:tc hMerge="1">
+                  <a:txBody>
+                    <a:bodyPr/>
+                    <a:lstStyle/>
+                    <a:p>
+                      <a:endParaRPr lang="de-CH"/>
+                    </a:p>
+                  </a:txBody>
+                  <a:tcPr/>
+                </a:tc>
+                <a:tc hMerge="1">
+                  <a:txBody>
+                    <a:bodyPr/>
+                    <a:lstStyle/>
+                    <a:p>
+                      <a:endParaRPr lang="de-CH"/>
+                    </a:p>
+                  </a:txBody>
+                  <a:tcPr/>
+                </a:tc>
+              </a:tr>
+              <a:tr h="384043">
+                <a:tc>
+                  <a:txBody>
+                    <a:bodyPr/>
+                    <a:lstStyle/>
+                    <a:p>
+                      <a:pPr algn="r" fontAlgn="b"/>
+                      <a:r>
+                        <a:rPr lang="de-CH" sz="2000" u="none" strike="noStrike">
+                          <a:effectLst/>
+                        </a:rPr>
+                        <a:t> </a:t>
+                      </a:r>
+                      <a:endParaRPr lang="de-CH" sz="2000" b="0" i="0" u="none" strike="noStrike">
+                        <a:solidFill>
+                          <a:srgbClr val="000000"/>
+                        </a:solidFill>
+                        <a:effectLst/>
+                        <a:latin typeface="Calibri"/>
+                      </a:endParaRPr>
+                    </a:p>
+                  </a:txBody>
+                  <a:tcPr marL="9525" marR="9525" marT="9525" marB="0" anchor="b">
+                    <a:lnT w="12700" cap="flat" cmpd="sng" algn="ctr">
+                      <a:solidFill>
+                        <a:schemeClr val="tx2"/>
+                      </a:solidFill>
+                      <a:prstDash val="solid"/>
+                      <a:round/>
+                      <a:headEnd type="none" w="med" len="med"/>
+                      <a:tailEnd type="none" w="med" len="med"/>
+                    </a:lnT>
+                    <a:lnB w="12700" cap="flat" cmpd="sng" algn="ctr">
+                      <a:solidFill>
+                        <a:schemeClr val="tx2"/>
+                      </a:solidFill>
+                      <a:prstDash val="solid"/>
+                      <a:round/>
+                      <a:headEnd type="none" w="med" len="med"/>
+                      <a:tailEnd type="none" w="med" len="med"/>
+                    </a:lnB>
+                  </a:tcPr>
+                </a:tc>
+                <a:tc>
+                  <a:txBody>
+                    <a:bodyPr/>
+                    <a:lstStyle/>
+                    <a:p>
+                      <a:pPr algn="r" fontAlgn="b"/>
+                      <a:endParaRPr lang="de-CH" sz="2000" b="0" i="0" u="none" strike="noStrike" dirty="0">
+                        <a:solidFill>
+                          <a:srgbClr val="000000"/>
+                        </a:solidFill>
+                        <a:effectLst/>
+                        <a:latin typeface="Calibri"/>
+                      </a:endParaRPr>
+                    </a:p>
+                  </a:txBody>
+                  <a:tcPr marL="9525" marR="9525" marT="9525" marB="0" anchor="b">
+                    <a:lnR w="12700" cap="flat" cmpd="sng" algn="ctr">
+                      <a:solidFill>
+                        <a:schemeClr val="tx2"/>
+                      </a:solidFill>
+                      <a:prstDash val="solid"/>
+                      <a:round/>
+                      <a:headEnd type="none" w="med" len="med"/>
+                      <a:tailEnd type="none" w="med" len="med"/>
+                    </a:lnR>
+                    <a:lnT w="12700" cap="flat" cmpd="sng" algn="ctr">
+                      <a:solidFill>
+                        <a:schemeClr val="tx2"/>
+                      </a:solidFill>
+                      <a:prstDash val="solid"/>
+                      <a:round/>
+                      <a:headEnd type="none" w="med" len="med"/>
+                      <a:tailEnd type="none" w="med" len="med"/>
+                    </a:lnT>
+                    <a:lnB w="12700" cap="flat" cmpd="sng" algn="ctr">
+                      <a:solidFill>
+                        <a:schemeClr val="tx2"/>
+                      </a:solidFill>
+                      <a:prstDash val="solid"/>
+                      <a:round/>
+                      <a:headEnd type="none" w="med" len="med"/>
+                      <a:tailEnd type="none" w="med" len="med"/>
+                    </a:lnB>
+                  </a:tcPr>
+                </a:tc>
+                <a:tc>
+                  <a:txBody>
+                    <a:bodyPr/>
+                    <a:lstStyle/>
+                    <a:p>
+                      <a:pPr algn="r" fontAlgn="b"/>
+                      <a:endParaRPr lang="de-CH" sz="2000" b="0" i="0" u="none" strike="noStrike" dirty="0">
+                        <a:solidFill>
+                          <a:srgbClr val="000000"/>
+                        </a:solidFill>
+                        <a:effectLst/>
+                        <a:latin typeface="Calibri"/>
+                      </a:endParaRPr>
+                    </a:p>
+                  </a:txBody>
+                  <a:tcPr marL="9525" marR="9525" marT="9525" marB="0" anchor="b">
+                    <a:lnL w="12700" cap="flat" cmpd="sng" algn="ctr">
+                      <a:solidFill>
+                        <a:schemeClr val="tx2"/>
+                      </a:solidFill>
+                      <a:prstDash val="solid"/>
+                      <a:round/>
+                      <a:headEnd type="none" w="med" len="med"/>
+                      <a:tailEnd type="none" w="med" len="med"/>
+                    </a:lnL>
+                    <a:lnT w="12700" cap="flat" cmpd="sng" algn="ctr">
+                      <a:solidFill>
+                        <a:schemeClr val="tx2"/>
+                      </a:solidFill>
+                      <a:prstDash val="solid"/>
+                      <a:round/>
+                      <a:headEnd type="none" w="med" len="med"/>
+                      <a:tailEnd type="none" w="med" len="med"/>
+                    </a:lnT>
+                    <a:lnB w="12700" cap="flat" cmpd="sng" algn="ctr">
+                      <a:solidFill>
+                        <a:schemeClr val="tx2"/>
+                      </a:solidFill>
+                      <a:prstDash val="solid"/>
+                      <a:round/>
+                      <a:headEnd type="none" w="med" len="med"/>
+                      <a:tailEnd type="none" w="med" len="med"/>
+                    </a:lnB>
+                  </a:tcPr>
+                </a:tc>
+                <a:tc>
+                  <a:txBody>
+                    <a:bodyPr/>
+                    <a:lstStyle/>
+                    <a:p>
+                      <a:pPr algn="r" fontAlgn="b"/>
+                      <a:r>
+                        <a:rPr lang="de-CH" sz="2000" b="1" u="none" strike="noStrike" dirty="0">
+                          <a:effectLst/>
+                        </a:rPr>
+                        <a:t>M3</a:t>
+                      </a:r>
+                      <a:endParaRPr lang="de-CH" sz="2000" b="1" i="0" u="none" strike="noStrike" dirty="0">
+                        <a:solidFill>
+                          <a:srgbClr val="000000"/>
+                        </a:solidFill>
+                        <a:effectLst/>
+                        <a:latin typeface="Calibri"/>
+                      </a:endParaRPr>
+                    </a:p>
+                  </a:txBody>
+                  <a:tcPr marL="9525" marR="9525" marT="9525" marB="0" anchor="b">
+                    <a:lnR w="28575" cap="flat" cmpd="sng" algn="ctr">
+                      <a:solidFill>
+                        <a:schemeClr val="tx2"/>
+                      </a:solidFill>
+                      <a:prstDash val="solid"/>
+                      <a:round/>
+                      <a:headEnd type="none" w="med" len="med"/>
+                      <a:tailEnd type="none" w="med" len="med"/>
+                    </a:lnR>
+                    <a:lnT w="12700" cap="flat" cmpd="sng" algn="ctr">
+                      <a:solidFill>
+                        <a:schemeClr val="tx2"/>
+                      </a:solidFill>
+                      <a:prstDash val="solid"/>
+                      <a:round/>
+                      <a:headEnd type="none" w="med" len="med"/>
+                      <a:tailEnd type="none" w="med" len="med"/>
+                    </a:lnT>
+                    <a:lnB w="12700" cap="flat" cmpd="sng" algn="ctr">
+                      <a:solidFill>
+                        <a:schemeClr val="tx2"/>
+                      </a:solidFill>
+                      <a:prstDash val="solid"/>
+                      <a:round/>
+                      <a:headEnd type="none" w="med" len="med"/>
+                      <a:tailEnd type="none" w="med" len="med"/>
+                    </a:lnB>
+                  </a:tcPr>
+                </a:tc>
+                <a:tc>
+                  <a:txBody>
+                    <a:bodyPr/>
+                    <a:lstStyle/>
+                    <a:p>
+                      <a:pPr algn="r" fontAlgn="b"/>
+                      <a:r>
+                        <a:rPr lang="de-CH" sz="2000" u="none" strike="noStrike" dirty="0">
+                          <a:effectLst/>
+                        </a:rPr>
+                        <a:t> </a:t>
+                      </a:r>
+                      <a:endParaRPr lang="de-CH" sz="2000" b="0" i="0" u="none" strike="noStrike" dirty="0">
+                        <a:solidFill>
+                          <a:srgbClr val="000000"/>
+                        </a:solidFill>
+                        <a:effectLst/>
+                        <a:latin typeface="Calibri"/>
+                      </a:endParaRPr>
+                    </a:p>
+                  </a:txBody>
+                  <a:tcPr marL="9525" marR="9525" marT="9525" marB="0" anchor="b">
+                    <a:lnL w="28575" cap="flat" cmpd="sng" algn="ctr">
+                      <a:solidFill>
+                        <a:schemeClr val="tx2"/>
+                      </a:solidFill>
+                      <a:prstDash val="solid"/>
+                      <a:round/>
+                      <a:headEnd type="none" w="med" len="med"/>
+                      <a:tailEnd type="none" w="med" len="med"/>
+                    </a:lnL>
+                    <a:lnT w="12700" cap="flat" cmpd="sng" algn="ctr">
+                      <a:solidFill>
+                        <a:schemeClr val="tx2"/>
+                      </a:solidFill>
+                      <a:prstDash val="solid"/>
+                      <a:round/>
+                      <a:headEnd type="none" w="med" len="med"/>
+                      <a:tailEnd type="none" w="med" len="med"/>
+                    </a:lnT>
+                    <a:lnB w="12700" cap="flat" cmpd="sng" algn="ctr">
+                      <a:solidFill>
+                        <a:schemeClr val="tx2"/>
+                      </a:solidFill>
+                      <a:prstDash val="solid"/>
+                      <a:round/>
+                      <a:headEnd type="none" w="med" len="med"/>
+                      <a:tailEnd type="none" w="med" len="med"/>
+                    </a:lnB>
+                  </a:tcPr>
+                </a:tc>
+                <a:tc>
+                  <a:txBody>
+                    <a:bodyPr/>
+                    <a:lstStyle/>
+                    <a:p>
+                      <a:pPr algn="r" fontAlgn="b"/>
+                      <a:endParaRPr lang="de-CH" sz="2000" b="0" i="0" u="none" strike="noStrike" dirty="0">
+                        <a:solidFill>
+                          <a:srgbClr val="000000"/>
+                        </a:solidFill>
+                        <a:effectLst/>
+                        <a:latin typeface="Calibri"/>
+                      </a:endParaRPr>
+                    </a:p>
+                  </a:txBody>
+                  <a:tcPr marL="9525" marR="9525" marT="9525" marB="0" anchor="b">
+                    <a:lnT w="12700" cap="flat" cmpd="sng" algn="ctr">
+                      <a:solidFill>
+                        <a:schemeClr val="tx2"/>
+                      </a:solidFill>
+                      <a:prstDash val="solid"/>
+                      <a:round/>
+                      <a:headEnd type="none" w="med" len="med"/>
+                      <a:tailEnd type="none" w="med" len="med"/>
+                    </a:lnT>
+                    <a:lnB w="12700" cap="flat" cmpd="sng" algn="ctr">
+                      <a:solidFill>
+                        <a:schemeClr val="tx2"/>
+                      </a:solidFill>
+                      <a:prstDash val="solid"/>
+                      <a:round/>
+                      <a:headEnd type="none" w="med" len="med"/>
+                      <a:tailEnd type="none" w="med" len="med"/>
+                    </a:lnB>
+                  </a:tcPr>
+                </a:tc>
+                <a:tc>
+                  <a:txBody>
+                    <a:bodyPr/>
+                    <a:lstStyle/>
+                    <a:p>
+                      <a:pPr algn="r" fontAlgn="b"/>
+                      <a:r>
+                        <a:rPr lang="de-CH" sz="2000" b="1" u="none" strike="noStrike" dirty="0">
+                          <a:effectLst/>
+                        </a:rPr>
+                        <a:t>M4</a:t>
+                      </a:r>
+                      <a:endParaRPr lang="de-CH" sz="2000" b="1" i="0" u="none" strike="noStrike" dirty="0">
+                        <a:solidFill>
+                          <a:srgbClr val="000000"/>
+                        </a:solidFill>
+                        <a:effectLst/>
+                        <a:latin typeface="Calibri"/>
+                      </a:endParaRPr>
+                    </a:p>
+                  </a:txBody>
+                  <a:tcPr marL="9525" marR="9525" marT="9525" marB="0" anchor="b">
+                    <a:lnR w="28575" cap="flat" cmpd="sng" algn="ctr">
+                      <a:solidFill>
+                        <a:schemeClr val="tx2"/>
+                      </a:solidFill>
+                      <a:prstDash val="solid"/>
+                      <a:round/>
+                      <a:headEnd type="none" w="med" len="med"/>
+                      <a:tailEnd type="none" w="med" len="med"/>
+                    </a:lnR>
+                    <a:lnT w="12700" cap="flat" cmpd="sng" algn="ctr">
+                      <a:solidFill>
+                        <a:schemeClr val="tx2"/>
+                      </a:solidFill>
+                      <a:prstDash val="solid"/>
+                      <a:round/>
+                      <a:headEnd type="none" w="med" len="med"/>
+                      <a:tailEnd type="none" w="med" len="med"/>
+                    </a:lnT>
+                    <a:lnB w="12700" cap="flat" cmpd="sng" algn="ctr">
+                      <a:solidFill>
+                        <a:schemeClr val="tx2"/>
+                      </a:solidFill>
+                      <a:prstDash val="solid"/>
+                      <a:round/>
+                      <a:headEnd type="none" w="med" len="med"/>
+                      <a:tailEnd type="none" w="med" len="med"/>
+                    </a:lnB>
+                  </a:tcPr>
+                </a:tc>
+              </a:tr>
+            </a:tbl>
+          </a:graphicData>
+        </a:graphic>
+      </p:graphicFrame>
     </p:spTree>
     <p:extLst>
       <p:ext uri="{BB962C8B-B14F-4D97-AF65-F5344CB8AC3E}">
@@ -3879,7 +9511,275 @@
   <p:timing>
     <p:tnLst>
       <p:par>
-        <p:cTn id="1" dur="indefinite" restart="never" nodeType="tmRoot"/>
+        <p:cTn id="1" dur="indefinite" restart="never" nodeType="tmRoot">
+          <p:childTnLst>
+            <p:seq concurrent="1" nextAc="seek">
+              <p:cTn id="2" dur="indefinite" nodeType="mainSeq">
+                <p:childTnLst>
+                  <p:par>
+                    <p:cTn id="3" fill="hold">
+                      <p:stCondLst>
+                        <p:cond delay="indefinite"/>
+                      </p:stCondLst>
+                      <p:childTnLst>
+                        <p:par>
+                          <p:cTn id="4" fill="hold">
+                            <p:stCondLst>
+                              <p:cond delay="0"/>
+                            </p:stCondLst>
+                            <p:childTnLst>
+                              <p:par>
+                                <p:cTn id="5" presetID="1" presetClass="entr" presetSubtype="0" fill="hold" nodeType="clickEffect">
+                                  <p:stCondLst>
+                                    <p:cond delay="0"/>
+                                  </p:stCondLst>
+                                  <p:childTnLst>
+                                    <p:set>
+                                      <p:cBhvr>
+                                        <p:cTn id="6" dur="1" fill="hold">
+                                          <p:stCondLst>
+                                            <p:cond delay="0"/>
+                                          </p:stCondLst>
+                                        </p:cTn>
+                                        <p:tgtEl>
+                                          <p:spTgt spid="4">
+                                            <p:txEl>
+                                              <p:pRg st="0" end="0"/>
+                                            </p:txEl>
+                                          </p:spTgt>
+                                        </p:tgtEl>
+                                        <p:attrNameLst>
+                                          <p:attrName>style.visibility</p:attrName>
+                                        </p:attrNameLst>
+                                      </p:cBhvr>
+                                      <p:to>
+                                        <p:strVal val="visible"/>
+                                      </p:to>
+                                    </p:set>
+                                  </p:childTnLst>
+                                </p:cTn>
+                              </p:par>
+                              <p:par>
+                                <p:cTn id="7" presetID="1" presetClass="entr" presetSubtype="0" fill="hold" nodeType="withEffect">
+                                  <p:stCondLst>
+                                    <p:cond delay="0"/>
+                                  </p:stCondLst>
+                                  <p:childTnLst>
+                                    <p:set>
+                                      <p:cBhvr>
+                                        <p:cTn id="8" dur="1" fill="hold">
+                                          <p:stCondLst>
+                                            <p:cond delay="0"/>
+                                          </p:stCondLst>
+                                        </p:cTn>
+                                        <p:tgtEl>
+                                          <p:spTgt spid="4">
+                                            <p:txEl>
+                                              <p:pRg st="1" end="1"/>
+                                            </p:txEl>
+                                          </p:spTgt>
+                                        </p:tgtEl>
+                                        <p:attrNameLst>
+                                          <p:attrName>style.visibility</p:attrName>
+                                        </p:attrNameLst>
+                                      </p:cBhvr>
+                                      <p:to>
+                                        <p:strVal val="visible"/>
+                                      </p:to>
+                                    </p:set>
+                                  </p:childTnLst>
+                                </p:cTn>
+                              </p:par>
+                              <p:par>
+                                <p:cTn id="9" presetID="1" presetClass="entr" presetSubtype="0" fill="hold" nodeType="withEffect">
+                                  <p:stCondLst>
+                                    <p:cond delay="0"/>
+                                  </p:stCondLst>
+                                  <p:childTnLst>
+                                    <p:set>
+                                      <p:cBhvr>
+                                        <p:cTn id="10" dur="1" fill="hold">
+                                          <p:stCondLst>
+                                            <p:cond delay="0"/>
+                                          </p:stCondLst>
+                                        </p:cTn>
+                                        <p:tgtEl>
+                                          <p:spTgt spid="4">
+                                            <p:txEl>
+                                              <p:pRg st="2" end="2"/>
+                                            </p:txEl>
+                                          </p:spTgt>
+                                        </p:tgtEl>
+                                        <p:attrNameLst>
+                                          <p:attrName>style.visibility</p:attrName>
+                                        </p:attrNameLst>
+                                      </p:cBhvr>
+                                      <p:to>
+                                        <p:strVal val="visible"/>
+                                      </p:to>
+                                    </p:set>
+                                  </p:childTnLst>
+                                </p:cTn>
+                              </p:par>
+                              <p:par>
+                                <p:cTn id="11" presetID="1" presetClass="entr" presetSubtype="0" fill="hold" nodeType="withEffect">
+                                  <p:stCondLst>
+                                    <p:cond delay="0"/>
+                                  </p:stCondLst>
+                                  <p:childTnLst>
+                                    <p:set>
+                                      <p:cBhvr>
+                                        <p:cTn id="12" dur="1" fill="hold">
+                                          <p:stCondLst>
+                                            <p:cond delay="0"/>
+                                          </p:stCondLst>
+                                        </p:cTn>
+                                        <p:tgtEl>
+                                          <p:spTgt spid="4">
+                                            <p:txEl>
+                                              <p:pRg st="3" end="3"/>
+                                            </p:txEl>
+                                          </p:spTgt>
+                                        </p:tgtEl>
+                                        <p:attrNameLst>
+                                          <p:attrName>style.visibility</p:attrName>
+                                        </p:attrNameLst>
+                                      </p:cBhvr>
+                                      <p:to>
+                                        <p:strVal val="visible"/>
+                                      </p:to>
+                                    </p:set>
+                                  </p:childTnLst>
+                                </p:cTn>
+                              </p:par>
+                              <p:par>
+                                <p:cTn id="13" presetID="1" presetClass="entr" presetSubtype="0" fill="hold" nodeType="withEffect">
+                                  <p:stCondLst>
+                                    <p:cond delay="0"/>
+                                  </p:stCondLst>
+                                  <p:childTnLst>
+                                    <p:set>
+                                      <p:cBhvr>
+                                        <p:cTn id="14" dur="1" fill="hold">
+                                          <p:stCondLst>
+                                            <p:cond delay="0"/>
+                                          </p:stCondLst>
+                                        </p:cTn>
+                                        <p:tgtEl>
+                                          <p:spTgt spid="4">
+                                            <p:txEl>
+                                              <p:pRg st="4" end="4"/>
+                                            </p:txEl>
+                                          </p:spTgt>
+                                        </p:tgtEl>
+                                        <p:attrNameLst>
+                                          <p:attrName>style.visibility</p:attrName>
+                                        </p:attrNameLst>
+                                      </p:cBhvr>
+                                      <p:to>
+                                        <p:strVal val="visible"/>
+                                      </p:to>
+                                    </p:set>
+                                  </p:childTnLst>
+                                </p:cTn>
+                              </p:par>
+                            </p:childTnLst>
+                          </p:cTn>
+                        </p:par>
+                      </p:childTnLst>
+                    </p:cTn>
+                  </p:par>
+                  <p:par>
+                    <p:cTn id="15" fill="hold">
+                      <p:stCondLst>
+                        <p:cond delay="indefinite"/>
+                      </p:stCondLst>
+                      <p:childTnLst>
+                        <p:par>
+                          <p:cTn id="16" fill="hold">
+                            <p:stCondLst>
+                              <p:cond delay="0"/>
+                            </p:stCondLst>
+                            <p:childTnLst>
+                              <p:par>
+                                <p:cTn id="17" presetID="1" presetClass="entr" presetSubtype="0" fill="hold" nodeType="clickEffect">
+                                  <p:stCondLst>
+                                    <p:cond delay="0"/>
+                                  </p:stCondLst>
+                                  <p:childTnLst>
+                                    <p:set>
+                                      <p:cBhvr>
+                                        <p:cTn id="18" dur="1" fill="hold">
+                                          <p:stCondLst>
+                                            <p:cond delay="0"/>
+                                          </p:stCondLst>
+                                        </p:cTn>
+                                        <p:tgtEl>
+                                          <p:spTgt spid="5"/>
+                                        </p:tgtEl>
+                                        <p:attrNameLst>
+                                          <p:attrName>style.visibility</p:attrName>
+                                        </p:attrNameLst>
+                                      </p:cBhvr>
+                                      <p:to>
+                                        <p:strVal val="visible"/>
+                                      </p:to>
+                                    </p:set>
+                                  </p:childTnLst>
+                                </p:cTn>
+                              </p:par>
+                              <p:par>
+                                <p:cTn id="19" presetID="1" presetClass="entr" presetSubtype="0" fill="hold" nodeType="withEffect">
+                                  <p:stCondLst>
+                                    <p:cond delay="0"/>
+                                  </p:stCondLst>
+                                  <p:childTnLst>
+                                    <p:set>
+                                      <p:cBhvr>
+                                        <p:cTn id="20" dur="1" fill="hold">
+                                          <p:stCondLst>
+                                            <p:cond delay="0"/>
+                                          </p:stCondLst>
+                                        </p:cTn>
+                                        <p:tgtEl>
+                                          <p:spTgt spid="3"/>
+                                        </p:tgtEl>
+                                        <p:attrNameLst>
+                                          <p:attrName>style.visibility</p:attrName>
+                                        </p:attrNameLst>
+                                      </p:cBhvr>
+                                      <p:to>
+                                        <p:strVal val="visible"/>
+                                      </p:to>
+                                    </p:set>
+                                  </p:childTnLst>
+                                </p:cTn>
+                              </p:par>
+                            </p:childTnLst>
+                          </p:cTn>
+                        </p:par>
+                      </p:childTnLst>
+                    </p:cTn>
+                  </p:par>
+                </p:childTnLst>
+              </p:cTn>
+              <p:prevCondLst>
+                <p:cond evt="onPrev" delay="0">
+                  <p:tgtEl>
+                    <p:sldTgt/>
+                  </p:tgtEl>
+                </p:cond>
+              </p:prevCondLst>
+              <p:nextCondLst>
+                <p:cond evt="onNext" delay="0">
+                  <p:tgtEl>
+                    <p:sldTgt/>
+                  </p:tgtEl>
+                </p:cond>
+              </p:nextCondLst>
+            </p:seq>
+          </p:childTnLst>
+        </p:cTn>
       </p:par>
     </p:tnLst>
   </p:timing>
@@ -3922,35 +9822,866 @@
           <a:p>
             <a:r>
               <a:rPr lang="de-CH" sz="6000" dirty="0" smtClean="0"/>
-              <a:t>Risiken</a:t>
+              <a:t>Projektablauf</a:t>
             </a:r>
             <a:endParaRPr lang="de-CH" sz="6000" dirty="0"/>
           </a:p>
         </p:txBody>
       </p:sp>
-      <p:sp>
-        <p:nvSpPr>
-          <p:cNvPr id="4" name="Inhaltsplatzhalter 3"/>
-          <p:cNvSpPr>
-            <a:spLocks noGrp="1"/>
-          </p:cNvSpPr>
+      <p:graphicFrame>
+        <p:nvGraphicFramePr>
+          <p:cNvPr id="3" name="Content Placeholder 2"/>
+          <p:cNvGraphicFramePr>
+            <a:graphicFrameLocks noGrp="1"/>
+          </p:cNvGraphicFramePr>
           <p:nvPr>
             <p:ph idx="1"/>
+            <p:extLst>
+              <p:ext uri="{D42A27DB-BD31-4B8C-83A1-F6EECF244321}">
+                <p14:modId xmlns:p14="http://schemas.microsoft.com/office/powerpoint/2010/main" val="3023397949"/>
+              </p:ext>
+            </p:extLst>
           </p:nvPr>
-        </p:nvSpPr>
-        <p:spPr/>
-        <p:txBody>
-          <a:bodyPr/>
-          <a:lstStyle/>
-          <a:p>
-            <a:endParaRPr lang="de-CH"/>
-          </a:p>
-        </p:txBody>
-      </p:sp>
+        </p:nvGraphicFramePr>
+        <p:xfrm>
+          <a:off x="683568" y="1484784"/>
+          <a:ext cx="7704856" cy="4584613"/>
+        </p:xfrm>
+        <a:graphic>
+          <a:graphicData uri="http://schemas.openxmlformats.org/drawingml/2006/table">
+            <a:tbl>
+              <a:tblPr firstRow="1" bandRow="1">
+                <a:tableStyleId>{0E3FDE45-AF77-4B5C-9715-49D594BDF05E}</a:tableStyleId>
+              </a:tblPr>
+              <a:tblGrid>
+                <a:gridCol w="1512168"/>
+                <a:gridCol w="648072"/>
+                <a:gridCol w="5544616"/>
+              </a:tblGrid>
+              <a:tr h="366041">
+                <a:tc>
+                  <a:txBody>
+                    <a:bodyPr/>
+                    <a:lstStyle/>
+                    <a:p>
+                      <a:pPr algn="l" fontAlgn="ctr"/>
+                      <a:r>
+                        <a:rPr lang="de-CH" sz="1800" u="none" strike="noStrike" dirty="0">
+                          <a:solidFill>
+                            <a:schemeClr val="tx1"/>
+                          </a:solidFill>
+                          <a:effectLst/>
+                        </a:rPr>
+                        <a:t>Phase</a:t>
+                      </a:r>
+                      <a:endParaRPr lang="de-CH" sz="1800" b="1" i="0" u="none" strike="noStrike" dirty="0">
+                        <a:solidFill>
+                          <a:schemeClr val="tx1"/>
+                        </a:solidFill>
+                        <a:effectLst/>
+                        <a:latin typeface="Calibri"/>
+                      </a:endParaRPr>
+                    </a:p>
+                  </a:txBody>
+                  <a:tcPr marL="9525" marR="9525" marT="9525" marB="0" anchor="ctr">
+                    <a:lnT w="12700" cap="flat" cmpd="sng" algn="ctr">
+                      <a:solidFill>
+                        <a:schemeClr val="tx2"/>
+                      </a:solidFill>
+                      <a:prstDash val="solid"/>
+                      <a:round/>
+                      <a:headEnd type="none" w="med" len="med"/>
+                      <a:tailEnd type="none" w="med" len="med"/>
+                    </a:lnT>
+                    <a:lnB w="12700" cap="flat" cmpd="sng" algn="ctr">
+                      <a:solidFill>
+                        <a:schemeClr val="tx2"/>
+                      </a:solidFill>
+                      <a:prstDash val="solid"/>
+                      <a:round/>
+                      <a:headEnd type="none" w="med" len="med"/>
+                      <a:tailEnd type="none" w="med" len="med"/>
+                    </a:lnB>
+                  </a:tcPr>
+                </a:tc>
+                <a:tc>
+                  <a:txBody>
+                    <a:bodyPr/>
+                    <a:lstStyle/>
+                    <a:p>
+                      <a:pPr algn="l" fontAlgn="ctr"/>
+                      <a:r>
+                        <a:rPr lang="de-CH" sz="1800" b="1" i="0" u="none" strike="noStrike" dirty="0" err="1" smtClean="0">
+                          <a:solidFill>
+                            <a:schemeClr val="tx1"/>
+                          </a:solidFill>
+                          <a:effectLst/>
+                          <a:latin typeface="Arial (Body)"/>
+                        </a:rPr>
+                        <a:t>It</a:t>
+                      </a:r>
+                      <a:endParaRPr lang="de-CH" sz="1800" b="1" i="0" u="none" strike="noStrike" dirty="0">
+                        <a:solidFill>
+                          <a:schemeClr val="tx1"/>
+                        </a:solidFill>
+                        <a:effectLst/>
+                        <a:latin typeface="Arial (Body)"/>
+                      </a:endParaRPr>
+                    </a:p>
+                  </a:txBody>
+                  <a:tcPr marL="9525" marR="9525" marT="9525" marB="0" anchor="ctr">
+                    <a:lnT w="12700" cap="flat" cmpd="sng" algn="ctr">
+                      <a:solidFill>
+                        <a:schemeClr val="tx2"/>
+                      </a:solidFill>
+                      <a:prstDash val="solid"/>
+                      <a:round/>
+                      <a:headEnd type="none" w="med" len="med"/>
+                      <a:tailEnd type="none" w="med" len="med"/>
+                    </a:lnT>
+                    <a:lnB w="12700" cap="flat" cmpd="sng" algn="ctr">
+                      <a:solidFill>
+                        <a:schemeClr val="tx2"/>
+                      </a:solidFill>
+                      <a:prstDash val="solid"/>
+                      <a:round/>
+                      <a:headEnd type="none" w="med" len="med"/>
+                      <a:tailEnd type="none" w="med" len="med"/>
+                    </a:lnB>
+                  </a:tcPr>
+                </a:tc>
+                <a:tc>
+                  <a:txBody>
+                    <a:bodyPr/>
+                    <a:lstStyle/>
+                    <a:p>
+                      <a:pPr algn="l" fontAlgn="b"/>
+                      <a:r>
+                        <a:rPr lang="de-CH" sz="1800" u="none" strike="noStrike" dirty="0">
+                          <a:effectLst/>
+                        </a:rPr>
+                        <a:t>Ziele</a:t>
+                      </a:r>
+                      <a:endParaRPr lang="de-CH" sz="1800" b="1" i="0" u="none" strike="noStrike" dirty="0">
+                        <a:solidFill>
+                          <a:srgbClr val="000000"/>
+                        </a:solidFill>
+                        <a:effectLst/>
+                        <a:latin typeface="Calibri"/>
+                      </a:endParaRPr>
+                    </a:p>
+                  </a:txBody>
+                  <a:tcPr marL="9525" marR="9525" marT="9525" marB="0" anchor="ctr">
+                    <a:lnT w="12700" cap="flat" cmpd="sng" algn="ctr">
+                      <a:solidFill>
+                        <a:schemeClr val="tx2"/>
+                      </a:solidFill>
+                      <a:prstDash val="solid"/>
+                      <a:round/>
+                      <a:headEnd type="none" w="med" len="med"/>
+                      <a:tailEnd type="none" w="med" len="med"/>
+                    </a:lnT>
+                    <a:lnB w="12700" cap="flat" cmpd="sng" algn="ctr">
+                      <a:solidFill>
+                        <a:schemeClr val="tx2"/>
+                      </a:solidFill>
+                      <a:prstDash val="solid"/>
+                      <a:round/>
+                      <a:headEnd type="none" w="med" len="med"/>
+                      <a:tailEnd type="none" w="med" len="med"/>
+                    </a:lnB>
+                  </a:tcPr>
+                </a:tc>
+              </a:tr>
+              <a:tr h="732081">
+                <a:tc>
+                  <a:txBody>
+                    <a:bodyPr/>
+                    <a:lstStyle/>
+                    <a:p>
+                      <a:pPr algn="l" fontAlgn="ctr"/>
+                      <a:r>
+                        <a:rPr lang="de-CH" sz="1800" u="none" strike="noStrike" dirty="0" err="1" smtClean="0">
+                          <a:effectLst/>
+                        </a:rPr>
+                        <a:t>Inception</a:t>
+                      </a:r>
+                      <a:endParaRPr lang="de-CH" sz="1800" b="0" i="0" u="none" strike="noStrike" dirty="0">
+                        <a:solidFill>
+                          <a:srgbClr val="000000"/>
+                        </a:solidFill>
+                        <a:effectLst/>
+                        <a:latin typeface="Calibri"/>
+                      </a:endParaRPr>
+                    </a:p>
+                  </a:txBody>
+                  <a:tcPr marL="9525" marR="9525" marT="9525" marB="0" anchor="ctr">
+                    <a:lnT w="12700" cap="flat" cmpd="sng" algn="ctr">
+                      <a:solidFill>
+                        <a:schemeClr val="tx2"/>
+                      </a:solidFill>
+                      <a:prstDash val="solid"/>
+                      <a:round/>
+                      <a:headEnd type="none" w="med" len="med"/>
+                      <a:tailEnd type="none" w="med" len="med"/>
+                    </a:lnT>
+                  </a:tcPr>
+                </a:tc>
+                <a:tc>
+                  <a:txBody>
+                    <a:bodyPr/>
+                    <a:lstStyle/>
+                    <a:p>
+                      <a:pPr algn="ctr" fontAlgn="ctr"/>
+                      <a:r>
+                        <a:rPr lang="de-CH" sz="1800" u="none" strike="noStrike" dirty="0" smtClean="0">
+                          <a:effectLst/>
+                        </a:rPr>
+                        <a:t>I1</a:t>
+                      </a:r>
+                      <a:endParaRPr lang="de-CH" sz="1800" b="0" i="0" u="none" strike="noStrike" dirty="0">
+                        <a:solidFill>
+                          <a:srgbClr val="000000"/>
+                        </a:solidFill>
+                        <a:effectLst/>
+                        <a:latin typeface="Calibri"/>
+                      </a:endParaRPr>
+                    </a:p>
+                  </a:txBody>
+                  <a:tcPr marL="9525" marR="9525" marT="9525" marB="0" anchor="ctr">
+                    <a:lnT w="12700" cap="flat" cmpd="sng" algn="ctr">
+                      <a:solidFill>
+                        <a:schemeClr val="tx2"/>
+                      </a:solidFill>
+                      <a:prstDash val="solid"/>
+                      <a:round/>
+                      <a:headEnd type="none" w="med" len="med"/>
+                      <a:tailEnd type="none" w="med" len="med"/>
+                    </a:lnT>
+                  </a:tcPr>
+                </a:tc>
+                <a:tc>
+                  <a:txBody>
+                    <a:bodyPr/>
+                    <a:lstStyle/>
+                    <a:p>
+                      <a:pPr algn="ctr" fontAlgn="ctr"/>
+                      <a:r>
+                        <a:rPr lang="de-CH" sz="1800" u="none" strike="noStrike" dirty="0" smtClean="0">
+                          <a:effectLst/>
+                        </a:rPr>
+                        <a:t>Projektskizze, IDE, Ausformulierung Anwendungsfälle</a:t>
+                      </a:r>
+                      <a:r>
+                        <a:rPr lang="de-CH" sz="1800" u="none" strike="noStrike" dirty="0">
+                          <a:effectLst/>
+                        </a:rPr>
+                        <a:t>, </a:t>
+                      </a:r>
+                      <a:r>
+                        <a:rPr lang="de-CH" sz="1800" u="none" strike="noStrike" dirty="0" smtClean="0">
+                          <a:effectLst/>
+                        </a:rPr>
+                        <a:t>Entwurf Architektur</a:t>
+                      </a:r>
+                      <a:endParaRPr lang="de-CH" sz="1800" b="0" i="0" u="none" strike="noStrike" dirty="0">
+                        <a:solidFill>
+                          <a:srgbClr val="000000"/>
+                        </a:solidFill>
+                        <a:effectLst/>
+                        <a:latin typeface="Calibri"/>
+                      </a:endParaRPr>
+                    </a:p>
+                  </a:txBody>
+                  <a:tcPr marL="9525" marR="9525" marT="9525" marB="0" anchor="ctr">
+                    <a:lnT w="12700" cap="flat" cmpd="sng" algn="ctr">
+                      <a:solidFill>
+                        <a:schemeClr val="tx2"/>
+                      </a:solidFill>
+                      <a:prstDash val="solid"/>
+                      <a:round/>
+                      <a:headEnd type="none" w="med" len="med"/>
+                      <a:tailEnd type="none" w="med" len="med"/>
+                    </a:lnT>
+                  </a:tcPr>
+                </a:tc>
+              </a:tr>
+              <a:tr h="1098122">
+                <a:tc>
+                  <a:txBody>
+                    <a:bodyPr/>
+                    <a:lstStyle/>
+                    <a:p>
+                      <a:pPr algn="l" fontAlgn="ctr"/>
+                      <a:r>
+                        <a:rPr lang="de-CH" sz="1800" u="none" strike="noStrike" dirty="0" smtClean="0">
+                          <a:effectLst/>
+                        </a:rPr>
+                        <a:t>Elaboration</a:t>
+                      </a:r>
+                      <a:endParaRPr lang="de-CH" sz="1800" b="0" i="0" u="none" strike="noStrike" dirty="0">
+                        <a:solidFill>
+                          <a:srgbClr val="000000"/>
+                        </a:solidFill>
+                        <a:effectLst/>
+                        <a:latin typeface="Calibri"/>
+                      </a:endParaRPr>
+                    </a:p>
+                  </a:txBody>
+                  <a:tcPr marL="9525" marR="9525" marT="9525" marB="0" anchor="ctr"/>
+                </a:tc>
+                <a:tc>
+                  <a:txBody>
+                    <a:bodyPr/>
+                    <a:lstStyle/>
+                    <a:p>
+                      <a:pPr algn="ctr" fontAlgn="ctr"/>
+                      <a:r>
+                        <a:rPr lang="de-CH" sz="1800" u="none" strike="noStrike" dirty="0" smtClean="0">
+                          <a:effectLst/>
+                        </a:rPr>
+                        <a:t>E1</a:t>
+                      </a:r>
+                      <a:endParaRPr lang="de-CH" sz="1800" b="0" i="0" u="none" strike="noStrike" dirty="0">
+                        <a:solidFill>
+                          <a:srgbClr val="000000"/>
+                        </a:solidFill>
+                        <a:effectLst/>
+                        <a:latin typeface="Calibri"/>
+                      </a:endParaRPr>
+                    </a:p>
+                  </a:txBody>
+                  <a:tcPr marL="9525" marR="9525" marT="9525" marB="0" anchor="ctr"/>
+                </a:tc>
+                <a:tc>
+                  <a:txBody>
+                    <a:bodyPr/>
+                    <a:lstStyle/>
+                    <a:p>
+                      <a:pPr algn="ctr" fontAlgn="ctr"/>
+                      <a:r>
+                        <a:rPr lang="de-CH" sz="1800" u="none" strike="noStrike" dirty="0" smtClean="0">
+                          <a:effectLst/>
+                        </a:rPr>
+                        <a:t>Anwendungsfälle, </a:t>
+                      </a:r>
+                      <a:r>
+                        <a:rPr lang="de-CH" sz="1800" u="none" strike="noStrike" dirty="0">
+                          <a:effectLst/>
+                        </a:rPr>
+                        <a:t>Architektur und </a:t>
+                      </a:r>
+                      <a:r>
+                        <a:rPr lang="de-CH" sz="1800" u="none" strike="noStrike" dirty="0" smtClean="0">
+                          <a:effectLst/>
+                        </a:rPr>
+                        <a:t>Domänenmodell, </a:t>
+                      </a:r>
+                      <a:r>
+                        <a:rPr lang="de-CH" sz="1800" u="none" strike="noStrike" dirty="0">
+                          <a:effectLst/>
+                        </a:rPr>
+                        <a:t>GUI </a:t>
+                      </a:r>
+                      <a:r>
+                        <a:rPr lang="de-CH" sz="1800" u="none" strike="noStrike" dirty="0" smtClean="0">
+                          <a:effectLst/>
+                        </a:rPr>
+                        <a:t>Designkonzept/Prototyp, 10%</a:t>
+                      </a:r>
+                      <a:r>
+                        <a:rPr lang="de-CH" sz="1800" u="none" strike="noStrike" baseline="0" dirty="0" smtClean="0">
+                          <a:effectLst/>
+                        </a:rPr>
+                        <a:t> </a:t>
+                      </a:r>
+                      <a:r>
+                        <a:rPr lang="de-CH" sz="1800" u="none" strike="noStrike" dirty="0" smtClean="0">
+                          <a:effectLst/>
+                        </a:rPr>
+                        <a:t>Programmierungstasks</a:t>
+                      </a:r>
+                      <a:endParaRPr lang="de-CH" sz="1800" b="0" i="0" u="none" strike="noStrike" dirty="0">
+                        <a:solidFill>
+                          <a:srgbClr val="000000"/>
+                        </a:solidFill>
+                        <a:effectLst/>
+                        <a:latin typeface="Calibri"/>
+                      </a:endParaRPr>
+                    </a:p>
+                  </a:txBody>
+                  <a:tcPr marL="9525" marR="9525" marT="9525" marB="0" anchor="ctr"/>
+                </a:tc>
+              </a:tr>
+              <a:tr h="366041">
+                <a:tc>
+                  <a:txBody>
+                    <a:bodyPr/>
+                    <a:lstStyle/>
+                    <a:p>
+                      <a:pPr algn="l" fontAlgn="ctr"/>
+                      <a:r>
+                        <a:rPr lang="de-CH" sz="1800" u="none" strike="noStrike" dirty="0" err="1" smtClean="0">
+                          <a:effectLst/>
+                        </a:rPr>
+                        <a:t>Construction</a:t>
+                      </a:r>
+                      <a:endParaRPr lang="de-CH" sz="1800" b="0" i="0" u="none" strike="noStrike" dirty="0">
+                        <a:solidFill>
+                          <a:srgbClr val="000000"/>
+                        </a:solidFill>
+                        <a:effectLst/>
+                        <a:latin typeface="Calibri"/>
+                      </a:endParaRPr>
+                    </a:p>
+                  </a:txBody>
+                  <a:tcPr marL="9525" marR="9525" marT="9525" marB="0" anchor="ctr"/>
+                </a:tc>
+                <a:tc>
+                  <a:txBody>
+                    <a:bodyPr/>
+                    <a:lstStyle/>
+                    <a:p>
+                      <a:pPr algn="ctr" fontAlgn="ctr"/>
+                      <a:r>
+                        <a:rPr lang="de-CH" sz="1800" u="none" strike="noStrike" dirty="0" smtClean="0">
+                          <a:effectLst/>
+                        </a:rPr>
+                        <a:t>C1</a:t>
+                      </a:r>
+                      <a:endParaRPr lang="de-CH" sz="1800" b="0" i="0" u="none" strike="noStrike" dirty="0">
+                        <a:solidFill>
+                          <a:srgbClr val="000000"/>
+                        </a:solidFill>
+                        <a:effectLst/>
+                        <a:latin typeface="Calibri"/>
+                      </a:endParaRPr>
+                    </a:p>
+                  </a:txBody>
+                  <a:tcPr marL="9525" marR="9525" marT="9525" marB="0" anchor="ctr"/>
+                </a:tc>
+                <a:tc>
+                  <a:txBody>
+                    <a:bodyPr/>
+                    <a:lstStyle/>
+                    <a:p>
+                      <a:pPr algn="ctr" fontAlgn="ctr"/>
+                      <a:r>
+                        <a:rPr lang="de-CH" sz="1800" u="none" strike="noStrike" dirty="0">
+                          <a:effectLst/>
+                        </a:rPr>
+                        <a:t>50% </a:t>
+                      </a:r>
+                      <a:r>
+                        <a:rPr lang="de-CH" sz="1800" u="none" strike="noStrike" dirty="0" smtClean="0">
+                          <a:effectLst/>
+                        </a:rPr>
+                        <a:t>Programmierungstasks</a:t>
+                      </a:r>
+                      <a:endParaRPr lang="de-CH" sz="1800" b="0" i="0" u="none" strike="noStrike" dirty="0">
+                        <a:solidFill>
+                          <a:srgbClr val="000000"/>
+                        </a:solidFill>
+                        <a:effectLst/>
+                        <a:latin typeface="Calibri"/>
+                      </a:endParaRPr>
+                    </a:p>
+                  </a:txBody>
+                  <a:tcPr marL="9525" marR="9525" marT="9525" marB="0" anchor="ctr"/>
+                </a:tc>
+              </a:tr>
+              <a:tr h="366041">
+                <a:tc>
+                  <a:txBody>
+                    <a:bodyPr/>
+                    <a:lstStyle/>
+                    <a:p>
+                      <a:pPr algn="l" fontAlgn="ctr"/>
+                      <a:r>
+                        <a:rPr lang="de-CH" sz="1800" u="none" strike="noStrike" dirty="0" err="1" smtClean="0">
+                          <a:effectLst/>
+                        </a:rPr>
+                        <a:t>Construction</a:t>
+                      </a:r>
+                      <a:endParaRPr lang="de-CH" sz="1800" b="0" i="0" u="none" strike="noStrike" dirty="0">
+                        <a:solidFill>
+                          <a:srgbClr val="000000"/>
+                        </a:solidFill>
+                        <a:effectLst/>
+                        <a:latin typeface="Calibri"/>
+                      </a:endParaRPr>
+                    </a:p>
+                  </a:txBody>
+                  <a:tcPr marL="9525" marR="9525" marT="9525" marB="0" anchor="ctr"/>
+                </a:tc>
+                <a:tc>
+                  <a:txBody>
+                    <a:bodyPr/>
+                    <a:lstStyle/>
+                    <a:p>
+                      <a:pPr algn="ctr" fontAlgn="ctr"/>
+                      <a:r>
+                        <a:rPr lang="de-CH" sz="1800" u="none" strike="noStrike" dirty="0" smtClean="0">
+                          <a:effectLst/>
+                        </a:rPr>
+                        <a:t>C2</a:t>
+                      </a:r>
+                      <a:endParaRPr lang="de-CH" sz="1800" b="0" i="0" u="none" strike="noStrike" dirty="0">
+                        <a:solidFill>
+                          <a:srgbClr val="000000"/>
+                        </a:solidFill>
+                        <a:effectLst/>
+                        <a:latin typeface="Calibri"/>
+                      </a:endParaRPr>
+                    </a:p>
+                  </a:txBody>
+                  <a:tcPr marL="9525" marR="9525" marT="9525" marB="0" anchor="ctr"/>
+                </a:tc>
+                <a:tc>
+                  <a:txBody>
+                    <a:bodyPr/>
+                    <a:lstStyle/>
+                    <a:p>
+                      <a:pPr algn="ctr" fontAlgn="ctr"/>
+                      <a:r>
+                        <a:rPr lang="de-CH" sz="1800" u="none" strike="noStrike" dirty="0">
+                          <a:effectLst/>
+                        </a:rPr>
+                        <a:t>90% </a:t>
+                      </a:r>
+                      <a:r>
+                        <a:rPr lang="de-CH" sz="1800" u="none" strike="noStrike" dirty="0" smtClean="0">
+                          <a:effectLst/>
+                        </a:rPr>
+                        <a:t>Programmierungstasks, GUI</a:t>
+                      </a:r>
+                      <a:endParaRPr lang="de-CH" sz="1800" b="0" i="0" u="none" strike="noStrike" dirty="0">
+                        <a:solidFill>
+                          <a:srgbClr val="000000"/>
+                        </a:solidFill>
+                        <a:effectLst/>
+                        <a:latin typeface="Calibri"/>
+                      </a:endParaRPr>
+                    </a:p>
+                  </a:txBody>
+                  <a:tcPr marL="9525" marR="9525" marT="9525" marB="0" anchor="ctr"/>
+                </a:tc>
+              </a:tr>
+              <a:tr h="732081">
+                <a:tc>
+                  <a:txBody>
+                    <a:bodyPr/>
+                    <a:lstStyle/>
+                    <a:p>
+                      <a:pPr algn="l" fontAlgn="ctr"/>
+                      <a:r>
+                        <a:rPr lang="de-CH" sz="1800" u="none" strike="noStrike" dirty="0" smtClean="0">
+                          <a:effectLst/>
+                        </a:rPr>
+                        <a:t>Transition</a:t>
+                      </a:r>
+                      <a:endParaRPr lang="de-CH" sz="1800" b="0" i="0" u="none" strike="noStrike" dirty="0">
+                        <a:solidFill>
+                          <a:srgbClr val="000000"/>
+                        </a:solidFill>
+                        <a:effectLst/>
+                        <a:latin typeface="Calibri"/>
+                      </a:endParaRPr>
+                    </a:p>
+                  </a:txBody>
+                  <a:tcPr marL="9525" marR="9525" marT="9525" marB="0" anchor="ctr">
+                    <a:lnB w="12700" cap="flat" cmpd="sng" algn="ctr">
+                      <a:solidFill>
+                        <a:schemeClr val="tx2"/>
+                      </a:solidFill>
+                      <a:prstDash val="solid"/>
+                      <a:round/>
+                      <a:headEnd type="none" w="med" len="med"/>
+                      <a:tailEnd type="none" w="med" len="med"/>
+                    </a:lnB>
+                  </a:tcPr>
+                </a:tc>
+                <a:tc>
+                  <a:txBody>
+                    <a:bodyPr/>
+                    <a:lstStyle/>
+                    <a:p>
+                      <a:pPr algn="ctr" fontAlgn="ctr"/>
+                      <a:r>
+                        <a:rPr lang="de-CH" sz="1800" u="none" strike="noStrike" dirty="0" smtClean="0">
+                          <a:effectLst/>
+                        </a:rPr>
+                        <a:t>T1</a:t>
+                      </a:r>
+                      <a:endParaRPr lang="de-CH" sz="1800" b="0" i="0" u="none" strike="noStrike" dirty="0">
+                        <a:solidFill>
+                          <a:srgbClr val="000000"/>
+                        </a:solidFill>
+                        <a:effectLst/>
+                        <a:latin typeface="Calibri"/>
+                      </a:endParaRPr>
+                    </a:p>
+                  </a:txBody>
+                  <a:tcPr marL="9525" marR="9525" marT="9525" marB="0" anchor="ctr">
+                    <a:lnB w="12700" cap="flat" cmpd="sng" algn="ctr">
+                      <a:solidFill>
+                        <a:schemeClr val="tx2"/>
+                      </a:solidFill>
+                      <a:prstDash val="solid"/>
+                      <a:round/>
+                      <a:headEnd type="none" w="med" len="med"/>
+                      <a:tailEnd type="none" w="med" len="med"/>
+                    </a:lnB>
+                  </a:tcPr>
+                </a:tc>
+                <a:tc>
+                  <a:txBody>
+                    <a:bodyPr/>
+                    <a:lstStyle/>
+                    <a:p>
+                      <a:pPr algn="ctr" fontAlgn="ctr"/>
+                      <a:r>
+                        <a:rPr lang="de-CH" sz="1800" u="none" strike="noStrike" dirty="0">
+                          <a:effectLst/>
+                        </a:rPr>
+                        <a:t>100% </a:t>
+                      </a:r>
+                      <a:r>
+                        <a:rPr lang="de-CH" sz="1800" u="none" strike="noStrike" dirty="0" smtClean="0">
+                          <a:effectLst/>
+                        </a:rPr>
+                        <a:t>Programmierungstasks, </a:t>
+                      </a:r>
+                      <a:r>
+                        <a:rPr lang="de-CH" sz="1800" u="none" strike="noStrike" dirty="0" err="1">
+                          <a:effectLst/>
+                        </a:rPr>
+                        <a:t>Testing</a:t>
+                      </a:r>
+                      <a:r>
+                        <a:rPr lang="de-CH" sz="1800" u="none" strike="noStrike" dirty="0">
+                          <a:effectLst/>
+                        </a:rPr>
+                        <a:t>, Dokumentation und Abschlussarbeiten</a:t>
+                      </a:r>
+                      <a:endParaRPr lang="de-CH" sz="1800" b="0" i="0" u="none" strike="noStrike" dirty="0">
+                        <a:solidFill>
+                          <a:srgbClr val="000000"/>
+                        </a:solidFill>
+                        <a:effectLst/>
+                        <a:latin typeface="Calibri"/>
+                      </a:endParaRPr>
+                    </a:p>
+                  </a:txBody>
+                  <a:tcPr marL="9525" marR="9525" marT="9525" marB="0" anchor="ctr">
+                    <a:lnB w="12700" cap="flat" cmpd="sng" algn="ctr">
+                      <a:solidFill>
+                        <a:schemeClr val="tx2"/>
+                      </a:solidFill>
+                      <a:prstDash val="solid"/>
+                      <a:round/>
+                      <a:headEnd type="none" w="med" len="med"/>
+                      <a:tailEnd type="none" w="med" len="med"/>
+                    </a:lnB>
+                  </a:tcPr>
+                </a:tc>
+              </a:tr>
+              <a:tr h="366041">
+                <a:tc>
+                  <a:txBody>
+                    <a:bodyPr/>
+                    <a:lstStyle/>
+                    <a:p>
+                      <a:pPr algn="l" fontAlgn="b"/>
+                      <a:endParaRPr lang="de-CH" sz="1800" b="0" i="0" u="none" strike="noStrike">
+                        <a:solidFill>
+                          <a:srgbClr val="000000"/>
+                        </a:solidFill>
+                        <a:effectLst/>
+                        <a:latin typeface="Calibri"/>
+                      </a:endParaRPr>
+                    </a:p>
+                  </a:txBody>
+                  <a:tcPr marL="9525" marR="9525" marT="9525" marB="0" anchor="b">
+                    <a:lnT w="12700" cap="flat" cmpd="sng" algn="ctr">
+                      <a:solidFill>
+                        <a:schemeClr val="tx2"/>
+                      </a:solidFill>
+                      <a:prstDash val="solid"/>
+                      <a:round/>
+                      <a:headEnd type="none" w="med" len="med"/>
+                      <a:tailEnd type="none" w="med" len="med"/>
+                    </a:lnT>
+                    <a:lnB>
+                      <a:noFill/>
+                    </a:lnB>
+                  </a:tcPr>
+                </a:tc>
+                <a:tc>
+                  <a:txBody>
+                    <a:bodyPr/>
+                    <a:lstStyle/>
+                    <a:p>
+                      <a:pPr algn="l" fontAlgn="b"/>
+                      <a:endParaRPr lang="de-CH" sz="1800" b="0" i="0" u="none" strike="noStrike">
+                        <a:solidFill>
+                          <a:srgbClr val="000000"/>
+                        </a:solidFill>
+                        <a:effectLst/>
+                        <a:latin typeface="Calibri"/>
+                      </a:endParaRPr>
+                    </a:p>
+                  </a:txBody>
+                  <a:tcPr marL="9525" marR="9525" marT="9525" marB="0" anchor="b">
+                    <a:lnT w="12700" cap="flat" cmpd="sng" algn="ctr">
+                      <a:solidFill>
+                        <a:schemeClr val="tx2"/>
+                      </a:solidFill>
+                      <a:prstDash val="solid"/>
+                      <a:round/>
+                      <a:headEnd type="none" w="med" len="med"/>
+                      <a:tailEnd type="none" w="med" len="med"/>
+                    </a:lnT>
+                    <a:lnB>
+                      <a:noFill/>
+                    </a:lnB>
+                  </a:tcPr>
+                </a:tc>
+                <a:tc>
+                  <a:txBody>
+                    <a:bodyPr/>
+                    <a:lstStyle/>
+                    <a:p>
+                      <a:pPr algn="l" fontAlgn="b"/>
+                      <a:endParaRPr lang="de-CH" sz="1800" b="0" i="0" u="none" strike="noStrike" dirty="0">
+                        <a:solidFill>
+                          <a:srgbClr val="000000"/>
+                        </a:solidFill>
+                        <a:effectLst/>
+                        <a:latin typeface="Calibri"/>
+                      </a:endParaRPr>
+                    </a:p>
+                  </a:txBody>
+                  <a:tcPr marL="9525" marR="9525" marT="9525" marB="0" anchor="b">
+                    <a:lnT w="12700" cap="flat" cmpd="sng" algn="ctr">
+                      <a:solidFill>
+                        <a:schemeClr val="tx2"/>
+                      </a:solidFill>
+                      <a:prstDash val="solid"/>
+                      <a:round/>
+                      <a:headEnd type="none" w="med" len="med"/>
+                      <a:tailEnd type="none" w="med" len="med"/>
+                    </a:lnT>
+                    <a:lnB>
+                      <a:noFill/>
+                    </a:lnB>
+                  </a:tcPr>
+                </a:tc>
+              </a:tr>
+              <a:tr h="366041">
+                <a:tc gridSpan="2">
+                  <a:txBody>
+                    <a:bodyPr/>
+                    <a:lstStyle/>
+                    <a:p>
+                      <a:pPr algn="l" fontAlgn="b"/>
+                      <a:r>
+                        <a:rPr lang="de-CH" sz="1800" u="none" strike="noStrike">
+                          <a:effectLst/>
+                        </a:rPr>
+                        <a:t>Iterationsdauer: 2 -3 Wochen</a:t>
+                      </a:r>
+                      <a:endParaRPr lang="de-CH" sz="1800" b="0" i="0" u="none" strike="noStrike">
+                        <a:solidFill>
+                          <a:srgbClr val="000000"/>
+                        </a:solidFill>
+                        <a:effectLst/>
+                        <a:latin typeface="Calibri"/>
+                      </a:endParaRPr>
+                    </a:p>
+                  </a:txBody>
+                  <a:tcPr marL="9525" marR="9525" marT="9525" marB="0" anchor="b">
+                    <a:lnL>
+                      <a:noFill/>
+                    </a:lnL>
+                    <a:lnR>
+                      <a:noFill/>
+                    </a:lnR>
+                    <a:lnT>
+                      <a:noFill/>
+                    </a:lnT>
+                    <a:lnB w="12700" cmpd="sng">
+                      <a:noFill/>
+                    </a:lnB>
+                    <a:lnTlToBr w="12700" cmpd="sng">
+                      <a:noFill/>
+                      <a:prstDash val="solid"/>
+                    </a:lnTlToBr>
+                    <a:lnBlToTr w="12700" cmpd="sng">
+                      <a:noFill/>
+                      <a:prstDash val="solid"/>
+                    </a:lnBlToTr>
+                    <a:noFill/>
+                  </a:tcPr>
+                </a:tc>
+                <a:tc hMerge="1">
+                  <a:txBody>
+                    <a:bodyPr/>
+                    <a:lstStyle/>
+                    <a:p>
+                      <a:endParaRPr lang="de-CH"/>
+                    </a:p>
+                  </a:txBody>
+                  <a:tcPr/>
+                </a:tc>
+                <a:tc>
+                  <a:txBody>
+                    <a:bodyPr/>
+                    <a:lstStyle/>
+                    <a:p>
+                      <a:pPr algn="l" fontAlgn="b"/>
+                      <a:endParaRPr lang="de-CH" sz="1800" b="0" i="0" u="none" strike="noStrike" dirty="0">
+                        <a:solidFill>
+                          <a:srgbClr val="000000"/>
+                        </a:solidFill>
+                        <a:effectLst/>
+                        <a:latin typeface="Calibri"/>
+                      </a:endParaRPr>
+                    </a:p>
+                  </a:txBody>
+                  <a:tcPr marL="9525" marR="9525" marT="9525" marB="0" anchor="b">
+                    <a:lnL>
+                      <a:noFill/>
+                    </a:lnL>
+                    <a:lnR>
+                      <a:noFill/>
+                    </a:lnR>
+                    <a:lnT>
+                      <a:noFill/>
+                    </a:lnT>
+                    <a:lnB w="12700" cmpd="sng">
+                      <a:noFill/>
+                    </a:lnB>
+                    <a:lnTlToBr w="12700" cmpd="sng">
+                      <a:noFill/>
+                      <a:prstDash val="solid"/>
+                    </a:lnTlToBr>
+                    <a:lnBlToTr w="12700" cmpd="sng">
+                      <a:noFill/>
+                      <a:prstDash val="solid"/>
+                    </a:lnBlToTr>
+                    <a:noFill/>
+                  </a:tcPr>
+                </a:tc>
+              </a:tr>
+            </a:tbl>
+          </a:graphicData>
+        </a:graphic>
+      </p:graphicFrame>
     </p:spTree>
     <p:extLst>
       <p:ext uri="{BB962C8B-B14F-4D97-AF65-F5344CB8AC3E}">
-        <p14:creationId xmlns:p14="http://schemas.microsoft.com/office/powerpoint/2010/main" val="3178079573"/>
+        <p14:creationId xmlns:p14="http://schemas.microsoft.com/office/powerpoint/2010/main" val="672717875"/>
       </p:ext>
     </p:extLst>
   </p:cSld>
@@ -4003,31 +10734,837 @@
           <a:p>
             <a:r>
               <a:rPr lang="de-CH" sz="6000" dirty="0" smtClean="0"/>
-              <a:t>Kundennutzung</a:t>
+              <a:t>Risiken</a:t>
             </a:r>
             <a:endParaRPr lang="de-CH" sz="6000" dirty="0"/>
           </a:p>
         </p:txBody>
       </p:sp>
-      <p:sp>
-        <p:nvSpPr>
-          <p:cNvPr id="4" name="Inhaltsplatzhalter 3"/>
-          <p:cNvSpPr>
-            <a:spLocks noGrp="1"/>
-          </p:cNvSpPr>
+      <p:graphicFrame>
+        <p:nvGraphicFramePr>
+          <p:cNvPr id="3" name="Content Placeholder 2"/>
+          <p:cNvGraphicFramePr>
+            <a:graphicFrameLocks noGrp="1"/>
+          </p:cNvGraphicFramePr>
           <p:nvPr>
             <p:ph idx="1"/>
+            <p:extLst>
+              <p:ext uri="{D42A27DB-BD31-4B8C-83A1-F6EECF244321}">
+                <p14:modId xmlns:p14="http://schemas.microsoft.com/office/powerpoint/2010/main" val="1524536181"/>
+              </p:ext>
+            </p:extLst>
           </p:nvPr>
-        </p:nvSpPr>
-        <p:spPr/>
-        <p:txBody>
-          <a:bodyPr/>
-          <a:lstStyle/>
-          <a:p>
-            <a:endParaRPr lang="de-CH"/>
-          </a:p>
-        </p:txBody>
-      </p:sp>
+        </p:nvGraphicFramePr>
+        <p:xfrm>
+          <a:off x="683568" y="1844824"/>
+          <a:ext cx="7704857" cy="3600400"/>
+        </p:xfrm>
+        <a:graphic>
+          <a:graphicData uri="http://schemas.openxmlformats.org/drawingml/2006/table">
+            <a:tbl>
+              <a:tblPr firstRow="1" firstCol="1" bandRow="1">
+                <a:tableStyleId>{0E3FDE45-AF77-4B5C-9715-49D594BDF05E}</a:tableStyleId>
+              </a:tblPr>
+              <a:tblGrid>
+                <a:gridCol w="483845"/>
+                <a:gridCol w="1902998"/>
+                <a:gridCol w="1038978"/>
+                <a:gridCol w="806880"/>
+                <a:gridCol w="3472156"/>
+              </a:tblGrid>
+              <a:tr h="405658">
+                <a:tc>
+                  <a:txBody>
+                    <a:bodyPr/>
+                    <a:lstStyle/>
+                    <a:p>
+                      <a:pPr>
+                        <a:lnSpc>
+                          <a:spcPct val="115000"/>
+                        </a:lnSpc>
+                        <a:spcAft>
+                          <a:spcPts val="0"/>
+                        </a:spcAft>
+                      </a:pPr>
+                      <a:r>
+                        <a:rPr lang="de-CH" sz="1800" dirty="0">
+                          <a:effectLst/>
+                        </a:rPr>
+                        <a:t>Nr.</a:t>
+                      </a:r>
+                      <a:endParaRPr lang="de-CH" sz="1800" dirty="0">
+                        <a:effectLst/>
+                        <a:latin typeface="Calibri"/>
+                        <a:ea typeface="Calibri"/>
+                        <a:cs typeface="Times New Roman"/>
+                      </a:endParaRPr>
+                    </a:p>
+                  </a:txBody>
+                  <a:tcPr marL="44450" marR="44450" marT="0" marB="0" anchor="b"/>
+                </a:tc>
+                <a:tc>
+                  <a:txBody>
+                    <a:bodyPr/>
+                    <a:lstStyle/>
+                    <a:p>
+                      <a:pPr>
+                        <a:lnSpc>
+                          <a:spcPct val="115000"/>
+                        </a:lnSpc>
+                        <a:spcAft>
+                          <a:spcPts val="0"/>
+                        </a:spcAft>
+                      </a:pPr>
+                      <a:r>
+                        <a:rPr lang="de-CH" sz="1800" dirty="0">
+                          <a:effectLst/>
+                        </a:rPr>
+                        <a:t>Risiko</a:t>
+                      </a:r>
+                      <a:endParaRPr lang="de-CH" sz="1800" dirty="0">
+                        <a:effectLst/>
+                        <a:latin typeface="Calibri"/>
+                        <a:ea typeface="Calibri"/>
+                        <a:cs typeface="Times New Roman"/>
+                      </a:endParaRPr>
+                    </a:p>
+                  </a:txBody>
+                  <a:tcPr marL="44450" marR="44450" marT="0" marB="0" anchor="b"/>
+                </a:tc>
+                <a:tc>
+                  <a:txBody>
+                    <a:bodyPr/>
+                    <a:lstStyle/>
+                    <a:p>
+                      <a:pPr>
+                        <a:lnSpc>
+                          <a:spcPct val="115000"/>
+                        </a:lnSpc>
+                        <a:spcAft>
+                          <a:spcPts val="0"/>
+                        </a:spcAft>
+                      </a:pPr>
+                      <a:r>
+                        <a:rPr lang="de-CH" sz="1800" dirty="0">
+                          <a:effectLst/>
+                        </a:rPr>
+                        <a:t>EW</a:t>
+                      </a:r>
+                      <a:endParaRPr lang="de-CH" sz="1800" dirty="0">
+                        <a:effectLst/>
+                        <a:latin typeface="Calibri"/>
+                        <a:ea typeface="Calibri"/>
+                        <a:cs typeface="Times New Roman"/>
+                      </a:endParaRPr>
+                    </a:p>
+                  </a:txBody>
+                  <a:tcPr marL="44450" marR="44450" marT="0" marB="0" anchor="b"/>
+                </a:tc>
+                <a:tc>
+                  <a:txBody>
+                    <a:bodyPr/>
+                    <a:lstStyle/>
+                    <a:p>
+                      <a:pPr>
+                        <a:lnSpc>
+                          <a:spcPct val="115000"/>
+                        </a:lnSpc>
+                        <a:spcAft>
+                          <a:spcPts val="0"/>
+                        </a:spcAft>
+                      </a:pPr>
+                      <a:r>
+                        <a:rPr lang="de-CH" sz="1800">
+                          <a:effectLst/>
+                        </a:rPr>
+                        <a:t>AW</a:t>
+                      </a:r>
+                      <a:endParaRPr lang="de-CH" sz="1800">
+                        <a:effectLst/>
+                        <a:latin typeface="Calibri"/>
+                        <a:ea typeface="Calibri"/>
+                        <a:cs typeface="Times New Roman"/>
+                      </a:endParaRPr>
+                    </a:p>
+                  </a:txBody>
+                  <a:tcPr marL="44450" marR="44450" marT="0" marB="0" anchor="b"/>
+                </a:tc>
+                <a:tc>
+                  <a:txBody>
+                    <a:bodyPr/>
+                    <a:lstStyle/>
+                    <a:p>
+                      <a:pPr>
+                        <a:lnSpc>
+                          <a:spcPct val="115000"/>
+                        </a:lnSpc>
+                        <a:spcAft>
+                          <a:spcPts val="0"/>
+                        </a:spcAft>
+                      </a:pPr>
+                      <a:r>
+                        <a:rPr lang="de-CH" sz="1800" dirty="0">
+                          <a:effectLst/>
+                        </a:rPr>
+                        <a:t>Massnahmen</a:t>
+                      </a:r>
+                      <a:endParaRPr lang="de-CH" sz="1800" dirty="0">
+                        <a:effectLst/>
+                        <a:latin typeface="Calibri"/>
+                        <a:ea typeface="Calibri"/>
+                        <a:cs typeface="Times New Roman"/>
+                      </a:endParaRPr>
+                    </a:p>
+                  </a:txBody>
+                  <a:tcPr marL="44450" marR="44450" marT="0" marB="0" anchor="b"/>
+                </a:tc>
+              </a:tr>
+              <a:tr h="746470">
+                <a:tc>
+                  <a:txBody>
+                    <a:bodyPr/>
+                    <a:lstStyle/>
+                    <a:p>
+                      <a:pPr algn="r">
+                        <a:lnSpc>
+                          <a:spcPct val="115000"/>
+                        </a:lnSpc>
+                        <a:spcAft>
+                          <a:spcPts val="0"/>
+                        </a:spcAft>
+                      </a:pPr>
+                      <a:r>
+                        <a:rPr lang="de-CH" sz="1800" dirty="0">
+                          <a:effectLst/>
+                        </a:rPr>
+                        <a:t>1</a:t>
+                      </a:r>
+                      <a:endParaRPr lang="de-CH" sz="1800" dirty="0">
+                        <a:effectLst/>
+                        <a:latin typeface="Calibri"/>
+                        <a:ea typeface="Calibri"/>
+                        <a:cs typeface="Times New Roman"/>
+                      </a:endParaRPr>
+                    </a:p>
+                  </a:txBody>
+                  <a:tcPr marL="44450" marR="44450" marT="0" marB="0" anchor="ctr"/>
+                </a:tc>
+                <a:tc>
+                  <a:txBody>
+                    <a:bodyPr/>
+                    <a:lstStyle/>
+                    <a:p>
+                      <a:pPr>
+                        <a:lnSpc>
+                          <a:spcPct val="115000"/>
+                        </a:lnSpc>
+                        <a:spcAft>
+                          <a:spcPts val="0"/>
+                        </a:spcAft>
+                      </a:pPr>
+                      <a:r>
+                        <a:rPr lang="de-CH" sz="1800" dirty="0">
+                          <a:effectLst/>
+                        </a:rPr>
+                        <a:t>ZHAW Netzwerk</a:t>
+                      </a:r>
+                      <a:endParaRPr lang="de-CH" sz="1800" dirty="0">
+                        <a:effectLst/>
+                        <a:latin typeface="Calibri"/>
+                        <a:ea typeface="Calibri"/>
+                        <a:cs typeface="Times New Roman"/>
+                      </a:endParaRPr>
+                    </a:p>
+                  </a:txBody>
+                  <a:tcPr marL="44450" marR="44450" marT="0" marB="0" anchor="ctr"/>
+                </a:tc>
+                <a:tc>
+                  <a:txBody>
+                    <a:bodyPr/>
+                    <a:lstStyle/>
+                    <a:p>
+                      <a:pPr>
+                        <a:lnSpc>
+                          <a:spcPct val="115000"/>
+                        </a:lnSpc>
+                        <a:spcAft>
+                          <a:spcPts val="0"/>
+                        </a:spcAft>
+                      </a:pPr>
+                      <a:r>
+                        <a:rPr lang="de-CH" sz="1800" dirty="0" smtClean="0">
+                          <a:effectLst/>
+                        </a:rPr>
+                        <a:t>4</a:t>
+                      </a:r>
+                      <a:endParaRPr lang="de-CH" sz="1800" dirty="0">
+                        <a:effectLst/>
+                        <a:latin typeface="Calibri"/>
+                        <a:ea typeface="Calibri"/>
+                        <a:cs typeface="Times New Roman"/>
+                      </a:endParaRPr>
+                    </a:p>
+                  </a:txBody>
+                  <a:tcPr marL="44450" marR="44450" marT="0" marB="0" anchor="ctr"/>
+                </a:tc>
+                <a:tc>
+                  <a:txBody>
+                    <a:bodyPr/>
+                    <a:lstStyle/>
+                    <a:p>
+                      <a:pPr>
+                        <a:lnSpc>
+                          <a:spcPct val="115000"/>
+                        </a:lnSpc>
+                        <a:spcAft>
+                          <a:spcPts val="0"/>
+                        </a:spcAft>
+                      </a:pPr>
+                      <a:r>
+                        <a:rPr lang="de-CH" sz="1800" dirty="0">
+                          <a:effectLst/>
+                        </a:rPr>
+                        <a:t>Gering</a:t>
+                      </a:r>
+                      <a:endParaRPr lang="de-CH" sz="1800" dirty="0">
+                        <a:effectLst/>
+                        <a:latin typeface="Calibri"/>
+                        <a:ea typeface="Calibri"/>
+                        <a:cs typeface="Times New Roman"/>
+                      </a:endParaRPr>
+                    </a:p>
+                  </a:txBody>
+                  <a:tcPr marL="44450" marR="44450" marT="0" marB="0" anchor="ctr"/>
+                </a:tc>
+                <a:tc>
+                  <a:txBody>
+                    <a:bodyPr/>
+                    <a:lstStyle/>
+                    <a:p>
+                      <a:pPr>
+                        <a:lnSpc>
+                          <a:spcPct val="115000"/>
+                        </a:lnSpc>
+                        <a:spcAft>
+                          <a:spcPts val="0"/>
+                        </a:spcAft>
+                      </a:pPr>
+                      <a:r>
+                        <a:rPr lang="de-CH" sz="1800" dirty="0" err="1" smtClean="0">
+                          <a:effectLst/>
+                          <a:latin typeface="Arial (Body)"/>
+                          <a:ea typeface="Calibri"/>
+                          <a:cs typeface="Times New Roman"/>
+                        </a:rPr>
+                        <a:t>Git</a:t>
+                      </a:r>
+                      <a:r>
+                        <a:rPr lang="de-CH" sz="1800" dirty="0" smtClean="0">
+                          <a:effectLst/>
+                          <a:latin typeface="Arial (Body)"/>
+                          <a:ea typeface="Calibri"/>
+                          <a:cs typeface="Times New Roman"/>
+                        </a:rPr>
+                        <a:t> benutzen</a:t>
+                      </a:r>
+                      <a:endParaRPr lang="de-CH" sz="1800" dirty="0">
+                        <a:effectLst/>
+                        <a:latin typeface="Arial (Body)"/>
+                        <a:ea typeface="Calibri"/>
+                        <a:cs typeface="Times New Roman"/>
+                      </a:endParaRPr>
+                    </a:p>
+                  </a:txBody>
+                  <a:tcPr marL="44450" marR="44450" marT="0" marB="0" anchor="ctr"/>
+                </a:tc>
+              </a:tr>
+              <a:tr h="864096">
+                <a:tc>
+                  <a:txBody>
+                    <a:bodyPr/>
+                    <a:lstStyle/>
+                    <a:p>
+                      <a:pPr algn="r">
+                        <a:lnSpc>
+                          <a:spcPct val="115000"/>
+                        </a:lnSpc>
+                        <a:spcAft>
+                          <a:spcPts val="0"/>
+                        </a:spcAft>
+                      </a:pPr>
+                      <a:r>
+                        <a:rPr lang="de-CH" sz="1800">
+                          <a:effectLst/>
+                        </a:rPr>
+                        <a:t>2</a:t>
+                      </a:r>
+                      <a:endParaRPr lang="de-CH" sz="1800">
+                        <a:effectLst/>
+                        <a:latin typeface="Calibri"/>
+                        <a:ea typeface="Calibri"/>
+                        <a:cs typeface="Times New Roman"/>
+                      </a:endParaRPr>
+                    </a:p>
+                  </a:txBody>
+                  <a:tcPr marL="44450" marR="44450" marT="0" marB="0" anchor="ctr"/>
+                </a:tc>
+                <a:tc>
+                  <a:txBody>
+                    <a:bodyPr/>
+                    <a:lstStyle/>
+                    <a:p>
+                      <a:pPr>
+                        <a:lnSpc>
+                          <a:spcPct val="115000"/>
+                        </a:lnSpc>
+                        <a:spcAft>
+                          <a:spcPts val="0"/>
+                        </a:spcAft>
+                      </a:pPr>
+                      <a:r>
+                        <a:rPr lang="de-CH" sz="1800" dirty="0">
+                          <a:effectLst/>
+                        </a:rPr>
+                        <a:t>Motivation</a:t>
+                      </a:r>
+                      <a:endParaRPr lang="de-CH" sz="1800" dirty="0">
+                        <a:effectLst/>
+                        <a:latin typeface="Calibri"/>
+                        <a:ea typeface="Calibri"/>
+                        <a:cs typeface="Times New Roman"/>
+                      </a:endParaRPr>
+                    </a:p>
+                  </a:txBody>
+                  <a:tcPr marL="44450" marR="44450" marT="0" marB="0" anchor="ctr"/>
+                </a:tc>
+                <a:tc>
+                  <a:txBody>
+                    <a:bodyPr/>
+                    <a:lstStyle/>
+                    <a:p>
+                      <a:pPr>
+                        <a:lnSpc>
+                          <a:spcPct val="115000"/>
+                        </a:lnSpc>
+                        <a:spcAft>
+                          <a:spcPts val="0"/>
+                        </a:spcAft>
+                      </a:pPr>
+                      <a:r>
+                        <a:rPr lang="de-CH" sz="1800" dirty="0" smtClean="0">
+                          <a:effectLst/>
+                        </a:rPr>
+                        <a:t>3</a:t>
+                      </a:r>
+                      <a:endParaRPr lang="de-CH" sz="1800" dirty="0">
+                        <a:effectLst/>
+                        <a:latin typeface="Calibri"/>
+                        <a:ea typeface="Calibri"/>
+                        <a:cs typeface="Times New Roman"/>
+                      </a:endParaRPr>
+                    </a:p>
+                  </a:txBody>
+                  <a:tcPr marL="44450" marR="44450" marT="0" marB="0" anchor="ctr"/>
+                </a:tc>
+                <a:tc>
+                  <a:txBody>
+                    <a:bodyPr/>
+                    <a:lstStyle/>
+                    <a:p>
+                      <a:pPr>
+                        <a:lnSpc>
+                          <a:spcPct val="115000"/>
+                        </a:lnSpc>
+                        <a:spcAft>
+                          <a:spcPts val="0"/>
+                        </a:spcAft>
+                      </a:pPr>
+                      <a:r>
+                        <a:rPr lang="de-CH" sz="1800" dirty="0">
+                          <a:effectLst/>
+                        </a:rPr>
+                        <a:t>Mittel</a:t>
+                      </a:r>
+                      <a:endParaRPr lang="de-CH" sz="1800" dirty="0">
+                        <a:effectLst/>
+                        <a:latin typeface="Calibri"/>
+                        <a:ea typeface="Calibri"/>
+                        <a:cs typeface="Times New Roman"/>
+                      </a:endParaRPr>
+                    </a:p>
+                  </a:txBody>
+                  <a:tcPr marL="44450" marR="44450" marT="0" marB="0" anchor="ctr"/>
+                </a:tc>
+                <a:tc>
+                  <a:txBody>
+                    <a:bodyPr/>
+                    <a:lstStyle/>
+                    <a:p>
+                      <a:pPr>
+                        <a:lnSpc>
+                          <a:spcPct val="115000"/>
+                        </a:lnSpc>
+                        <a:spcAft>
+                          <a:spcPts val="0"/>
+                        </a:spcAft>
+                      </a:pPr>
+                      <a:r>
+                        <a:rPr lang="de-CH" sz="1800" dirty="0" smtClean="0">
+                          <a:effectLst/>
+                          <a:latin typeface="Arial (Body)"/>
+                          <a:ea typeface="Calibri"/>
+                          <a:cs typeface="Times New Roman"/>
+                        </a:rPr>
+                        <a:t>Gerechte Verteilung,</a:t>
+                      </a:r>
+                      <a:r>
+                        <a:rPr lang="de-CH" sz="1800" baseline="0" dirty="0" smtClean="0">
+                          <a:effectLst/>
+                          <a:latin typeface="Arial (Body)"/>
+                          <a:ea typeface="Calibri"/>
+                          <a:cs typeface="Times New Roman"/>
+                        </a:rPr>
+                        <a:t> Teamgeist, gemeinsame Ziele</a:t>
+                      </a:r>
+                      <a:endParaRPr lang="de-CH" sz="1800" dirty="0">
+                        <a:effectLst/>
+                        <a:latin typeface="Arial (Body)"/>
+                        <a:ea typeface="Calibri"/>
+                        <a:cs typeface="Times New Roman"/>
+                      </a:endParaRPr>
+                    </a:p>
+                  </a:txBody>
+                  <a:tcPr marL="44450" marR="44450" marT="0" marB="0" anchor="ctr"/>
+                </a:tc>
+              </a:tr>
+              <a:tr h="864096">
+                <a:tc>
+                  <a:txBody>
+                    <a:bodyPr/>
+                    <a:lstStyle/>
+                    <a:p>
+                      <a:pPr algn="r">
+                        <a:lnSpc>
+                          <a:spcPct val="115000"/>
+                        </a:lnSpc>
+                        <a:spcAft>
+                          <a:spcPts val="0"/>
+                        </a:spcAft>
+                      </a:pPr>
+                      <a:r>
+                        <a:rPr lang="de-CH" sz="1800">
+                          <a:effectLst/>
+                        </a:rPr>
+                        <a:t>3</a:t>
+                      </a:r>
+                      <a:endParaRPr lang="de-CH" sz="1800">
+                        <a:effectLst/>
+                        <a:latin typeface="Calibri"/>
+                        <a:ea typeface="Calibri"/>
+                        <a:cs typeface="Times New Roman"/>
+                      </a:endParaRPr>
+                    </a:p>
+                  </a:txBody>
+                  <a:tcPr marL="44450" marR="44450" marT="0" marB="0" anchor="ctr"/>
+                </a:tc>
+                <a:tc>
+                  <a:txBody>
+                    <a:bodyPr/>
+                    <a:lstStyle/>
+                    <a:p>
+                      <a:pPr>
+                        <a:lnSpc>
+                          <a:spcPct val="115000"/>
+                        </a:lnSpc>
+                        <a:spcAft>
+                          <a:spcPts val="0"/>
+                        </a:spcAft>
+                      </a:pPr>
+                      <a:r>
+                        <a:rPr lang="de-CH" sz="1800" dirty="0">
+                          <a:effectLst/>
+                        </a:rPr>
+                        <a:t>Probleme mit </a:t>
+                      </a:r>
+                      <a:r>
+                        <a:rPr lang="de-CH" sz="1800" dirty="0" smtClean="0">
+                          <a:effectLst/>
+                        </a:rPr>
+                        <a:t>IDE</a:t>
+                      </a:r>
+                      <a:endParaRPr lang="de-CH" sz="1800" dirty="0">
+                        <a:effectLst/>
+                        <a:latin typeface="Calibri"/>
+                        <a:ea typeface="Calibri"/>
+                        <a:cs typeface="Times New Roman"/>
+                      </a:endParaRPr>
+                    </a:p>
+                  </a:txBody>
+                  <a:tcPr marL="44450" marR="44450" marT="0" marB="0" anchor="ctr"/>
+                </a:tc>
+                <a:tc>
+                  <a:txBody>
+                    <a:bodyPr/>
+                    <a:lstStyle/>
+                    <a:p>
+                      <a:pPr>
+                        <a:lnSpc>
+                          <a:spcPct val="115000"/>
+                        </a:lnSpc>
+                        <a:spcAft>
+                          <a:spcPts val="0"/>
+                        </a:spcAft>
+                      </a:pPr>
+                      <a:r>
+                        <a:rPr lang="de-CH" sz="1800" dirty="0" smtClean="0">
+                          <a:effectLst/>
+                        </a:rPr>
+                        <a:t>2</a:t>
+                      </a:r>
+                      <a:endParaRPr lang="de-CH" sz="1800" dirty="0">
+                        <a:effectLst/>
+                        <a:latin typeface="Calibri"/>
+                        <a:ea typeface="Calibri"/>
+                        <a:cs typeface="Times New Roman"/>
+                      </a:endParaRPr>
+                    </a:p>
+                  </a:txBody>
+                  <a:tcPr marL="44450" marR="44450" marT="0" marB="0" anchor="ctr"/>
+                </a:tc>
+                <a:tc>
+                  <a:txBody>
+                    <a:bodyPr/>
+                    <a:lstStyle/>
+                    <a:p>
+                      <a:pPr>
+                        <a:lnSpc>
+                          <a:spcPct val="115000"/>
+                        </a:lnSpc>
+                        <a:spcAft>
+                          <a:spcPts val="0"/>
+                        </a:spcAft>
+                      </a:pPr>
+                      <a:r>
+                        <a:rPr lang="de-CH" sz="1800" dirty="0">
+                          <a:effectLst/>
+                        </a:rPr>
+                        <a:t>Hoch</a:t>
+                      </a:r>
+                      <a:endParaRPr lang="de-CH" sz="1800" dirty="0">
+                        <a:effectLst/>
+                        <a:latin typeface="Calibri"/>
+                        <a:ea typeface="Calibri"/>
+                        <a:cs typeface="Times New Roman"/>
+                      </a:endParaRPr>
+                    </a:p>
+                  </a:txBody>
+                  <a:tcPr marL="44450" marR="44450" marT="0" marB="0" anchor="ctr"/>
+                </a:tc>
+                <a:tc>
+                  <a:txBody>
+                    <a:bodyPr/>
+                    <a:lstStyle/>
+                    <a:p>
+                      <a:pPr>
+                        <a:lnSpc>
+                          <a:spcPct val="115000"/>
+                        </a:lnSpc>
+                        <a:spcAft>
+                          <a:spcPts val="0"/>
+                        </a:spcAft>
+                      </a:pPr>
+                      <a:r>
+                        <a:rPr lang="de-CH" sz="1800" dirty="0" smtClean="0">
+                          <a:effectLst/>
+                          <a:latin typeface="Arial (Body)"/>
+                          <a:ea typeface="Calibri"/>
+                          <a:cs typeface="Times New Roman"/>
+                        </a:rPr>
+                        <a:t>Gemeinsam Einrichten, gegenseitig Unterstützen</a:t>
+                      </a:r>
+                      <a:endParaRPr lang="de-CH" sz="1800" dirty="0">
+                        <a:effectLst/>
+                        <a:latin typeface="Arial (Body)"/>
+                        <a:ea typeface="Calibri"/>
+                        <a:cs typeface="Times New Roman"/>
+                      </a:endParaRPr>
+                    </a:p>
+                  </a:txBody>
+                  <a:tcPr marL="44450" marR="44450" marT="0" marB="0" anchor="ctr"/>
+                </a:tc>
+              </a:tr>
+              <a:tr h="720080">
+                <a:tc>
+                  <a:txBody>
+                    <a:bodyPr/>
+                    <a:lstStyle/>
+                    <a:p>
+                      <a:pPr algn="r">
+                        <a:lnSpc>
+                          <a:spcPct val="115000"/>
+                        </a:lnSpc>
+                        <a:spcAft>
+                          <a:spcPts val="0"/>
+                        </a:spcAft>
+                      </a:pPr>
+                      <a:r>
+                        <a:rPr lang="de-CH" sz="1800">
+                          <a:effectLst/>
+                        </a:rPr>
+                        <a:t>4</a:t>
+                      </a:r>
+                      <a:endParaRPr lang="de-CH" sz="1800">
+                        <a:effectLst/>
+                        <a:latin typeface="Calibri"/>
+                        <a:ea typeface="Calibri"/>
+                        <a:cs typeface="Times New Roman"/>
+                      </a:endParaRPr>
+                    </a:p>
+                  </a:txBody>
+                  <a:tcPr marL="44450" marR="44450" marT="0" marB="0" anchor="ctr"/>
+                </a:tc>
+                <a:tc>
+                  <a:txBody>
+                    <a:bodyPr/>
+                    <a:lstStyle/>
+                    <a:p>
+                      <a:pPr>
+                        <a:lnSpc>
+                          <a:spcPct val="115000"/>
+                        </a:lnSpc>
+                        <a:spcAft>
+                          <a:spcPts val="0"/>
+                        </a:spcAft>
+                      </a:pPr>
+                      <a:r>
+                        <a:rPr lang="de-CH" sz="1800">
+                          <a:effectLst/>
+                        </a:rPr>
+                        <a:t>Hardware</a:t>
+                      </a:r>
+                      <a:endParaRPr lang="de-CH" sz="1800">
+                        <a:effectLst/>
+                        <a:latin typeface="Calibri"/>
+                        <a:ea typeface="Calibri"/>
+                        <a:cs typeface="Times New Roman"/>
+                      </a:endParaRPr>
+                    </a:p>
+                  </a:txBody>
+                  <a:tcPr marL="44450" marR="44450" marT="0" marB="0" anchor="ctr"/>
+                </a:tc>
+                <a:tc>
+                  <a:txBody>
+                    <a:bodyPr/>
+                    <a:lstStyle/>
+                    <a:p>
+                      <a:pPr>
+                        <a:lnSpc>
+                          <a:spcPct val="115000"/>
+                        </a:lnSpc>
+                        <a:spcAft>
+                          <a:spcPts val="0"/>
+                        </a:spcAft>
+                      </a:pPr>
+                      <a:r>
+                        <a:rPr lang="de-CH" sz="1800" dirty="0" smtClean="0">
+                          <a:effectLst/>
+                        </a:rPr>
+                        <a:t>2</a:t>
+                      </a:r>
+                      <a:endParaRPr lang="de-CH" sz="1800" dirty="0">
+                        <a:effectLst/>
+                        <a:latin typeface="Calibri"/>
+                        <a:ea typeface="Calibri"/>
+                        <a:cs typeface="Times New Roman"/>
+                      </a:endParaRPr>
+                    </a:p>
+                  </a:txBody>
+                  <a:tcPr marL="44450" marR="44450" marT="0" marB="0" anchor="ctr"/>
+                </a:tc>
+                <a:tc>
+                  <a:txBody>
+                    <a:bodyPr/>
+                    <a:lstStyle/>
+                    <a:p>
+                      <a:pPr>
+                        <a:lnSpc>
+                          <a:spcPct val="115000"/>
+                        </a:lnSpc>
+                        <a:spcAft>
+                          <a:spcPts val="0"/>
+                        </a:spcAft>
+                      </a:pPr>
+                      <a:r>
+                        <a:rPr lang="de-CH" sz="1800" dirty="0">
+                          <a:effectLst/>
+                        </a:rPr>
+                        <a:t>Hoch</a:t>
+                      </a:r>
+                      <a:endParaRPr lang="de-CH" sz="1800" dirty="0">
+                        <a:effectLst/>
+                        <a:latin typeface="Calibri"/>
+                        <a:ea typeface="Calibri"/>
+                        <a:cs typeface="Times New Roman"/>
+                      </a:endParaRPr>
+                    </a:p>
+                  </a:txBody>
+                  <a:tcPr marL="44450" marR="44450" marT="0" marB="0" anchor="ctr"/>
+                </a:tc>
+                <a:tc>
+                  <a:txBody>
+                    <a:bodyPr/>
+                    <a:lstStyle/>
+                    <a:p>
+                      <a:pPr>
+                        <a:lnSpc>
+                          <a:spcPct val="115000"/>
+                        </a:lnSpc>
+                        <a:spcAft>
+                          <a:spcPts val="0"/>
+                        </a:spcAft>
+                      </a:pPr>
+                      <a:r>
+                        <a:rPr lang="de-CH" sz="1800" dirty="0" err="1" smtClean="0">
+                          <a:effectLst/>
+                          <a:latin typeface="Arial (Body)"/>
+                          <a:ea typeface="Calibri"/>
+                          <a:cs typeface="Times New Roman"/>
+                        </a:rPr>
+                        <a:t>Sorgfallt</a:t>
+                      </a:r>
+                      <a:r>
+                        <a:rPr lang="de-CH" sz="1800" dirty="0" smtClean="0">
+                          <a:effectLst/>
+                          <a:latin typeface="Arial (Body)"/>
+                          <a:ea typeface="Calibri"/>
+                          <a:cs typeface="Times New Roman"/>
+                        </a:rPr>
+                        <a:t>,</a:t>
+                      </a:r>
+                      <a:r>
+                        <a:rPr lang="de-CH" sz="1800" baseline="0" dirty="0" smtClean="0">
+                          <a:effectLst/>
+                          <a:latin typeface="Arial (Body)"/>
+                          <a:ea typeface="Calibri"/>
+                          <a:cs typeface="Times New Roman"/>
+                        </a:rPr>
+                        <a:t> Ersatz besorgen</a:t>
+                      </a:r>
+                      <a:endParaRPr lang="de-CH" sz="1800" dirty="0">
+                        <a:effectLst/>
+                        <a:latin typeface="Arial (Body)"/>
+                        <a:ea typeface="Calibri"/>
+                        <a:cs typeface="Times New Roman"/>
+                      </a:endParaRPr>
+                    </a:p>
+                  </a:txBody>
+                  <a:tcPr marL="44450" marR="44450" marT="0" marB="0" anchor="ctr"/>
+                </a:tc>
+              </a:tr>
+            </a:tbl>
+          </a:graphicData>
+        </a:graphic>
+      </p:graphicFrame>
     </p:spTree>
     <p:extLst>
       <p:ext uri="{BB962C8B-B14F-4D97-AF65-F5344CB8AC3E}">
@@ -4084,35 +11621,799 @@
           <a:p>
             <a:r>
               <a:rPr lang="de-CH" sz="6000" dirty="0" smtClean="0"/>
-              <a:t>Wirtschaftlichkeit</a:t>
+              <a:t>Risiken</a:t>
             </a:r>
             <a:endParaRPr lang="de-CH" sz="6000" dirty="0"/>
           </a:p>
         </p:txBody>
       </p:sp>
-      <p:sp>
-        <p:nvSpPr>
-          <p:cNvPr id="4" name="Inhaltsplatzhalter 3"/>
-          <p:cNvSpPr>
-            <a:spLocks noGrp="1"/>
-          </p:cNvSpPr>
+      <p:graphicFrame>
+        <p:nvGraphicFramePr>
+          <p:cNvPr id="3" name="Content Placeholder 2"/>
+          <p:cNvGraphicFramePr>
+            <a:graphicFrameLocks noGrp="1"/>
+          </p:cNvGraphicFramePr>
           <p:nvPr>
             <p:ph idx="1"/>
+            <p:extLst>
+              <p:ext uri="{D42A27DB-BD31-4B8C-83A1-F6EECF244321}">
+                <p14:modId xmlns:p14="http://schemas.microsoft.com/office/powerpoint/2010/main" val="1896010324"/>
+              </p:ext>
+            </p:extLst>
           </p:nvPr>
-        </p:nvSpPr>
-        <p:spPr/>
-        <p:txBody>
-          <a:bodyPr/>
-          <a:lstStyle/>
-          <a:p>
-            <a:endParaRPr lang="de-CH"/>
-          </a:p>
-        </p:txBody>
-      </p:sp>
+        </p:nvGraphicFramePr>
+        <p:xfrm>
+          <a:off x="683568" y="1844824"/>
+          <a:ext cx="7704857" cy="3672408"/>
+        </p:xfrm>
+        <a:graphic>
+          <a:graphicData uri="http://schemas.openxmlformats.org/drawingml/2006/table">
+            <a:tbl>
+              <a:tblPr firstRow="1" firstCol="1" bandRow="1">
+                <a:tableStyleId>{0E3FDE45-AF77-4B5C-9715-49D594BDF05E}</a:tableStyleId>
+              </a:tblPr>
+              <a:tblGrid>
+                <a:gridCol w="483845"/>
+                <a:gridCol w="1902998"/>
+                <a:gridCol w="1038978"/>
+                <a:gridCol w="806880"/>
+                <a:gridCol w="3472156"/>
+              </a:tblGrid>
+              <a:tr h="405658">
+                <a:tc>
+                  <a:txBody>
+                    <a:bodyPr/>
+                    <a:lstStyle/>
+                    <a:p>
+                      <a:pPr>
+                        <a:lnSpc>
+                          <a:spcPct val="115000"/>
+                        </a:lnSpc>
+                        <a:spcAft>
+                          <a:spcPts val="0"/>
+                        </a:spcAft>
+                      </a:pPr>
+                      <a:r>
+                        <a:rPr lang="de-CH" sz="1800" dirty="0">
+                          <a:effectLst/>
+                        </a:rPr>
+                        <a:t>Nr.</a:t>
+                      </a:r>
+                      <a:endParaRPr lang="de-CH" sz="1800" dirty="0">
+                        <a:effectLst/>
+                        <a:latin typeface="Calibri"/>
+                        <a:ea typeface="Calibri"/>
+                        <a:cs typeface="Times New Roman"/>
+                      </a:endParaRPr>
+                    </a:p>
+                  </a:txBody>
+                  <a:tcPr marL="44450" marR="44450" marT="0" marB="0" anchor="b"/>
+                </a:tc>
+                <a:tc>
+                  <a:txBody>
+                    <a:bodyPr/>
+                    <a:lstStyle/>
+                    <a:p>
+                      <a:pPr>
+                        <a:lnSpc>
+                          <a:spcPct val="115000"/>
+                        </a:lnSpc>
+                        <a:spcAft>
+                          <a:spcPts val="0"/>
+                        </a:spcAft>
+                      </a:pPr>
+                      <a:r>
+                        <a:rPr lang="de-CH" sz="1800" dirty="0">
+                          <a:effectLst/>
+                        </a:rPr>
+                        <a:t>Risiko</a:t>
+                      </a:r>
+                      <a:endParaRPr lang="de-CH" sz="1800" dirty="0">
+                        <a:effectLst/>
+                        <a:latin typeface="Calibri"/>
+                        <a:ea typeface="Calibri"/>
+                        <a:cs typeface="Times New Roman"/>
+                      </a:endParaRPr>
+                    </a:p>
+                  </a:txBody>
+                  <a:tcPr marL="44450" marR="44450" marT="0" marB="0" anchor="b"/>
+                </a:tc>
+                <a:tc>
+                  <a:txBody>
+                    <a:bodyPr/>
+                    <a:lstStyle/>
+                    <a:p>
+                      <a:pPr>
+                        <a:lnSpc>
+                          <a:spcPct val="115000"/>
+                        </a:lnSpc>
+                        <a:spcAft>
+                          <a:spcPts val="0"/>
+                        </a:spcAft>
+                      </a:pPr>
+                      <a:r>
+                        <a:rPr lang="de-CH" sz="1800" dirty="0">
+                          <a:effectLst/>
+                        </a:rPr>
+                        <a:t>EW</a:t>
+                      </a:r>
+                      <a:endParaRPr lang="de-CH" sz="1800" dirty="0">
+                        <a:effectLst/>
+                        <a:latin typeface="Calibri"/>
+                        <a:ea typeface="Calibri"/>
+                        <a:cs typeface="Times New Roman"/>
+                      </a:endParaRPr>
+                    </a:p>
+                  </a:txBody>
+                  <a:tcPr marL="44450" marR="44450" marT="0" marB="0" anchor="b"/>
+                </a:tc>
+                <a:tc>
+                  <a:txBody>
+                    <a:bodyPr/>
+                    <a:lstStyle/>
+                    <a:p>
+                      <a:pPr>
+                        <a:lnSpc>
+                          <a:spcPct val="115000"/>
+                        </a:lnSpc>
+                        <a:spcAft>
+                          <a:spcPts val="0"/>
+                        </a:spcAft>
+                      </a:pPr>
+                      <a:r>
+                        <a:rPr lang="de-CH" sz="1800">
+                          <a:effectLst/>
+                        </a:rPr>
+                        <a:t>AW</a:t>
+                      </a:r>
+                      <a:endParaRPr lang="de-CH" sz="1800">
+                        <a:effectLst/>
+                        <a:latin typeface="Calibri"/>
+                        <a:ea typeface="Calibri"/>
+                        <a:cs typeface="Times New Roman"/>
+                      </a:endParaRPr>
+                    </a:p>
+                  </a:txBody>
+                  <a:tcPr marL="44450" marR="44450" marT="0" marB="0" anchor="b"/>
+                </a:tc>
+                <a:tc>
+                  <a:txBody>
+                    <a:bodyPr/>
+                    <a:lstStyle/>
+                    <a:p>
+                      <a:pPr>
+                        <a:lnSpc>
+                          <a:spcPct val="115000"/>
+                        </a:lnSpc>
+                        <a:spcAft>
+                          <a:spcPts val="0"/>
+                        </a:spcAft>
+                      </a:pPr>
+                      <a:r>
+                        <a:rPr lang="de-CH" sz="1800" dirty="0">
+                          <a:effectLst/>
+                        </a:rPr>
+                        <a:t>Massnahmen</a:t>
+                      </a:r>
+                      <a:endParaRPr lang="de-CH" sz="1800" dirty="0">
+                        <a:effectLst/>
+                        <a:latin typeface="Calibri"/>
+                        <a:ea typeface="Calibri"/>
+                        <a:cs typeface="Times New Roman"/>
+                      </a:endParaRPr>
+                    </a:p>
+                  </a:txBody>
+                  <a:tcPr marL="44450" marR="44450" marT="0" marB="0" anchor="b"/>
+                </a:tc>
+              </a:tr>
+              <a:tr h="746470">
+                <a:tc>
+                  <a:txBody>
+                    <a:bodyPr/>
+                    <a:lstStyle/>
+                    <a:p>
+                      <a:pPr algn="r">
+                        <a:lnSpc>
+                          <a:spcPct val="115000"/>
+                        </a:lnSpc>
+                        <a:spcAft>
+                          <a:spcPts val="0"/>
+                        </a:spcAft>
+                      </a:pPr>
+                      <a:r>
+                        <a:rPr lang="de-CH" sz="1800" dirty="0">
+                          <a:effectLst/>
+                        </a:rPr>
+                        <a:t>5</a:t>
+                      </a:r>
+                      <a:endParaRPr lang="de-CH" sz="1800" dirty="0">
+                        <a:effectLst/>
+                        <a:latin typeface="Calibri"/>
+                        <a:ea typeface="Calibri"/>
+                        <a:cs typeface="Times New Roman"/>
+                      </a:endParaRPr>
+                    </a:p>
+                  </a:txBody>
+                  <a:tcPr marL="44450" marR="44450" marT="0" marB="0" anchor="ctr"/>
+                </a:tc>
+                <a:tc>
+                  <a:txBody>
+                    <a:bodyPr/>
+                    <a:lstStyle/>
+                    <a:p>
+                      <a:pPr>
+                        <a:lnSpc>
+                          <a:spcPct val="115000"/>
+                        </a:lnSpc>
+                        <a:spcAft>
+                          <a:spcPts val="0"/>
+                        </a:spcAft>
+                      </a:pPr>
+                      <a:r>
+                        <a:rPr lang="de-CH" sz="1800">
+                          <a:effectLst/>
+                        </a:rPr>
+                        <a:t>Sound &amp; Grafik</a:t>
+                      </a:r>
+                      <a:endParaRPr lang="de-CH" sz="1800">
+                        <a:effectLst/>
+                        <a:latin typeface="Calibri"/>
+                        <a:ea typeface="Calibri"/>
+                        <a:cs typeface="Times New Roman"/>
+                      </a:endParaRPr>
+                    </a:p>
+                  </a:txBody>
+                  <a:tcPr marL="44450" marR="44450" marT="0" marB="0" anchor="ctr"/>
+                </a:tc>
+                <a:tc>
+                  <a:txBody>
+                    <a:bodyPr/>
+                    <a:lstStyle/>
+                    <a:p>
+                      <a:pPr>
+                        <a:lnSpc>
+                          <a:spcPct val="115000"/>
+                        </a:lnSpc>
+                        <a:spcAft>
+                          <a:spcPts val="0"/>
+                        </a:spcAft>
+                      </a:pPr>
+                      <a:r>
+                        <a:rPr lang="de-CH" sz="1800" dirty="0" smtClean="0">
+                          <a:effectLst/>
+                        </a:rPr>
+                        <a:t>2</a:t>
+                      </a:r>
+                      <a:endParaRPr lang="de-CH" sz="1800" dirty="0">
+                        <a:effectLst/>
+                        <a:latin typeface="Calibri"/>
+                        <a:ea typeface="Calibri"/>
+                        <a:cs typeface="Times New Roman"/>
+                      </a:endParaRPr>
+                    </a:p>
+                  </a:txBody>
+                  <a:tcPr marL="44450" marR="44450" marT="0" marB="0" anchor="ctr"/>
+                </a:tc>
+                <a:tc>
+                  <a:txBody>
+                    <a:bodyPr/>
+                    <a:lstStyle/>
+                    <a:p>
+                      <a:pPr>
+                        <a:lnSpc>
+                          <a:spcPct val="115000"/>
+                        </a:lnSpc>
+                        <a:spcAft>
+                          <a:spcPts val="0"/>
+                        </a:spcAft>
+                      </a:pPr>
+                      <a:r>
+                        <a:rPr lang="de-CH" sz="1800" dirty="0">
+                          <a:effectLst/>
+                        </a:rPr>
+                        <a:t>Hoch</a:t>
+                      </a:r>
+                      <a:endParaRPr lang="de-CH" sz="1800" dirty="0">
+                        <a:effectLst/>
+                        <a:latin typeface="Calibri"/>
+                        <a:ea typeface="Calibri"/>
+                        <a:cs typeface="Times New Roman"/>
+                      </a:endParaRPr>
+                    </a:p>
+                  </a:txBody>
+                  <a:tcPr marL="44450" marR="44450" marT="0" marB="0" anchor="ctr"/>
+                </a:tc>
+                <a:tc>
+                  <a:txBody>
+                    <a:bodyPr/>
+                    <a:lstStyle/>
+                    <a:p>
+                      <a:pPr>
+                        <a:lnSpc>
+                          <a:spcPct val="115000"/>
+                        </a:lnSpc>
+                        <a:spcAft>
+                          <a:spcPts val="0"/>
+                        </a:spcAft>
+                      </a:pPr>
+                      <a:r>
+                        <a:rPr lang="de-CH" sz="1800" dirty="0" smtClean="0">
+                          <a:effectLst/>
+                          <a:latin typeface="Arial (Body)"/>
+                          <a:ea typeface="Calibri"/>
+                          <a:cs typeface="Times New Roman"/>
+                        </a:rPr>
+                        <a:t>Weglassen, vereinfachen</a:t>
+                      </a:r>
+                      <a:endParaRPr lang="de-CH" sz="1800" dirty="0">
+                        <a:effectLst/>
+                        <a:latin typeface="Arial (Body)"/>
+                        <a:ea typeface="Calibri"/>
+                        <a:cs typeface="Times New Roman"/>
+                      </a:endParaRPr>
+                    </a:p>
+                  </a:txBody>
+                  <a:tcPr marL="44450" marR="44450" marT="0" marB="0" anchor="ctr"/>
+                </a:tc>
+              </a:tr>
+              <a:tr h="720080">
+                <a:tc>
+                  <a:txBody>
+                    <a:bodyPr/>
+                    <a:lstStyle/>
+                    <a:p>
+                      <a:pPr algn="r">
+                        <a:lnSpc>
+                          <a:spcPct val="115000"/>
+                        </a:lnSpc>
+                        <a:spcAft>
+                          <a:spcPts val="0"/>
+                        </a:spcAft>
+                      </a:pPr>
+                      <a:r>
+                        <a:rPr lang="de-CH" sz="1800">
+                          <a:effectLst/>
+                        </a:rPr>
+                        <a:t>6</a:t>
+                      </a:r>
+                      <a:endParaRPr lang="de-CH" sz="1800">
+                        <a:effectLst/>
+                        <a:latin typeface="Calibri"/>
+                        <a:ea typeface="Calibri"/>
+                        <a:cs typeface="Times New Roman"/>
+                      </a:endParaRPr>
+                    </a:p>
+                  </a:txBody>
+                  <a:tcPr marL="44450" marR="44450" marT="0" marB="0" anchor="ctr"/>
+                </a:tc>
+                <a:tc>
+                  <a:txBody>
+                    <a:bodyPr/>
+                    <a:lstStyle/>
+                    <a:p>
+                      <a:pPr>
+                        <a:lnSpc>
+                          <a:spcPct val="115000"/>
+                        </a:lnSpc>
+                        <a:spcAft>
+                          <a:spcPts val="0"/>
+                        </a:spcAft>
+                      </a:pPr>
+                      <a:r>
+                        <a:rPr lang="de-CH" sz="1800" dirty="0">
+                          <a:effectLst/>
+                        </a:rPr>
+                        <a:t>Personaldefizit</a:t>
+                      </a:r>
+                      <a:endParaRPr lang="de-CH" sz="1800" dirty="0">
+                        <a:effectLst/>
+                        <a:latin typeface="Calibri"/>
+                        <a:ea typeface="Calibri"/>
+                        <a:cs typeface="Times New Roman"/>
+                      </a:endParaRPr>
+                    </a:p>
+                  </a:txBody>
+                  <a:tcPr marL="44450" marR="44450" marT="0" marB="0" anchor="ctr"/>
+                </a:tc>
+                <a:tc>
+                  <a:txBody>
+                    <a:bodyPr/>
+                    <a:lstStyle/>
+                    <a:p>
+                      <a:pPr>
+                        <a:lnSpc>
+                          <a:spcPct val="115000"/>
+                        </a:lnSpc>
+                        <a:spcAft>
+                          <a:spcPts val="0"/>
+                        </a:spcAft>
+                      </a:pPr>
+                      <a:r>
+                        <a:rPr lang="de-CH" sz="1800" dirty="0" smtClean="0">
+                          <a:effectLst/>
+                        </a:rPr>
+                        <a:t>2</a:t>
+                      </a:r>
+                      <a:endParaRPr lang="de-CH" sz="1800" dirty="0">
+                        <a:effectLst/>
+                        <a:latin typeface="Calibri"/>
+                        <a:ea typeface="Calibri"/>
+                        <a:cs typeface="Times New Roman"/>
+                      </a:endParaRPr>
+                    </a:p>
+                  </a:txBody>
+                  <a:tcPr marL="44450" marR="44450" marT="0" marB="0" anchor="ctr"/>
+                </a:tc>
+                <a:tc>
+                  <a:txBody>
+                    <a:bodyPr/>
+                    <a:lstStyle/>
+                    <a:p>
+                      <a:pPr>
+                        <a:lnSpc>
+                          <a:spcPct val="115000"/>
+                        </a:lnSpc>
+                        <a:spcAft>
+                          <a:spcPts val="0"/>
+                        </a:spcAft>
+                      </a:pPr>
+                      <a:r>
+                        <a:rPr lang="de-CH" sz="1800" dirty="0">
+                          <a:effectLst/>
+                        </a:rPr>
+                        <a:t>Mittel</a:t>
+                      </a:r>
+                      <a:endParaRPr lang="de-CH" sz="1800" dirty="0">
+                        <a:effectLst/>
+                        <a:latin typeface="Calibri"/>
+                        <a:ea typeface="Calibri"/>
+                        <a:cs typeface="Times New Roman"/>
+                      </a:endParaRPr>
+                    </a:p>
+                  </a:txBody>
+                  <a:tcPr marL="44450" marR="44450" marT="0" marB="0" anchor="ctr"/>
+                </a:tc>
+                <a:tc>
+                  <a:txBody>
+                    <a:bodyPr/>
+                    <a:lstStyle/>
+                    <a:p>
+                      <a:pPr>
+                        <a:lnSpc>
+                          <a:spcPct val="115000"/>
+                        </a:lnSpc>
+                        <a:spcAft>
+                          <a:spcPts val="0"/>
+                        </a:spcAft>
+                      </a:pPr>
+                      <a:r>
+                        <a:rPr lang="de-CH" sz="1800" dirty="0" smtClean="0">
+                          <a:effectLst/>
+                          <a:latin typeface="Arial (Body)"/>
+                          <a:ea typeface="Calibri"/>
+                          <a:cs typeface="Times New Roman"/>
+                        </a:rPr>
+                        <a:t>Viel Wissenstransfer</a:t>
+                      </a:r>
+                      <a:endParaRPr lang="de-CH" sz="1800" dirty="0">
+                        <a:effectLst/>
+                        <a:latin typeface="Arial (Body)"/>
+                        <a:ea typeface="Calibri"/>
+                        <a:cs typeface="Times New Roman"/>
+                      </a:endParaRPr>
+                    </a:p>
+                  </a:txBody>
+                  <a:tcPr marL="44450" marR="44450" marT="0" marB="0" anchor="ctr"/>
+                </a:tc>
+              </a:tr>
+              <a:tr h="1080120">
+                <a:tc>
+                  <a:txBody>
+                    <a:bodyPr/>
+                    <a:lstStyle/>
+                    <a:p>
+                      <a:pPr algn="r">
+                        <a:lnSpc>
+                          <a:spcPct val="115000"/>
+                        </a:lnSpc>
+                        <a:spcAft>
+                          <a:spcPts val="0"/>
+                        </a:spcAft>
+                      </a:pPr>
+                      <a:r>
+                        <a:rPr lang="de-CH" sz="1800">
+                          <a:effectLst/>
+                        </a:rPr>
+                        <a:t>7</a:t>
+                      </a:r>
+                      <a:endParaRPr lang="de-CH" sz="1800">
+                        <a:effectLst/>
+                        <a:latin typeface="Calibri"/>
+                        <a:ea typeface="Calibri"/>
+                        <a:cs typeface="Times New Roman"/>
+                      </a:endParaRPr>
+                    </a:p>
+                  </a:txBody>
+                  <a:tcPr marL="44450" marR="44450" marT="0" marB="0" anchor="ctr"/>
+                </a:tc>
+                <a:tc>
+                  <a:txBody>
+                    <a:bodyPr/>
+                    <a:lstStyle/>
+                    <a:p>
+                      <a:pPr>
+                        <a:lnSpc>
+                          <a:spcPct val="115000"/>
+                        </a:lnSpc>
+                        <a:spcAft>
+                          <a:spcPts val="0"/>
+                        </a:spcAft>
+                      </a:pPr>
+                      <a:r>
+                        <a:rPr lang="de-CH" sz="1800" dirty="0" smtClean="0">
+                          <a:effectLst/>
+                        </a:rPr>
+                        <a:t>Zeitmanagement</a:t>
+                      </a:r>
+                      <a:endParaRPr lang="de-CH" sz="1800" dirty="0">
+                        <a:effectLst/>
+                        <a:latin typeface="Calibri"/>
+                        <a:ea typeface="Calibri"/>
+                        <a:cs typeface="Times New Roman"/>
+                      </a:endParaRPr>
+                    </a:p>
+                  </a:txBody>
+                  <a:tcPr marL="44450" marR="44450" marT="0" marB="0" anchor="ctr"/>
+                </a:tc>
+                <a:tc>
+                  <a:txBody>
+                    <a:bodyPr/>
+                    <a:lstStyle/>
+                    <a:p>
+                      <a:pPr>
+                        <a:lnSpc>
+                          <a:spcPct val="115000"/>
+                        </a:lnSpc>
+                        <a:spcAft>
+                          <a:spcPts val="0"/>
+                        </a:spcAft>
+                      </a:pPr>
+                      <a:r>
+                        <a:rPr lang="de-CH" sz="1800" dirty="0" smtClean="0">
+                          <a:effectLst/>
+                        </a:rPr>
+                        <a:t>1</a:t>
+                      </a:r>
+                      <a:endParaRPr lang="de-CH" sz="1800" dirty="0">
+                        <a:effectLst/>
+                        <a:latin typeface="Calibri"/>
+                        <a:ea typeface="Calibri"/>
+                        <a:cs typeface="Times New Roman"/>
+                      </a:endParaRPr>
+                    </a:p>
+                  </a:txBody>
+                  <a:tcPr marL="44450" marR="44450" marT="0" marB="0" anchor="ctr"/>
+                </a:tc>
+                <a:tc>
+                  <a:txBody>
+                    <a:bodyPr/>
+                    <a:lstStyle/>
+                    <a:p>
+                      <a:pPr>
+                        <a:lnSpc>
+                          <a:spcPct val="115000"/>
+                        </a:lnSpc>
+                        <a:spcAft>
+                          <a:spcPts val="0"/>
+                        </a:spcAft>
+                      </a:pPr>
+                      <a:r>
+                        <a:rPr lang="de-CH" sz="1800">
+                          <a:effectLst/>
+                        </a:rPr>
+                        <a:t>Hoch</a:t>
+                      </a:r>
+                      <a:endParaRPr lang="de-CH" sz="1800">
+                        <a:effectLst/>
+                        <a:latin typeface="Calibri"/>
+                        <a:ea typeface="Calibri"/>
+                        <a:cs typeface="Times New Roman"/>
+                      </a:endParaRPr>
+                    </a:p>
+                  </a:txBody>
+                  <a:tcPr marL="44450" marR="44450" marT="0" marB="0" anchor="ctr"/>
+                </a:tc>
+                <a:tc>
+                  <a:txBody>
+                    <a:bodyPr/>
+                    <a:lstStyle/>
+                    <a:p>
+                      <a:pPr>
+                        <a:lnSpc>
+                          <a:spcPct val="115000"/>
+                        </a:lnSpc>
+                        <a:spcAft>
+                          <a:spcPts val="0"/>
+                        </a:spcAft>
+                      </a:pPr>
+                      <a:r>
+                        <a:rPr lang="de-CH" sz="1800" dirty="0" smtClean="0">
+                          <a:effectLst/>
+                          <a:latin typeface="Arial (Body)"/>
+                          <a:ea typeface="Calibri"/>
+                          <a:cs typeface="Times New Roman"/>
+                        </a:rPr>
+                        <a:t>Realistisch Planen, Verzögerungen frühzeitig erkennen</a:t>
+                      </a:r>
+                      <a:endParaRPr lang="de-CH" sz="1800" dirty="0">
+                        <a:effectLst/>
+                        <a:latin typeface="Arial (Body)"/>
+                        <a:ea typeface="Calibri"/>
+                        <a:cs typeface="Times New Roman"/>
+                      </a:endParaRPr>
+                    </a:p>
+                  </a:txBody>
+                  <a:tcPr marL="44450" marR="44450" marT="0" marB="0" anchor="ctr"/>
+                </a:tc>
+              </a:tr>
+              <a:tr h="720080">
+                <a:tc>
+                  <a:txBody>
+                    <a:bodyPr/>
+                    <a:lstStyle/>
+                    <a:p>
+                      <a:pPr algn="r">
+                        <a:lnSpc>
+                          <a:spcPct val="115000"/>
+                        </a:lnSpc>
+                        <a:spcAft>
+                          <a:spcPts val="0"/>
+                        </a:spcAft>
+                      </a:pPr>
+                      <a:r>
+                        <a:rPr lang="de-CH" sz="1800">
+                          <a:effectLst/>
+                        </a:rPr>
+                        <a:t>8</a:t>
+                      </a:r>
+                      <a:endParaRPr lang="de-CH" sz="1800">
+                        <a:effectLst/>
+                        <a:latin typeface="Calibri"/>
+                        <a:ea typeface="Calibri"/>
+                        <a:cs typeface="Times New Roman"/>
+                      </a:endParaRPr>
+                    </a:p>
+                  </a:txBody>
+                  <a:tcPr marL="44450" marR="44450" marT="0" marB="0" anchor="ctr"/>
+                </a:tc>
+                <a:tc>
+                  <a:txBody>
+                    <a:bodyPr/>
+                    <a:lstStyle/>
+                    <a:p>
+                      <a:pPr>
+                        <a:lnSpc>
+                          <a:spcPct val="115000"/>
+                        </a:lnSpc>
+                        <a:spcAft>
+                          <a:spcPts val="0"/>
+                        </a:spcAft>
+                      </a:pPr>
+                      <a:r>
+                        <a:rPr lang="de-CH" sz="1800" dirty="0">
+                          <a:effectLst/>
+                        </a:rPr>
+                        <a:t>Know-how Defizit</a:t>
+                      </a:r>
+                      <a:endParaRPr lang="de-CH" sz="1800" dirty="0">
+                        <a:effectLst/>
+                        <a:latin typeface="Calibri"/>
+                        <a:ea typeface="Calibri"/>
+                        <a:cs typeface="Times New Roman"/>
+                      </a:endParaRPr>
+                    </a:p>
+                  </a:txBody>
+                  <a:tcPr marL="44450" marR="44450" marT="0" marB="0" anchor="ctr"/>
+                </a:tc>
+                <a:tc>
+                  <a:txBody>
+                    <a:bodyPr/>
+                    <a:lstStyle/>
+                    <a:p>
+                      <a:pPr>
+                        <a:lnSpc>
+                          <a:spcPct val="115000"/>
+                        </a:lnSpc>
+                        <a:spcAft>
+                          <a:spcPts val="0"/>
+                        </a:spcAft>
+                      </a:pPr>
+                      <a:r>
+                        <a:rPr lang="de-CH" sz="1800" dirty="0" smtClean="0">
+                          <a:effectLst/>
+                        </a:rPr>
+                        <a:t>2</a:t>
+                      </a:r>
+                      <a:endParaRPr lang="de-CH" sz="1800" dirty="0">
+                        <a:effectLst/>
+                        <a:latin typeface="Calibri"/>
+                        <a:ea typeface="Calibri"/>
+                        <a:cs typeface="Times New Roman"/>
+                      </a:endParaRPr>
+                    </a:p>
+                  </a:txBody>
+                  <a:tcPr marL="44450" marR="44450" marT="0" marB="0" anchor="ctr"/>
+                </a:tc>
+                <a:tc>
+                  <a:txBody>
+                    <a:bodyPr/>
+                    <a:lstStyle/>
+                    <a:p>
+                      <a:pPr>
+                        <a:lnSpc>
+                          <a:spcPct val="115000"/>
+                        </a:lnSpc>
+                        <a:spcAft>
+                          <a:spcPts val="0"/>
+                        </a:spcAft>
+                      </a:pPr>
+                      <a:r>
+                        <a:rPr lang="de-CH" sz="1800" dirty="0">
+                          <a:effectLst/>
+                        </a:rPr>
+                        <a:t>Gering</a:t>
+                      </a:r>
+                      <a:endParaRPr lang="de-CH" sz="1800" dirty="0">
+                        <a:effectLst/>
+                        <a:latin typeface="Calibri"/>
+                        <a:ea typeface="Calibri"/>
+                        <a:cs typeface="Times New Roman"/>
+                      </a:endParaRPr>
+                    </a:p>
+                  </a:txBody>
+                  <a:tcPr marL="44450" marR="44450" marT="0" marB="0" anchor="ctr"/>
+                </a:tc>
+                <a:tc>
+                  <a:txBody>
+                    <a:bodyPr/>
+                    <a:lstStyle/>
+                    <a:p>
+                      <a:pPr>
+                        <a:lnSpc>
+                          <a:spcPct val="115000"/>
+                        </a:lnSpc>
+                        <a:spcAft>
+                          <a:spcPts val="0"/>
+                        </a:spcAft>
+                      </a:pPr>
+                      <a:r>
+                        <a:rPr lang="de-CH" sz="1800" dirty="0" smtClean="0">
+                          <a:effectLst/>
+                          <a:latin typeface="Arial (Body)"/>
+                          <a:ea typeface="Calibri"/>
+                          <a:cs typeface="Times New Roman"/>
+                        </a:rPr>
+                        <a:t>Viel Wissenstransfer</a:t>
+                      </a:r>
+                      <a:endParaRPr lang="de-CH" sz="1800" dirty="0">
+                        <a:effectLst/>
+                        <a:latin typeface="Arial (Body)"/>
+                        <a:ea typeface="Calibri"/>
+                        <a:cs typeface="Times New Roman"/>
+                      </a:endParaRPr>
+                    </a:p>
+                  </a:txBody>
+                  <a:tcPr marL="44450" marR="44450" marT="0" marB="0" anchor="ctr"/>
+                </a:tc>
+              </a:tr>
+            </a:tbl>
+          </a:graphicData>
+        </a:graphic>
+      </p:graphicFrame>
     </p:spTree>
     <p:extLst>
       <p:ext uri="{BB962C8B-B14F-4D97-AF65-F5344CB8AC3E}">
-        <p14:creationId xmlns:p14="http://schemas.microsoft.com/office/powerpoint/2010/main" val="3178079573"/>
+        <p14:creationId xmlns:p14="http://schemas.microsoft.com/office/powerpoint/2010/main" val="798543875"/>
       </p:ext>
     </p:extLst>
   </p:cSld>
@@ -4417,4 +12718,289 @@
   <a:objectDefaults/>
   <a:extraClrSchemeLst/>
 </a:theme>
+</file>
+
+<file path=ppt/theme/theme2.xml><?xml version="1.0" encoding="utf-8"?>
+<a:theme xmlns:a="http://schemas.openxmlformats.org/drawingml/2006/main" name="Office Theme">
+  <a:themeElements>
+    <a:clrScheme name="Office">
+      <a:dk1>
+        <a:sysClr val="windowText" lastClr="000000"/>
+      </a:dk1>
+      <a:lt1>
+        <a:sysClr val="window" lastClr="FFFFFF"/>
+      </a:lt1>
+      <a:dk2>
+        <a:srgbClr val="1F497D"/>
+      </a:dk2>
+      <a:lt2>
+        <a:srgbClr val="EEECE1"/>
+      </a:lt2>
+      <a:accent1>
+        <a:srgbClr val="4F81BD"/>
+      </a:accent1>
+      <a:accent2>
+        <a:srgbClr val="C0504D"/>
+      </a:accent2>
+      <a:accent3>
+        <a:srgbClr val="9BBB59"/>
+      </a:accent3>
+      <a:accent4>
+        <a:srgbClr val="8064A2"/>
+      </a:accent4>
+      <a:accent5>
+        <a:srgbClr val="4BACC6"/>
+      </a:accent5>
+      <a:accent6>
+        <a:srgbClr val="F79646"/>
+      </a:accent6>
+      <a:hlink>
+        <a:srgbClr val="0000FF"/>
+      </a:hlink>
+      <a:folHlink>
+        <a:srgbClr val="800080"/>
+      </a:folHlink>
+    </a:clrScheme>
+    <a:fontScheme name="Office">
+      <a:majorFont>
+        <a:latin typeface="Calibri"/>
+        <a:ea typeface=""/>
+        <a:cs typeface=""/>
+        <a:font script="Jpan" typeface="ＭＳ Ｐゴシック"/>
+        <a:font script="Hang" typeface="맑은 고딕"/>
+        <a:font script="Hans" typeface="宋体"/>
+        <a:font script="Hant" typeface="新細明體"/>
+        <a:font script="Arab" typeface="Times New Roman"/>
+        <a:font script="Hebr" typeface="Times New Roman"/>
+        <a:font script="Thai" typeface="Angsana New"/>
+        <a:font script="Ethi" typeface="Nyala"/>
+        <a:font script="Beng" typeface="Vrinda"/>
+        <a:font script="Gujr" typeface="Shruti"/>
+        <a:font script="Khmr" typeface="MoolBoran"/>
+        <a:font script="Knda" typeface="Tunga"/>
+        <a:font script="Guru" typeface="Raavi"/>
+        <a:font script="Cans" typeface="Euphemia"/>
+        <a:font script="Cher" typeface="Plantagenet Cherokee"/>
+        <a:font script="Yiii" typeface="Microsoft Yi Baiti"/>
+        <a:font script="Tibt" typeface="Microsoft Himalaya"/>
+        <a:font script="Thaa" typeface="MV Boli"/>
+        <a:font script="Deva" typeface="Mangal"/>
+        <a:font script="Telu" typeface="Gautami"/>
+        <a:font script="Taml" typeface="Latha"/>
+        <a:font script="Syrc" typeface="Estrangelo Edessa"/>
+        <a:font script="Orya" typeface="Kalinga"/>
+        <a:font script="Mlym" typeface="Kartika"/>
+        <a:font script="Laoo" typeface="DokChampa"/>
+        <a:font script="Sinh" typeface="Iskoola Pota"/>
+        <a:font script="Mong" typeface="Mongolian Baiti"/>
+        <a:font script="Viet" typeface="Times New Roman"/>
+        <a:font script="Uigh" typeface="Microsoft Uighur"/>
+        <a:font script="Geor" typeface="Sylfaen"/>
+      </a:majorFont>
+      <a:minorFont>
+        <a:latin typeface="Calibri"/>
+        <a:ea typeface=""/>
+        <a:cs typeface=""/>
+        <a:font script="Jpan" typeface="ＭＳ Ｐゴシック"/>
+        <a:font script="Hang" typeface="맑은 고딕"/>
+        <a:font script="Hans" typeface="宋体"/>
+        <a:font script="Hant" typeface="新細明體"/>
+        <a:font script="Arab" typeface="Arial"/>
+        <a:font script="Hebr" typeface="Arial"/>
+        <a:font script="Thai" typeface="Cordia New"/>
+        <a:font script="Ethi" typeface="Nyala"/>
+        <a:font script="Beng" typeface="Vrinda"/>
+        <a:font script="Gujr" typeface="Shruti"/>
+        <a:font script="Khmr" typeface="DaunPenh"/>
+        <a:font script="Knda" typeface="Tunga"/>
+        <a:font script="Guru" typeface="Raavi"/>
+        <a:font script="Cans" typeface="Euphemia"/>
+        <a:font script="Cher" typeface="Plantagenet Cherokee"/>
+        <a:font script="Yiii" typeface="Microsoft Yi Baiti"/>
+        <a:font script="Tibt" typeface="Microsoft Himalaya"/>
+        <a:font script="Thaa" typeface="MV Boli"/>
+        <a:font script="Deva" typeface="Mangal"/>
+        <a:font script="Telu" typeface="Gautami"/>
+        <a:font script="Taml" typeface="Latha"/>
+        <a:font script="Syrc" typeface="Estrangelo Edessa"/>
+        <a:font script="Orya" typeface="Kalinga"/>
+        <a:font script="Mlym" typeface="Kartika"/>
+        <a:font script="Laoo" typeface="DokChampa"/>
+        <a:font script="Sinh" typeface="Iskoola Pota"/>
+        <a:font script="Mong" typeface="Mongolian Baiti"/>
+        <a:font script="Viet" typeface="Arial"/>
+        <a:font script="Uigh" typeface="Microsoft Uighur"/>
+        <a:font script="Geor" typeface="Sylfaen"/>
+      </a:minorFont>
+    </a:fontScheme>
+    <a:fmtScheme name="Office">
+      <a:fillStyleLst>
+        <a:solidFill>
+          <a:schemeClr val="phClr"/>
+        </a:solidFill>
+        <a:gradFill rotWithShape="1">
+          <a:gsLst>
+            <a:gs pos="0">
+              <a:schemeClr val="phClr">
+                <a:tint val="50000"/>
+                <a:satMod val="300000"/>
+              </a:schemeClr>
+            </a:gs>
+            <a:gs pos="35000">
+              <a:schemeClr val="phClr">
+                <a:tint val="37000"/>
+                <a:satMod val="300000"/>
+              </a:schemeClr>
+            </a:gs>
+            <a:gs pos="100000">
+              <a:schemeClr val="phClr">
+                <a:tint val="15000"/>
+                <a:satMod val="350000"/>
+              </a:schemeClr>
+            </a:gs>
+          </a:gsLst>
+          <a:lin ang="16200000" scaled="1"/>
+        </a:gradFill>
+        <a:gradFill rotWithShape="1">
+          <a:gsLst>
+            <a:gs pos="0">
+              <a:schemeClr val="phClr">
+                <a:shade val="51000"/>
+                <a:satMod val="130000"/>
+              </a:schemeClr>
+            </a:gs>
+            <a:gs pos="80000">
+              <a:schemeClr val="phClr">
+                <a:shade val="93000"/>
+                <a:satMod val="130000"/>
+              </a:schemeClr>
+            </a:gs>
+            <a:gs pos="100000">
+              <a:schemeClr val="phClr">
+                <a:shade val="94000"/>
+                <a:satMod val="135000"/>
+              </a:schemeClr>
+            </a:gs>
+          </a:gsLst>
+          <a:lin ang="16200000" scaled="0"/>
+        </a:gradFill>
+      </a:fillStyleLst>
+      <a:lnStyleLst>
+        <a:ln w="9525" cap="flat" cmpd="sng" algn="ctr">
+          <a:solidFill>
+            <a:schemeClr val="phClr">
+              <a:shade val="95000"/>
+              <a:satMod val="105000"/>
+            </a:schemeClr>
+          </a:solidFill>
+          <a:prstDash val="solid"/>
+        </a:ln>
+        <a:ln w="25400" cap="flat" cmpd="sng" algn="ctr">
+          <a:solidFill>
+            <a:schemeClr val="phClr"/>
+          </a:solidFill>
+          <a:prstDash val="solid"/>
+        </a:ln>
+        <a:ln w="38100" cap="flat" cmpd="sng" algn="ctr">
+          <a:solidFill>
+            <a:schemeClr val="phClr"/>
+          </a:solidFill>
+          <a:prstDash val="solid"/>
+        </a:ln>
+      </a:lnStyleLst>
+      <a:effectStyleLst>
+        <a:effectStyle>
+          <a:effectLst>
+            <a:outerShdw blurRad="40000" dist="20000" dir="5400000" rotWithShape="0">
+              <a:srgbClr val="000000">
+                <a:alpha val="38000"/>
+              </a:srgbClr>
+            </a:outerShdw>
+          </a:effectLst>
+        </a:effectStyle>
+        <a:effectStyle>
+          <a:effectLst>
+            <a:outerShdw blurRad="40000" dist="23000" dir="5400000" rotWithShape="0">
+              <a:srgbClr val="000000">
+                <a:alpha val="35000"/>
+              </a:srgbClr>
+            </a:outerShdw>
+          </a:effectLst>
+        </a:effectStyle>
+        <a:effectStyle>
+          <a:effectLst>
+            <a:outerShdw blurRad="40000" dist="23000" dir="5400000" rotWithShape="0">
+              <a:srgbClr val="000000">
+                <a:alpha val="35000"/>
+              </a:srgbClr>
+            </a:outerShdw>
+          </a:effectLst>
+          <a:scene3d>
+            <a:camera prst="orthographicFront">
+              <a:rot lat="0" lon="0" rev="0"/>
+            </a:camera>
+            <a:lightRig rig="threePt" dir="t">
+              <a:rot lat="0" lon="0" rev="1200000"/>
+            </a:lightRig>
+          </a:scene3d>
+          <a:sp3d>
+            <a:bevelT w="63500" h="25400"/>
+          </a:sp3d>
+        </a:effectStyle>
+      </a:effectStyleLst>
+      <a:bgFillStyleLst>
+        <a:solidFill>
+          <a:schemeClr val="phClr"/>
+        </a:solidFill>
+        <a:gradFill rotWithShape="1">
+          <a:gsLst>
+            <a:gs pos="0">
+              <a:schemeClr val="phClr">
+                <a:tint val="40000"/>
+                <a:satMod val="350000"/>
+              </a:schemeClr>
+            </a:gs>
+            <a:gs pos="40000">
+              <a:schemeClr val="phClr">
+                <a:tint val="45000"/>
+                <a:shade val="99000"/>
+                <a:satMod val="350000"/>
+              </a:schemeClr>
+            </a:gs>
+            <a:gs pos="100000">
+              <a:schemeClr val="phClr">
+                <a:shade val="20000"/>
+                <a:satMod val="255000"/>
+              </a:schemeClr>
+            </a:gs>
+          </a:gsLst>
+          <a:path path="circle">
+            <a:fillToRect l="50000" t="-80000" r="50000" b="180000"/>
+          </a:path>
+        </a:gradFill>
+        <a:gradFill rotWithShape="1">
+          <a:gsLst>
+            <a:gs pos="0">
+              <a:schemeClr val="phClr">
+                <a:tint val="80000"/>
+                <a:satMod val="300000"/>
+              </a:schemeClr>
+            </a:gs>
+            <a:gs pos="100000">
+              <a:schemeClr val="phClr">
+                <a:shade val="30000"/>
+                <a:satMod val="200000"/>
+              </a:schemeClr>
+            </a:gs>
+          </a:gsLst>
+          <a:path path="circle">
+            <a:fillToRect l="50000" t="50000" r="50000" b="50000"/>
+          </a:path>
+        </a:gradFill>
+      </a:bgFillStyleLst>
+    </a:fmtScheme>
+  </a:themeElements>
+  <a:objectDefaults/>
+  <a:extraClrSchemeLst/>
+</a:theme>
 </file>